--- a/doc/cpu.pptx
+++ b/doc/cpu.pptx
@@ -1646,8 +1646,8 @@
         </p:nvSpPr>
         <p:spPr>
           <a:xfrm>
-            <a:off x="5812560" y="1584360"/>
-            <a:ext cx="3815280" cy="2303280"/>
+            <a:off x="5812560" y="1476360"/>
+            <a:ext cx="3814920" cy="2302920"/>
           </a:xfrm>
           <a:prstGeom prst="rect">
             <a:avLst/>
@@ -1676,8 +1676,8 @@
         </p:nvSpPr>
         <p:spPr>
           <a:xfrm>
-            <a:off x="412560" y="2520360"/>
-            <a:ext cx="4031280" cy="2303280"/>
+            <a:off x="412560" y="2412360"/>
+            <a:ext cx="4030920" cy="2302920"/>
           </a:xfrm>
           <a:prstGeom prst="rect">
             <a:avLst/>
@@ -1706,8 +1706,8 @@
         </p:nvSpPr>
         <p:spPr>
           <a:xfrm>
-            <a:off x="6702840" y="936360"/>
-            <a:ext cx="1439280" cy="575280"/>
+            <a:off x="6702840" y="828360"/>
+            <a:ext cx="1438920" cy="574920"/>
           </a:xfrm>
           <a:prstGeom prst="rect">
             <a:avLst/>
@@ -1781,8 +1781,8 @@
         </p:nvSpPr>
         <p:spPr>
           <a:xfrm>
-            <a:off x="4686840" y="720360"/>
-            <a:ext cx="287280" cy="6263280"/>
+            <a:off x="4686840" y="612360"/>
+            <a:ext cx="286920" cy="6262920"/>
           </a:xfrm>
           <a:prstGeom prst="rect">
             <a:avLst/>
@@ -1836,8 +1836,8 @@
         </p:nvSpPr>
         <p:spPr>
           <a:xfrm>
-            <a:off x="9870840" y="720360"/>
-            <a:ext cx="287280" cy="6263280"/>
+            <a:off x="9870840" y="612360"/>
+            <a:ext cx="286920" cy="6262920"/>
           </a:xfrm>
           <a:prstGeom prst="rect">
             <a:avLst/>
@@ -1891,8 +1891,8 @@
         </p:nvSpPr>
         <p:spPr>
           <a:xfrm>
-            <a:off x="6702840" y="1728360"/>
-            <a:ext cx="1439280" cy="575280"/>
+            <a:off x="6702840" y="1620360"/>
+            <a:ext cx="1438920" cy="574920"/>
           </a:xfrm>
           <a:prstGeom prst="rect">
             <a:avLst/>
@@ -1966,8 +1966,8 @@
         </p:nvSpPr>
         <p:spPr>
           <a:xfrm>
-            <a:off x="6702840" y="2448360"/>
-            <a:ext cx="1439280" cy="1295280"/>
+            <a:off x="6702840" y="2340360"/>
+            <a:ext cx="1438920" cy="1294920"/>
           </a:xfrm>
           <a:prstGeom prst="rect">
             <a:avLst/>
@@ -2008,9 +2008,6 @@
               <a:t>64K x 8</a:t>
             </a:r>
             <a:endParaRPr b="0" lang="de-DE" sz="700" spc="-1" strike="noStrike">
-              <a:solidFill>
-                <a:srgbClr val="ffffff"/>
-              </a:solidFill>
               <a:latin typeface="Arial"/>
             </a:endParaRPr>
           </a:p>
@@ -2031,9 +2028,6 @@
               <a:t>RAM</a:t>
             </a:r>
             <a:endParaRPr b="0" lang="de-DE" sz="700" spc="-1" strike="noStrike">
-              <a:solidFill>
-                <a:srgbClr val="ffffff"/>
-              </a:solidFill>
               <a:latin typeface="Arial"/>
             </a:endParaRPr>
           </a:p>
@@ -2047,8 +2041,8 @@
         </p:nvSpPr>
         <p:spPr>
           <a:xfrm>
-            <a:off x="6702840" y="3960360"/>
-            <a:ext cx="1439280" cy="431280"/>
+            <a:off x="6702840" y="3852360"/>
+            <a:ext cx="1438920" cy="430920"/>
           </a:xfrm>
           <a:prstGeom prst="rect">
             <a:avLst/>
@@ -2102,8 +2096,8 @@
         </p:nvSpPr>
         <p:spPr>
           <a:xfrm>
-            <a:off x="6702840" y="4464360"/>
-            <a:ext cx="1439280" cy="431280"/>
+            <a:off x="6702840" y="4356360"/>
+            <a:ext cx="1438920" cy="430920"/>
           </a:xfrm>
           <a:prstGeom prst="rect">
             <a:avLst/>
@@ -2157,8 +2151,8 @@
         </p:nvSpPr>
         <p:spPr>
           <a:xfrm rot="16200000">
-            <a:off x="7962840" y="4213080"/>
-            <a:ext cx="935280" cy="431280"/>
+            <a:off x="7962840" y="4105440"/>
+            <a:ext cx="934920" cy="430920"/>
           </a:xfrm>
           <a:prstGeom prst="rect">
             <a:avLst/>
@@ -2212,8 +2206,8 @@
         </p:nvSpPr>
         <p:spPr>
           <a:xfrm>
-            <a:off x="1518840" y="1008360"/>
-            <a:ext cx="1439280" cy="431280"/>
+            <a:off x="1518840" y="900360"/>
+            <a:ext cx="1438920" cy="430920"/>
           </a:xfrm>
           <a:prstGeom prst="rect">
             <a:avLst/>
@@ -2287,8 +2281,8 @@
         </p:nvSpPr>
         <p:spPr>
           <a:xfrm>
-            <a:off x="1518840" y="1656360"/>
-            <a:ext cx="1439280" cy="431280"/>
+            <a:off x="1518840" y="1548360"/>
+            <a:ext cx="1438920" cy="430920"/>
           </a:xfrm>
           <a:prstGeom prst="rect">
             <a:avLst/>
@@ -2342,8 +2336,8 @@
         </p:nvSpPr>
         <p:spPr>
           <a:xfrm>
-            <a:off x="1518840" y="2664360"/>
-            <a:ext cx="1439280" cy="431280"/>
+            <a:off x="1518840" y="2556360"/>
+            <a:ext cx="1438920" cy="430920"/>
           </a:xfrm>
           <a:prstGeom prst="rect">
             <a:avLst/>
@@ -2397,8 +2391,8 @@
         </p:nvSpPr>
         <p:spPr>
           <a:xfrm>
-            <a:off x="1512360" y="3240360"/>
-            <a:ext cx="1439280" cy="863280"/>
+            <a:off x="1512360" y="3132360"/>
+            <a:ext cx="1438920" cy="862920"/>
           </a:xfrm>
           <a:prstGeom prst="rect">
             <a:avLst/>
@@ -2439,9 +2433,6 @@
               <a:t>Adder / Substractor</a:t>
             </a:r>
             <a:endParaRPr b="0" lang="de-DE" sz="700" spc="-1" strike="noStrike">
-              <a:solidFill>
-                <a:srgbClr val="ffffff"/>
-              </a:solidFill>
               <a:latin typeface="Arial"/>
             </a:endParaRPr>
           </a:p>
@@ -2455,8 +2446,8 @@
         </p:nvSpPr>
         <p:spPr>
           <a:xfrm>
-            <a:off x="1512360" y="4248360"/>
-            <a:ext cx="1439280" cy="431280"/>
+            <a:off x="1512360" y="4140360"/>
+            <a:ext cx="1438920" cy="430920"/>
           </a:xfrm>
           <a:prstGeom prst="rect">
             <a:avLst/>
@@ -2510,8 +2501,8 @@
         </p:nvSpPr>
         <p:spPr>
           <a:xfrm>
-            <a:off x="1512360" y="4896360"/>
-            <a:ext cx="1439280" cy="431280"/>
+            <a:off x="1512360" y="4788360"/>
+            <a:ext cx="1438920" cy="430920"/>
           </a:xfrm>
           <a:prstGeom prst="rect">
             <a:avLst/>
@@ -2565,8 +2556,8 @@
         </p:nvSpPr>
         <p:spPr>
           <a:xfrm>
-            <a:off x="1512360" y="5544360"/>
-            <a:ext cx="1439280" cy="431280"/>
+            <a:off x="1512360" y="5436360"/>
+            <a:ext cx="1438920" cy="430920"/>
           </a:xfrm>
           <a:prstGeom prst="rect">
             <a:avLst/>
@@ -2620,8 +2611,8 @@
         </p:nvSpPr>
         <p:spPr>
           <a:xfrm>
-            <a:off x="1512360" y="6185880"/>
-            <a:ext cx="1439280" cy="437760"/>
+            <a:off x="1512360" y="6077880"/>
+            <a:ext cx="1438920" cy="437400"/>
           </a:xfrm>
           <a:prstGeom prst="rect">
             <a:avLst/>
@@ -2675,7 +2666,7 @@
         </p:nvSpPr>
         <p:spPr>
           <a:xfrm>
-            <a:off x="936360" y="3672360"/>
+            <a:off x="936360" y="3564360"/>
             <a:ext cx="572760" cy="0"/>
           </a:xfrm>
           <a:prstGeom prst="line">
@@ -2729,7 +2720,7 @@
         </p:nvSpPr>
         <p:spPr>
           <a:xfrm>
-            <a:off x="2238840" y="2091600"/>
+            <a:off x="2238840" y="1983600"/>
             <a:ext cx="0" cy="572760"/>
           </a:xfrm>
           <a:prstGeom prst="line">
@@ -2783,7 +2774,7 @@
         </p:nvSpPr>
         <p:spPr>
           <a:xfrm>
-            <a:off x="4974840" y="1440360"/>
+            <a:off x="4974840" y="1332360"/>
             <a:ext cx="1728000" cy="0"/>
           </a:xfrm>
           <a:prstGeom prst="line">
@@ -2837,7 +2828,7 @@
         </p:nvSpPr>
         <p:spPr>
           <a:xfrm>
-            <a:off x="4974840" y="1008360"/>
+            <a:off x="4974840" y="900360"/>
             <a:ext cx="1728000" cy="0"/>
           </a:xfrm>
           <a:prstGeom prst="line">
@@ -2891,7 +2882,7 @@
         </p:nvSpPr>
         <p:spPr>
           <a:xfrm>
-            <a:off x="8142840" y="1368360"/>
+            <a:off x="8142840" y="1260360"/>
             <a:ext cx="1728000" cy="0"/>
           </a:xfrm>
           <a:prstGeom prst="line">
@@ -2945,7 +2936,7 @@
         </p:nvSpPr>
         <p:spPr>
           <a:xfrm>
-            <a:off x="8142840" y="1080360"/>
+            <a:off x="8142840" y="972360"/>
             <a:ext cx="1728000" cy="0"/>
           </a:xfrm>
           <a:prstGeom prst="line">
@@ -2999,7 +2990,7 @@
         </p:nvSpPr>
         <p:spPr>
           <a:xfrm>
-            <a:off x="4974840" y="1296360"/>
+            <a:off x="4974840" y="1188360"/>
             <a:ext cx="1728000" cy="0"/>
           </a:xfrm>
           <a:prstGeom prst="line">
@@ -3053,7 +3044,7 @@
         </p:nvSpPr>
         <p:spPr>
           <a:xfrm>
-            <a:off x="4974840" y="1152360"/>
+            <a:off x="4974840" y="1044360"/>
             <a:ext cx="1728000" cy="0"/>
           </a:xfrm>
           <a:prstGeom prst="line">
@@ -3107,7 +3098,7 @@
         </p:nvSpPr>
         <p:spPr>
           <a:xfrm>
-            <a:off x="2958840" y="1368360"/>
+            <a:off x="2958840" y="1260360"/>
             <a:ext cx="1728000" cy="0"/>
           </a:xfrm>
           <a:prstGeom prst="line">
@@ -3161,7 +3152,7 @@
         </p:nvSpPr>
         <p:spPr>
           <a:xfrm>
-            <a:off x="2958840" y="1080360"/>
+            <a:off x="2958840" y="972360"/>
             <a:ext cx="1728000" cy="0"/>
           </a:xfrm>
           <a:prstGeom prst="line">
@@ -3215,7 +3206,7 @@
         </p:nvSpPr>
         <p:spPr>
           <a:xfrm>
-            <a:off x="8146080" y="4680360"/>
+            <a:off x="8146080" y="4572360"/>
             <a:ext cx="68760" cy="0"/>
           </a:xfrm>
           <a:prstGeom prst="line">
@@ -3243,8 +3234,8 @@
         </p:nvSpPr>
         <p:spPr>
           <a:xfrm>
-            <a:off x="6702840" y="5112360"/>
-            <a:ext cx="1439280" cy="431280"/>
+            <a:off x="6702840" y="5004360"/>
+            <a:ext cx="1438920" cy="430920"/>
           </a:xfrm>
           <a:prstGeom prst="rect">
             <a:avLst/>
@@ -3298,8 +3289,8 @@
         </p:nvSpPr>
         <p:spPr>
           <a:xfrm>
-            <a:off x="6702840" y="5616360"/>
-            <a:ext cx="1439280" cy="431280"/>
+            <a:off x="6702840" y="5508360"/>
+            <a:ext cx="1438920" cy="430920"/>
           </a:xfrm>
           <a:prstGeom prst="rect">
             <a:avLst/>
@@ -3353,8 +3344,8 @@
         </p:nvSpPr>
         <p:spPr>
           <a:xfrm rot="16200000">
-            <a:off x="7962840" y="5365080"/>
-            <a:ext cx="935280" cy="431280"/>
+            <a:off x="7962840" y="5257440"/>
+            <a:ext cx="934920" cy="430920"/>
           </a:xfrm>
           <a:prstGeom prst="rect">
             <a:avLst/>
@@ -3408,7 +3399,7 @@
         </p:nvSpPr>
         <p:spPr>
           <a:xfrm>
-            <a:off x="8142840" y="4176360"/>
+            <a:off x="8142840" y="4068360"/>
             <a:ext cx="68760" cy="0"/>
           </a:xfrm>
           <a:prstGeom prst="line">
@@ -3436,7 +3427,7 @@
         </p:nvSpPr>
         <p:spPr>
           <a:xfrm>
-            <a:off x="8146080" y="5328360"/>
+            <a:off x="8146080" y="5220360"/>
             <a:ext cx="68760" cy="0"/>
           </a:xfrm>
           <a:prstGeom prst="line">
@@ -3464,7 +3455,7 @@
         </p:nvSpPr>
         <p:spPr>
           <a:xfrm>
-            <a:off x="8142840" y="5832360"/>
+            <a:off x="8142840" y="5724360"/>
             <a:ext cx="68760" cy="0"/>
           </a:xfrm>
           <a:prstGeom prst="line">
@@ -3492,8 +3483,8 @@
         </p:nvSpPr>
         <p:spPr>
           <a:xfrm rot="16200000">
-            <a:off x="2886840" y="3457080"/>
-            <a:ext cx="863280" cy="431280"/>
+            <a:off x="2886840" y="3349440"/>
+            <a:ext cx="862920" cy="430920"/>
           </a:xfrm>
           <a:prstGeom prst="rect">
             <a:avLst/>
@@ -3547,8 +3538,8 @@
         </p:nvSpPr>
         <p:spPr>
           <a:xfrm rot="16200000">
-            <a:off x="288360" y="3457080"/>
-            <a:ext cx="863280" cy="431280"/>
+            <a:off x="288360" y="3349440"/>
+            <a:ext cx="862920" cy="430920"/>
           </a:xfrm>
           <a:prstGeom prst="rect">
             <a:avLst/>
@@ -3602,7 +3593,7 @@
         </p:nvSpPr>
         <p:spPr>
           <a:xfrm>
-            <a:off x="4974840" y="3240360"/>
+            <a:off x="4974840" y="3132360"/>
             <a:ext cx="1075320" cy="0"/>
           </a:xfrm>
           <a:prstGeom prst="line">
@@ -3656,7 +3647,7 @@
         </p:nvSpPr>
         <p:spPr>
           <a:xfrm>
-            <a:off x="4974840" y="2952360"/>
+            <a:off x="4974840" y="2844360"/>
             <a:ext cx="1075320" cy="0"/>
           </a:xfrm>
           <a:prstGeom prst="line">
@@ -3710,7 +3701,7 @@
         </p:nvSpPr>
         <p:spPr>
           <a:xfrm flipV="1">
-            <a:off x="2238840" y="3099600"/>
+            <a:off x="2238840" y="2991600"/>
             <a:ext cx="0" cy="140760"/>
           </a:xfrm>
           <a:prstGeom prst="line">
@@ -3739,7 +3730,7 @@
         </p:nvSpPr>
         <p:spPr>
           <a:xfrm flipV="1">
-            <a:off x="2238840" y="4104360"/>
+            <a:off x="2238840" y="3996360"/>
             <a:ext cx="0" cy="140760"/>
           </a:xfrm>
           <a:prstGeom prst="line">
@@ -3768,7 +3759,7 @@
         </p:nvSpPr>
         <p:spPr>
           <a:xfrm>
-            <a:off x="2962080" y="3672360"/>
+            <a:off x="2962080" y="3564360"/>
             <a:ext cx="140760" cy="0"/>
           </a:xfrm>
           <a:prstGeom prst="line">
@@ -3797,8 +3788,8 @@
         </p:nvSpPr>
         <p:spPr>
           <a:xfrm rot="16200000">
-            <a:off x="5690160" y="2809080"/>
-            <a:ext cx="1295280" cy="575280"/>
+            <a:off x="5690160" y="2701440"/>
+            <a:ext cx="1294920" cy="574920"/>
           </a:xfrm>
           <a:prstGeom prst="rect">
             <a:avLst/>
@@ -3872,7 +3863,7 @@
         </p:nvSpPr>
         <p:spPr>
           <a:xfrm flipV="1">
-            <a:off x="7422840" y="2304360"/>
+            <a:off x="7422840" y="2196360"/>
             <a:ext cx="0" cy="140760"/>
           </a:xfrm>
           <a:prstGeom prst="line">
@@ -3901,7 +3892,7 @@
         </p:nvSpPr>
         <p:spPr>
           <a:xfrm>
-            <a:off x="4974840" y="1872360"/>
+            <a:off x="4974840" y="1764360"/>
             <a:ext cx="1728000" cy="0"/>
           </a:xfrm>
           <a:prstGeom prst="line">
@@ -3955,7 +3946,7 @@
         </p:nvSpPr>
         <p:spPr>
           <a:xfrm>
-            <a:off x="4974840" y="2160360"/>
+            <a:off x="4974840" y="2052360"/>
             <a:ext cx="1728000" cy="0"/>
           </a:xfrm>
           <a:prstGeom prst="line">
@@ -4009,7 +4000,7 @@
         </p:nvSpPr>
         <p:spPr>
           <a:xfrm>
-            <a:off x="3534840" y="3672360"/>
+            <a:off x="3534840" y="3564360"/>
             <a:ext cx="1152000" cy="0"/>
           </a:xfrm>
           <a:prstGeom prst="line">
@@ -4063,7 +4054,7 @@
         </p:nvSpPr>
         <p:spPr>
           <a:xfrm>
-            <a:off x="2952360" y="4464360"/>
+            <a:off x="2952360" y="4356360"/>
             <a:ext cx="1728000" cy="0"/>
           </a:xfrm>
           <a:prstGeom prst="line">
@@ -4117,7 +4108,7 @@
         </p:nvSpPr>
         <p:spPr>
           <a:xfrm>
-            <a:off x="2958840" y="2016360"/>
+            <a:off x="2958840" y="1908360"/>
             <a:ext cx="1728000" cy="0"/>
           </a:xfrm>
           <a:prstGeom prst="line">
@@ -4171,7 +4162,7 @@
         </p:nvSpPr>
         <p:spPr>
           <a:xfrm>
-            <a:off x="2958840" y="1728360"/>
+            <a:off x="2958840" y="1620360"/>
             <a:ext cx="1728000" cy="0"/>
           </a:xfrm>
           <a:prstGeom prst="line">
@@ -4225,7 +4216,7 @@
         </p:nvSpPr>
         <p:spPr>
           <a:xfrm>
-            <a:off x="2952360" y="5256360"/>
+            <a:off x="2952360" y="5148360"/>
             <a:ext cx="1728000" cy="0"/>
           </a:xfrm>
           <a:prstGeom prst="line">
@@ -4279,7 +4270,7 @@
         </p:nvSpPr>
         <p:spPr>
           <a:xfrm>
-            <a:off x="2952360" y="4968360"/>
+            <a:off x="2952360" y="4860360"/>
             <a:ext cx="1728000" cy="0"/>
           </a:xfrm>
           <a:prstGeom prst="line">
@@ -4333,7 +4324,7 @@
         </p:nvSpPr>
         <p:spPr>
           <a:xfrm>
-            <a:off x="2952360" y="5904360"/>
+            <a:off x="2952360" y="5796360"/>
             <a:ext cx="1728000" cy="0"/>
           </a:xfrm>
           <a:prstGeom prst="line">
@@ -4387,7 +4378,7 @@
         </p:nvSpPr>
         <p:spPr>
           <a:xfrm>
-            <a:off x="2952360" y="5616360"/>
+            <a:off x="2952360" y="5508360"/>
             <a:ext cx="1728000" cy="0"/>
           </a:xfrm>
           <a:prstGeom prst="line">
@@ -4441,7 +4432,7 @@
         </p:nvSpPr>
         <p:spPr>
           <a:xfrm>
-            <a:off x="2952360" y="6552360"/>
+            <a:off x="2952360" y="6444360"/>
             <a:ext cx="1728000" cy="0"/>
           </a:xfrm>
           <a:prstGeom prst="line">
@@ -4495,7 +4486,7 @@
         </p:nvSpPr>
         <p:spPr>
           <a:xfrm>
-            <a:off x="2952360" y="6264360"/>
+            <a:off x="2952360" y="6156360"/>
             <a:ext cx="1728000" cy="0"/>
           </a:xfrm>
           <a:prstGeom prst="line">
@@ -4549,7 +4540,7 @@
         </p:nvSpPr>
         <p:spPr>
           <a:xfrm>
-            <a:off x="8142840" y="2016360"/>
+            <a:off x="8142840" y="1908360"/>
             <a:ext cx="1728000" cy="0"/>
           </a:xfrm>
           <a:prstGeom prst="line">
@@ -4603,7 +4594,7 @@
         </p:nvSpPr>
         <p:spPr>
           <a:xfrm>
-            <a:off x="4974840" y="4320360"/>
+            <a:off x="4974840" y="4212360"/>
             <a:ext cx="1728000" cy="0"/>
           </a:xfrm>
           <a:prstGeom prst="line">
@@ -4657,7 +4648,7 @@
         </p:nvSpPr>
         <p:spPr>
           <a:xfrm>
-            <a:off x="4974840" y="4032360"/>
+            <a:off x="4974840" y="3924360"/>
             <a:ext cx="1728000" cy="0"/>
           </a:xfrm>
           <a:prstGeom prst="line">
@@ -4711,7 +4702,7 @@
         </p:nvSpPr>
         <p:spPr>
           <a:xfrm>
-            <a:off x="4974840" y="4824360"/>
+            <a:off x="4974840" y="4716360"/>
             <a:ext cx="1728000" cy="0"/>
           </a:xfrm>
           <a:prstGeom prst="line">
@@ -4765,7 +4756,7 @@
         </p:nvSpPr>
         <p:spPr>
           <a:xfrm>
-            <a:off x="4974840" y="4536360"/>
+            <a:off x="4974840" y="4428360"/>
             <a:ext cx="1728000" cy="0"/>
           </a:xfrm>
           <a:prstGeom prst="line">
@@ -4819,7 +4810,7 @@
         </p:nvSpPr>
         <p:spPr>
           <a:xfrm>
-            <a:off x="4974840" y="5472360"/>
+            <a:off x="4974840" y="5364360"/>
             <a:ext cx="1728000" cy="0"/>
           </a:xfrm>
           <a:prstGeom prst="line">
@@ -4873,7 +4864,7 @@
         </p:nvSpPr>
         <p:spPr>
           <a:xfrm>
-            <a:off x="4974840" y="5184360"/>
+            <a:off x="4974840" y="5076360"/>
             <a:ext cx="1728000" cy="0"/>
           </a:xfrm>
           <a:prstGeom prst="line">
@@ -4927,7 +4918,7 @@
         </p:nvSpPr>
         <p:spPr>
           <a:xfrm>
-            <a:off x="4974840" y="5976360"/>
+            <a:off x="4974840" y="5868360"/>
             <a:ext cx="1728000" cy="0"/>
           </a:xfrm>
           <a:prstGeom prst="line">
@@ -4981,7 +4972,7 @@
         </p:nvSpPr>
         <p:spPr>
           <a:xfrm>
-            <a:off x="4974840" y="5688360"/>
+            <a:off x="4974840" y="5580360"/>
             <a:ext cx="1728000" cy="0"/>
           </a:xfrm>
           <a:prstGeom prst="line">
@@ -5035,7 +5026,7 @@
         </p:nvSpPr>
         <p:spPr>
           <a:xfrm>
-            <a:off x="8646840" y="4608360"/>
+            <a:off x="8646840" y="4500360"/>
             <a:ext cx="1224000" cy="0"/>
           </a:xfrm>
           <a:prstGeom prst="line">
@@ -5089,7 +5080,7 @@
         </p:nvSpPr>
         <p:spPr>
           <a:xfrm>
-            <a:off x="8646840" y="4248360"/>
+            <a:off x="8646840" y="4140360"/>
             <a:ext cx="1224000" cy="0"/>
           </a:xfrm>
           <a:prstGeom prst="line">
@@ -5143,7 +5134,7 @@
         </p:nvSpPr>
         <p:spPr>
           <a:xfrm>
-            <a:off x="8646840" y="5544360"/>
+            <a:off x="8646840" y="5436360"/>
             <a:ext cx="1224000" cy="0"/>
           </a:xfrm>
           <a:prstGeom prst="line">
@@ -5197,8 +5188,8 @@
         </p:nvSpPr>
         <p:spPr>
           <a:xfrm>
-            <a:off x="1518840" y="432360"/>
-            <a:ext cx="1439280" cy="431280"/>
+            <a:off x="1518840" y="324360"/>
+            <a:ext cx="1438920" cy="430920"/>
           </a:xfrm>
           <a:prstGeom prst="rect">
             <a:avLst/>
@@ -5236,12 +5227,29 @@
                 <a:latin typeface="Arial"/>
                 <a:ea typeface="DejaVu Sans"/>
               </a:rPr>
-              <a:t>Control Unit</a:t>
+              <a:t>Control Unit /</a:t>
             </a:r>
             <a:endParaRPr b="0" lang="de-DE" sz="700" spc="-1" strike="noStrike">
-              <a:solidFill>
-                <a:srgbClr val="ffffff"/>
-              </a:solidFill>
+              <a:latin typeface="Arial"/>
+            </a:endParaRPr>
+          </a:p>
+          <a:p>
+            <a:pPr algn="ctr">
+              <a:lnSpc>
+                <a:spcPct val="100000"/>
+              </a:lnSpc>
+            </a:pPr>
+            <a:r>
+              <a:rPr b="0" lang="de-DE" sz="700" spc="-1" strike="noStrike">
+                <a:solidFill>
+                  <a:srgbClr val="ffffff"/>
+                </a:solidFill>
+                <a:latin typeface="Arial"/>
+                <a:ea typeface="DejaVu Sans"/>
+              </a:rPr>
+              <a:t>Microsequencer</a:t>
+            </a:r>
+            <a:endParaRPr b="0" lang="de-DE" sz="700" spc="-1" strike="noStrike">
               <a:latin typeface="Arial"/>
             </a:endParaRPr>
           </a:p>
@@ -5255,7 +5263,7 @@
         </p:nvSpPr>
         <p:spPr>
           <a:xfrm flipV="1">
-            <a:off x="2238840" y="867600"/>
+            <a:off x="2238840" y="759600"/>
             <a:ext cx="0" cy="140760"/>
           </a:xfrm>
           <a:prstGeom prst="line">
@@ -5284,7 +5292,7 @@
         </p:nvSpPr>
         <p:spPr>
           <a:xfrm>
-            <a:off x="736560" y="648360"/>
+            <a:off x="736560" y="540360"/>
             <a:ext cx="0" cy="2588760"/>
           </a:xfrm>
           <a:prstGeom prst="line">
@@ -5312,7 +5320,7 @@
         </p:nvSpPr>
         <p:spPr>
           <a:xfrm>
-            <a:off x="736560" y="648360"/>
+            <a:off x="736560" y="540360"/>
             <a:ext cx="782280" cy="0"/>
           </a:xfrm>
           <a:prstGeom prst="line">
@@ -5341,8 +5349,8 @@
         </p:nvSpPr>
         <p:spPr>
           <a:xfrm>
-            <a:off x="4654080" y="432000"/>
-            <a:ext cx="365760" cy="302760"/>
+            <a:off x="4654080" y="324000"/>
+            <a:ext cx="365400" cy="409320"/>
           </a:xfrm>
           <a:prstGeom prst="rect">
             <a:avLst/>
@@ -5412,8 +5420,8 @@
         </p:nvSpPr>
         <p:spPr>
           <a:xfrm>
-            <a:off x="9772560" y="432360"/>
-            <a:ext cx="502920" cy="302760"/>
+            <a:off x="9772560" y="324360"/>
+            <a:ext cx="502560" cy="409320"/>
           </a:xfrm>
           <a:prstGeom prst="rect">
             <a:avLst/>
@@ -5483,8 +5491,8 @@
         </p:nvSpPr>
         <p:spPr>
           <a:xfrm>
-            <a:off x="3364560" y="2582640"/>
-            <a:ext cx="1031760" cy="546120"/>
+            <a:off x="3364560" y="2474640"/>
+            <a:ext cx="1031400" cy="774360"/>
           </a:xfrm>
           <a:prstGeom prst="rect">
             <a:avLst/>
@@ -5554,8 +5562,8 @@
         </p:nvSpPr>
         <p:spPr>
           <a:xfrm>
-            <a:off x="8692560" y="3528360"/>
-            <a:ext cx="870480" cy="317880"/>
+            <a:off x="8692560" y="3420360"/>
+            <a:ext cx="870120" cy="546120"/>
           </a:xfrm>
           <a:prstGeom prst="rect">
             <a:avLst/>
@@ -5605,8 +5613,8 @@
         </p:nvSpPr>
         <p:spPr>
           <a:xfrm>
-            <a:off x="1471680" y="1224360"/>
-            <a:ext cx="308160" cy="241560"/>
+            <a:off x="1471680" y="1116360"/>
+            <a:ext cx="307800" cy="317520"/>
           </a:xfrm>
           <a:prstGeom prst="rect">
             <a:avLst/>
@@ -5676,8 +5684,8 @@
         </p:nvSpPr>
         <p:spPr>
           <a:xfrm>
-            <a:off x="6655680" y="1224360"/>
-            <a:ext cx="452160" cy="317520"/>
+            <a:off x="6655680" y="1116360"/>
+            <a:ext cx="451800" cy="317520"/>
           </a:xfrm>
           <a:prstGeom prst="rect">
             <a:avLst/>
@@ -5767,8 +5775,8 @@
         </p:nvSpPr>
         <p:spPr>
           <a:xfrm>
-            <a:off x="8167680" y="4752360"/>
-            <a:ext cx="308160" cy="165600"/>
+            <a:off x="8167680" y="4644360"/>
+            <a:ext cx="307800" cy="165600"/>
           </a:xfrm>
           <a:prstGeom prst="rect">
             <a:avLst/>
@@ -5818,8 +5826,8 @@
         </p:nvSpPr>
         <p:spPr>
           <a:xfrm>
-            <a:off x="8167680" y="5904360"/>
-            <a:ext cx="308160" cy="165600"/>
+            <a:off x="8167680" y="5796360"/>
+            <a:ext cx="307800" cy="165600"/>
           </a:xfrm>
           <a:prstGeom prst="rect">
             <a:avLst/>
@@ -5869,8 +5877,8 @@
         </p:nvSpPr>
         <p:spPr>
           <a:xfrm>
-            <a:off x="1471680" y="6480360"/>
-            <a:ext cx="308160" cy="165600"/>
+            <a:off x="1471680" y="6372360"/>
+            <a:ext cx="307800" cy="165600"/>
           </a:xfrm>
           <a:prstGeom prst="rect">
             <a:avLst/>
@@ -5920,8 +5928,8 @@
         </p:nvSpPr>
         <p:spPr>
           <a:xfrm>
-            <a:off x="1471680" y="5832360"/>
-            <a:ext cx="308160" cy="165600"/>
+            <a:off x="1471680" y="5724360"/>
+            <a:ext cx="307800" cy="165600"/>
           </a:xfrm>
           <a:prstGeom prst="rect">
             <a:avLst/>
@@ -5971,8 +5979,8 @@
         </p:nvSpPr>
         <p:spPr>
           <a:xfrm>
-            <a:off x="1471680" y="5184360"/>
-            <a:ext cx="308160" cy="165600"/>
+            <a:off x="1471680" y="5076360"/>
+            <a:ext cx="307800" cy="165600"/>
           </a:xfrm>
           <a:prstGeom prst="rect">
             <a:avLst/>
@@ -6022,8 +6030,8 @@
         </p:nvSpPr>
         <p:spPr>
           <a:xfrm>
-            <a:off x="463680" y="3888360"/>
-            <a:ext cx="308160" cy="241560"/>
+            <a:off x="463680" y="3780360"/>
+            <a:ext cx="307800" cy="317520"/>
           </a:xfrm>
           <a:prstGeom prst="rect">
             <a:avLst/>
@@ -6093,8 +6101,8 @@
         </p:nvSpPr>
         <p:spPr>
           <a:xfrm>
-            <a:off x="1471680" y="1944360"/>
-            <a:ext cx="308160" cy="165600"/>
+            <a:off x="1471680" y="1836360"/>
+            <a:ext cx="307800" cy="165600"/>
           </a:xfrm>
           <a:prstGeom prst="rect">
             <a:avLst/>
@@ -6144,8 +6152,8 @@
         </p:nvSpPr>
         <p:spPr>
           <a:xfrm>
-            <a:off x="1471680" y="2952360"/>
-            <a:ext cx="308160" cy="165600"/>
+            <a:off x="1471680" y="2844360"/>
+            <a:ext cx="307800" cy="165600"/>
           </a:xfrm>
           <a:prstGeom prst="rect">
             <a:avLst/>
@@ -6195,8 +6203,8 @@
         </p:nvSpPr>
         <p:spPr>
           <a:xfrm>
-            <a:off x="1471680" y="4536360"/>
-            <a:ext cx="308160" cy="165600"/>
+            <a:off x="1471680" y="4428360"/>
+            <a:ext cx="307800" cy="165600"/>
           </a:xfrm>
           <a:prstGeom prst="rect">
             <a:avLst/>
@@ -6246,8 +6254,8 @@
         </p:nvSpPr>
         <p:spPr>
           <a:xfrm>
-            <a:off x="6655680" y="2088360"/>
-            <a:ext cx="596160" cy="241920"/>
+            <a:off x="6655680" y="1980360"/>
+            <a:ext cx="595800" cy="241560"/>
           </a:xfrm>
           <a:prstGeom prst="rect">
             <a:avLst/>
@@ -6317,8 +6325,8 @@
         </p:nvSpPr>
         <p:spPr>
           <a:xfrm>
-            <a:off x="6655680" y="3582360"/>
-            <a:ext cx="308160" cy="165600"/>
+            <a:off x="6655680" y="3474360"/>
+            <a:ext cx="307800" cy="165600"/>
           </a:xfrm>
           <a:prstGeom prst="rect">
             <a:avLst/>
@@ -6368,8 +6376,8 @@
         </p:nvSpPr>
         <p:spPr>
           <a:xfrm>
-            <a:off x="1471680" y="3960360"/>
-            <a:ext cx="452160" cy="165960"/>
+            <a:off x="1471680" y="3852360"/>
+            <a:ext cx="451800" cy="165600"/>
           </a:xfrm>
           <a:prstGeom prst="rect">
             <a:avLst/>
@@ -6419,7 +6427,7 @@
         </p:nvSpPr>
         <p:spPr>
           <a:xfrm>
-            <a:off x="6634080" y="3096360"/>
+            <a:off x="6634080" y="2988360"/>
             <a:ext cx="68760" cy="0"/>
           </a:xfrm>
           <a:prstGeom prst="line">
@@ -6447,8 +6455,8 @@
         </p:nvSpPr>
         <p:spPr>
           <a:xfrm>
-            <a:off x="6702840" y="6246720"/>
-            <a:ext cx="1439280" cy="575280"/>
+            <a:off x="6702840" y="6138720"/>
+            <a:ext cx="1438920" cy="574920"/>
           </a:xfrm>
           <a:prstGeom prst="rect">
             <a:avLst/>
@@ -6522,7 +6530,7 @@
         </p:nvSpPr>
         <p:spPr>
           <a:xfrm>
-            <a:off x="4974840" y="6750720"/>
+            <a:off x="4974840" y="6642720"/>
             <a:ext cx="1728000" cy="0"/>
           </a:xfrm>
           <a:prstGeom prst="line">
@@ -6576,7 +6584,7 @@
         </p:nvSpPr>
         <p:spPr>
           <a:xfrm>
-            <a:off x="4974840" y="6318720"/>
+            <a:off x="4974840" y="6210720"/>
             <a:ext cx="1728000" cy="0"/>
           </a:xfrm>
           <a:prstGeom prst="line">
@@ -6630,7 +6638,7 @@
         </p:nvSpPr>
         <p:spPr>
           <a:xfrm>
-            <a:off x="8142840" y="6678720"/>
+            <a:off x="8142840" y="6570720"/>
             <a:ext cx="1728000" cy="0"/>
           </a:xfrm>
           <a:prstGeom prst="line">
@@ -6684,7 +6692,7 @@
         </p:nvSpPr>
         <p:spPr>
           <a:xfrm>
-            <a:off x="8142840" y="6390720"/>
+            <a:off x="8142840" y="6282720"/>
             <a:ext cx="1728000" cy="0"/>
           </a:xfrm>
           <a:prstGeom prst="line">
@@ -6738,7 +6746,7 @@
         </p:nvSpPr>
         <p:spPr>
           <a:xfrm>
-            <a:off x="4974840" y="6606720"/>
+            <a:off x="4974840" y="6498720"/>
             <a:ext cx="1728000" cy="0"/>
           </a:xfrm>
           <a:prstGeom prst="line">
@@ -6792,7 +6800,7 @@
         </p:nvSpPr>
         <p:spPr>
           <a:xfrm>
-            <a:off x="4974840" y="6462720"/>
+            <a:off x="4974840" y="6354720"/>
             <a:ext cx="1728000" cy="0"/>
           </a:xfrm>
           <a:prstGeom prst="line">
@@ -6846,8 +6854,8 @@
         </p:nvSpPr>
         <p:spPr>
           <a:xfrm>
-            <a:off x="6655680" y="6462720"/>
-            <a:ext cx="452160" cy="393480"/>
+            <a:off x="6655680" y="6354720"/>
+            <a:ext cx="451800" cy="393480"/>
           </a:xfrm>
           <a:prstGeom prst="rect">
             <a:avLst/>
@@ -6957,8 +6965,8 @@
         </p:nvSpPr>
         <p:spPr>
           <a:xfrm>
-            <a:off x="1491120" y="720000"/>
-            <a:ext cx="308160" cy="165600"/>
+            <a:off x="1483560" y="460440"/>
+            <a:ext cx="452880" cy="318240"/>
           </a:xfrm>
           <a:prstGeom prst="rect">
             <a:avLst/>
@@ -6998,6 +7006,46 @@
               <a:latin typeface="Arial"/>
             </a:endParaRPr>
           </a:p>
+          <a:p>
+            <a:pPr>
+              <a:lnSpc>
+                <a:spcPct val="100000"/>
+              </a:lnSpc>
+            </a:pPr>
+            <a:r>
+              <a:rPr b="0" lang="de-DE" sz="500" spc="-1" strike="noStrike">
+                <a:solidFill>
+                  <a:srgbClr val="ffffff"/>
+                </a:solidFill>
+                <a:latin typeface="Arial"/>
+                <a:ea typeface="DejaVu Sans"/>
+              </a:rPr>
+              <a:t>NXT</a:t>
+            </a:r>
+            <a:endParaRPr b="0" lang="de-DE" sz="500" spc="-1" strike="noStrike">
+              <a:latin typeface="Arial"/>
+            </a:endParaRPr>
+          </a:p>
+          <a:p>
+            <a:pPr>
+              <a:lnSpc>
+                <a:spcPct val="100000"/>
+              </a:lnSpc>
+            </a:pPr>
+            <a:r>
+              <a:rPr b="0" lang="de-DE" sz="500" spc="-1" strike="noStrike">
+                <a:solidFill>
+                  <a:srgbClr val="ffffff"/>
+                </a:solidFill>
+                <a:latin typeface="Arial"/>
+                <a:ea typeface="DejaVu Sans"/>
+              </a:rPr>
+              <a:t>RST</a:t>
+            </a:r>
+            <a:endParaRPr b="0" lang="de-DE" sz="500" spc="-1" strike="noStrike">
+              <a:latin typeface="Arial"/>
+            </a:endParaRPr>
+          </a:p>
         </p:txBody>
       </p:sp>
       <p:sp>
@@ -7008,7 +7056,7 @@
         </p:nvSpPr>
         <p:spPr>
           <a:xfrm>
-            <a:off x="1581480" y="768960"/>
+            <a:off x="1573920" y="509400"/>
             <a:ext cx="126000" cy="0"/>
           </a:xfrm>
           <a:prstGeom prst="line">
@@ -7036,8 +7084,8 @@
         </p:nvSpPr>
         <p:spPr>
           <a:xfrm>
-            <a:off x="2791440" y="995040"/>
-            <a:ext cx="308160" cy="165600"/>
+            <a:off x="2791440" y="887040"/>
+            <a:ext cx="307800" cy="165600"/>
           </a:xfrm>
           <a:prstGeom prst="rect">
             <a:avLst/>
@@ -7087,8 +7135,8 @@
         </p:nvSpPr>
         <p:spPr>
           <a:xfrm>
-            <a:off x="2791440" y="1634400"/>
-            <a:ext cx="308160" cy="165600"/>
+            <a:off x="2791440" y="1526400"/>
+            <a:ext cx="307800" cy="165600"/>
           </a:xfrm>
           <a:prstGeom prst="rect">
             <a:avLst/>
@@ -7138,8 +7186,8 @@
         </p:nvSpPr>
         <p:spPr>
           <a:xfrm>
-            <a:off x="2791440" y="2642400"/>
-            <a:ext cx="308160" cy="165600"/>
+            <a:off x="2791440" y="2534400"/>
+            <a:ext cx="307800" cy="165600"/>
           </a:xfrm>
           <a:prstGeom prst="rect">
             <a:avLst/>
@@ -7189,8 +7237,8 @@
         </p:nvSpPr>
         <p:spPr>
           <a:xfrm>
-            <a:off x="2791440" y="4248360"/>
-            <a:ext cx="308160" cy="165600"/>
+            <a:off x="2791440" y="4140360"/>
+            <a:ext cx="307800" cy="165600"/>
           </a:xfrm>
           <a:prstGeom prst="rect">
             <a:avLst/>
@@ -7240,8 +7288,8 @@
         </p:nvSpPr>
         <p:spPr>
           <a:xfrm>
-            <a:off x="2791440" y="4896360"/>
-            <a:ext cx="308160" cy="165600"/>
+            <a:off x="2791440" y="4788360"/>
+            <a:ext cx="307800" cy="165600"/>
           </a:xfrm>
           <a:prstGeom prst="rect">
             <a:avLst/>
@@ -7291,8 +7339,8 @@
         </p:nvSpPr>
         <p:spPr>
           <a:xfrm>
-            <a:off x="2791440" y="5529240"/>
-            <a:ext cx="308160" cy="165600"/>
+            <a:off x="2791440" y="5421240"/>
+            <a:ext cx="307800" cy="165600"/>
           </a:xfrm>
           <a:prstGeom prst="rect">
             <a:avLst/>
@@ -7342,8 +7390,8 @@
         </p:nvSpPr>
         <p:spPr>
           <a:xfrm>
-            <a:off x="2791440" y="6165360"/>
-            <a:ext cx="308160" cy="165600"/>
+            <a:off x="2791440" y="6057360"/>
+            <a:ext cx="307800" cy="165600"/>
           </a:xfrm>
           <a:prstGeom prst="rect">
             <a:avLst/>
@@ -7393,8 +7441,8 @@
         </p:nvSpPr>
         <p:spPr>
           <a:xfrm>
-            <a:off x="3384000" y="3223440"/>
-            <a:ext cx="308160" cy="165600"/>
+            <a:off x="3384000" y="3115440"/>
+            <a:ext cx="307800" cy="165600"/>
           </a:xfrm>
           <a:prstGeom prst="rect">
             <a:avLst/>
@@ -7444,8 +7492,8 @@
         </p:nvSpPr>
         <p:spPr>
           <a:xfrm>
-            <a:off x="779040" y="3216960"/>
-            <a:ext cx="308160" cy="165600"/>
+            <a:off x="779040" y="3108960"/>
+            <a:ext cx="307800" cy="165600"/>
           </a:xfrm>
           <a:prstGeom prst="rect">
             <a:avLst/>
@@ -7495,8 +7543,8 @@
         </p:nvSpPr>
         <p:spPr>
           <a:xfrm>
-            <a:off x="7949160" y="914400"/>
-            <a:ext cx="308160" cy="165600"/>
+            <a:off x="7949160" y="806400"/>
+            <a:ext cx="307800" cy="165600"/>
           </a:xfrm>
           <a:prstGeom prst="rect">
             <a:avLst/>
@@ -7546,8 +7594,8 @@
         </p:nvSpPr>
         <p:spPr>
           <a:xfrm>
-            <a:off x="7949160" y="1706400"/>
-            <a:ext cx="308160" cy="165600"/>
+            <a:off x="7949160" y="1598400"/>
+            <a:ext cx="307800" cy="165600"/>
           </a:xfrm>
           <a:prstGeom prst="rect">
             <a:avLst/>
@@ -7597,8 +7645,8 @@
         </p:nvSpPr>
         <p:spPr>
           <a:xfrm>
-            <a:off x="8456400" y="3938400"/>
-            <a:ext cx="308160" cy="165600"/>
+            <a:off x="8456400" y="3830400"/>
+            <a:ext cx="307800" cy="165600"/>
           </a:xfrm>
           <a:prstGeom prst="rect">
             <a:avLst/>
@@ -7648,8 +7696,8 @@
         </p:nvSpPr>
         <p:spPr>
           <a:xfrm>
-            <a:off x="8456400" y="5090400"/>
-            <a:ext cx="308160" cy="165600"/>
+            <a:off x="8456400" y="4982400"/>
+            <a:ext cx="307800" cy="165600"/>
           </a:xfrm>
           <a:prstGeom prst="rect">
             <a:avLst/>
@@ -7699,8 +7747,8 @@
         </p:nvSpPr>
         <p:spPr>
           <a:xfrm>
-            <a:off x="7955280" y="6218640"/>
-            <a:ext cx="308160" cy="165600"/>
+            <a:off x="7955280" y="6110640"/>
+            <a:ext cx="307800" cy="165600"/>
           </a:xfrm>
           <a:prstGeom prst="rect">
             <a:avLst/>
@@ -7750,8 +7798,8 @@
         </p:nvSpPr>
         <p:spPr>
           <a:xfrm>
-            <a:off x="7971840" y="3938400"/>
-            <a:ext cx="308160" cy="165600"/>
+            <a:off x="7971840" y="3830400"/>
+            <a:ext cx="307800" cy="165600"/>
           </a:xfrm>
           <a:prstGeom prst="rect">
             <a:avLst/>
@@ -7801,8 +7849,8 @@
         </p:nvSpPr>
         <p:spPr>
           <a:xfrm>
-            <a:off x="7971840" y="4442400"/>
-            <a:ext cx="308160" cy="165600"/>
+            <a:off x="7971840" y="4334400"/>
+            <a:ext cx="307800" cy="165600"/>
           </a:xfrm>
           <a:prstGeom prst="rect">
             <a:avLst/>
@@ -7852,8 +7900,8 @@
         </p:nvSpPr>
         <p:spPr>
           <a:xfrm>
-            <a:off x="7971840" y="5090400"/>
-            <a:ext cx="308160" cy="165600"/>
+            <a:off x="7971840" y="4982400"/>
+            <a:ext cx="307800" cy="165600"/>
           </a:xfrm>
           <a:prstGeom prst="rect">
             <a:avLst/>
@@ -7903,8 +7951,8 @@
         </p:nvSpPr>
         <p:spPr>
           <a:xfrm>
-            <a:off x="7971840" y="5594400"/>
-            <a:ext cx="308160" cy="165600"/>
+            <a:off x="7971840" y="5486400"/>
+            <a:ext cx="307800" cy="165600"/>
           </a:xfrm>
           <a:prstGeom prst="rect">
             <a:avLst/>
@@ -7954,8 +8002,8 @@
         </p:nvSpPr>
         <p:spPr>
           <a:xfrm>
-            <a:off x="6466320" y="2425320"/>
-            <a:ext cx="308160" cy="165600"/>
+            <a:off x="6466320" y="2317320"/>
+            <a:ext cx="307800" cy="165600"/>
           </a:xfrm>
           <a:prstGeom prst="rect">
             <a:avLst/>
@@ -7992,6 +8040,458 @@
               <a:t>8</a:t>
             </a:r>
             <a:endParaRPr b="0" lang="de-DE" sz="500" spc="-1" strike="noStrike">
+              <a:latin typeface="Arial"/>
+            </a:endParaRPr>
+          </a:p>
+        </p:txBody>
+      </p:sp>
+      <p:sp>
+        <p:nvSpPr>
+          <p:cNvPr id="158" name="CustomShape 121"/>
+          <p:cNvSpPr/>
+          <p:nvPr/>
+        </p:nvSpPr>
+        <p:spPr>
+          <a:xfrm>
+            <a:off x="3024000" y="325080"/>
+            <a:ext cx="713160" cy="430920"/>
+          </a:xfrm>
+          <a:prstGeom prst="rect">
+            <a:avLst/>
+          </a:prstGeom>
+          <a:solidFill>
+            <a:srgbClr val="000000"/>
+          </a:solidFill>
+          <a:ln>
+            <a:solidFill>
+              <a:srgbClr val="000000"/>
+            </a:solidFill>
+          </a:ln>
+        </p:spPr>
+        <p:style>
+          <a:lnRef idx="0"/>
+          <a:fillRef idx="0"/>
+          <a:effectRef idx="0"/>
+          <a:fontRef idx="minor"/>
+        </p:style>
+        <p:txBody>
+          <a:bodyPr wrap="none" lIns="90000" rIns="90000" tIns="45000" bIns="45000" anchor="ctr">
+            <a:noAutofit/>
+          </a:bodyPr>
+          <a:p>
+            <a:pPr algn="ctr">
+              <a:lnSpc>
+                <a:spcPct val="100000"/>
+              </a:lnSpc>
+            </a:pPr>
+            <a:r>
+              <a:rPr b="0" lang="de-DE" sz="700" spc="-1" strike="noStrike">
+                <a:solidFill>
+                  <a:srgbClr val="ffffff"/>
+                </a:solidFill>
+                <a:latin typeface="Arial"/>
+                <a:ea typeface="DejaVu Sans"/>
+              </a:rPr>
+              <a:t>Clock</a:t>
+            </a:r>
+            <a:endParaRPr b="0" lang="de-DE" sz="700" spc="-1" strike="noStrike">
+              <a:solidFill>
+                <a:srgbClr val="ffffff"/>
+              </a:solidFill>
+              <a:latin typeface="Arial"/>
+            </a:endParaRPr>
+          </a:p>
+        </p:txBody>
+      </p:sp>
+      <p:sp>
+        <p:nvSpPr>
+          <p:cNvPr id="159" name="Line 122"/>
+          <p:cNvSpPr/>
+          <p:nvPr/>
+        </p:nvSpPr>
+        <p:spPr>
+          <a:xfrm>
+            <a:off x="2957760" y="540000"/>
+            <a:ext cx="68760" cy="0"/>
+          </a:xfrm>
+          <a:prstGeom prst="line">
+            <a:avLst/>
+          </a:prstGeom>
+          <a:ln w="12600">
+            <a:solidFill>
+              <a:srgbClr val="000000"/>
+            </a:solidFill>
+            <a:round/>
+          </a:ln>
+        </p:spPr>
+        <p:style>
+          <a:lnRef idx="0"/>
+          <a:fillRef idx="0"/>
+          <a:effectRef idx="0"/>
+          <a:fontRef idx="minor"/>
+        </p:style>
+      </p:sp>
+      <p:sp>
+        <p:nvSpPr>
+          <p:cNvPr id="160" name="CustomShape 123"/>
+          <p:cNvSpPr/>
+          <p:nvPr/>
+        </p:nvSpPr>
+        <p:spPr>
+          <a:xfrm>
+            <a:off x="2957760" y="612000"/>
+            <a:ext cx="451800" cy="165600"/>
+          </a:xfrm>
+          <a:prstGeom prst="rect">
+            <a:avLst/>
+          </a:prstGeom>
+          <a:noFill/>
+          <a:ln>
+            <a:noFill/>
+          </a:ln>
+        </p:spPr>
+        <p:style>
+          <a:lnRef idx="0"/>
+          <a:fillRef idx="0"/>
+          <a:effectRef idx="0"/>
+          <a:fontRef idx="minor"/>
+        </p:style>
+        <p:txBody>
+          <a:bodyPr lIns="90000" rIns="90000" tIns="45000" bIns="45000">
+            <a:spAutoFit/>
+          </a:bodyPr>
+          <a:p>
+            <a:pPr>
+              <a:lnSpc>
+                <a:spcPct val="100000"/>
+              </a:lnSpc>
+            </a:pPr>
+            <a:r>
+              <a:rPr b="0" lang="de-DE" sz="500" spc="-1" strike="noStrike">
+                <a:solidFill>
+                  <a:srgbClr val="ffffff"/>
+                </a:solidFill>
+                <a:latin typeface="Arial"/>
+                <a:ea typeface="DejaVu Sans"/>
+              </a:rPr>
+              <a:t>HLT</a:t>
+            </a:r>
+            <a:endParaRPr b="0" lang="de-DE" sz="500" spc="-1" strike="noStrike">
+              <a:latin typeface="Arial"/>
+            </a:endParaRPr>
+          </a:p>
+        </p:txBody>
+      </p:sp>
+      <p:graphicFrame>
+        <p:nvGraphicFramePr>
+          <p:cNvPr id="161" name="Table 124"/>
+          <p:cNvGraphicFramePr/>
+          <p:nvPr/>
+        </p:nvGraphicFramePr>
+        <p:xfrm>
+          <a:off x="828360" y="6983280"/>
+          <a:ext cx="1727640" cy="192600"/>
+        </p:xfrm>
+        <a:graphic>
+          <a:graphicData uri="http://schemas.openxmlformats.org/drawingml/2006/table">
+            <a:tbl>
+              <a:tblPr/>
+              <a:tblGrid>
+                <a:gridCol w="216000"/>
+                <a:gridCol w="216000"/>
+                <a:gridCol w="216000"/>
+                <a:gridCol w="216000"/>
+                <a:gridCol w="216000"/>
+                <a:gridCol w="216000"/>
+                <a:gridCol w="216000"/>
+                <a:gridCol w="216000"/>
+              </a:tblGrid>
+              <a:tr h="192960">
+                <a:tc>
+                  <a:tcPr marL="90000" marR="90000">
+                    <a:lnL w="7200">
+                      <a:solidFill>
+                        <a:srgbClr val="000000"/>
+                      </a:solidFill>
+                    </a:lnL>
+                    <a:lnR w="7200">
+                      <a:solidFill>
+                        <a:srgbClr val="000000"/>
+                      </a:solidFill>
+                    </a:lnR>
+                    <a:lnT w="7200">
+                      <a:solidFill>
+                        <a:srgbClr val="000000"/>
+                      </a:solidFill>
+                    </a:lnT>
+                    <a:lnB w="7200">
+                      <a:solidFill>
+                        <a:srgbClr val="000000"/>
+                      </a:solidFill>
+                    </a:lnB>
+                    <a:noFill/>
+                  </a:tcPr>
+                </a:tc>
+                <a:tc>
+                  <a:tcPr marL="90000" marR="90000">
+                    <a:lnL w="7200">
+                      <a:solidFill>
+                        <a:srgbClr val="000000"/>
+                      </a:solidFill>
+                    </a:lnL>
+                    <a:lnR w="7200">
+                      <a:solidFill>
+                        <a:srgbClr val="000000"/>
+                      </a:solidFill>
+                    </a:lnR>
+                    <a:lnT w="7200">
+                      <a:solidFill>
+                        <a:srgbClr val="000000"/>
+                      </a:solidFill>
+                    </a:lnT>
+                    <a:lnB w="7200">
+                      <a:solidFill>
+                        <a:srgbClr val="000000"/>
+                      </a:solidFill>
+                    </a:lnB>
+                    <a:noFill/>
+                  </a:tcPr>
+                </a:tc>
+                <a:tc>
+                  <a:tcPr marL="90000" marR="90000">
+                    <a:lnL w="7200">
+                      <a:solidFill>
+                        <a:srgbClr val="000000"/>
+                      </a:solidFill>
+                    </a:lnL>
+                    <a:lnR w="7200">
+                      <a:solidFill>
+                        <a:srgbClr val="000000"/>
+                      </a:solidFill>
+                    </a:lnR>
+                    <a:lnT w="7200">
+                      <a:solidFill>
+                        <a:srgbClr val="000000"/>
+                      </a:solidFill>
+                    </a:lnT>
+                    <a:lnB w="7200">
+                      <a:solidFill>
+                        <a:srgbClr val="000000"/>
+                      </a:solidFill>
+                    </a:lnB>
+                    <a:noFill/>
+                  </a:tcPr>
+                </a:tc>
+                <a:tc>
+                  <a:tcPr marL="90000" marR="90000">
+                    <a:lnL w="7200">
+                      <a:solidFill>
+                        <a:srgbClr val="000000"/>
+                      </a:solidFill>
+                    </a:lnL>
+                    <a:lnR w="7200">
+                      <a:solidFill>
+                        <a:srgbClr val="000000"/>
+                      </a:solidFill>
+                    </a:lnR>
+                    <a:lnT w="7200">
+                      <a:solidFill>
+                        <a:srgbClr val="000000"/>
+                      </a:solidFill>
+                    </a:lnT>
+                    <a:lnB w="7200">
+                      <a:solidFill>
+                        <a:srgbClr val="000000"/>
+                      </a:solidFill>
+                    </a:lnB>
+                    <a:noFill/>
+                  </a:tcPr>
+                </a:tc>
+                <a:tc>
+                  <a:tcPr marL="90000" marR="90000">
+                    <a:lnL w="7200">
+                      <a:solidFill>
+                        <a:srgbClr val="000000"/>
+                      </a:solidFill>
+                    </a:lnL>
+                    <a:lnR w="7200">
+                      <a:solidFill>
+                        <a:srgbClr val="000000"/>
+                      </a:solidFill>
+                    </a:lnR>
+                    <a:lnT w="7200">
+                      <a:solidFill>
+                        <a:srgbClr val="000000"/>
+                      </a:solidFill>
+                    </a:lnT>
+                    <a:lnB w="7200">
+                      <a:solidFill>
+                        <a:srgbClr val="000000"/>
+                      </a:solidFill>
+                    </a:lnB>
+                    <a:noFill/>
+                  </a:tcPr>
+                </a:tc>
+                <a:tc>
+                  <a:tcPr marL="90000" marR="90000">
+                    <a:lnL w="7200">
+                      <a:solidFill>
+                        <a:srgbClr val="000000"/>
+                      </a:solidFill>
+                    </a:lnL>
+                    <a:lnR w="7200">
+                      <a:solidFill>
+                        <a:srgbClr val="000000"/>
+                      </a:solidFill>
+                    </a:lnR>
+                    <a:lnT w="7200">
+                      <a:solidFill>
+                        <a:srgbClr val="000000"/>
+                      </a:solidFill>
+                    </a:lnT>
+                    <a:lnB w="7200">
+                      <a:solidFill>
+                        <a:srgbClr val="000000"/>
+                      </a:solidFill>
+                    </a:lnB>
+                    <a:noFill/>
+                  </a:tcPr>
+                </a:tc>
+                <a:tc>
+                  <a:txBody>
+                    <a:bodyPr lIns="90000" rIns="90000" tIns="46800" bIns="46800" anchor="ctr">
+                      <a:noAutofit/>
+                    </a:bodyPr>
+                    <a:p>
+                      <a:pPr algn="ctr"/>
+                      <a:r>
+                        <a:rPr b="0" lang="de-DE" sz="700" spc="-1" strike="noStrike">
+                          <a:latin typeface="Arial"/>
+                        </a:rPr>
+                        <a:t>C</a:t>
+                      </a:r>
+                      <a:endParaRPr b="0" lang="de-DE" sz="700" spc="-1" strike="noStrike">
+                        <a:latin typeface="Arial"/>
+                      </a:endParaRPr>
+                    </a:p>
+                  </a:txBody>
+                  <a:tcPr marL="90000" marR="90000">
+                    <a:lnL w="7200">
+                      <a:solidFill>
+                        <a:srgbClr val="000000"/>
+                      </a:solidFill>
+                    </a:lnL>
+                    <a:lnR w="7200">
+                      <a:solidFill>
+                        <a:srgbClr val="000000"/>
+                      </a:solidFill>
+                    </a:lnR>
+                    <a:lnT w="7200">
+                      <a:solidFill>
+                        <a:srgbClr val="000000"/>
+                      </a:solidFill>
+                    </a:lnT>
+                    <a:lnB w="7200">
+                      <a:solidFill>
+                        <a:srgbClr val="000000"/>
+                      </a:solidFill>
+                    </a:lnB>
+                    <a:noFill/>
+                  </a:tcPr>
+                </a:tc>
+                <a:tc>
+                  <a:txBody>
+                    <a:bodyPr lIns="90000" rIns="90000" tIns="46800" bIns="46800" anchor="ctr">
+                      <a:noAutofit/>
+                    </a:bodyPr>
+                    <a:p>
+                      <a:pPr algn="ctr"/>
+                      <a:r>
+                        <a:rPr b="0" lang="de-DE" sz="700" spc="-1" strike="noStrike">
+                          <a:latin typeface="Arial"/>
+                        </a:rPr>
+                        <a:t>Z</a:t>
+                      </a:r>
+                      <a:endParaRPr b="0" lang="de-DE" sz="700" spc="-1" strike="noStrike">
+                        <a:latin typeface="Arial"/>
+                      </a:endParaRPr>
+                    </a:p>
+                  </a:txBody>
+                  <a:tcPr marL="90000" marR="90000">
+                    <a:lnL w="7200">
+                      <a:solidFill>
+                        <a:srgbClr val="000000"/>
+                      </a:solidFill>
+                    </a:lnL>
+                    <a:lnR w="7200">
+                      <a:solidFill>
+                        <a:srgbClr val="000000"/>
+                      </a:solidFill>
+                    </a:lnR>
+                    <a:lnT w="7200">
+                      <a:solidFill>
+                        <a:srgbClr val="000000"/>
+                      </a:solidFill>
+                    </a:lnT>
+                    <a:lnB w="7200">
+                      <a:solidFill>
+                        <a:srgbClr val="000000"/>
+                      </a:solidFill>
+                    </a:lnB>
+                    <a:noFill/>
+                  </a:tcPr>
+                </a:tc>
+              </a:tr>
+            </a:tbl>
+          </a:graphicData>
+        </a:graphic>
+      </p:graphicFrame>
+      <p:sp>
+        <p:nvSpPr>
+          <p:cNvPr id="162" name="CustomShape 125"/>
+          <p:cNvSpPr/>
+          <p:nvPr/>
+        </p:nvSpPr>
+        <p:spPr>
+          <a:xfrm>
+            <a:off x="402120" y="6983280"/>
+            <a:ext cx="437400" cy="196920"/>
+          </a:xfrm>
+          <a:prstGeom prst="rect">
+            <a:avLst/>
+          </a:prstGeom>
+          <a:noFill/>
+          <a:ln>
+            <a:noFill/>
+          </a:ln>
+        </p:spPr>
+        <p:style>
+          <a:lnRef idx="0"/>
+          <a:fillRef idx="0"/>
+          <a:effectRef idx="0"/>
+          <a:fontRef idx="minor"/>
+        </p:style>
+        <p:txBody>
+          <a:bodyPr lIns="90000" rIns="90000" tIns="45000" bIns="45000">
+            <a:spAutoFit/>
+          </a:bodyPr>
+          <a:p>
+            <a:pPr algn="ctr">
+              <a:lnSpc>
+                <a:spcPct val="100000"/>
+              </a:lnSpc>
+            </a:pPr>
+            <a:r>
+              <a:rPr b="0" lang="de-DE" sz="700" spc="-1" strike="noStrike">
+                <a:solidFill>
+                  <a:srgbClr val="000000"/>
+                </a:solidFill>
+                <a:latin typeface="Arial"/>
+                <a:ea typeface="DejaVu Sans"/>
+              </a:rPr>
+              <a:t>Flags</a:t>
+            </a:r>
+            <a:endParaRPr b="0" lang="de-DE" sz="700" spc="-1" strike="noStrike">
               <a:latin typeface="Arial"/>
             </a:endParaRPr>
           </a:p>

--- a/doc/cpu.pptx
+++ b/doc/cpu.pptx
@@ -1647,7 +1647,7 @@
         <p:spPr>
           <a:xfrm>
             <a:off x="5812560" y="1476360"/>
-            <a:ext cx="3814920" cy="2302920"/>
+            <a:ext cx="3814560" cy="2302560"/>
           </a:xfrm>
           <a:prstGeom prst="rect">
             <a:avLst/>
@@ -1677,7 +1677,7 @@
         <p:spPr>
           <a:xfrm>
             <a:off x="412560" y="2412360"/>
-            <a:ext cx="4030920" cy="2302920"/>
+            <a:ext cx="4030560" cy="2302560"/>
           </a:xfrm>
           <a:prstGeom prst="rect">
             <a:avLst/>
@@ -1707,7 +1707,7 @@
         <p:spPr>
           <a:xfrm>
             <a:off x="6702840" y="828360"/>
-            <a:ext cx="1438920" cy="574920"/>
+            <a:ext cx="1438560" cy="574560"/>
           </a:xfrm>
           <a:prstGeom prst="rect">
             <a:avLst/>
@@ -1782,7 +1782,7 @@
         <p:spPr>
           <a:xfrm>
             <a:off x="4686840" y="612360"/>
-            <a:ext cx="286920" cy="6262920"/>
+            <a:ext cx="286560" cy="6262560"/>
           </a:xfrm>
           <a:prstGeom prst="rect">
             <a:avLst/>
@@ -1837,7 +1837,7 @@
         <p:spPr>
           <a:xfrm>
             <a:off x="9870840" y="612360"/>
-            <a:ext cx="286920" cy="6262920"/>
+            <a:ext cx="286560" cy="6262560"/>
           </a:xfrm>
           <a:prstGeom prst="rect">
             <a:avLst/>
@@ -1892,7 +1892,7 @@
         <p:spPr>
           <a:xfrm>
             <a:off x="6702840" y="1620360"/>
-            <a:ext cx="1438920" cy="574920"/>
+            <a:ext cx="1438560" cy="574560"/>
           </a:xfrm>
           <a:prstGeom prst="rect">
             <a:avLst/>
@@ -1967,7 +1967,7 @@
         <p:spPr>
           <a:xfrm>
             <a:off x="6702840" y="2340360"/>
-            <a:ext cx="1438920" cy="1294920"/>
+            <a:ext cx="1438560" cy="1294560"/>
           </a:xfrm>
           <a:prstGeom prst="rect">
             <a:avLst/>
@@ -2042,7 +2042,7 @@
         <p:spPr>
           <a:xfrm>
             <a:off x="6702840" y="3852360"/>
-            <a:ext cx="1438920" cy="430920"/>
+            <a:ext cx="1438560" cy="430560"/>
           </a:xfrm>
           <a:prstGeom prst="rect">
             <a:avLst/>
@@ -2097,7 +2097,7 @@
         <p:spPr>
           <a:xfrm>
             <a:off x="6702840" y="4356360"/>
-            <a:ext cx="1438920" cy="430920"/>
+            <a:ext cx="1438560" cy="430560"/>
           </a:xfrm>
           <a:prstGeom prst="rect">
             <a:avLst/>
@@ -2151,8 +2151,8 @@
         </p:nvSpPr>
         <p:spPr>
           <a:xfrm rot="16200000">
-            <a:off x="7962840" y="4105440"/>
-            <a:ext cx="934920" cy="430920"/>
+            <a:off x="7962840" y="4105800"/>
+            <a:ext cx="934560" cy="430560"/>
           </a:xfrm>
           <a:prstGeom prst="rect">
             <a:avLst/>
@@ -2207,7 +2207,7 @@
         <p:spPr>
           <a:xfrm>
             <a:off x="1518840" y="900360"/>
-            <a:ext cx="1438920" cy="430920"/>
+            <a:ext cx="1438560" cy="430560"/>
           </a:xfrm>
           <a:prstGeom prst="rect">
             <a:avLst/>
@@ -2282,7 +2282,7 @@
         <p:spPr>
           <a:xfrm>
             <a:off x="1518840" y="1548360"/>
-            <a:ext cx="1438920" cy="430920"/>
+            <a:ext cx="1438560" cy="430560"/>
           </a:xfrm>
           <a:prstGeom prst="rect">
             <a:avLst/>
@@ -2337,7 +2337,7 @@
         <p:spPr>
           <a:xfrm>
             <a:off x="1518840" y="2556360"/>
-            <a:ext cx="1438920" cy="430920"/>
+            <a:ext cx="1438560" cy="430560"/>
           </a:xfrm>
           <a:prstGeom prst="rect">
             <a:avLst/>
@@ -2392,7 +2392,7 @@
         <p:spPr>
           <a:xfrm>
             <a:off x="1512360" y="3132360"/>
-            <a:ext cx="1438920" cy="862920"/>
+            <a:ext cx="1438560" cy="862560"/>
           </a:xfrm>
           <a:prstGeom prst="rect">
             <a:avLst/>
@@ -2447,7 +2447,7 @@
         <p:spPr>
           <a:xfrm>
             <a:off x="1512360" y="4140360"/>
-            <a:ext cx="1438920" cy="430920"/>
+            <a:ext cx="1438560" cy="430560"/>
           </a:xfrm>
           <a:prstGeom prst="rect">
             <a:avLst/>
@@ -2502,7 +2502,7 @@
         <p:spPr>
           <a:xfrm>
             <a:off x="1512360" y="4788360"/>
-            <a:ext cx="1438920" cy="430920"/>
+            <a:ext cx="1438560" cy="430560"/>
           </a:xfrm>
           <a:prstGeom prst="rect">
             <a:avLst/>
@@ -2557,7 +2557,7 @@
         <p:spPr>
           <a:xfrm>
             <a:off x="1512360" y="5436360"/>
-            <a:ext cx="1438920" cy="430920"/>
+            <a:ext cx="1438560" cy="430560"/>
           </a:xfrm>
           <a:prstGeom prst="rect">
             <a:avLst/>
@@ -2612,7 +2612,7 @@
         <p:spPr>
           <a:xfrm>
             <a:off x="1512360" y="6077880"/>
-            <a:ext cx="1438920" cy="437400"/>
+            <a:ext cx="1438560" cy="437040"/>
           </a:xfrm>
           <a:prstGeom prst="rect">
             <a:avLst/>
@@ -3098,61 +3098,7 @@
         </p:nvSpPr>
         <p:spPr>
           <a:xfrm>
-            <a:off x="2958840" y="1260360"/>
-            <a:ext cx="1728000" cy="0"/>
-          </a:xfrm>
-          <a:prstGeom prst="line">
-            <a:avLst/>
-          </a:prstGeom>
-          <a:ln w="12600">
-            <a:solidFill>
-              <a:srgbClr val="000000"/>
-            </a:solidFill>
-            <a:round/>
-            <a:tailEnd len="med" type="triangle" w="med"/>
-          </a:ln>
-        </p:spPr>
-        <p:style>
-          <a:lnRef idx="0"/>
-          <a:fillRef idx="0"/>
-          <a:effectRef idx="0"/>
-          <a:fontRef idx="minor"/>
-        </p:style>
-        <p:txBody>
-          <a:bodyPr lIns="96120" rIns="96120" tIns="51120" bIns="51120" anchorCtr="1">
-            <a:spAutoFit/>
-          </a:bodyPr>
-          <a:p>
-            <a:pPr algn="ctr">
-              <a:lnSpc>
-                <a:spcPts val="283"/>
-              </a:lnSpc>
-            </a:pPr>
-            <a:r>
-              <a:rPr b="0" lang="de-DE" sz="500" spc="-1" strike="noStrike">
-                <a:solidFill>
-                  <a:srgbClr val="000000"/>
-                </a:solidFill>
-                <a:latin typeface="Arial"/>
-                <a:ea typeface="DejaVu Sans"/>
-              </a:rPr>
-              <a:t>IR_TO_DATA</a:t>
-            </a:r>
-            <a:endParaRPr b="0" lang="de-DE" sz="500" spc="-1" strike="noStrike">
-              <a:latin typeface="Arial"/>
-            </a:endParaRPr>
-          </a:p>
-        </p:txBody>
-      </p:sp>
-      <p:sp>
-        <p:nvSpPr>
-          <p:cNvPr id="65" name="Line 28"/>
-          <p:cNvSpPr/>
-          <p:nvPr/>
-        </p:nvSpPr>
-        <p:spPr>
-          <a:xfrm>
-            <a:off x="2958840" y="972360"/>
+            <a:off x="2958840" y="1114200"/>
             <a:ext cx="1728000" cy="0"/>
           </a:xfrm>
           <a:prstGeom prst="line">
@@ -3200,7 +3146,7 @@
       </p:sp>
       <p:sp>
         <p:nvSpPr>
-          <p:cNvPr id="66" name="Line 29"/>
+          <p:cNvPr id="65" name="Line 28"/>
           <p:cNvSpPr/>
           <p:nvPr/>
         </p:nvSpPr>
@@ -3228,14 +3174,14 @@
       </p:sp>
       <p:sp>
         <p:nvSpPr>
-          <p:cNvPr id="67" name="CustomShape 30"/>
+          <p:cNvPr id="66" name="CustomShape 29"/>
           <p:cNvSpPr/>
           <p:nvPr/>
         </p:nvSpPr>
         <p:spPr>
           <a:xfrm>
             <a:off x="6702840" y="5004360"/>
-            <a:ext cx="1438920" cy="430920"/>
+            <a:ext cx="1438560" cy="430560"/>
           </a:xfrm>
           <a:prstGeom prst="rect">
             <a:avLst/>
@@ -3283,14 +3229,14 @@
       </p:sp>
       <p:sp>
         <p:nvSpPr>
-          <p:cNvPr id="68" name="CustomShape 31"/>
+          <p:cNvPr id="67" name="CustomShape 30"/>
           <p:cNvSpPr/>
           <p:nvPr/>
         </p:nvSpPr>
         <p:spPr>
           <a:xfrm>
             <a:off x="6702840" y="5508360"/>
-            <a:ext cx="1438920" cy="430920"/>
+            <a:ext cx="1438560" cy="430560"/>
           </a:xfrm>
           <a:prstGeom prst="rect">
             <a:avLst/>
@@ -3338,14 +3284,14 @@
       </p:sp>
       <p:sp>
         <p:nvSpPr>
-          <p:cNvPr id="69" name="CustomShape 32"/>
+          <p:cNvPr id="68" name="CustomShape 31"/>
           <p:cNvSpPr/>
           <p:nvPr/>
         </p:nvSpPr>
         <p:spPr>
           <a:xfrm rot="16200000">
-            <a:off x="7962840" y="5257440"/>
-            <a:ext cx="934920" cy="430920"/>
+            <a:off x="7962840" y="5257800"/>
+            <a:ext cx="934560" cy="430560"/>
           </a:xfrm>
           <a:prstGeom prst="rect">
             <a:avLst/>
@@ -3393,7 +3339,7 @@
       </p:sp>
       <p:sp>
         <p:nvSpPr>
-          <p:cNvPr id="70" name="Line 33"/>
+          <p:cNvPr id="69" name="Line 32"/>
           <p:cNvSpPr/>
           <p:nvPr/>
         </p:nvSpPr>
@@ -3421,7 +3367,7 @@
       </p:sp>
       <p:sp>
         <p:nvSpPr>
-          <p:cNvPr id="71" name="Line 34"/>
+          <p:cNvPr id="70" name="Line 33"/>
           <p:cNvSpPr/>
           <p:nvPr/>
         </p:nvSpPr>
@@ -3449,7 +3395,7 @@
       </p:sp>
       <p:sp>
         <p:nvSpPr>
-          <p:cNvPr id="72" name="Line 35"/>
+          <p:cNvPr id="71" name="Line 34"/>
           <p:cNvSpPr/>
           <p:nvPr/>
         </p:nvSpPr>
@@ -3477,14 +3423,14 @@
       </p:sp>
       <p:sp>
         <p:nvSpPr>
-          <p:cNvPr id="73" name="CustomShape 36"/>
+          <p:cNvPr id="72" name="CustomShape 35"/>
           <p:cNvSpPr/>
           <p:nvPr/>
         </p:nvSpPr>
         <p:spPr>
           <a:xfrm rot="16200000">
-            <a:off x="2886840" y="3349440"/>
-            <a:ext cx="862920" cy="430920"/>
+            <a:off x="2886840" y="3349800"/>
+            <a:ext cx="862560" cy="430560"/>
           </a:xfrm>
           <a:prstGeom prst="rect">
             <a:avLst/>
@@ -3532,14 +3478,14 @@
       </p:sp>
       <p:sp>
         <p:nvSpPr>
-          <p:cNvPr id="74" name="CustomShape 37"/>
+          <p:cNvPr id="73" name="CustomShape 36"/>
           <p:cNvSpPr/>
           <p:nvPr/>
         </p:nvSpPr>
         <p:spPr>
           <a:xfrm rot="16200000">
-            <a:off x="288360" y="3349440"/>
-            <a:ext cx="862920" cy="430920"/>
+            <a:off x="288360" y="3349800"/>
+            <a:ext cx="862560" cy="430560"/>
           </a:xfrm>
           <a:prstGeom prst="rect">
             <a:avLst/>
@@ -3587,7 +3533,7 @@
       </p:sp>
       <p:sp>
         <p:nvSpPr>
-          <p:cNvPr id="75" name="Line 38"/>
+          <p:cNvPr id="74" name="Line 37"/>
           <p:cNvSpPr/>
           <p:nvPr/>
         </p:nvSpPr>
@@ -3641,7 +3587,7 @@
       </p:sp>
       <p:sp>
         <p:nvSpPr>
-          <p:cNvPr id="76" name="Line 39"/>
+          <p:cNvPr id="75" name="Line 38"/>
           <p:cNvSpPr/>
           <p:nvPr/>
         </p:nvSpPr>
@@ -3695,7 +3641,7 @@
       </p:sp>
       <p:sp>
         <p:nvSpPr>
-          <p:cNvPr id="77" name="Line 40"/>
+          <p:cNvPr id="76" name="Line 39"/>
           <p:cNvSpPr/>
           <p:nvPr/>
         </p:nvSpPr>
@@ -3724,7 +3670,7 @@
       </p:sp>
       <p:sp>
         <p:nvSpPr>
-          <p:cNvPr id="78" name="Line 41"/>
+          <p:cNvPr id="77" name="Line 40"/>
           <p:cNvSpPr/>
           <p:nvPr/>
         </p:nvSpPr>
@@ -3753,7 +3699,7 @@
       </p:sp>
       <p:sp>
         <p:nvSpPr>
-          <p:cNvPr id="79" name="Line 42"/>
+          <p:cNvPr id="78" name="Line 41"/>
           <p:cNvSpPr/>
           <p:nvPr/>
         </p:nvSpPr>
@@ -3782,14 +3728,14 @@
       </p:sp>
       <p:sp>
         <p:nvSpPr>
-          <p:cNvPr id="80" name="CustomShape 43"/>
+          <p:cNvPr id="79" name="CustomShape 42"/>
           <p:cNvSpPr/>
           <p:nvPr/>
         </p:nvSpPr>
         <p:spPr>
           <a:xfrm rot="16200000">
-            <a:off x="5690160" y="2701440"/>
-            <a:ext cx="1294920" cy="574920"/>
+            <a:off x="5690160" y="2701800"/>
+            <a:ext cx="1294560" cy="574560"/>
           </a:xfrm>
           <a:prstGeom prst="rect">
             <a:avLst/>
@@ -3857,7 +3803,7 @@
       </p:sp>
       <p:sp>
         <p:nvSpPr>
-          <p:cNvPr id="81" name="Line 44"/>
+          <p:cNvPr id="80" name="Line 43"/>
           <p:cNvSpPr/>
           <p:nvPr/>
         </p:nvSpPr>
@@ -3886,7 +3832,7 @@
       </p:sp>
       <p:sp>
         <p:nvSpPr>
-          <p:cNvPr id="82" name="Line 45"/>
+          <p:cNvPr id="81" name="Line 44"/>
           <p:cNvSpPr/>
           <p:nvPr/>
         </p:nvSpPr>
@@ -3940,7 +3886,7 @@
       </p:sp>
       <p:sp>
         <p:nvSpPr>
-          <p:cNvPr id="83" name="Line 46"/>
+          <p:cNvPr id="82" name="Line 45"/>
           <p:cNvSpPr/>
           <p:nvPr/>
         </p:nvSpPr>
@@ -3994,7 +3940,7 @@
       </p:sp>
       <p:sp>
         <p:nvSpPr>
-          <p:cNvPr id="84" name="Line 47"/>
+          <p:cNvPr id="83" name="Line 46"/>
           <p:cNvSpPr/>
           <p:nvPr/>
         </p:nvSpPr>
@@ -4048,7 +3994,7 @@
       </p:sp>
       <p:sp>
         <p:nvSpPr>
-          <p:cNvPr id="85" name="Line 48"/>
+          <p:cNvPr id="84" name="Line 47"/>
           <p:cNvSpPr/>
           <p:nvPr/>
         </p:nvSpPr>
@@ -4102,7 +4048,7 @@
       </p:sp>
       <p:sp>
         <p:nvSpPr>
-          <p:cNvPr id="86" name="Line 49"/>
+          <p:cNvPr id="85" name="Line 48"/>
           <p:cNvSpPr/>
           <p:nvPr/>
         </p:nvSpPr>
@@ -4156,7 +4102,7 @@
       </p:sp>
       <p:sp>
         <p:nvSpPr>
-          <p:cNvPr id="87" name="Line 50"/>
+          <p:cNvPr id="86" name="Line 49"/>
           <p:cNvSpPr/>
           <p:nvPr/>
         </p:nvSpPr>
@@ -4210,7 +4156,7 @@
       </p:sp>
       <p:sp>
         <p:nvSpPr>
-          <p:cNvPr id="88" name="Line 51"/>
+          <p:cNvPr id="87" name="Line 50"/>
           <p:cNvSpPr/>
           <p:nvPr/>
         </p:nvSpPr>
@@ -4264,7 +4210,7 @@
       </p:sp>
       <p:sp>
         <p:nvSpPr>
-          <p:cNvPr id="89" name="Line 52"/>
+          <p:cNvPr id="88" name="Line 51"/>
           <p:cNvSpPr/>
           <p:nvPr/>
         </p:nvSpPr>
@@ -4318,7 +4264,7 @@
       </p:sp>
       <p:sp>
         <p:nvSpPr>
-          <p:cNvPr id="90" name="Line 53"/>
+          <p:cNvPr id="89" name="Line 52"/>
           <p:cNvSpPr/>
           <p:nvPr/>
         </p:nvSpPr>
@@ -4372,7 +4318,7 @@
       </p:sp>
       <p:sp>
         <p:nvSpPr>
-          <p:cNvPr id="91" name="Line 54"/>
+          <p:cNvPr id="90" name="Line 53"/>
           <p:cNvSpPr/>
           <p:nvPr/>
         </p:nvSpPr>
@@ -4426,7 +4372,7 @@
       </p:sp>
       <p:sp>
         <p:nvSpPr>
-          <p:cNvPr id="92" name="Line 55"/>
+          <p:cNvPr id="91" name="Line 54"/>
           <p:cNvSpPr/>
           <p:nvPr/>
         </p:nvSpPr>
@@ -4480,7 +4426,7 @@
       </p:sp>
       <p:sp>
         <p:nvSpPr>
-          <p:cNvPr id="93" name="Line 56"/>
+          <p:cNvPr id="92" name="Line 55"/>
           <p:cNvSpPr/>
           <p:nvPr/>
         </p:nvSpPr>
@@ -4534,7 +4480,7 @@
       </p:sp>
       <p:sp>
         <p:nvSpPr>
-          <p:cNvPr id="94" name="Line 57"/>
+          <p:cNvPr id="93" name="Line 56"/>
           <p:cNvSpPr/>
           <p:nvPr/>
         </p:nvSpPr>
@@ -4588,7 +4534,7 @@
       </p:sp>
       <p:sp>
         <p:nvSpPr>
-          <p:cNvPr id="95" name="Line 58"/>
+          <p:cNvPr id="94" name="Line 57"/>
           <p:cNvSpPr/>
           <p:nvPr/>
         </p:nvSpPr>
@@ -4642,7 +4588,7 @@
       </p:sp>
       <p:sp>
         <p:nvSpPr>
-          <p:cNvPr id="96" name="Line 59"/>
+          <p:cNvPr id="95" name="Line 58"/>
           <p:cNvSpPr/>
           <p:nvPr/>
         </p:nvSpPr>
@@ -4696,7 +4642,7 @@
       </p:sp>
       <p:sp>
         <p:nvSpPr>
-          <p:cNvPr id="97" name="Line 60"/>
+          <p:cNvPr id="96" name="Line 59"/>
           <p:cNvSpPr/>
           <p:nvPr/>
         </p:nvSpPr>
@@ -4750,7 +4696,7 @@
       </p:sp>
       <p:sp>
         <p:nvSpPr>
-          <p:cNvPr id="98" name="Line 61"/>
+          <p:cNvPr id="97" name="Line 60"/>
           <p:cNvSpPr/>
           <p:nvPr/>
         </p:nvSpPr>
@@ -4804,7 +4750,7 @@
       </p:sp>
       <p:sp>
         <p:nvSpPr>
-          <p:cNvPr id="99" name="Line 62"/>
+          <p:cNvPr id="98" name="Line 61"/>
           <p:cNvSpPr/>
           <p:nvPr/>
         </p:nvSpPr>
@@ -4858,7 +4804,7 @@
       </p:sp>
       <p:sp>
         <p:nvSpPr>
-          <p:cNvPr id="100" name="Line 63"/>
+          <p:cNvPr id="99" name="Line 62"/>
           <p:cNvSpPr/>
           <p:nvPr/>
         </p:nvSpPr>
@@ -4912,7 +4858,7 @@
       </p:sp>
       <p:sp>
         <p:nvSpPr>
-          <p:cNvPr id="101" name="Line 64"/>
+          <p:cNvPr id="100" name="Line 63"/>
           <p:cNvSpPr/>
           <p:nvPr/>
         </p:nvSpPr>
@@ -4966,7 +4912,7 @@
       </p:sp>
       <p:sp>
         <p:nvSpPr>
-          <p:cNvPr id="102" name="Line 65"/>
+          <p:cNvPr id="101" name="Line 64"/>
           <p:cNvSpPr/>
           <p:nvPr/>
         </p:nvSpPr>
@@ -5020,7 +4966,7 @@
       </p:sp>
       <p:sp>
         <p:nvSpPr>
-          <p:cNvPr id="103" name="Line 66"/>
+          <p:cNvPr id="102" name="Line 65"/>
           <p:cNvSpPr/>
           <p:nvPr/>
         </p:nvSpPr>
@@ -5074,7 +5020,7 @@
       </p:sp>
       <p:sp>
         <p:nvSpPr>
-          <p:cNvPr id="104" name="Line 67"/>
+          <p:cNvPr id="103" name="Line 66"/>
           <p:cNvSpPr/>
           <p:nvPr/>
         </p:nvSpPr>
@@ -5128,7 +5074,7 @@
       </p:sp>
       <p:sp>
         <p:nvSpPr>
-          <p:cNvPr id="105" name="Line 68"/>
+          <p:cNvPr id="104" name="Line 67"/>
           <p:cNvSpPr/>
           <p:nvPr/>
         </p:nvSpPr>
@@ -5182,14 +5128,14 @@
       </p:sp>
       <p:sp>
         <p:nvSpPr>
-          <p:cNvPr id="106" name="CustomShape 69"/>
+          <p:cNvPr id="105" name="CustomShape 68"/>
           <p:cNvSpPr/>
           <p:nvPr/>
         </p:nvSpPr>
         <p:spPr>
           <a:xfrm>
             <a:off x="1518840" y="324360"/>
-            <a:ext cx="1438920" cy="430920"/>
+            <a:ext cx="1438560" cy="430560"/>
           </a:xfrm>
           <a:prstGeom prst="rect">
             <a:avLst/>
@@ -5257,7 +5203,7 @@
       </p:sp>
       <p:sp>
         <p:nvSpPr>
-          <p:cNvPr id="107" name="Line 70"/>
+          <p:cNvPr id="106" name="Line 69"/>
           <p:cNvSpPr/>
           <p:nvPr/>
         </p:nvSpPr>
@@ -5286,7 +5232,7 @@
       </p:sp>
       <p:sp>
         <p:nvSpPr>
-          <p:cNvPr id="108" name="Line 71"/>
+          <p:cNvPr id="107" name="Line 70"/>
           <p:cNvSpPr/>
           <p:nvPr/>
         </p:nvSpPr>
@@ -5314,7 +5260,7 @@
       </p:sp>
       <p:sp>
         <p:nvSpPr>
-          <p:cNvPr id="109" name="Line 72"/>
+          <p:cNvPr id="108" name="Line 71"/>
           <p:cNvSpPr/>
           <p:nvPr/>
         </p:nvSpPr>
@@ -5343,14 +5289,14 @@
       </p:sp>
       <p:sp>
         <p:nvSpPr>
-          <p:cNvPr id="110" name="CustomShape 73"/>
+          <p:cNvPr id="109" name="CustomShape 72"/>
           <p:cNvSpPr/>
           <p:nvPr/>
         </p:nvSpPr>
         <p:spPr>
           <a:xfrm>
             <a:off x="4654080" y="324000"/>
-            <a:ext cx="365400" cy="409320"/>
+            <a:ext cx="365040" cy="409320"/>
           </a:xfrm>
           <a:prstGeom prst="rect">
             <a:avLst/>
@@ -5414,14 +5360,14 @@
       </p:sp>
       <p:sp>
         <p:nvSpPr>
-          <p:cNvPr id="111" name="CustomShape 74"/>
+          <p:cNvPr id="110" name="CustomShape 73"/>
           <p:cNvSpPr/>
           <p:nvPr/>
         </p:nvSpPr>
         <p:spPr>
           <a:xfrm>
             <a:off x="9772560" y="324360"/>
-            <a:ext cx="502560" cy="409320"/>
+            <a:ext cx="502200" cy="409320"/>
           </a:xfrm>
           <a:prstGeom prst="rect">
             <a:avLst/>
@@ -5485,14 +5431,14 @@
       </p:sp>
       <p:sp>
         <p:nvSpPr>
-          <p:cNvPr id="112" name="CustomShape 75"/>
+          <p:cNvPr id="111" name="CustomShape 74"/>
           <p:cNvSpPr/>
           <p:nvPr/>
         </p:nvSpPr>
         <p:spPr>
           <a:xfrm>
             <a:off x="3364560" y="2474640"/>
-            <a:ext cx="1031400" cy="774360"/>
+            <a:ext cx="1031040" cy="774360"/>
           </a:xfrm>
           <a:prstGeom prst="rect">
             <a:avLst/>
@@ -5556,14 +5502,14 @@
       </p:sp>
       <p:sp>
         <p:nvSpPr>
-          <p:cNvPr id="113" name="CustomShape 76"/>
+          <p:cNvPr id="112" name="CustomShape 75"/>
           <p:cNvSpPr/>
           <p:nvPr/>
         </p:nvSpPr>
         <p:spPr>
           <a:xfrm>
             <a:off x="8692560" y="3420360"/>
-            <a:ext cx="870120" cy="546120"/>
+            <a:ext cx="869760" cy="546120"/>
           </a:xfrm>
           <a:prstGeom prst="rect">
             <a:avLst/>
@@ -5607,14 +5553,14 @@
       </p:sp>
       <p:sp>
         <p:nvSpPr>
-          <p:cNvPr id="114" name="CustomShape 77"/>
+          <p:cNvPr id="113" name="CustomShape 76"/>
           <p:cNvSpPr/>
           <p:nvPr/>
         </p:nvSpPr>
         <p:spPr>
           <a:xfrm>
             <a:off x="1471680" y="1116360"/>
-            <a:ext cx="307800" cy="317520"/>
+            <a:ext cx="307440" cy="317520"/>
           </a:xfrm>
           <a:prstGeom prst="rect">
             <a:avLst/>
@@ -5678,14 +5624,14 @@
       </p:sp>
       <p:sp>
         <p:nvSpPr>
-          <p:cNvPr id="115" name="CustomShape 78"/>
+          <p:cNvPr id="114" name="CustomShape 77"/>
           <p:cNvSpPr/>
           <p:nvPr/>
         </p:nvSpPr>
         <p:spPr>
           <a:xfrm>
             <a:off x="6655680" y="1116360"/>
-            <a:ext cx="451800" cy="317520"/>
+            <a:ext cx="451440" cy="317520"/>
           </a:xfrm>
           <a:prstGeom prst="rect">
             <a:avLst/>
@@ -5769,14 +5715,14 @@
       </p:sp>
       <p:sp>
         <p:nvSpPr>
-          <p:cNvPr id="116" name="CustomShape 79"/>
+          <p:cNvPr id="115" name="CustomShape 78"/>
           <p:cNvSpPr/>
           <p:nvPr/>
         </p:nvSpPr>
         <p:spPr>
           <a:xfrm>
             <a:off x="8167680" y="4644360"/>
-            <a:ext cx="307800" cy="165600"/>
+            <a:ext cx="307440" cy="165600"/>
           </a:xfrm>
           <a:prstGeom prst="rect">
             <a:avLst/>
@@ -5820,14 +5766,14 @@
       </p:sp>
       <p:sp>
         <p:nvSpPr>
-          <p:cNvPr id="117" name="CustomShape 80"/>
+          <p:cNvPr id="116" name="CustomShape 79"/>
           <p:cNvSpPr/>
           <p:nvPr/>
         </p:nvSpPr>
         <p:spPr>
           <a:xfrm>
             <a:off x="8167680" y="5796360"/>
-            <a:ext cx="307800" cy="165600"/>
+            <a:ext cx="307440" cy="165600"/>
           </a:xfrm>
           <a:prstGeom prst="rect">
             <a:avLst/>
@@ -5871,14 +5817,14 @@
       </p:sp>
       <p:sp>
         <p:nvSpPr>
-          <p:cNvPr id="118" name="CustomShape 81"/>
+          <p:cNvPr id="117" name="CustomShape 80"/>
           <p:cNvSpPr/>
           <p:nvPr/>
         </p:nvSpPr>
         <p:spPr>
           <a:xfrm>
             <a:off x="1471680" y="6372360"/>
-            <a:ext cx="307800" cy="165600"/>
+            <a:ext cx="307440" cy="165600"/>
           </a:xfrm>
           <a:prstGeom prst="rect">
             <a:avLst/>
@@ -5922,14 +5868,14 @@
       </p:sp>
       <p:sp>
         <p:nvSpPr>
-          <p:cNvPr id="119" name="CustomShape 82"/>
+          <p:cNvPr id="118" name="CustomShape 81"/>
           <p:cNvSpPr/>
           <p:nvPr/>
         </p:nvSpPr>
         <p:spPr>
           <a:xfrm>
             <a:off x="1471680" y="5724360"/>
-            <a:ext cx="307800" cy="165600"/>
+            <a:ext cx="307440" cy="165600"/>
           </a:xfrm>
           <a:prstGeom prst="rect">
             <a:avLst/>
@@ -5973,14 +5919,14 @@
       </p:sp>
       <p:sp>
         <p:nvSpPr>
-          <p:cNvPr id="120" name="CustomShape 83"/>
+          <p:cNvPr id="119" name="CustomShape 82"/>
           <p:cNvSpPr/>
           <p:nvPr/>
         </p:nvSpPr>
         <p:spPr>
           <a:xfrm>
             <a:off x="1471680" y="5076360"/>
-            <a:ext cx="307800" cy="165600"/>
+            <a:ext cx="307440" cy="165600"/>
           </a:xfrm>
           <a:prstGeom prst="rect">
             <a:avLst/>
@@ -6024,14 +5970,14 @@
       </p:sp>
       <p:sp>
         <p:nvSpPr>
-          <p:cNvPr id="121" name="CustomShape 84"/>
+          <p:cNvPr id="120" name="CustomShape 83"/>
           <p:cNvSpPr/>
           <p:nvPr/>
         </p:nvSpPr>
         <p:spPr>
           <a:xfrm>
             <a:off x="463680" y="3780360"/>
-            <a:ext cx="307800" cy="317520"/>
+            <a:ext cx="307440" cy="317520"/>
           </a:xfrm>
           <a:prstGeom prst="rect">
             <a:avLst/>
@@ -6095,14 +6041,14 @@
       </p:sp>
       <p:sp>
         <p:nvSpPr>
-          <p:cNvPr id="122" name="CustomShape 85"/>
+          <p:cNvPr id="121" name="CustomShape 84"/>
           <p:cNvSpPr/>
           <p:nvPr/>
         </p:nvSpPr>
         <p:spPr>
           <a:xfrm>
             <a:off x="1471680" y="1836360"/>
-            <a:ext cx="307800" cy="165600"/>
+            <a:ext cx="307440" cy="165600"/>
           </a:xfrm>
           <a:prstGeom prst="rect">
             <a:avLst/>
@@ -6146,14 +6092,14 @@
       </p:sp>
       <p:sp>
         <p:nvSpPr>
-          <p:cNvPr id="123" name="CustomShape 86"/>
+          <p:cNvPr id="122" name="CustomShape 85"/>
           <p:cNvSpPr/>
           <p:nvPr/>
         </p:nvSpPr>
         <p:spPr>
           <a:xfrm>
             <a:off x="1471680" y="2844360"/>
-            <a:ext cx="307800" cy="165600"/>
+            <a:ext cx="307440" cy="165600"/>
           </a:xfrm>
           <a:prstGeom prst="rect">
             <a:avLst/>
@@ -6197,14 +6143,14 @@
       </p:sp>
       <p:sp>
         <p:nvSpPr>
-          <p:cNvPr id="124" name="CustomShape 87"/>
+          <p:cNvPr id="123" name="CustomShape 86"/>
           <p:cNvSpPr/>
           <p:nvPr/>
         </p:nvSpPr>
         <p:spPr>
           <a:xfrm>
             <a:off x="1471680" y="4428360"/>
-            <a:ext cx="307800" cy="165600"/>
+            <a:ext cx="307440" cy="165600"/>
           </a:xfrm>
           <a:prstGeom prst="rect">
             <a:avLst/>
@@ -6248,14 +6194,14 @@
       </p:sp>
       <p:sp>
         <p:nvSpPr>
-          <p:cNvPr id="125" name="CustomShape 88"/>
+          <p:cNvPr id="124" name="CustomShape 87"/>
           <p:cNvSpPr/>
           <p:nvPr/>
         </p:nvSpPr>
         <p:spPr>
           <a:xfrm>
             <a:off x="6655680" y="1980360"/>
-            <a:ext cx="595800" cy="241560"/>
+            <a:ext cx="595440" cy="241560"/>
           </a:xfrm>
           <a:prstGeom prst="rect">
             <a:avLst/>
@@ -6319,14 +6265,14 @@
       </p:sp>
       <p:sp>
         <p:nvSpPr>
-          <p:cNvPr id="126" name="CustomShape 89"/>
+          <p:cNvPr id="125" name="CustomShape 88"/>
           <p:cNvSpPr/>
           <p:nvPr/>
         </p:nvSpPr>
         <p:spPr>
           <a:xfrm>
             <a:off x="6655680" y="3474360"/>
-            <a:ext cx="307800" cy="165600"/>
+            <a:ext cx="307440" cy="165600"/>
           </a:xfrm>
           <a:prstGeom prst="rect">
             <a:avLst/>
@@ -6370,14 +6316,14 @@
       </p:sp>
       <p:sp>
         <p:nvSpPr>
-          <p:cNvPr id="127" name="CustomShape 90"/>
+          <p:cNvPr id="126" name="CustomShape 89"/>
           <p:cNvSpPr/>
           <p:nvPr/>
         </p:nvSpPr>
         <p:spPr>
           <a:xfrm>
             <a:off x="1471680" y="3852360"/>
-            <a:ext cx="451800" cy="165600"/>
+            <a:ext cx="451440" cy="165600"/>
           </a:xfrm>
           <a:prstGeom prst="rect">
             <a:avLst/>
@@ -6421,7 +6367,7 @@
       </p:sp>
       <p:sp>
         <p:nvSpPr>
-          <p:cNvPr id="128" name="Line 91"/>
+          <p:cNvPr id="127" name="Line 90"/>
           <p:cNvSpPr/>
           <p:nvPr/>
         </p:nvSpPr>
@@ -6449,14 +6395,14 @@
       </p:sp>
       <p:sp>
         <p:nvSpPr>
-          <p:cNvPr id="129" name="CustomShape 92"/>
+          <p:cNvPr id="128" name="CustomShape 91"/>
           <p:cNvSpPr/>
           <p:nvPr/>
         </p:nvSpPr>
         <p:spPr>
           <a:xfrm>
             <a:off x="6702840" y="6138720"/>
-            <a:ext cx="1438920" cy="574920"/>
+            <a:ext cx="1438560" cy="574560"/>
           </a:xfrm>
           <a:prstGeom prst="rect">
             <a:avLst/>
@@ -6524,7 +6470,7 @@
       </p:sp>
       <p:sp>
         <p:nvSpPr>
-          <p:cNvPr id="130" name="Line 93"/>
+          <p:cNvPr id="129" name="Line 92"/>
           <p:cNvSpPr/>
           <p:nvPr/>
         </p:nvSpPr>
@@ -6578,7 +6524,7 @@
       </p:sp>
       <p:sp>
         <p:nvSpPr>
-          <p:cNvPr id="131" name="Line 94"/>
+          <p:cNvPr id="130" name="Line 93"/>
           <p:cNvSpPr/>
           <p:nvPr/>
         </p:nvSpPr>
@@ -6632,7 +6578,7 @@
       </p:sp>
       <p:sp>
         <p:nvSpPr>
-          <p:cNvPr id="132" name="Line 95"/>
+          <p:cNvPr id="131" name="Line 94"/>
           <p:cNvSpPr/>
           <p:nvPr/>
         </p:nvSpPr>
@@ -6686,7 +6632,7 @@
       </p:sp>
       <p:sp>
         <p:nvSpPr>
-          <p:cNvPr id="133" name="Line 96"/>
+          <p:cNvPr id="132" name="Line 95"/>
           <p:cNvSpPr/>
           <p:nvPr/>
         </p:nvSpPr>
@@ -6740,7 +6686,7 @@
       </p:sp>
       <p:sp>
         <p:nvSpPr>
-          <p:cNvPr id="134" name="Line 97"/>
+          <p:cNvPr id="133" name="Line 96"/>
           <p:cNvSpPr/>
           <p:nvPr/>
         </p:nvSpPr>
@@ -6794,7 +6740,7 @@
       </p:sp>
       <p:sp>
         <p:nvSpPr>
-          <p:cNvPr id="135" name="Line 98"/>
+          <p:cNvPr id="134" name="Line 97"/>
           <p:cNvSpPr/>
           <p:nvPr/>
         </p:nvSpPr>
@@ -6848,14 +6794,14 @@
       </p:sp>
       <p:sp>
         <p:nvSpPr>
-          <p:cNvPr id="136" name="CustomShape 99"/>
+          <p:cNvPr id="135" name="CustomShape 98"/>
           <p:cNvSpPr/>
           <p:nvPr/>
         </p:nvSpPr>
         <p:spPr>
           <a:xfrm>
             <a:off x="6655680" y="6354720"/>
-            <a:ext cx="451800" cy="393480"/>
+            <a:ext cx="451440" cy="393480"/>
           </a:xfrm>
           <a:prstGeom prst="rect">
             <a:avLst/>
@@ -6959,14 +6905,14 @@
       </p:sp>
       <p:sp>
         <p:nvSpPr>
-          <p:cNvPr id="137" name="CustomShape 100"/>
+          <p:cNvPr id="136" name="CustomShape 99"/>
           <p:cNvSpPr/>
           <p:nvPr/>
         </p:nvSpPr>
         <p:spPr>
           <a:xfrm>
             <a:off x="1483560" y="460440"/>
-            <a:ext cx="452880" cy="318240"/>
+            <a:ext cx="452520" cy="317880"/>
           </a:xfrm>
           <a:prstGeom prst="rect">
             <a:avLst/>
@@ -7050,7 +6996,7 @@
       </p:sp>
       <p:sp>
         <p:nvSpPr>
-          <p:cNvPr id="138" name="Line 101"/>
+          <p:cNvPr id="137" name="Line 100"/>
           <p:cNvSpPr/>
           <p:nvPr/>
         </p:nvSpPr>
@@ -7078,14 +7024,14 @@
       </p:sp>
       <p:sp>
         <p:nvSpPr>
-          <p:cNvPr id="139" name="CustomShape 102"/>
+          <p:cNvPr id="138" name="CustomShape 101"/>
           <p:cNvSpPr/>
           <p:nvPr/>
         </p:nvSpPr>
         <p:spPr>
           <a:xfrm>
             <a:off x="2791440" y="887040"/>
-            <a:ext cx="307800" cy="165600"/>
+            <a:ext cx="307440" cy="165600"/>
           </a:xfrm>
           <a:prstGeom prst="rect">
             <a:avLst/>
@@ -7129,14 +7075,14 @@
       </p:sp>
       <p:sp>
         <p:nvSpPr>
-          <p:cNvPr id="140" name="CustomShape 103"/>
+          <p:cNvPr id="139" name="CustomShape 102"/>
           <p:cNvSpPr/>
           <p:nvPr/>
         </p:nvSpPr>
         <p:spPr>
           <a:xfrm>
             <a:off x="2791440" y="1526400"/>
-            <a:ext cx="307800" cy="165600"/>
+            <a:ext cx="307440" cy="165600"/>
           </a:xfrm>
           <a:prstGeom prst="rect">
             <a:avLst/>
@@ -7180,14 +7126,14 @@
       </p:sp>
       <p:sp>
         <p:nvSpPr>
-          <p:cNvPr id="141" name="CustomShape 104"/>
+          <p:cNvPr id="140" name="CustomShape 103"/>
           <p:cNvSpPr/>
           <p:nvPr/>
         </p:nvSpPr>
         <p:spPr>
           <a:xfrm>
             <a:off x="2791440" y="2534400"/>
-            <a:ext cx="307800" cy="165600"/>
+            <a:ext cx="307440" cy="165600"/>
           </a:xfrm>
           <a:prstGeom prst="rect">
             <a:avLst/>
@@ -7231,14 +7177,14 @@
       </p:sp>
       <p:sp>
         <p:nvSpPr>
-          <p:cNvPr id="142" name="CustomShape 105"/>
+          <p:cNvPr id="141" name="CustomShape 104"/>
           <p:cNvSpPr/>
           <p:nvPr/>
         </p:nvSpPr>
         <p:spPr>
           <a:xfrm>
             <a:off x="2791440" y="4140360"/>
-            <a:ext cx="307800" cy="165600"/>
+            <a:ext cx="307440" cy="165600"/>
           </a:xfrm>
           <a:prstGeom prst="rect">
             <a:avLst/>
@@ -7282,14 +7228,14 @@
       </p:sp>
       <p:sp>
         <p:nvSpPr>
-          <p:cNvPr id="143" name="CustomShape 106"/>
+          <p:cNvPr id="142" name="CustomShape 105"/>
           <p:cNvSpPr/>
           <p:nvPr/>
         </p:nvSpPr>
         <p:spPr>
           <a:xfrm>
             <a:off x="2791440" y="4788360"/>
-            <a:ext cx="307800" cy="165600"/>
+            <a:ext cx="307440" cy="165600"/>
           </a:xfrm>
           <a:prstGeom prst="rect">
             <a:avLst/>
@@ -7333,14 +7279,14 @@
       </p:sp>
       <p:sp>
         <p:nvSpPr>
-          <p:cNvPr id="144" name="CustomShape 107"/>
+          <p:cNvPr id="143" name="CustomShape 106"/>
           <p:cNvSpPr/>
           <p:nvPr/>
         </p:nvSpPr>
         <p:spPr>
           <a:xfrm>
             <a:off x="2791440" y="5421240"/>
-            <a:ext cx="307800" cy="165600"/>
+            <a:ext cx="307440" cy="165600"/>
           </a:xfrm>
           <a:prstGeom prst="rect">
             <a:avLst/>
@@ -7384,14 +7330,14 @@
       </p:sp>
       <p:sp>
         <p:nvSpPr>
-          <p:cNvPr id="145" name="CustomShape 108"/>
+          <p:cNvPr id="144" name="CustomShape 107"/>
           <p:cNvSpPr/>
           <p:nvPr/>
         </p:nvSpPr>
         <p:spPr>
           <a:xfrm>
             <a:off x="2791440" y="6057360"/>
-            <a:ext cx="307800" cy="165600"/>
+            <a:ext cx="307440" cy="165600"/>
           </a:xfrm>
           <a:prstGeom prst="rect">
             <a:avLst/>
@@ -7435,14 +7381,14 @@
       </p:sp>
       <p:sp>
         <p:nvSpPr>
-          <p:cNvPr id="146" name="CustomShape 109"/>
+          <p:cNvPr id="145" name="CustomShape 108"/>
           <p:cNvSpPr/>
           <p:nvPr/>
         </p:nvSpPr>
         <p:spPr>
           <a:xfrm>
             <a:off x="3384000" y="3115440"/>
-            <a:ext cx="307800" cy="165600"/>
+            <a:ext cx="307440" cy="165600"/>
           </a:xfrm>
           <a:prstGeom prst="rect">
             <a:avLst/>
@@ -7486,14 +7432,14 @@
       </p:sp>
       <p:sp>
         <p:nvSpPr>
-          <p:cNvPr id="147" name="CustomShape 110"/>
+          <p:cNvPr id="146" name="CustomShape 109"/>
           <p:cNvSpPr/>
           <p:nvPr/>
         </p:nvSpPr>
         <p:spPr>
           <a:xfrm>
             <a:off x="779040" y="3108960"/>
-            <a:ext cx="307800" cy="165600"/>
+            <a:ext cx="307440" cy="165600"/>
           </a:xfrm>
           <a:prstGeom prst="rect">
             <a:avLst/>
@@ -7537,14 +7483,14 @@
       </p:sp>
       <p:sp>
         <p:nvSpPr>
-          <p:cNvPr id="148" name="CustomShape 111"/>
+          <p:cNvPr id="147" name="CustomShape 110"/>
           <p:cNvSpPr/>
           <p:nvPr/>
         </p:nvSpPr>
         <p:spPr>
           <a:xfrm>
             <a:off x="7949160" y="806400"/>
-            <a:ext cx="307800" cy="165600"/>
+            <a:ext cx="307440" cy="165600"/>
           </a:xfrm>
           <a:prstGeom prst="rect">
             <a:avLst/>
@@ -7588,14 +7534,14 @@
       </p:sp>
       <p:sp>
         <p:nvSpPr>
-          <p:cNvPr id="149" name="CustomShape 112"/>
+          <p:cNvPr id="148" name="CustomShape 111"/>
           <p:cNvSpPr/>
           <p:nvPr/>
         </p:nvSpPr>
         <p:spPr>
           <a:xfrm>
             <a:off x="7949160" y="1598400"/>
-            <a:ext cx="307800" cy="165600"/>
+            <a:ext cx="307440" cy="165600"/>
           </a:xfrm>
           <a:prstGeom prst="rect">
             <a:avLst/>
@@ -7639,14 +7585,14 @@
       </p:sp>
       <p:sp>
         <p:nvSpPr>
-          <p:cNvPr id="150" name="CustomShape 113"/>
+          <p:cNvPr id="149" name="CustomShape 112"/>
           <p:cNvSpPr/>
           <p:nvPr/>
         </p:nvSpPr>
         <p:spPr>
           <a:xfrm>
             <a:off x="8456400" y="3830400"/>
-            <a:ext cx="307800" cy="165600"/>
+            <a:ext cx="307440" cy="165600"/>
           </a:xfrm>
           <a:prstGeom prst="rect">
             <a:avLst/>
@@ -7690,14 +7636,14 @@
       </p:sp>
       <p:sp>
         <p:nvSpPr>
-          <p:cNvPr id="151" name="CustomShape 114"/>
+          <p:cNvPr id="150" name="CustomShape 113"/>
           <p:cNvSpPr/>
           <p:nvPr/>
         </p:nvSpPr>
         <p:spPr>
           <a:xfrm>
             <a:off x="8456400" y="4982400"/>
-            <a:ext cx="307800" cy="165600"/>
+            <a:ext cx="307440" cy="165600"/>
           </a:xfrm>
           <a:prstGeom prst="rect">
             <a:avLst/>
@@ -7741,14 +7687,14 @@
       </p:sp>
       <p:sp>
         <p:nvSpPr>
-          <p:cNvPr id="152" name="CustomShape 115"/>
+          <p:cNvPr id="151" name="CustomShape 114"/>
           <p:cNvSpPr/>
           <p:nvPr/>
         </p:nvSpPr>
         <p:spPr>
           <a:xfrm>
             <a:off x="7955280" y="6110640"/>
-            <a:ext cx="307800" cy="165600"/>
+            <a:ext cx="307440" cy="165600"/>
           </a:xfrm>
           <a:prstGeom prst="rect">
             <a:avLst/>
@@ -7792,14 +7738,14 @@
       </p:sp>
       <p:sp>
         <p:nvSpPr>
-          <p:cNvPr id="153" name="CustomShape 116"/>
+          <p:cNvPr id="152" name="CustomShape 115"/>
           <p:cNvSpPr/>
           <p:nvPr/>
         </p:nvSpPr>
         <p:spPr>
           <a:xfrm>
             <a:off x="7971840" y="3830400"/>
-            <a:ext cx="307800" cy="165600"/>
+            <a:ext cx="307440" cy="165600"/>
           </a:xfrm>
           <a:prstGeom prst="rect">
             <a:avLst/>
@@ -7843,14 +7789,14 @@
       </p:sp>
       <p:sp>
         <p:nvSpPr>
-          <p:cNvPr id="154" name="CustomShape 117"/>
+          <p:cNvPr id="153" name="CustomShape 116"/>
           <p:cNvSpPr/>
           <p:nvPr/>
         </p:nvSpPr>
         <p:spPr>
           <a:xfrm>
             <a:off x="7971840" y="4334400"/>
-            <a:ext cx="307800" cy="165600"/>
+            <a:ext cx="307440" cy="165600"/>
           </a:xfrm>
           <a:prstGeom prst="rect">
             <a:avLst/>
@@ -7894,14 +7840,14 @@
       </p:sp>
       <p:sp>
         <p:nvSpPr>
-          <p:cNvPr id="155" name="CustomShape 118"/>
+          <p:cNvPr id="154" name="CustomShape 117"/>
           <p:cNvSpPr/>
           <p:nvPr/>
         </p:nvSpPr>
         <p:spPr>
           <a:xfrm>
             <a:off x="7971840" y="4982400"/>
-            <a:ext cx="307800" cy="165600"/>
+            <a:ext cx="307440" cy="165600"/>
           </a:xfrm>
           <a:prstGeom prst="rect">
             <a:avLst/>
@@ -7945,14 +7891,14 @@
       </p:sp>
       <p:sp>
         <p:nvSpPr>
-          <p:cNvPr id="156" name="CustomShape 119"/>
+          <p:cNvPr id="155" name="CustomShape 118"/>
           <p:cNvSpPr/>
           <p:nvPr/>
         </p:nvSpPr>
         <p:spPr>
           <a:xfrm>
             <a:off x="7971840" y="5486400"/>
-            <a:ext cx="307800" cy="165600"/>
+            <a:ext cx="307440" cy="165600"/>
           </a:xfrm>
           <a:prstGeom prst="rect">
             <a:avLst/>
@@ -7996,14 +7942,14 @@
       </p:sp>
       <p:sp>
         <p:nvSpPr>
-          <p:cNvPr id="157" name="CustomShape 120"/>
+          <p:cNvPr id="156" name="CustomShape 119"/>
           <p:cNvSpPr/>
           <p:nvPr/>
         </p:nvSpPr>
         <p:spPr>
           <a:xfrm>
             <a:off x="6466320" y="2317320"/>
-            <a:ext cx="307800" cy="165600"/>
+            <a:ext cx="307440" cy="165600"/>
           </a:xfrm>
           <a:prstGeom prst="rect">
             <a:avLst/>
@@ -8047,14 +7993,14 @@
       </p:sp>
       <p:sp>
         <p:nvSpPr>
-          <p:cNvPr id="158" name="CustomShape 121"/>
+          <p:cNvPr id="157" name="CustomShape 120"/>
           <p:cNvSpPr/>
           <p:nvPr/>
         </p:nvSpPr>
         <p:spPr>
           <a:xfrm>
             <a:off x="3024000" y="325080"/>
-            <a:ext cx="713160" cy="430920"/>
+            <a:ext cx="712800" cy="430560"/>
           </a:xfrm>
           <a:prstGeom prst="rect">
             <a:avLst/>
@@ -8095,17 +8041,14 @@
               <a:t>Clock</a:t>
             </a:r>
             <a:endParaRPr b="0" lang="de-DE" sz="700" spc="-1" strike="noStrike">
-              <a:solidFill>
-                <a:srgbClr val="ffffff"/>
-              </a:solidFill>
-              <a:latin typeface="Arial"/>
-            </a:endParaRPr>
-          </a:p>
-        </p:txBody>
-      </p:sp>
-      <p:sp>
-        <p:nvSpPr>
-          <p:cNvPr id="159" name="Line 122"/>
+              <a:latin typeface="Arial"/>
+            </a:endParaRPr>
+          </a:p>
+        </p:txBody>
+      </p:sp>
+      <p:sp>
+        <p:nvSpPr>
+          <p:cNvPr id="158" name="Line 121"/>
           <p:cNvSpPr/>
           <p:nvPr/>
         </p:nvSpPr>
@@ -8133,14 +8076,14 @@
       </p:sp>
       <p:sp>
         <p:nvSpPr>
-          <p:cNvPr id="160" name="CustomShape 123"/>
+          <p:cNvPr id="159" name="CustomShape 122"/>
           <p:cNvSpPr/>
           <p:nvPr/>
         </p:nvSpPr>
         <p:spPr>
           <a:xfrm>
             <a:off x="2957760" y="612000"/>
-            <a:ext cx="451800" cy="165600"/>
+            <a:ext cx="451440" cy="165600"/>
           </a:xfrm>
           <a:prstGeom prst="rect">
             <a:avLst/>
@@ -8184,7 +8127,7 @@
       </p:sp>
       <p:graphicFrame>
         <p:nvGraphicFramePr>
-          <p:cNvPr id="161" name="Table 124"/>
+          <p:cNvPr id="160" name="Table 123"/>
           <p:cNvGraphicFramePr/>
           <p:nvPr/>
         </p:nvGraphicFramePr>
@@ -8206,7 +8149,7 @@
                 <a:gridCol w="216000"/>
                 <a:gridCol w="216000"/>
               </a:tblGrid>
-              <a:tr h="192960">
+              <a:tr h="198360">
                 <a:tc>
                   <a:tcPr marL="90000" marR="90000">
                     <a:lnL w="7200">
@@ -8359,11 +8302,15 @@
                 </a:tc>
                 <a:tc>
                   <a:txBody>
-                    <a:bodyPr lIns="90000" rIns="90000" tIns="46800" bIns="46800" anchor="ctr">
+                    <a:bodyPr lIns="90000" rIns="90000">
                       <a:noAutofit/>
                     </a:bodyPr>
                     <a:p>
-                      <a:pPr algn="ctr"/>
+                      <a:pPr algn="ctr">
+                        <a:lnSpc>
+                          <a:spcPct val="100000"/>
+                        </a:lnSpc>
+                      </a:pPr>
                       <a:r>
                         <a:rPr b="0" lang="de-DE" sz="700" spc="-1" strike="noStrike">
                           <a:latin typeface="Arial"/>
@@ -8401,11 +8348,15 @@
                 </a:tc>
                 <a:tc>
                   <a:txBody>
-                    <a:bodyPr lIns="90000" rIns="90000" tIns="46800" bIns="46800" anchor="ctr">
+                    <a:bodyPr lIns="90000" rIns="90000">
                       <a:noAutofit/>
                     </a:bodyPr>
                     <a:p>
-                      <a:pPr algn="ctr"/>
+                      <a:pPr algn="ctr">
+                        <a:lnSpc>
+                          <a:spcPct val="100000"/>
+                        </a:lnSpc>
+                      </a:pPr>
                       <a:r>
                         <a:rPr b="0" lang="de-DE" sz="700" spc="-1" strike="noStrike">
                           <a:latin typeface="Arial"/>
@@ -8448,14 +8399,14 @@
       </p:graphicFrame>
       <p:sp>
         <p:nvSpPr>
-          <p:cNvPr id="162" name="CustomShape 125"/>
+          <p:cNvPr id="161" name="CustomShape 124"/>
           <p:cNvSpPr/>
           <p:nvPr/>
         </p:nvSpPr>
         <p:spPr>
           <a:xfrm>
             <a:off x="402120" y="6983280"/>
-            <a:ext cx="437400" cy="196920"/>
+            <a:ext cx="437040" cy="196560"/>
           </a:xfrm>
           <a:prstGeom prst="rect">
             <a:avLst/>

--- a/doc/cpu.pptx
+++ b/doc/cpu.pptx
@@ -53,7 +53,7 @@
       </p:grpSpPr>
       <p:sp>
         <p:nvSpPr>
-          <p:cNvPr id="23" name="PlaceHolder 1"/>
+          <p:cNvPr id="21" name="PlaceHolder 1"/>
           <p:cNvSpPr>
             <a:spLocks noGrp="1"/>
           </p:cNvSpPr>
@@ -84,7 +84,7 @@
       </p:sp>
       <p:sp>
         <p:nvSpPr>
-          <p:cNvPr id="24" name="PlaceHolder 2"/>
+          <p:cNvPr id="22" name="PlaceHolder 2"/>
           <p:cNvSpPr>
             <a:spLocks noGrp="1"/>
           </p:cNvSpPr>
@@ -114,7 +114,7 @@
       </p:sp>
       <p:sp>
         <p:nvSpPr>
-          <p:cNvPr id="25" name="PlaceHolder 3"/>
+          <p:cNvPr id="23" name="PlaceHolder 3"/>
           <p:cNvSpPr>
             <a:spLocks noGrp="1"/>
           </p:cNvSpPr>
@@ -166,7 +166,7 @@
       </p:grpSpPr>
       <p:sp>
         <p:nvSpPr>
-          <p:cNvPr id="26" name="PlaceHolder 1"/>
+          <p:cNvPr id="24" name="PlaceHolder 1"/>
           <p:cNvSpPr>
             <a:spLocks noGrp="1"/>
           </p:cNvSpPr>
@@ -197,7 +197,7 @@
       </p:sp>
       <p:sp>
         <p:nvSpPr>
-          <p:cNvPr id="27" name="PlaceHolder 2"/>
+          <p:cNvPr id="25" name="PlaceHolder 2"/>
           <p:cNvSpPr>
             <a:spLocks noGrp="1"/>
           </p:cNvSpPr>
@@ -227,7 +227,7 @@
       </p:sp>
       <p:sp>
         <p:nvSpPr>
-          <p:cNvPr id="28" name="PlaceHolder 3"/>
+          <p:cNvPr id="26" name="PlaceHolder 3"/>
           <p:cNvSpPr>
             <a:spLocks noGrp="1"/>
           </p:cNvSpPr>
@@ -257,7 +257,7 @@
       </p:sp>
       <p:sp>
         <p:nvSpPr>
-          <p:cNvPr id="29" name="PlaceHolder 4"/>
+          <p:cNvPr id="27" name="PlaceHolder 4"/>
           <p:cNvSpPr>
             <a:spLocks noGrp="1"/>
           </p:cNvSpPr>
@@ -287,7 +287,7 @@
       </p:sp>
       <p:sp>
         <p:nvSpPr>
-          <p:cNvPr id="30" name="PlaceHolder 5"/>
+          <p:cNvPr id="28" name="PlaceHolder 5"/>
           <p:cNvSpPr>
             <a:spLocks noGrp="1"/>
           </p:cNvSpPr>
@@ -339,7 +339,7 @@
       </p:grpSpPr>
       <p:sp>
         <p:nvSpPr>
-          <p:cNvPr id="31" name="PlaceHolder 1"/>
+          <p:cNvPr id="29" name="PlaceHolder 1"/>
           <p:cNvSpPr>
             <a:spLocks noGrp="1"/>
           </p:cNvSpPr>
@@ -370,7 +370,7 @@
       </p:sp>
       <p:sp>
         <p:nvSpPr>
-          <p:cNvPr id="32" name="PlaceHolder 2"/>
+          <p:cNvPr id="30" name="PlaceHolder 2"/>
           <p:cNvSpPr>
             <a:spLocks noGrp="1"/>
           </p:cNvSpPr>
@@ -400,7 +400,7 @@
       </p:sp>
       <p:sp>
         <p:nvSpPr>
-          <p:cNvPr id="33" name="PlaceHolder 3"/>
+          <p:cNvPr id="31" name="PlaceHolder 3"/>
           <p:cNvSpPr>
             <a:spLocks noGrp="1"/>
           </p:cNvSpPr>
@@ -430,7 +430,7 @@
       </p:sp>
       <p:sp>
         <p:nvSpPr>
-          <p:cNvPr id="34" name="PlaceHolder 4"/>
+          <p:cNvPr id="32" name="PlaceHolder 4"/>
           <p:cNvSpPr>
             <a:spLocks noGrp="1"/>
           </p:cNvSpPr>
@@ -460,7 +460,7 @@
       </p:sp>
       <p:sp>
         <p:nvSpPr>
-          <p:cNvPr id="35" name="PlaceHolder 5"/>
+          <p:cNvPr id="33" name="PlaceHolder 5"/>
           <p:cNvSpPr>
             <a:spLocks noGrp="1"/>
           </p:cNvSpPr>
@@ -490,7 +490,7 @@
       </p:sp>
       <p:sp>
         <p:nvSpPr>
-          <p:cNvPr id="36" name="PlaceHolder 6"/>
+          <p:cNvPr id="34" name="PlaceHolder 6"/>
           <p:cNvSpPr>
             <a:spLocks noGrp="1"/>
           </p:cNvSpPr>
@@ -520,7 +520,7 @@
       </p:sp>
       <p:sp>
         <p:nvSpPr>
-          <p:cNvPr id="37" name="PlaceHolder 7"/>
+          <p:cNvPr id="35" name="PlaceHolder 7"/>
           <p:cNvSpPr>
             <a:spLocks noGrp="1"/>
           </p:cNvSpPr>
@@ -572,7 +572,7 @@
       </p:grpSpPr>
       <p:sp>
         <p:nvSpPr>
-          <p:cNvPr id="2" name="PlaceHolder 1"/>
+          <p:cNvPr id="0" name="PlaceHolder 1"/>
           <p:cNvSpPr>
             <a:spLocks noGrp="1"/>
           </p:cNvSpPr>
@@ -603,7 +603,7 @@
       </p:sp>
       <p:sp>
         <p:nvSpPr>
-          <p:cNvPr id="3" name="PlaceHolder 2"/>
+          <p:cNvPr id="1" name="PlaceHolder 2"/>
           <p:cNvSpPr>
             <a:spLocks noGrp="1"/>
           </p:cNvSpPr>
@@ -656,7 +656,7 @@
       </p:grpSpPr>
       <p:sp>
         <p:nvSpPr>
-          <p:cNvPr id="4" name="PlaceHolder 1"/>
+          <p:cNvPr id="2" name="PlaceHolder 1"/>
           <p:cNvSpPr>
             <a:spLocks noGrp="1"/>
           </p:cNvSpPr>
@@ -687,7 +687,7 @@
       </p:sp>
       <p:sp>
         <p:nvSpPr>
-          <p:cNvPr id="5" name="PlaceHolder 2"/>
+          <p:cNvPr id="3" name="PlaceHolder 2"/>
           <p:cNvSpPr>
             <a:spLocks noGrp="1"/>
           </p:cNvSpPr>
@@ -739,7 +739,7 @@
       </p:grpSpPr>
       <p:sp>
         <p:nvSpPr>
-          <p:cNvPr id="6" name="PlaceHolder 1"/>
+          <p:cNvPr id="4" name="PlaceHolder 1"/>
           <p:cNvSpPr>
             <a:spLocks noGrp="1"/>
           </p:cNvSpPr>
@@ -770,7 +770,7 @@
       </p:sp>
       <p:sp>
         <p:nvSpPr>
-          <p:cNvPr id="7" name="PlaceHolder 2"/>
+          <p:cNvPr id="5" name="PlaceHolder 2"/>
           <p:cNvSpPr>
             <a:spLocks noGrp="1"/>
           </p:cNvSpPr>
@@ -800,7 +800,7 @@
       </p:sp>
       <p:sp>
         <p:nvSpPr>
-          <p:cNvPr id="8" name="PlaceHolder 3"/>
+          <p:cNvPr id="6" name="PlaceHolder 3"/>
           <p:cNvSpPr>
             <a:spLocks noGrp="1"/>
           </p:cNvSpPr>
@@ -852,7 +852,7 @@
       </p:grpSpPr>
       <p:sp>
         <p:nvSpPr>
-          <p:cNvPr id="9" name="PlaceHolder 1"/>
+          <p:cNvPr id="7" name="PlaceHolder 1"/>
           <p:cNvSpPr>
             <a:spLocks noGrp="1"/>
           </p:cNvSpPr>
@@ -905,7 +905,7 @@
       </p:grpSpPr>
       <p:sp>
         <p:nvSpPr>
-          <p:cNvPr id="10" name="PlaceHolder 1"/>
+          <p:cNvPr id="8" name="PlaceHolder 1"/>
           <p:cNvSpPr>
             <a:spLocks noGrp="1"/>
           </p:cNvSpPr>
@@ -958,7 +958,7 @@
       </p:grpSpPr>
       <p:sp>
         <p:nvSpPr>
-          <p:cNvPr id="11" name="PlaceHolder 1"/>
+          <p:cNvPr id="9" name="PlaceHolder 1"/>
           <p:cNvSpPr>
             <a:spLocks noGrp="1"/>
           </p:cNvSpPr>
@@ -989,7 +989,7 @@
       </p:sp>
       <p:sp>
         <p:nvSpPr>
-          <p:cNvPr id="12" name="PlaceHolder 2"/>
+          <p:cNvPr id="10" name="PlaceHolder 2"/>
           <p:cNvSpPr>
             <a:spLocks noGrp="1"/>
           </p:cNvSpPr>
@@ -1019,7 +1019,7 @@
       </p:sp>
       <p:sp>
         <p:nvSpPr>
-          <p:cNvPr id="13" name="PlaceHolder 3"/>
+          <p:cNvPr id="11" name="PlaceHolder 3"/>
           <p:cNvSpPr>
             <a:spLocks noGrp="1"/>
           </p:cNvSpPr>
@@ -1049,7 +1049,7 @@
       </p:sp>
       <p:sp>
         <p:nvSpPr>
-          <p:cNvPr id="14" name="PlaceHolder 4"/>
+          <p:cNvPr id="12" name="PlaceHolder 4"/>
           <p:cNvSpPr>
             <a:spLocks noGrp="1"/>
           </p:cNvSpPr>
@@ -1101,7 +1101,7 @@
       </p:grpSpPr>
       <p:sp>
         <p:nvSpPr>
-          <p:cNvPr id="15" name="PlaceHolder 1"/>
+          <p:cNvPr id="13" name="PlaceHolder 1"/>
           <p:cNvSpPr>
             <a:spLocks noGrp="1"/>
           </p:cNvSpPr>
@@ -1132,7 +1132,7 @@
       </p:sp>
       <p:sp>
         <p:nvSpPr>
-          <p:cNvPr id="16" name="PlaceHolder 2"/>
+          <p:cNvPr id="14" name="PlaceHolder 2"/>
           <p:cNvSpPr>
             <a:spLocks noGrp="1"/>
           </p:cNvSpPr>
@@ -1162,7 +1162,7 @@
       </p:sp>
       <p:sp>
         <p:nvSpPr>
-          <p:cNvPr id="17" name="PlaceHolder 3"/>
+          <p:cNvPr id="15" name="PlaceHolder 3"/>
           <p:cNvSpPr>
             <a:spLocks noGrp="1"/>
           </p:cNvSpPr>
@@ -1192,7 +1192,7 @@
       </p:sp>
       <p:sp>
         <p:nvSpPr>
-          <p:cNvPr id="18" name="PlaceHolder 4"/>
+          <p:cNvPr id="16" name="PlaceHolder 4"/>
           <p:cNvSpPr>
             <a:spLocks noGrp="1"/>
           </p:cNvSpPr>
@@ -1244,7 +1244,7 @@
       </p:grpSpPr>
       <p:sp>
         <p:nvSpPr>
-          <p:cNvPr id="19" name="PlaceHolder 1"/>
+          <p:cNvPr id="17" name="PlaceHolder 1"/>
           <p:cNvSpPr>
             <a:spLocks noGrp="1"/>
           </p:cNvSpPr>
@@ -1275,7 +1275,7 @@
       </p:sp>
       <p:sp>
         <p:nvSpPr>
-          <p:cNvPr id="20" name="PlaceHolder 2"/>
+          <p:cNvPr id="18" name="PlaceHolder 2"/>
           <p:cNvSpPr>
             <a:spLocks noGrp="1"/>
           </p:cNvSpPr>
@@ -1305,7 +1305,7 @@
       </p:sp>
       <p:sp>
         <p:nvSpPr>
-          <p:cNvPr id="21" name="PlaceHolder 3"/>
+          <p:cNvPr id="19" name="PlaceHolder 3"/>
           <p:cNvSpPr>
             <a:spLocks noGrp="1"/>
           </p:cNvSpPr>
@@ -1335,7 +1335,7 @@
       </p:sp>
       <p:sp>
         <p:nvSpPr>
-          <p:cNvPr id="22" name="PlaceHolder 4"/>
+          <p:cNvPr id="20" name="PlaceHolder 4"/>
           <p:cNvSpPr>
             <a:spLocks noGrp="1"/>
           </p:cNvSpPr>
@@ -1385,222 +1385,6 @@
           <a:chExt cx="0" cy="0"/>
         </a:xfrm>
       </p:grpSpPr>
-      <p:sp>
-        <p:nvSpPr>
-          <p:cNvPr id="0" name="PlaceHolder 1"/>
-          <p:cNvSpPr>
-            <a:spLocks noGrp="1"/>
-          </p:cNvSpPr>
-          <p:nvPr>
-            <p:ph type="title"/>
-          </p:nvPr>
-        </p:nvSpPr>
-        <p:spPr>
-          <a:xfrm>
-            <a:off x="534240" y="301320"/>
-            <a:ext cx="9622080" cy="1261800"/>
-          </a:xfrm>
-          <a:prstGeom prst="rect">
-            <a:avLst/>
-          </a:prstGeom>
-        </p:spPr>
-        <p:txBody>
-          <a:bodyPr lIns="0" rIns="0" tIns="0" bIns="0" anchor="ctr">
-            <a:noAutofit/>
-          </a:bodyPr>
-          <a:p>
-            <a:pPr algn="ctr"/>
-            <a:r>
-              <a:rPr b="0" lang="de-DE" sz="4400" spc="-1" strike="noStrike">
-                <a:latin typeface="Arial"/>
-              </a:rPr>
-              <a:t>Format des Titeltextes durch Klicken bearbeiten</a:t>
-            </a:r>
-            <a:endParaRPr b="0" lang="de-DE" sz="4400" spc="-1" strike="noStrike">
-              <a:latin typeface="Arial"/>
-            </a:endParaRPr>
-          </a:p>
-        </p:txBody>
-      </p:sp>
-      <p:sp>
-        <p:nvSpPr>
-          <p:cNvPr id="1" name="PlaceHolder 2"/>
-          <p:cNvSpPr>
-            <a:spLocks noGrp="1"/>
-          </p:cNvSpPr>
-          <p:nvPr>
-            <p:ph type="body"/>
-          </p:nvPr>
-        </p:nvSpPr>
-        <p:spPr>
-          <a:xfrm>
-            <a:off x="534240" y="1768680"/>
-            <a:ext cx="9622080" cy="4384080"/>
-          </a:xfrm>
-          <a:prstGeom prst="rect">
-            <a:avLst/>
-          </a:prstGeom>
-        </p:spPr>
-        <p:txBody>
-          <a:bodyPr lIns="0" rIns="0" tIns="0" bIns="0">
-            <a:normAutofit/>
-          </a:bodyPr>
-          <a:p>
-            <a:pPr marL="432000" indent="-324000">
-              <a:spcBef>
-                <a:spcPts val="1417"/>
-              </a:spcBef>
-              <a:buClr>
-                <a:srgbClr val="000000"/>
-              </a:buClr>
-              <a:buSzPct val="45000"/>
-              <a:buFont typeface="Wingdings" charset="2"/>
-              <a:buChar char=""/>
-            </a:pPr>
-            <a:r>
-              <a:rPr b="0" lang="de-DE" sz="3200" spc="-1" strike="noStrike">
-                <a:latin typeface="Arial"/>
-              </a:rPr>
-              <a:t>Format des Gliederungstextes durch Klicken bearbeiten</a:t>
-            </a:r>
-            <a:endParaRPr b="0" lang="de-DE" sz="3200" spc="-1" strike="noStrike">
-              <a:latin typeface="Arial"/>
-            </a:endParaRPr>
-          </a:p>
-          <a:p>
-            <a:pPr lvl="1" marL="864000" indent="-324000">
-              <a:spcBef>
-                <a:spcPts val="1134"/>
-              </a:spcBef>
-              <a:buClr>
-                <a:srgbClr val="000000"/>
-              </a:buClr>
-              <a:buSzPct val="75000"/>
-              <a:buFont typeface="Symbol" charset="2"/>
-              <a:buChar char=""/>
-            </a:pPr>
-            <a:r>
-              <a:rPr b="0" lang="de-DE" sz="2800" spc="-1" strike="noStrike">
-                <a:latin typeface="Arial"/>
-              </a:rPr>
-              <a:t>Zweite Gliederungsebene</a:t>
-            </a:r>
-            <a:endParaRPr b="0" lang="de-DE" sz="2800" spc="-1" strike="noStrike">
-              <a:latin typeface="Arial"/>
-            </a:endParaRPr>
-          </a:p>
-          <a:p>
-            <a:pPr lvl="2" marL="1296000" indent="-288000">
-              <a:spcBef>
-                <a:spcPts val="850"/>
-              </a:spcBef>
-              <a:buClr>
-                <a:srgbClr val="000000"/>
-              </a:buClr>
-              <a:buSzPct val="45000"/>
-              <a:buFont typeface="Wingdings" charset="2"/>
-              <a:buChar char=""/>
-            </a:pPr>
-            <a:r>
-              <a:rPr b="0" lang="de-DE" sz="2400" spc="-1" strike="noStrike">
-                <a:latin typeface="Arial"/>
-              </a:rPr>
-              <a:t>Dritte Gliederungsebene</a:t>
-            </a:r>
-            <a:endParaRPr b="0" lang="de-DE" sz="2400" spc="-1" strike="noStrike">
-              <a:latin typeface="Arial"/>
-            </a:endParaRPr>
-          </a:p>
-          <a:p>
-            <a:pPr lvl="3" marL="1728000" indent="-216000">
-              <a:spcBef>
-                <a:spcPts val="567"/>
-              </a:spcBef>
-              <a:buClr>
-                <a:srgbClr val="000000"/>
-              </a:buClr>
-              <a:buSzPct val="75000"/>
-              <a:buFont typeface="Symbol" charset="2"/>
-              <a:buChar char=""/>
-            </a:pPr>
-            <a:r>
-              <a:rPr b="0" lang="de-DE" sz="2000" spc="-1" strike="noStrike">
-                <a:latin typeface="Arial"/>
-              </a:rPr>
-              <a:t>Vierte Gliederungsebene</a:t>
-            </a:r>
-            <a:endParaRPr b="0" lang="de-DE" sz="2000" spc="-1" strike="noStrike">
-              <a:latin typeface="Arial"/>
-            </a:endParaRPr>
-          </a:p>
-          <a:p>
-            <a:pPr lvl="4" marL="2160000" indent="-216000">
-              <a:spcBef>
-                <a:spcPts val="283"/>
-              </a:spcBef>
-              <a:buClr>
-                <a:srgbClr val="000000"/>
-              </a:buClr>
-              <a:buSzPct val="45000"/>
-              <a:buFont typeface="Wingdings" charset="2"/>
-              <a:buChar char=""/>
-            </a:pPr>
-            <a:r>
-              <a:rPr b="0" lang="de-DE" sz="2000" spc="-1" strike="noStrike">
-                <a:latin typeface="Arial"/>
-              </a:rPr>
-              <a:t>Fünfte Gliederungsebene</a:t>
-            </a:r>
-            <a:endParaRPr b="0" lang="de-DE" sz="2000" spc="-1" strike="noStrike">
-              <a:latin typeface="Arial"/>
-            </a:endParaRPr>
-          </a:p>
-          <a:p>
-            <a:pPr lvl="5" marL="2592000" indent="-216000">
-              <a:spcBef>
-                <a:spcPts val="283"/>
-              </a:spcBef>
-              <a:buClr>
-                <a:srgbClr val="000000"/>
-              </a:buClr>
-              <a:buSzPct val="45000"/>
-              <a:buFont typeface="Wingdings" charset="2"/>
-              <a:buChar char=""/>
-            </a:pPr>
-            <a:r>
-              <a:rPr b="0" lang="de-DE" sz="2000" spc="-1" strike="noStrike">
-                <a:latin typeface="Arial"/>
-              </a:rPr>
-              <a:t>Sechste Gliederungsebene</a:t>
-            </a:r>
-            <a:endParaRPr b="0" lang="de-DE" sz="2000" spc="-1" strike="noStrike">
-              <a:latin typeface="Arial"/>
-            </a:endParaRPr>
-          </a:p>
-          <a:p>
-            <a:pPr lvl="6" marL="3024000" indent="-216000">
-              <a:spcBef>
-                <a:spcPts val="283"/>
-              </a:spcBef>
-              <a:buClr>
-                <a:srgbClr val="000000"/>
-              </a:buClr>
-              <a:buSzPct val="45000"/>
-              <a:buFont typeface="Wingdings" charset="2"/>
-              <a:buChar char=""/>
-            </a:pPr>
-            <a:r>
-              <a:rPr b="0" lang="de-DE" sz="2000" spc="-1" strike="noStrike">
-                <a:latin typeface="Arial"/>
-              </a:rPr>
-              <a:t>Siebte Gliederungsebene</a:t>
-            </a:r>
-            <a:endParaRPr b="0" lang="de-DE" sz="2000" spc="-1" strike="noStrike">
-              <a:latin typeface="Arial"/>
-            </a:endParaRPr>
-          </a:p>
-        </p:txBody>
-      </p:sp>
     </p:spTree>
   </p:cSld>
   <p:clrMap bg1="lt1" bg2="lt2" tx1="dk1" tx2="dk2" accent1="accent1" accent2="accent2" accent3="accent3" accent4="accent4" accent5="accent5" accent6="accent6" hlink="hlink" folHlink="folHlink"/>
@@ -1640,14 +1424,14 @@
       </p:grpSpPr>
       <p:sp>
         <p:nvSpPr>
-          <p:cNvPr id="38" name="CustomShape 1"/>
+          <p:cNvPr id="36" name="CustomShape 1"/>
           <p:cNvSpPr/>
           <p:nvPr/>
         </p:nvSpPr>
         <p:spPr>
           <a:xfrm>
             <a:off x="5812560" y="1476360"/>
-            <a:ext cx="3814560" cy="2302560"/>
+            <a:ext cx="3813480" cy="2301480"/>
           </a:xfrm>
           <a:prstGeom prst="rect">
             <a:avLst/>
@@ -1670,14 +1454,14 @@
       </p:sp>
       <p:sp>
         <p:nvSpPr>
-          <p:cNvPr id="39" name="CustomShape 2"/>
+          <p:cNvPr id="37" name="CustomShape 2"/>
           <p:cNvSpPr/>
           <p:nvPr/>
         </p:nvSpPr>
         <p:spPr>
           <a:xfrm>
             <a:off x="412560" y="2412360"/>
-            <a:ext cx="4030560" cy="2302560"/>
+            <a:ext cx="4029480" cy="2301480"/>
           </a:xfrm>
           <a:prstGeom prst="rect">
             <a:avLst/>
@@ -1700,14 +1484,14 @@
       </p:sp>
       <p:sp>
         <p:nvSpPr>
-          <p:cNvPr id="40" name="CustomShape 3"/>
+          <p:cNvPr id="38" name="CustomShape 3"/>
           <p:cNvSpPr/>
           <p:nvPr/>
         </p:nvSpPr>
         <p:spPr>
           <a:xfrm>
             <a:off x="6702840" y="828360"/>
-            <a:ext cx="1438560" cy="574560"/>
+            <a:ext cx="1437480" cy="573480"/>
           </a:xfrm>
           <a:prstGeom prst="rect">
             <a:avLst/>
@@ -1775,14 +1559,14 @@
       </p:sp>
       <p:sp>
         <p:nvSpPr>
-          <p:cNvPr id="41" name="CustomShape 4"/>
+          <p:cNvPr id="39" name="CustomShape 4"/>
           <p:cNvSpPr/>
           <p:nvPr/>
         </p:nvSpPr>
         <p:spPr>
           <a:xfrm>
             <a:off x="4686840" y="612360"/>
-            <a:ext cx="286560" cy="6262560"/>
+            <a:ext cx="285480" cy="6261480"/>
           </a:xfrm>
           <a:prstGeom prst="rect">
             <a:avLst/>
@@ -1830,14 +1614,14 @@
       </p:sp>
       <p:sp>
         <p:nvSpPr>
-          <p:cNvPr id="42" name="CustomShape 5"/>
+          <p:cNvPr id="40" name="CustomShape 5"/>
           <p:cNvSpPr/>
           <p:nvPr/>
         </p:nvSpPr>
         <p:spPr>
           <a:xfrm>
             <a:off x="9870840" y="612360"/>
-            <a:ext cx="286560" cy="6262560"/>
+            <a:ext cx="285480" cy="6261480"/>
           </a:xfrm>
           <a:prstGeom prst="rect">
             <a:avLst/>
@@ -1885,14 +1669,14 @@
       </p:sp>
       <p:sp>
         <p:nvSpPr>
-          <p:cNvPr id="43" name="CustomShape 6"/>
+          <p:cNvPr id="41" name="CustomShape 6"/>
           <p:cNvSpPr/>
           <p:nvPr/>
         </p:nvSpPr>
         <p:spPr>
           <a:xfrm>
             <a:off x="6702840" y="1620360"/>
-            <a:ext cx="1438560" cy="574560"/>
+            <a:ext cx="1437480" cy="573480"/>
           </a:xfrm>
           <a:prstGeom prst="rect">
             <a:avLst/>
@@ -1960,14 +1744,14 @@
       </p:sp>
       <p:sp>
         <p:nvSpPr>
-          <p:cNvPr id="44" name="CustomShape 7"/>
+          <p:cNvPr id="42" name="CustomShape 7"/>
           <p:cNvSpPr/>
           <p:nvPr/>
         </p:nvSpPr>
         <p:spPr>
           <a:xfrm>
             <a:off x="6702840" y="2340360"/>
-            <a:ext cx="1438560" cy="1294560"/>
+            <a:ext cx="1437480" cy="1293480"/>
           </a:xfrm>
           <a:prstGeom prst="rect">
             <a:avLst/>
@@ -2035,14 +1819,14 @@
       </p:sp>
       <p:sp>
         <p:nvSpPr>
-          <p:cNvPr id="45" name="CustomShape 8"/>
+          <p:cNvPr id="43" name="CustomShape 8"/>
           <p:cNvSpPr/>
           <p:nvPr/>
         </p:nvSpPr>
         <p:spPr>
           <a:xfrm>
             <a:off x="6702840" y="3852360"/>
-            <a:ext cx="1438560" cy="430560"/>
+            <a:ext cx="1437480" cy="429480"/>
           </a:xfrm>
           <a:prstGeom prst="rect">
             <a:avLst/>
@@ -2090,14 +1874,14 @@
       </p:sp>
       <p:sp>
         <p:nvSpPr>
-          <p:cNvPr id="46" name="CustomShape 9"/>
+          <p:cNvPr id="44" name="CustomShape 9"/>
           <p:cNvSpPr/>
           <p:nvPr/>
         </p:nvSpPr>
         <p:spPr>
           <a:xfrm>
             <a:off x="6702840" y="4356360"/>
-            <a:ext cx="1438560" cy="430560"/>
+            <a:ext cx="1437480" cy="429480"/>
           </a:xfrm>
           <a:prstGeom prst="rect">
             <a:avLst/>
@@ -2145,14 +1929,14 @@
       </p:sp>
       <p:sp>
         <p:nvSpPr>
-          <p:cNvPr id="47" name="CustomShape 10"/>
+          <p:cNvPr id="45" name="CustomShape 10"/>
           <p:cNvSpPr/>
           <p:nvPr/>
         </p:nvSpPr>
         <p:spPr>
           <a:xfrm rot="16200000">
-            <a:off x="7962840" y="4105800"/>
-            <a:ext cx="934560" cy="430560"/>
+            <a:off x="7962840" y="4106880"/>
+            <a:ext cx="933480" cy="429480"/>
           </a:xfrm>
           <a:prstGeom prst="rect">
             <a:avLst/>
@@ -2200,14 +1984,14 @@
       </p:sp>
       <p:sp>
         <p:nvSpPr>
-          <p:cNvPr id="48" name="CustomShape 11"/>
+          <p:cNvPr id="46" name="CustomShape 11"/>
           <p:cNvSpPr/>
           <p:nvPr/>
         </p:nvSpPr>
         <p:spPr>
           <a:xfrm>
             <a:off x="1518840" y="900360"/>
-            <a:ext cx="1438560" cy="430560"/>
+            <a:ext cx="1437480" cy="429480"/>
           </a:xfrm>
           <a:prstGeom prst="rect">
             <a:avLst/>
@@ -2275,14 +2059,14 @@
       </p:sp>
       <p:sp>
         <p:nvSpPr>
-          <p:cNvPr id="49" name="CustomShape 12"/>
+          <p:cNvPr id="47" name="CustomShape 12"/>
           <p:cNvSpPr/>
           <p:nvPr/>
         </p:nvSpPr>
         <p:spPr>
           <a:xfrm>
             <a:off x="1518840" y="1548360"/>
-            <a:ext cx="1438560" cy="430560"/>
+            <a:ext cx="1437480" cy="429480"/>
           </a:xfrm>
           <a:prstGeom prst="rect">
             <a:avLst/>
@@ -2330,14 +2114,14 @@
       </p:sp>
       <p:sp>
         <p:nvSpPr>
-          <p:cNvPr id="50" name="CustomShape 13"/>
+          <p:cNvPr id="48" name="CustomShape 13"/>
           <p:cNvSpPr/>
           <p:nvPr/>
         </p:nvSpPr>
         <p:spPr>
           <a:xfrm>
             <a:off x="1518840" y="2556360"/>
-            <a:ext cx="1438560" cy="430560"/>
+            <a:ext cx="1437480" cy="429480"/>
           </a:xfrm>
           <a:prstGeom prst="rect">
             <a:avLst/>
@@ -2385,14 +2169,14 @@
       </p:sp>
       <p:sp>
         <p:nvSpPr>
-          <p:cNvPr id="51" name="CustomShape 14"/>
+          <p:cNvPr id="49" name="CustomShape 14"/>
           <p:cNvSpPr/>
           <p:nvPr/>
         </p:nvSpPr>
         <p:spPr>
           <a:xfrm>
             <a:off x="1512360" y="3132360"/>
-            <a:ext cx="1438560" cy="862560"/>
+            <a:ext cx="1437480" cy="861480"/>
           </a:xfrm>
           <a:prstGeom prst="rect">
             <a:avLst/>
@@ -2440,14 +2224,14 @@
       </p:sp>
       <p:sp>
         <p:nvSpPr>
-          <p:cNvPr id="52" name="CustomShape 15"/>
+          <p:cNvPr id="50" name="CustomShape 15"/>
           <p:cNvSpPr/>
           <p:nvPr/>
         </p:nvSpPr>
         <p:spPr>
           <a:xfrm>
             <a:off x="1512360" y="4140360"/>
-            <a:ext cx="1438560" cy="430560"/>
+            <a:ext cx="1437480" cy="429480"/>
           </a:xfrm>
           <a:prstGeom prst="rect">
             <a:avLst/>
@@ -2495,14 +2279,14 @@
       </p:sp>
       <p:sp>
         <p:nvSpPr>
-          <p:cNvPr id="53" name="CustomShape 16"/>
+          <p:cNvPr id="51" name="CustomShape 16"/>
           <p:cNvSpPr/>
           <p:nvPr/>
         </p:nvSpPr>
         <p:spPr>
           <a:xfrm>
             <a:off x="1512360" y="4788360"/>
-            <a:ext cx="1438560" cy="430560"/>
+            <a:ext cx="1437480" cy="429480"/>
           </a:xfrm>
           <a:prstGeom prst="rect">
             <a:avLst/>
@@ -2550,14 +2334,14 @@
       </p:sp>
       <p:sp>
         <p:nvSpPr>
-          <p:cNvPr id="54" name="CustomShape 17"/>
+          <p:cNvPr id="52" name="CustomShape 17"/>
           <p:cNvSpPr/>
           <p:nvPr/>
         </p:nvSpPr>
         <p:spPr>
           <a:xfrm>
             <a:off x="1512360" y="5436360"/>
-            <a:ext cx="1438560" cy="430560"/>
+            <a:ext cx="1437480" cy="429480"/>
           </a:xfrm>
           <a:prstGeom prst="rect">
             <a:avLst/>
@@ -2605,14 +2389,14 @@
       </p:sp>
       <p:sp>
         <p:nvSpPr>
-          <p:cNvPr id="55" name="CustomShape 18"/>
+          <p:cNvPr id="53" name="CustomShape 18"/>
           <p:cNvSpPr/>
           <p:nvPr/>
         </p:nvSpPr>
         <p:spPr>
           <a:xfrm>
             <a:off x="1512360" y="6077880"/>
-            <a:ext cx="1438560" cy="437040"/>
+            <a:ext cx="1437480" cy="435960"/>
           </a:xfrm>
           <a:prstGeom prst="rect">
             <a:avLst/>
@@ -2660,7 +2444,7 @@
       </p:sp>
       <p:sp>
         <p:nvSpPr>
-          <p:cNvPr id="56" name="Line 19"/>
+          <p:cNvPr id="54" name="Line 19"/>
           <p:cNvSpPr/>
           <p:nvPr/>
         </p:nvSpPr>
@@ -2714,7 +2498,7 @@
       </p:sp>
       <p:sp>
         <p:nvSpPr>
-          <p:cNvPr id="57" name="Line 20"/>
+          <p:cNvPr id="55" name="Line 20"/>
           <p:cNvSpPr/>
           <p:nvPr/>
         </p:nvSpPr>
@@ -2768,7 +2552,7 @@
       </p:sp>
       <p:sp>
         <p:nvSpPr>
-          <p:cNvPr id="58" name="Line 21"/>
+          <p:cNvPr id="56" name="Line 21"/>
           <p:cNvSpPr/>
           <p:nvPr/>
         </p:nvSpPr>
@@ -2822,7 +2606,7 @@
       </p:sp>
       <p:sp>
         <p:nvSpPr>
-          <p:cNvPr id="59" name="Line 22"/>
+          <p:cNvPr id="57" name="Line 22"/>
           <p:cNvSpPr/>
           <p:nvPr/>
         </p:nvSpPr>
@@ -2876,7 +2660,7 @@
       </p:sp>
       <p:sp>
         <p:nvSpPr>
-          <p:cNvPr id="60" name="Line 23"/>
+          <p:cNvPr id="58" name="Line 23"/>
           <p:cNvSpPr/>
           <p:nvPr/>
         </p:nvSpPr>
@@ -2930,7 +2714,7 @@
       </p:sp>
       <p:sp>
         <p:nvSpPr>
-          <p:cNvPr id="61" name="Line 24"/>
+          <p:cNvPr id="59" name="Line 24"/>
           <p:cNvSpPr/>
           <p:nvPr/>
         </p:nvSpPr>
@@ -2984,7 +2768,7 @@
       </p:sp>
       <p:sp>
         <p:nvSpPr>
-          <p:cNvPr id="62" name="Line 25"/>
+          <p:cNvPr id="60" name="Line 25"/>
           <p:cNvSpPr/>
           <p:nvPr/>
         </p:nvSpPr>
@@ -3038,7 +2822,7 @@
       </p:sp>
       <p:sp>
         <p:nvSpPr>
-          <p:cNvPr id="63" name="Line 26"/>
+          <p:cNvPr id="61" name="Line 26"/>
           <p:cNvSpPr/>
           <p:nvPr/>
         </p:nvSpPr>
@@ -3092,7 +2876,7 @@
       </p:sp>
       <p:sp>
         <p:nvSpPr>
-          <p:cNvPr id="64" name="Line 27"/>
+          <p:cNvPr id="62" name="Line 27"/>
           <p:cNvSpPr/>
           <p:nvPr/>
         </p:nvSpPr>
@@ -3146,7 +2930,7 @@
       </p:sp>
       <p:sp>
         <p:nvSpPr>
-          <p:cNvPr id="65" name="Line 28"/>
+          <p:cNvPr id="63" name="Line 28"/>
           <p:cNvSpPr/>
           <p:nvPr/>
         </p:nvSpPr>
@@ -3174,14 +2958,14 @@
       </p:sp>
       <p:sp>
         <p:nvSpPr>
-          <p:cNvPr id="66" name="CustomShape 29"/>
+          <p:cNvPr id="64" name="CustomShape 29"/>
           <p:cNvSpPr/>
           <p:nvPr/>
         </p:nvSpPr>
         <p:spPr>
           <a:xfrm>
             <a:off x="6702840" y="5004360"/>
-            <a:ext cx="1438560" cy="430560"/>
+            <a:ext cx="1437480" cy="429480"/>
           </a:xfrm>
           <a:prstGeom prst="rect">
             <a:avLst/>
@@ -3229,14 +3013,14 @@
       </p:sp>
       <p:sp>
         <p:nvSpPr>
-          <p:cNvPr id="67" name="CustomShape 30"/>
+          <p:cNvPr id="65" name="CustomShape 30"/>
           <p:cNvSpPr/>
           <p:nvPr/>
         </p:nvSpPr>
         <p:spPr>
           <a:xfrm>
             <a:off x="6702840" y="5508360"/>
-            <a:ext cx="1438560" cy="430560"/>
+            <a:ext cx="1437480" cy="429480"/>
           </a:xfrm>
           <a:prstGeom prst="rect">
             <a:avLst/>
@@ -3284,14 +3068,14 @@
       </p:sp>
       <p:sp>
         <p:nvSpPr>
-          <p:cNvPr id="68" name="CustomShape 31"/>
+          <p:cNvPr id="66" name="CustomShape 31"/>
           <p:cNvSpPr/>
           <p:nvPr/>
         </p:nvSpPr>
         <p:spPr>
           <a:xfrm rot="16200000">
-            <a:off x="7962840" y="5257800"/>
-            <a:ext cx="934560" cy="430560"/>
+            <a:off x="7962840" y="5258880"/>
+            <a:ext cx="933480" cy="429480"/>
           </a:xfrm>
           <a:prstGeom prst="rect">
             <a:avLst/>
@@ -3339,7 +3123,7 @@
       </p:sp>
       <p:sp>
         <p:nvSpPr>
-          <p:cNvPr id="69" name="Line 32"/>
+          <p:cNvPr id="67" name="Line 32"/>
           <p:cNvSpPr/>
           <p:nvPr/>
         </p:nvSpPr>
@@ -3367,7 +3151,7 @@
       </p:sp>
       <p:sp>
         <p:nvSpPr>
-          <p:cNvPr id="70" name="Line 33"/>
+          <p:cNvPr id="68" name="Line 33"/>
           <p:cNvSpPr/>
           <p:nvPr/>
         </p:nvSpPr>
@@ -3395,7 +3179,7 @@
       </p:sp>
       <p:sp>
         <p:nvSpPr>
-          <p:cNvPr id="71" name="Line 34"/>
+          <p:cNvPr id="69" name="Line 34"/>
           <p:cNvSpPr/>
           <p:nvPr/>
         </p:nvSpPr>
@@ -3423,14 +3207,14 @@
       </p:sp>
       <p:sp>
         <p:nvSpPr>
-          <p:cNvPr id="72" name="CustomShape 35"/>
+          <p:cNvPr id="70" name="CustomShape 35"/>
           <p:cNvSpPr/>
           <p:nvPr/>
         </p:nvSpPr>
         <p:spPr>
           <a:xfrm rot="16200000">
-            <a:off x="2886840" y="3349800"/>
-            <a:ext cx="862560" cy="430560"/>
+            <a:off x="2886840" y="3350880"/>
+            <a:ext cx="861480" cy="429480"/>
           </a:xfrm>
           <a:prstGeom prst="rect">
             <a:avLst/>
@@ -3478,14 +3262,14 @@
       </p:sp>
       <p:sp>
         <p:nvSpPr>
-          <p:cNvPr id="73" name="CustomShape 36"/>
+          <p:cNvPr id="71" name="CustomShape 36"/>
           <p:cNvSpPr/>
           <p:nvPr/>
         </p:nvSpPr>
         <p:spPr>
           <a:xfrm rot="16200000">
-            <a:off x="288360" y="3349800"/>
-            <a:ext cx="862560" cy="430560"/>
+            <a:off x="288360" y="3350880"/>
+            <a:ext cx="861480" cy="429480"/>
           </a:xfrm>
           <a:prstGeom prst="rect">
             <a:avLst/>
@@ -3533,7 +3317,7 @@
       </p:sp>
       <p:sp>
         <p:nvSpPr>
-          <p:cNvPr id="74" name="Line 37"/>
+          <p:cNvPr id="72" name="Line 37"/>
           <p:cNvSpPr/>
           <p:nvPr/>
         </p:nvSpPr>
@@ -3587,7 +3371,7 @@
       </p:sp>
       <p:sp>
         <p:nvSpPr>
-          <p:cNvPr id="75" name="Line 38"/>
+          <p:cNvPr id="73" name="Line 38"/>
           <p:cNvSpPr/>
           <p:nvPr/>
         </p:nvSpPr>
@@ -3641,7 +3425,7 @@
       </p:sp>
       <p:sp>
         <p:nvSpPr>
-          <p:cNvPr id="76" name="Line 39"/>
+          <p:cNvPr id="74" name="Line 39"/>
           <p:cNvSpPr/>
           <p:nvPr/>
         </p:nvSpPr>
@@ -3670,7 +3454,7 @@
       </p:sp>
       <p:sp>
         <p:nvSpPr>
-          <p:cNvPr id="77" name="Line 40"/>
+          <p:cNvPr id="75" name="Line 40"/>
           <p:cNvSpPr/>
           <p:nvPr/>
         </p:nvSpPr>
@@ -3699,7 +3483,7 @@
       </p:sp>
       <p:sp>
         <p:nvSpPr>
-          <p:cNvPr id="78" name="Line 41"/>
+          <p:cNvPr id="76" name="Line 41"/>
           <p:cNvSpPr/>
           <p:nvPr/>
         </p:nvSpPr>
@@ -3728,14 +3512,14 @@
       </p:sp>
       <p:sp>
         <p:nvSpPr>
-          <p:cNvPr id="79" name="CustomShape 42"/>
+          <p:cNvPr id="77" name="CustomShape 42"/>
           <p:cNvSpPr/>
           <p:nvPr/>
         </p:nvSpPr>
         <p:spPr>
           <a:xfrm rot="16200000">
-            <a:off x="5690160" y="2701800"/>
-            <a:ext cx="1294560" cy="574560"/>
+            <a:off x="5690160" y="2702880"/>
+            <a:ext cx="1293480" cy="573480"/>
           </a:xfrm>
           <a:prstGeom prst="rect">
             <a:avLst/>
@@ -3803,7 +3587,7 @@
       </p:sp>
       <p:sp>
         <p:nvSpPr>
-          <p:cNvPr id="80" name="Line 43"/>
+          <p:cNvPr id="78" name="Line 43"/>
           <p:cNvSpPr/>
           <p:nvPr/>
         </p:nvSpPr>
@@ -3832,7 +3616,7 @@
       </p:sp>
       <p:sp>
         <p:nvSpPr>
-          <p:cNvPr id="81" name="Line 44"/>
+          <p:cNvPr id="79" name="Line 44"/>
           <p:cNvSpPr/>
           <p:nvPr/>
         </p:nvSpPr>
@@ -3886,7 +3670,7 @@
       </p:sp>
       <p:sp>
         <p:nvSpPr>
-          <p:cNvPr id="82" name="Line 45"/>
+          <p:cNvPr id="80" name="Line 45"/>
           <p:cNvSpPr/>
           <p:nvPr/>
         </p:nvSpPr>
@@ -3940,7 +3724,7 @@
       </p:sp>
       <p:sp>
         <p:nvSpPr>
-          <p:cNvPr id="83" name="Line 46"/>
+          <p:cNvPr id="81" name="Line 46"/>
           <p:cNvSpPr/>
           <p:nvPr/>
         </p:nvSpPr>
@@ -3994,7 +3778,7 @@
       </p:sp>
       <p:sp>
         <p:nvSpPr>
-          <p:cNvPr id="84" name="Line 47"/>
+          <p:cNvPr id="82" name="Line 47"/>
           <p:cNvSpPr/>
           <p:nvPr/>
         </p:nvSpPr>
@@ -4048,7 +3832,7 @@
       </p:sp>
       <p:sp>
         <p:nvSpPr>
-          <p:cNvPr id="85" name="Line 48"/>
+          <p:cNvPr id="83" name="Line 48"/>
           <p:cNvSpPr/>
           <p:nvPr/>
         </p:nvSpPr>
@@ -4102,7 +3886,7 @@
       </p:sp>
       <p:sp>
         <p:nvSpPr>
-          <p:cNvPr id="86" name="Line 49"/>
+          <p:cNvPr id="84" name="Line 49"/>
           <p:cNvSpPr/>
           <p:nvPr/>
         </p:nvSpPr>
@@ -4156,7 +3940,7 @@
       </p:sp>
       <p:sp>
         <p:nvSpPr>
-          <p:cNvPr id="87" name="Line 50"/>
+          <p:cNvPr id="85" name="Line 50"/>
           <p:cNvSpPr/>
           <p:nvPr/>
         </p:nvSpPr>
@@ -4210,7 +3994,7 @@
       </p:sp>
       <p:sp>
         <p:nvSpPr>
-          <p:cNvPr id="88" name="Line 51"/>
+          <p:cNvPr id="86" name="Line 51"/>
           <p:cNvSpPr/>
           <p:nvPr/>
         </p:nvSpPr>
@@ -4264,7 +4048,7 @@
       </p:sp>
       <p:sp>
         <p:nvSpPr>
-          <p:cNvPr id="89" name="Line 52"/>
+          <p:cNvPr id="87" name="Line 52"/>
           <p:cNvSpPr/>
           <p:nvPr/>
         </p:nvSpPr>
@@ -4318,7 +4102,7 @@
       </p:sp>
       <p:sp>
         <p:nvSpPr>
-          <p:cNvPr id="90" name="Line 53"/>
+          <p:cNvPr id="88" name="Line 53"/>
           <p:cNvSpPr/>
           <p:nvPr/>
         </p:nvSpPr>
@@ -4372,7 +4156,7 @@
       </p:sp>
       <p:sp>
         <p:nvSpPr>
-          <p:cNvPr id="91" name="Line 54"/>
+          <p:cNvPr id="89" name="Line 54"/>
           <p:cNvSpPr/>
           <p:nvPr/>
         </p:nvSpPr>
@@ -4426,7 +4210,7 @@
       </p:sp>
       <p:sp>
         <p:nvSpPr>
-          <p:cNvPr id="92" name="Line 55"/>
+          <p:cNvPr id="90" name="Line 55"/>
           <p:cNvSpPr/>
           <p:nvPr/>
         </p:nvSpPr>
@@ -4480,7 +4264,7 @@
       </p:sp>
       <p:sp>
         <p:nvSpPr>
-          <p:cNvPr id="93" name="Line 56"/>
+          <p:cNvPr id="91" name="Line 56"/>
           <p:cNvSpPr/>
           <p:nvPr/>
         </p:nvSpPr>
@@ -4534,7 +4318,7 @@
       </p:sp>
       <p:sp>
         <p:nvSpPr>
-          <p:cNvPr id="94" name="Line 57"/>
+          <p:cNvPr id="92" name="Line 57"/>
           <p:cNvSpPr/>
           <p:nvPr/>
         </p:nvSpPr>
@@ -4588,7 +4372,7 @@
       </p:sp>
       <p:sp>
         <p:nvSpPr>
-          <p:cNvPr id="95" name="Line 58"/>
+          <p:cNvPr id="93" name="Line 58"/>
           <p:cNvSpPr/>
           <p:nvPr/>
         </p:nvSpPr>
@@ -4642,7 +4426,7 @@
       </p:sp>
       <p:sp>
         <p:nvSpPr>
-          <p:cNvPr id="96" name="Line 59"/>
+          <p:cNvPr id="94" name="Line 59"/>
           <p:cNvSpPr/>
           <p:nvPr/>
         </p:nvSpPr>
@@ -4696,7 +4480,7 @@
       </p:sp>
       <p:sp>
         <p:nvSpPr>
-          <p:cNvPr id="97" name="Line 60"/>
+          <p:cNvPr id="95" name="Line 60"/>
           <p:cNvSpPr/>
           <p:nvPr/>
         </p:nvSpPr>
@@ -4750,7 +4534,7 @@
       </p:sp>
       <p:sp>
         <p:nvSpPr>
-          <p:cNvPr id="98" name="Line 61"/>
+          <p:cNvPr id="96" name="Line 61"/>
           <p:cNvSpPr/>
           <p:nvPr/>
         </p:nvSpPr>
@@ -4804,7 +4588,7 @@
       </p:sp>
       <p:sp>
         <p:nvSpPr>
-          <p:cNvPr id="99" name="Line 62"/>
+          <p:cNvPr id="97" name="Line 62"/>
           <p:cNvSpPr/>
           <p:nvPr/>
         </p:nvSpPr>
@@ -4858,7 +4642,7 @@
       </p:sp>
       <p:sp>
         <p:nvSpPr>
-          <p:cNvPr id="100" name="Line 63"/>
+          <p:cNvPr id="98" name="Line 63"/>
           <p:cNvSpPr/>
           <p:nvPr/>
         </p:nvSpPr>
@@ -4912,7 +4696,7 @@
       </p:sp>
       <p:sp>
         <p:nvSpPr>
-          <p:cNvPr id="101" name="Line 64"/>
+          <p:cNvPr id="99" name="Line 64"/>
           <p:cNvSpPr/>
           <p:nvPr/>
         </p:nvSpPr>
@@ -4966,7 +4750,7 @@
       </p:sp>
       <p:sp>
         <p:nvSpPr>
-          <p:cNvPr id="102" name="Line 65"/>
+          <p:cNvPr id="100" name="Line 65"/>
           <p:cNvSpPr/>
           <p:nvPr/>
         </p:nvSpPr>
@@ -5020,7 +4804,7 @@
       </p:sp>
       <p:sp>
         <p:nvSpPr>
-          <p:cNvPr id="103" name="Line 66"/>
+          <p:cNvPr id="101" name="Line 66"/>
           <p:cNvSpPr/>
           <p:nvPr/>
         </p:nvSpPr>
@@ -5074,7 +4858,7 @@
       </p:sp>
       <p:sp>
         <p:nvSpPr>
-          <p:cNvPr id="104" name="Line 67"/>
+          <p:cNvPr id="102" name="Line 67"/>
           <p:cNvSpPr/>
           <p:nvPr/>
         </p:nvSpPr>
@@ -5128,14 +4912,14 @@
       </p:sp>
       <p:sp>
         <p:nvSpPr>
-          <p:cNvPr id="105" name="CustomShape 68"/>
+          <p:cNvPr id="103" name="CustomShape 68"/>
           <p:cNvSpPr/>
           <p:nvPr/>
         </p:nvSpPr>
         <p:spPr>
           <a:xfrm>
             <a:off x="1518840" y="324360"/>
-            <a:ext cx="1438560" cy="430560"/>
+            <a:ext cx="1437480" cy="429480"/>
           </a:xfrm>
           <a:prstGeom prst="rect">
             <a:avLst/>
@@ -5203,7 +4987,7 @@
       </p:sp>
       <p:sp>
         <p:nvSpPr>
-          <p:cNvPr id="106" name="Line 69"/>
+          <p:cNvPr id="104" name="Line 69"/>
           <p:cNvSpPr/>
           <p:nvPr/>
         </p:nvSpPr>
@@ -5232,7 +5016,7 @@
       </p:sp>
       <p:sp>
         <p:nvSpPr>
-          <p:cNvPr id="107" name="Line 70"/>
+          <p:cNvPr id="105" name="Line 70"/>
           <p:cNvSpPr/>
           <p:nvPr/>
         </p:nvSpPr>
@@ -5260,7 +5044,7 @@
       </p:sp>
       <p:sp>
         <p:nvSpPr>
-          <p:cNvPr id="108" name="Line 71"/>
+          <p:cNvPr id="106" name="Line 71"/>
           <p:cNvSpPr/>
           <p:nvPr/>
         </p:nvSpPr>
@@ -5289,14 +5073,14 @@
       </p:sp>
       <p:sp>
         <p:nvSpPr>
-          <p:cNvPr id="109" name="CustomShape 72"/>
-          <p:cNvSpPr/>
-          <p:nvPr/>
-        </p:nvSpPr>
-        <p:spPr>
-          <a:xfrm>
-            <a:off x="4654080" y="324000"/>
-            <a:ext cx="365040" cy="409320"/>
+          <p:cNvPr id="107" name="CustomShape 72"/>
+          <p:cNvSpPr/>
+          <p:nvPr/>
+        </p:nvSpPr>
+        <p:spPr>
+          <a:xfrm>
+            <a:off x="4566960" y="324000"/>
+            <a:ext cx="529200" cy="302760"/>
           </a:xfrm>
           <a:prstGeom prst="rect">
             <a:avLst/>
@@ -5360,14 +5144,14 @@
       </p:sp>
       <p:sp>
         <p:nvSpPr>
-          <p:cNvPr id="110" name="CustomShape 73"/>
-          <p:cNvSpPr/>
-          <p:nvPr/>
-        </p:nvSpPr>
-        <p:spPr>
-          <a:xfrm>
-            <a:off x="9772560" y="324360"/>
-            <a:ext cx="502200" cy="409320"/>
+          <p:cNvPr id="108" name="CustomShape 73"/>
+          <p:cNvSpPr/>
+          <p:nvPr/>
+        </p:nvSpPr>
+        <p:spPr>
+          <a:xfrm>
+            <a:off x="9670680" y="324360"/>
+            <a:ext cx="697680" cy="302760"/>
           </a:xfrm>
           <a:prstGeom prst="rect">
             <a:avLst/>
@@ -5431,14 +5215,14 @@
       </p:sp>
       <p:sp>
         <p:nvSpPr>
-          <p:cNvPr id="111" name="CustomShape 74"/>
-          <p:cNvSpPr/>
-          <p:nvPr/>
-        </p:nvSpPr>
-        <p:spPr>
-          <a:xfrm>
-            <a:off x="3364560" y="2474640"/>
-            <a:ext cx="1031040" cy="774360"/>
+          <p:cNvPr id="109" name="CustomShape 74"/>
+          <p:cNvSpPr/>
+          <p:nvPr/>
+        </p:nvSpPr>
+        <p:spPr>
+          <a:xfrm>
+            <a:off x="3287520" y="2412360"/>
+            <a:ext cx="1154520" cy="546120"/>
           </a:xfrm>
           <a:prstGeom prst="rect">
             <a:avLst/>
@@ -5459,7 +5243,7 @@
             <a:spAutoFit/>
           </a:bodyPr>
           <a:p>
-            <a:pPr>
+            <a:pPr algn="r">
               <a:lnSpc>
                 <a:spcPct val="100000"/>
               </a:lnSpc>
@@ -5479,7 +5263,7 @@
             </a:endParaRPr>
           </a:p>
           <a:p>
-            <a:pPr>
+            <a:pPr algn="r">
               <a:lnSpc>
                 <a:spcPct val="100000"/>
               </a:lnSpc>
@@ -5502,14 +5286,14 @@
       </p:sp>
       <p:sp>
         <p:nvSpPr>
-          <p:cNvPr id="112" name="CustomShape 75"/>
-          <p:cNvSpPr/>
-          <p:nvPr/>
-        </p:nvSpPr>
-        <p:spPr>
-          <a:xfrm>
-            <a:off x="8692560" y="3420360"/>
-            <a:ext cx="869760" cy="546120"/>
+          <p:cNvPr id="110" name="CustomShape 75"/>
+          <p:cNvSpPr/>
+          <p:nvPr/>
+        </p:nvSpPr>
+        <p:spPr>
+          <a:xfrm>
+            <a:off x="8692560" y="3420000"/>
+            <a:ext cx="933480" cy="317880"/>
           </a:xfrm>
           <a:prstGeom prst="rect">
             <a:avLst/>
@@ -5530,7 +5314,7 @@
             <a:spAutoFit/>
           </a:bodyPr>
           <a:p>
-            <a:pPr>
+            <a:pPr algn="r">
               <a:lnSpc>
                 <a:spcPct val="100000"/>
               </a:lnSpc>
@@ -5553,14 +5337,14 @@
       </p:sp>
       <p:sp>
         <p:nvSpPr>
-          <p:cNvPr id="113" name="CustomShape 76"/>
+          <p:cNvPr id="111" name="CustomShape 76"/>
           <p:cNvSpPr/>
           <p:nvPr/>
         </p:nvSpPr>
         <p:spPr>
           <a:xfrm>
             <a:off x="1471680" y="1116360"/>
-            <a:ext cx="307440" cy="317520"/>
+            <a:ext cx="399960" cy="241920"/>
           </a:xfrm>
           <a:prstGeom prst="rect">
             <a:avLst/>
@@ -5624,14 +5408,14 @@
       </p:sp>
       <p:sp>
         <p:nvSpPr>
-          <p:cNvPr id="114" name="CustomShape 77"/>
+          <p:cNvPr id="112" name="CustomShape 77"/>
           <p:cNvSpPr/>
           <p:nvPr/>
         </p:nvSpPr>
         <p:spPr>
           <a:xfrm>
             <a:off x="6655680" y="1116360"/>
-            <a:ext cx="451440" cy="317520"/>
+            <a:ext cx="450360" cy="317520"/>
           </a:xfrm>
           <a:prstGeom prst="rect">
             <a:avLst/>
@@ -5715,14 +5499,14 @@
       </p:sp>
       <p:sp>
         <p:nvSpPr>
-          <p:cNvPr id="115" name="CustomShape 78"/>
+          <p:cNvPr id="113" name="CustomShape 78"/>
           <p:cNvSpPr/>
           <p:nvPr/>
         </p:nvSpPr>
         <p:spPr>
           <a:xfrm>
             <a:off x="8167680" y="4644360"/>
-            <a:ext cx="307440" cy="165600"/>
+            <a:ext cx="306360" cy="165600"/>
           </a:xfrm>
           <a:prstGeom prst="rect">
             <a:avLst/>
@@ -5766,14 +5550,14 @@
       </p:sp>
       <p:sp>
         <p:nvSpPr>
-          <p:cNvPr id="116" name="CustomShape 79"/>
+          <p:cNvPr id="114" name="CustomShape 79"/>
           <p:cNvSpPr/>
           <p:nvPr/>
         </p:nvSpPr>
         <p:spPr>
           <a:xfrm>
             <a:off x="8167680" y="5796360"/>
-            <a:ext cx="307440" cy="165600"/>
+            <a:ext cx="306360" cy="165600"/>
           </a:xfrm>
           <a:prstGeom prst="rect">
             <a:avLst/>
@@ -5817,14 +5601,14 @@
       </p:sp>
       <p:sp>
         <p:nvSpPr>
-          <p:cNvPr id="117" name="CustomShape 80"/>
+          <p:cNvPr id="115" name="CustomShape 80"/>
           <p:cNvSpPr/>
           <p:nvPr/>
         </p:nvSpPr>
         <p:spPr>
           <a:xfrm>
             <a:off x="1471680" y="6372360"/>
-            <a:ext cx="307440" cy="165600"/>
+            <a:ext cx="306360" cy="165600"/>
           </a:xfrm>
           <a:prstGeom prst="rect">
             <a:avLst/>
@@ -5868,14 +5652,14 @@
       </p:sp>
       <p:sp>
         <p:nvSpPr>
-          <p:cNvPr id="118" name="CustomShape 81"/>
+          <p:cNvPr id="116" name="CustomShape 81"/>
           <p:cNvSpPr/>
           <p:nvPr/>
         </p:nvSpPr>
         <p:spPr>
           <a:xfrm>
             <a:off x="1471680" y="5724360"/>
-            <a:ext cx="307440" cy="165600"/>
+            <a:ext cx="306360" cy="165600"/>
           </a:xfrm>
           <a:prstGeom prst="rect">
             <a:avLst/>
@@ -5919,14 +5703,14 @@
       </p:sp>
       <p:sp>
         <p:nvSpPr>
-          <p:cNvPr id="119" name="CustomShape 82"/>
+          <p:cNvPr id="117" name="CustomShape 82"/>
           <p:cNvSpPr/>
           <p:nvPr/>
         </p:nvSpPr>
         <p:spPr>
           <a:xfrm>
             <a:off x="1471680" y="5076360"/>
-            <a:ext cx="307440" cy="165600"/>
+            <a:ext cx="306360" cy="165600"/>
           </a:xfrm>
           <a:prstGeom prst="rect">
             <a:avLst/>
@@ -5970,14 +5754,14 @@
       </p:sp>
       <p:sp>
         <p:nvSpPr>
-          <p:cNvPr id="120" name="CustomShape 83"/>
+          <p:cNvPr id="118" name="CustomShape 83"/>
           <p:cNvSpPr/>
           <p:nvPr/>
         </p:nvSpPr>
         <p:spPr>
           <a:xfrm>
             <a:off x="463680" y="3780360"/>
-            <a:ext cx="307440" cy="317520"/>
+            <a:ext cx="400320" cy="242280"/>
           </a:xfrm>
           <a:prstGeom prst="rect">
             <a:avLst/>
@@ -6041,14 +5825,14 @@
       </p:sp>
       <p:sp>
         <p:nvSpPr>
-          <p:cNvPr id="121" name="CustomShape 84"/>
+          <p:cNvPr id="119" name="CustomShape 84"/>
           <p:cNvSpPr/>
           <p:nvPr/>
         </p:nvSpPr>
         <p:spPr>
           <a:xfrm>
             <a:off x="1471680" y="1836360"/>
-            <a:ext cx="307440" cy="165600"/>
+            <a:ext cx="306360" cy="165600"/>
           </a:xfrm>
           <a:prstGeom prst="rect">
             <a:avLst/>
@@ -6092,14 +5876,14 @@
       </p:sp>
       <p:sp>
         <p:nvSpPr>
-          <p:cNvPr id="122" name="CustomShape 85"/>
+          <p:cNvPr id="120" name="CustomShape 85"/>
           <p:cNvSpPr/>
           <p:nvPr/>
         </p:nvSpPr>
         <p:spPr>
           <a:xfrm>
             <a:off x="1471680" y="2844360"/>
-            <a:ext cx="307440" cy="165600"/>
+            <a:ext cx="306360" cy="165600"/>
           </a:xfrm>
           <a:prstGeom prst="rect">
             <a:avLst/>
@@ -6143,14 +5927,14 @@
       </p:sp>
       <p:sp>
         <p:nvSpPr>
-          <p:cNvPr id="123" name="CustomShape 86"/>
+          <p:cNvPr id="121" name="CustomShape 86"/>
           <p:cNvSpPr/>
           <p:nvPr/>
         </p:nvSpPr>
         <p:spPr>
           <a:xfrm>
             <a:off x="1471680" y="4428360"/>
-            <a:ext cx="307440" cy="165600"/>
+            <a:ext cx="306360" cy="165600"/>
           </a:xfrm>
           <a:prstGeom prst="rect">
             <a:avLst/>
@@ -6194,14 +5978,14 @@
       </p:sp>
       <p:sp>
         <p:nvSpPr>
-          <p:cNvPr id="124" name="CustomShape 87"/>
+          <p:cNvPr id="122" name="CustomShape 87"/>
           <p:cNvSpPr/>
           <p:nvPr/>
         </p:nvSpPr>
         <p:spPr>
           <a:xfrm>
             <a:off x="6655680" y="1980360"/>
-            <a:ext cx="595440" cy="241560"/>
+            <a:ext cx="594360" cy="241560"/>
           </a:xfrm>
           <a:prstGeom prst="rect">
             <a:avLst/>
@@ -6265,14 +6049,14 @@
       </p:sp>
       <p:sp>
         <p:nvSpPr>
-          <p:cNvPr id="125" name="CustomShape 88"/>
+          <p:cNvPr id="123" name="CustomShape 88"/>
           <p:cNvSpPr/>
           <p:nvPr/>
         </p:nvSpPr>
         <p:spPr>
           <a:xfrm>
             <a:off x="6655680" y="3474360"/>
-            <a:ext cx="307440" cy="165600"/>
+            <a:ext cx="306360" cy="165600"/>
           </a:xfrm>
           <a:prstGeom prst="rect">
             <a:avLst/>
@@ -6316,14 +6100,14 @@
       </p:sp>
       <p:sp>
         <p:nvSpPr>
-          <p:cNvPr id="126" name="CustomShape 89"/>
+          <p:cNvPr id="124" name="CustomShape 89"/>
           <p:cNvSpPr/>
           <p:nvPr/>
         </p:nvSpPr>
         <p:spPr>
           <a:xfrm>
             <a:off x="1471680" y="3852360"/>
-            <a:ext cx="451440" cy="165600"/>
+            <a:ext cx="450360" cy="165600"/>
           </a:xfrm>
           <a:prstGeom prst="rect">
             <a:avLst/>
@@ -6367,7 +6151,7 @@
       </p:sp>
       <p:sp>
         <p:nvSpPr>
-          <p:cNvPr id="127" name="Line 90"/>
+          <p:cNvPr id="125" name="Line 90"/>
           <p:cNvSpPr/>
           <p:nvPr/>
         </p:nvSpPr>
@@ -6395,14 +6179,14 @@
       </p:sp>
       <p:sp>
         <p:nvSpPr>
-          <p:cNvPr id="128" name="CustomShape 91"/>
+          <p:cNvPr id="126" name="CustomShape 91"/>
           <p:cNvSpPr/>
           <p:nvPr/>
         </p:nvSpPr>
         <p:spPr>
           <a:xfrm>
             <a:off x="6702840" y="6138720"/>
-            <a:ext cx="1438560" cy="574560"/>
+            <a:ext cx="1437480" cy="573480"/>
           </a:xfrm>
           <a:prstGeom prst="rect">
             <a:avLst/>
@@ -6470,7 +6254,7 @@
       </p:sp>
       <p:sp>
         <p:nvSpPr>
-          <p:cNvPr id="129" name="Line 92"/>
+          <p:cNvPr id="127" name="Line 92"/>
           <p:cNvSpPr/>
           <p:nvPr/>
         </p:nvSpPr>
@@ -6524,7 +6308,7 @@
       </p:sp>
       <p:sp>
         <p:nvSpPr>
-          <p:cNvPr id="130" name="Line 93"/>
+          <p:cNvPr id="128" name="Line 93"/>
           <p:cNvSpPr/>
           <p:nvPr/>
         </p:nvSpPr>
@@ -6578,7 +6362,7 @@
       </p:sp>
       <p:sp>
         <p:nvSpPr>
-          <p:cNvPr id="131" name="Line 94"/>
+          <p:cNvPr id="129" name="Line 94"/>
           <p:cNvSpPr/>
           <p:nvPr/>
         </p:nvSpPr>
@@ -6632,7 +6416,7 @@
       </p:sp>
       <p:sp>
         <p:nvSpPr>
-          <p:cNvPr id="132" name="Line 95"/>
+          <p:cNvPr id="130" name="Line 95"/>
           <p:cNvSpPr/>
           <p:nvPr/>
         </p:nvSpPr>
@@ -6686,7 +6470,7 @@
       </p:sp>
       <p:sp>
         <p:nvSpPr>
-          <p:cNvPr id="133" name="Line 96"/>
+          <p:cNvPr id="131" name="Line 96"/>
           <p:cNvSpPr/>
           <p:nvPr/>
         </p:nvSpPr>
@@ -6740,7 +6524,7 @@
       </p:sp>
       <p:sp>
         <p:nvSpPr>
-          <p:cNvPr id="134" name="Line 97"/>
+          <p:cNvPr id="132" name="Line 97"/>
           <p:cNvSpPr/>
           <p:nvPr/>
         </p:nvSpPr>
@@ -6794,14 +6578,14 @@
       </p:sp>
       <p:sp>
         <p:nvSpPr>
-          <p:cNvPr id="135" name="CustomShape 98"/>
-          <p:cNvSpPr/>
-          <p:nvPr/>
-        </p:nvSpPr>
-        <p:spPr>
-          <a:xfrm>
-            <a:off x="6655680" y="6354720"/>
-            <a:ext cx="451440" cy="393480"/>
+          <p:cNvPr id="133" name="CustomShape 98"/>
+          <p:cNvSpPr/>
+          <p:nvPr/>
+        </p:nvSpPr>
+        <p:spPr>
+          <a:xfrm>
+            <a:off x="6655680" y="6347160"/>
+            <a:ext cx="450360" cy="393480"/>
           </a:xfrm>
           <a:prstGeom prst="rect">
             <a:avLst/>
@@ -6905,14 +6689,14 @@
       </p:sp>
       <p:sp>
         <p:nvSpPr>
-          <p:cNvPr id="136" name="CustomShape 99"/>
+          <p:cNvPr id="134" name="CustomShape 99"/>
           <p:cNvSpPr/>
           <p:nvPr/>
         </p:nvSpPr>
         <p:spPr>
           <a:xfrm>
             <a:off x="1483560" y="460440"/>
-            <a:ext cx="452520" cy="317880"/>
+            <a:ext cx="451440" cy="317520"/>
           </a:xfrm>
           <a:prstGeom prst="rect">
             <a:avLst/>
@@ -6996,7 +6780,7 @@
       </p:sp>
       <p:sp>
         <p:nvSpPr>
-          <p:cNvPr id="137" name="Line 100"/>
+          <p:cNvPr id="135" name="Line 100"/>
           <p:cNvSpPr/>
           <p:nvPr/>
         </p:nvSpPr>
@@ -7024,14 +6808,14 @@
       </p:sp>
       <p:sp>
         <p:nvSpPr>
-          <p:cNvPr id="138" name="CustomShape 101"/>
+          <p:cNvPr id="136" name="CustomShape 101"/>
           <p:cNvSpPr/>
           <p:nvPr/>
         </p:nvSpPr>
         <p:spPr>
           <a:xfrm>
             <a:off x="2791440" y="887040"/>
-            <a:ext cx="307440" cy="165600"/>
+            <a:ext cx="306360" cy="165600"/>
           </a:xfrm>
           <a:prstGeom prst="rect">
             <a:avLst/>
@@ -7075,14 +6859,14 @@
       </p:sp>
       <p:sp>
         <p:nvSpPr>
-          <p:cNvPr id="139" name="CustomShape 102"/>
+          <p:cNvPr id="137" name="CustomShape 102"/>
           <p:cNvSpPr/>
           <p:nvPr/>
         </p:nvSpPr>
         <p:spPr>
           <a:xfrm>
             <a:off x="2791440" y="1526400"/>
-            <a:ext cx="307440" cy="165600"/>
+            <a:ext cx="306360" cy="165600"/>
           </a:xfrm>
           <a:prstGeom prst="rect">
             <a:avLst/>
@@ -7126,14 +6910,14 @@
       </p:sp>
       <p:sp>
         <p:nvSpPr>
-          <p:cNvPr id="140" name="CustomShape 103"/>
+          <p:cNvPr id="138" name="CustomShape 103"/>
           <p:cNvSpPr/>
           <p:nvPr/>
         </p:nvSpPr>
         <p:spPr>
           <a:xfrm>
             <a:off x="2791440" y="2534400"/>
-            <a:ext cx="307440" cy="165600"/>
+            <a:ext cx="306360" cy="165600"/>
           </a:xfrm>
           <a:prstGeom prst="rect">
             <a:avLst/>
@@ -7177,14 +6961,14 @@
       </p:sp>
       <p:sp>
         <p:nvSpPr>
-          <p:cNvPr id="141" name="CustomShape 104"/>
+          <p:cNvPr id="139" name="CustomShape 104"/>
           <p:cNvSpPr/>
           <p:nvPr/>
         </p:nvSpPr>
         <p:spPr>
           <a:xfrm>
             <a:off x="2791440" y="4140360"/>
-            <a:ext cx="307440" cy="165600"/>
+            <a:ext cx="306360" cy="165600"/>
           </a:xfrm>
           <a:prstGeom prst="rect">
             <a:avLst/>
@@ -7228,14 +7012,14 @@
       </p:sp>
       <p:sp>
         <p:nvSpPr>
-          <p:cNvPr id="142" name="CustomShape 105"/>
+          <p:cNvPr id="140" name="CustomShape 105"/>
           <p:cNvSpPr/>
           <p:nvPr/>
         </p:nvSpPr>
         <p:spPr>
           <a:xfrm>
             <a:off x="2791440" y="4788360"/>
-            <a:ext cx="307440" cy="165600"/>
+            <a:ext cx="306360" cy="165600"/>
           </a:xfrm>
           <a:prstGeom prst="rect">
             <a:avLst/>
@@ -7279,14 +7063,14 @@
       </p:sp>
       <p:sp>
         <p:nvSpPr>
-          <p:cNvPr id="143" name="CustomShape 106"/>
+          <p:cNvPr id="141" name="CustomShape 106"/>
           <p:cNvSpPr/>
           <p:nvPr/>
         </p:nvSpPr>
         <p:spPr>
           <a:xfrm>
             <a:off x="2791440" y="5421240"/>
-            <a:ext cx="307440" cy="165600"/>
+            <a:ext cx="306360" cy="165600"/>
           </a:xfrm>
           <a:prstGeom prst="rect">
             <a:avLst/>
@@ -7330,14 +7114,14 @@
       </p:sp>
       <p:sp>
         <p:nvSpPr>
-          <p:cNvPr id="144" name="CustomShape 107"/>
+          <p:cNvPr id="142" name="CustomShape 107"/>
           <p:cNvSpPr/>
           <p:nvPr/>
         </p:nvSpPr>
         <p:spPr>
           <a:xfrm>
             <a:off x="2791440" y="6057360"/>
-            <a:ext cx="307440" cy="165600"/>
+            <a:ext cx="306360" cy="165600"/>
           </a:xfrm>
           <a:prstGeom prst="rect">
             <a:avLst/>
@@ -7381,14 +7165,14 @@
       </p:sp>
       <p:sp>
         <p:nvSpPr>
-          <p:cNvPr id="145" name="CustomShape 108"/>
+          <p:cNvPr id="143" name="CustomShape 108"/>
           <p:cNvSpPr/>
           <p:nvPr/>
         </p:nvSpPr>
         <p:spPr>
           <a:xfrm>
             <a:off x="3384000" y="3115440"/>
-            <a:ext cx="307440" cy="165600"/>
+            <a:ext cx="306360" cy="165600"/>
           </a:xfrm>
           <a:prstGeom prst="rect">
             <a:avLst/>
@@ -7432,14 +7216,14 @@
       </p:sp>
       <p:sp>
         <p:nvSpPr>
-          <p:cNvPr id="146" name="CustomShape 109"/>
+          <p:cNvPr id="144" name="CustomShape 109"/>
           <p:cNvSpPr/>
           <p:nvPr/>
         </p:nvSpPr>
         <p:spPr>
           <a:xfrm>
             <a:off x="779040" y="3108960"/>
-            <a:ext cx="307440" cy="165600"/>
+            <a:ext cx="306360" cy="165600"/>
           </a:xfrm>
           <a:prstGeom prst="rect">
             <a:avLst/>
@@ -7483,14 +7267,14 @@
       </p:sp>
       <p:sp>
         <p:nvSpPr>
-          <p:cNvPr id="147" name="CustomShape 110"/>
+          <p:cNvPr id="145" name="CustomShape 110"/>
           <p:cNvSpPr/>
           <p:nvPr/>
         </p:nvSpPr>
         <p:spPr>
           <a:xfrm>
             <a:off x="7949160" y="806400"/>
-            <a:ext cx="307440" cy="165600"/>
+            <a:ext cx="306360" cy="165600"/>
           </a:xfrm>
           <a:prstGeom prst="rect">
             <a:avLst/>
@@ -7534,14 +7318,14 @@
       </p:sp>
       <p:sp>
         <p:nvSpPr>
-          <p:cNvPr id="148" name="CustomShape 111"/>
+          <p:cNvPr id="146" name="CustomShape 111"/>
           <p:cNvSpPr/>
           <p:nvPr/>
         </p:nvSpPr>
         <p:spPr>
           <a:xfrm>
             <a:off x="7949160" y="1598400"/>
-            <a:ext cx="307440" cy="165600"/>
+            <a:ext cx="306360" cy="165600"/>
           </a:xfrm>
           <a:prstGeom prst="rect">
             <a:avLst/>
@@ -7585,14 +7369,14 @@
       </p:sp>
       <p:sp>
         <p:nvSpPr>
-          <p:cNvPr id="149" name="CustomShape 112"/>
+          <p:cNvPr id="147" name="CustomShape 112"/>
           <p:cNvSpPr/>
           <p:nvPr/>
         </p:nvSpPr>
         <p:spPr>
           <a:xfrm>
             <a:off x="8456400" y="3830400"/>
-            <a:ext cx="307440" cy="165600"/>
+            <a:ext cx="306360" cy="165600"/>
           </a:xfrm>
           <a:prstGeom prst="rect">
             <a:avLst/>
@@ -7636,14 +7420,14 @@
       </p:sp>
       <p:sp>
         <p:nvSpPr>
-          <p:cNvPr id="150" name="CustomShape 113"/>
+          <p:cNvPr id="148" name="CustomShape 113"/>
           <p:cNvSpPr/>
           <p:nvPr/>
         </p:nvSpPr>
         <p:spPr>
           <a:xfrm>
             <a:off x="8456400" y="4982400"/>
-            <a:ext cx="307440" cy="165600"/>
+            <a:ext cx="306360" cy="165600"/>
           </a:xfrm>
           <a:prstGeom prst="rect">
             <a:avLst/>
@@ -7687,14 +7471,14 @@
       </p:sp>
       <p:sp>
         <p:nvSpPr>
-          <p:cNvPr id="151" name="CustomShape 114"/>
+          <p:cNvPr id="149" name="CustomShape 114"/>
           <p:cNvSpPr/>
           <p:nvPr/>
         </p:nvSpPr>
         <p:spPr>
           <a:xfrm>
             <a:off x="7955280" y="6110640"/>
-            <a:ext cx="307440" cy="165600"/>
+            <a:ext cx="306360" cy="165600"/>
           </a:xfrm>
           <a:prstGeom prst="rect">
             <a:avLst/>
@@ -7738,14 +7522,14 @@
       </p:sp>
       <p:sp>
         <p:nvSpPr>
-          <p:cNvPr id="152" name="CustomShape 115"/>
+          <p:cNvPr id="150" name="CustomShape 115"/>
           <p:cNvSpPr/>
           <p:nvPr/>
         </p:nvSpPr>
         <p:spPr>
           <a:xfrm>
             <a:off x="7971840" y="3830400"/>
-            <a:ext cx="307440" cy="165600"/>
+            <a:ext cx="306360" cy="165600"/>
           </a:xfrm>
           <a:prstGeom prst="rect">
             <a:avLst/>
@@ -7789,14 +7573,14 @@
       </p:sp>
       <p:sp>
         <p:nvSpPr>
-          <p:cNvPr id="153" name="CustomShape 116"/>
+          <p:cNvPr id="151" name="CustomShape 116"/>
           <p:cNvSpPr/>
           <p:nvPr/>
         </p:nvSpPr>
         <p:spPr>
           <a:xfrm>
             <a:off x="7971840" y="4334400"/>
-            <a:ext cx="307440" cy="165600"/>
+            <a:ext cx="306360" cy="165600"/>
           </a:xfrm>
           <a:prstGeom prst="rect">
             <a:avLst/>
@@ -7840,14 +7624,14 @@
       </p:sp>
       <p:sp>
         <p:nvSpPr>
-          <p:cNvPr id="154" name="CustomShape 117"/>
+          <p:cNvPr id="152" name="CustomShape 117"/>
           <p:cNvSpPr/>
           <p:nvPr/>
         </p:nvSpPr>
         <p:spPr>
           <a:xfrm>
             <a:off x="7971840" y="4982400"/>
-            <a:ext cx="307440" cy="165600"/>
+            <a:ext cx="306360" cy="165600"/>
           </a:xfrm>
           <a:prstGeom prst="rect">
             <a:avLst/>
@@ -7891,14 +7675,14 @@
       </p:sp>
       <p:sp>
         <p:nvSpPr>
-          <p:cNvPr id="155" name="CustomShape 118"/>
+          <p:cNvPr id="153" name="CustomShape 118"/>
           <p:cNvSpPr/>
           <p:nvPr/>
         </p:nvSpPr>
         <p:spPr>
           <a:xfrm>
             <a:off x="7971840" y="5486400"/>
-            <a:ext cx="307440" cy="165600"/>
+            <a:ext cx="306360" cy="165600"/>
           </a:xfrm>
           <a:prstGeom prst="rect">
             <a:avLst/>
@@ -7942,14 +7726,14 @@
       </p:sp>
       <p:sp>
         <p:nvSpPr>
-          <p:cNvPr id="156" name="CustomShape 119"/>
+          <p:cNvPr id="154" name="CustomShape 119"/>
           <p:cNvSpPr/>
           <p:nvPr/>
         </p:nvSpPr>
         <p:spPr>
           <a:xfrm>
             <a:off x="6466320" y="2317320"/>
-            <a:ext cx="307440" cy="165600"/>
+            <a:ext cx="306360" cy="165600"/>
           </a:xfrm>
           <a:prstGeom prst="rect">
             <a:avLst/>
@@ -7993,14 +7777,14 @@
       </p:sp>
       <p:sp>
         <p:nvSpPr>
-          <p:cNvPr id="157" name="CustomShape 120"/>
+          <p:cNvPr id="155" name="CustomShape 120"/>
           <p:cNvSpPr/>
           <p:nvPr/>
         </p:nvSpPr>
         <p:spPr>
           <a:xfrm>
             <a:off x="3024000" y="325080"/>
-            <a:ext cx="712800" cy="430560"/>
+            <a:ext cx="711720" cy="429480"/>
           </a:xfrm>
           <a:prstGeom prst="rect">
             <a:avLst/>
@@ -8048,7 +7832,7 @@
       </p:sp>
       <p:sp>
         <p:nvSpPr>
-          <p:cNvPr id="158" name="Line 121"/>
+          <p:cNvPr id="156" name="Line 121"/>
           <p:cNvSpPr/>
           <p:nvPr/>
         </p:nvSpPr>
@@ -8076,14 +7860,14 @@
       </p:sp>
       <p:sp>
         <p:nvSpPr>
-          <p:cNvPr id="159" name="CustomShape 122"/>
+          <p:cNvPr id="157" name="CustomShape 122"/>
           <p:cNvSpPr/>
           <p:nvPr/>
         </p:nvSpPr>
         <p:spPr>
           <a:xfrm>
             <a:off x="2957760" y="612000"/>
-            <a:ext cx="451440" cy="165600"/>
+            <a:ext cx="450360" cy="165600"/>
           </a:xfrm>
           <a:prstGeom prst="rect">
             <a:avLst/>
@@ -8127,13 +7911,13 @@
       </p:sp>
       <p:graphicFrame>
         <p:nvGraphicFramePr>
-          <p:cNvPr id="160" name="Table 123"/>
+          <p:cNvPr id="158" name="Table 123"/>
           <p:cNvGraphicFramePr/>
           <p:nvPr/>
         </p:nvGraphicFramePr>
         <p:xfrm>
           <a:off x="828360" y="6983280"/>
-          <a:ext cx="1727640" cy="192600"/>
+          <a:ext cx="1727640" cy="198000"/>
         </p:xfrm>
         <a:graphic>
           <a:graphicData uri="http://schemas.openxmlformats.org/drawingml/2006/table">
@@ -8399,14 +8183,14 @@
       </p:graphicFrame>
       <p:sp>
         <p:nvSpPr>
-          <p:cNvPr id="161" name="CustomShape 124"/>
+          <p:cNvPr id="159" name="CustomShape 124"/>
           <p:cNvSpPr/>
           <p:nvPr/>
         </p:nvSpPr>
         <p:spPr>
           <a:xfrm>
             <a:off x="402120" y="6983280"/>
-            <a:ext cx="437040" cy="196560"/>
+            <a:ext cx="435960" cy="196200"/>
           </a:xfrm>
           <a:prstGeom prst="rect">
             <a:avLst/>

--- a/doc/cpu.pptx
+++ b/doc/cpu.pptx
@@ -1431,7 +1431,7 @@
         <p:spPr>
           <a:xfrm>
             <a:off x="5812560" y="1476360"/>
-            <a:ext cx="3813480" cy="2301480"/>
+            <a:ext cx="3813120" cy="2301120"/>
           </a:xfrm>
           <a:prstGeom prst="rect">
             <a:avLst/>
@@ -1461,7 +1461,7 @@
         <p:spPr>
           <a:xfrm>
             <a:off x="412560" y="2412360"/>
-            <a:ext cx="4029480" cy="2301480"/>
+            <a:ext cx="4029120" cy="2301120"/>
           </a:xfrm>
           <a:prstGeom prst="rect">
             <a:avLst/>
@@ -1491,7 +1491,7 @@
         <p:spPr>
           <a:xfrm>
             <a:off x="6702840" y="828360"/>
-            <a:ext cx="1437480" cy="573480"/>
+            <a:ext cx="1437120" cy="573120"/>
           </a:xfrm>
           <a:prstGeom prst="rect">
             <a:avLst/>
@@ -1566,7 +1566,7 @@
         <p:spPr>
           <a:xfrm>
             <a:off x="4686840" y="612360"/>
-            <a:ext cx="285480" cy="6261480"/>
+            <a:ext cx="285120" cy="6261120"/>
           </a:xfrm>
           <a:prstGeom prst="rect">
             <a:avLst/>
@@ -1621,7 +1621,7 @@
         <p:spPr>
           <a:xfrm>
             <a:off x="9870840" y="612360"/>
-            <a:ext cx="285480" cy="6261480"/>
+            <a:ext cx="285120" cy="6261120"/>
           </a:xfrm>
           <a:prstGeom prst="rect">
             <a:avLst/>
@@ -1676,7 +1676,7 @@
         <p:spPr>
           <a:xfrm>
             <a:off x="6702840" y="1620360"/>
-            <a:ext cx="1437480" cy="573480"/>
+            <a:ext cx="1437120" cy="573120"/>
           </a:xfrm>
           <a:prstGeom prst="rect">
             <a:avLst/>
@@ -1751,7 +1751,7 @@
         <p:spPr>
           <a:xfrm>
             <a:off x="6702840" y="2340360"/>
-            <a:ext cx="1437480" cy="1293480"/>
+            <a:ext cx="1437120" cy="1293120"/>
           </a:xfrm>
           <a:prstGeom prst="rect">
             <a:avLst/>
@@ -1826,7 +1826,7 @@
         <p:spPr>
           <a:xfrm>
             <a:off x="6702840" y="3852360"/>
-            <a:ext cx="1437480" cy="429480"/>
+            <a:ext cx="1437120" cy="429120"/>
           </a:xfrm>
           <a:prstGeom prst="rect">
             <a:avLst/>
@@ -1881,7 +1881,7 @@
         <p:spPr>
           <a:xfrm>
             <a:off x="6702840" y="4356360"/>
-            <a:ext cx="1437480" cy="429480"/>
+            <a:ext cx="1437120" cy="429120"/>
           </a:xfrm>
           <a:prstGeom prst="rect">
             <a:avLst/>
@@ -1935,8 +1935,8 @@
         </p:nvSpPr>
         <p:spPr>
           <a:xfrm rot="16200000">
-            <a:off x="7962840" y="4106880"/>
-            <a:ext cx="933480" cy="429480"/>
+            <a:off x="7962840" y="4107240"/>
+            <a:ext cx="933120" cy="429120"/>
           </a:xfrm>
           <a:prstGeom prst="rect">
             <a:avLst/>
@@ -1991,7 +1991,7 @@
         <p:spPr>
           <a:xfrm>
             <a:off x="1518840" y="900360"/>
-            <a:ext cx="1437480" cy="429480"/>
+            <a:ext cx="1437120" cy="429120"/>
           </a:xfrm>
           <a:prstGeom prst="rect">
             <a:avLst/>
@@ -2066,7 +2066,7 @@
         <p:spPr>
           <a:xfrm>
             <a:off x="1518840" y="1548360"/>
-            <a:ext cx="1437480" cy="429480"/>
+            <a:ext cx="1437120" cy="429120"/>
           </a:xfrm>
           <a:prstGeom prst="rect">
             <a:avLst/>
@@ -2121,7 +2121,7 @@
         <p:spPr>
           <a:xfrm>
             <a:off x="1518840" y="2556360"/>
-            <a:ext cx="1437480" cy="429480"/>
+            <a:ext cx="1437120" cy="429120"/>
           </a:xfrm>
           <a:prstGeom prst="rect">
             <a:avLst/>
@@ -2176,7 +2176,7 @@
         <p:spPr>
           <a:xfrm>
             <a:off x="1512360" y="3132360"/>
-            <a:ext cx="1437480" cy="861480"/>
+            <a:ext cx="1437120" cy="861120"/>
           </a:xfrm>
           <a:prstGeom prst="rect">
             <a:avLst/>
@@ -2231,7 +2231,7 @@
         <p:spPr>
           <a:xfrm>
             <a:off x="1512360" y="4140360"/>
-            <a:ext cx="1437480" cy="429480"/>
+            <a:ext cx="1437120" cy="429120"/>
           </a:xfrm>
           <a:prstGeom prst="rect">
             <a:avLst/>
@@ -2286,7 +2286,7 @@
         <p:spPr>
           <a:xfrm>
             <a:off x="1512360" y="4788360"/>
-            <a:ext cx="1437480" cy="429480"/>
+            <a:ext cx="1437120" cy="429120"/>
           </a:xfrm>
           <a:prstGeom prst="rect">
             <a:avLst/>
@@ -2341,7 +2341,7 @@
         <p:spPr>
           <a:xfrm>
             <a:off x="1512360" y="5436360"/>
-            <a:ext cx="1437480" cy="429480"/>
+            <a:ext cx="1437120" cy="429120"/>
           </a:xfrm>
           <a:prstGeom prst="rect">
             <a:avLst/>
@@ -2396,7 +2396,7 @@
         <p:spPr>
           <a:xfrm>
             <a:off x="1512360" y="6077880"/>
-            <a:ext cx="1437480" cy="435960"/>
+            <a:ext cx="1437120" cy="435600"/>
           </a:xfrm>
           <a:prstGeom prst="rect">
             <a:avLst/>
@@ -2965,7 +2965,7 @@
         <p:spPr>
           <a:xfrm>
             <a:off x="6702840" y="5004360"/>
-            <a:ext cx="1437480" cy="429480"/>
+            <a:ext cx="1437120" cy="429120"/>
           </a:xfrm>
           <a:prstGeom prst="rect">
             <a:avLst/>
@@ -3020,7 +3020,7 @@
         <p:spPr>
           <a:xfrm>
             <a:off x="6702840" y="5508360"/>
-            <a:ext cx="1437480" cy="429480"/>
+            <a:ext cx="1437120" cy="429120"/>
           </a:xfrm>
           <a:prstGeom prst="rect">
             <a:avLst/>
@@ -3074,8 +3074,8 @@
         </p:nvSpPr>
         <p:spPr>
           <a:xfrm rot="16200000">
-            <a:off x="7962840" y="5258880"/>
-            <a:ext cx="933480" cy="429480"/>
+            <a:off x="7962840" y="5259240"/>
+            <a:ext cx="933120" cy="429120"/>
           </a:xfrm>
           <a:prstGeom prst="rect">
             <a:avLst/>
@@ -3213,8 +3213,8 @@
         </p:nvSpPr>
         <p:spPr>
           <a:xfrm rot="16200000">
-            <a:off x="2886840" y="3350880"/>
-            <a:ext cx="861480" cy="429480"/>
+            <a:off x="2886840" y="3351240"/>
+            <a:ext cx="861120" cy="429120"/>
           </a:xfrm>
           <a:prstGeom prst="rect">
             <a:avLst/>
@@ -3268,8 +3268,8 @@
         </p:nvSpPr>
         <p:spPr>
           <a:xfrm rot="16200000">
-            <a:off x="288360" y="3350880"/>
-            <a:ext cx="861480" cy="429480"/>
+            <a:off x="288360" y="3351240"/>
+            <a:ext cx="861120" cy="429120"/>
           </a:xfrm>
           <a:prstGeom prst="rect">
             <a:avLst/>
@@ -3518,8 +3518,8 @@
         </p:nvSpPr>
         <p:spPr>
           <a:xfrm rot="16200000">
-            <a:off x="5690160" y="2702880"/>
-            <a:ext cx="1293480" cy="573480"/>
+            <a:off x="5690160" y="2703240"/>
+            <a:ext cx="1293120" cy="573120"/>
           </a:xfrm>
           <a:prstGeom prst="rect">
             <a:avLst/>
@@ -4794,7 +4794,7 @@
                 <a:latin typeface="Arial"/>
                 <a:ea typeface="DejaVu Sans"/>
               </a:rPr>
-              <a:t>IR_TO_DATA</a:t>
+              <a:t>HL_TO_ADDR</a:t>
             </a:r>
             <a:endParaRPr b="0" lang="de-DE" sz="500" spc="-1" strike="noStrike">
               <a:latin typeface="Arial"/>
@@ -4848,7 +4848,7 @@
                 <a:latin typeface="Arial"/>
                 <a:ea typeface="DejaVu Sans"/>
               </a:rPr>
-              <a:t>IR_TO_DATA</a:t>
+              <a:t>ADDR_TO_HL</a:t>
             </a:r>
             <a:endParaRPr b="0" lang="de-DE" sz="500" spc="-1" strike="noStrike">
               <a:latin typeface="Arial"/>
@@ -4919,7 +4919,7 @@
         <p:spPr>
           <a:xfrm>
             <a:off x="1518840" y="324360"/>
-            <a:ext cx="1437480" cy="429480"/>
+            <a:ext cx="1437120" cy="429120"/>
           </a:xfrm>
           <a:prstGeom prst="rect">
             <a:avLst/>
@@ -5080,7 +5080,7 @@
         <p:spPr>
           <a:xfrm>
             <a:off x="4566960" y="324000"/>
-            <a:ext cx="529200" cy="302760"/>
+            <a:ext cx="528840" cy="302760"/>
           </a:xfrm>
           <a:prstGeom prst="rect">
             <a:avLst/>
@@ -5151,7 +5151,7 @@
         <p:spPr>
           <a:xfrm>
             <a:off x="9670680" y="324360"/>
-            <a:ext cx="697680" cy="302760"/>
+            <a:ext cx="697320" cy="302760"/>
           </a:xfrm>
           <a:prstGeom prst="rect">
             <a:avLst/>
@@ -5222,7 +5222,7 @@
         <p:spPr>
           <a:xfrm>
             <a:off x="3287520" y="2412360"/>
-            <a:ext cx="1154520" cy="546120"/>
+            <a:ext cx="1154160" cy="546120"/>
           </a:xfrm>
           <a:prstGeom prst="rect">
             <a:avLst/>
@@ -5293,7 +5293,7 @@
         <p:spPr>
           <a:xfrm>
             <a:off x="8692560" y="3420000"/>
-            <a:ext cx="933480" cy="317880"/>
+            <a:ext cx="933120" cy="317880"/>
           </a:xfrm>
           <a:prstGeom prst="rect">
             <a:avLst/>
@@ -5344,7 +5344,7 @@
         <p:spPr>
           <a:xfrm>
             <a:off x="1471680" y="1116360"/>
-            <a:ext cx="399960" cy="241920"/>
+            <a:ext cx="399600" cy="241560"/>
           </a:xfrm>
           <a:prstGeom prst="rect">
             <a:avLst/>
@@ -5415,7 +5415,7 @@
         <p:spPr>
           <a:xfrm>
             <a:off x="6655680" y="1116360"/>
-            <a:ext cx="450360" cy="317520"/>
+            <a:ext cx="450000" cy="317520"/>
           </a:xfrm>
           <a:prstGeom prst="rect">
             <a:avLst/>
@@ -5506,7 +5506,7 @@
         <p:spPr>
           <a:xfrm>
             <a:off x="8167680" y="4644360"/>
-            <a:ext cx="306360" cy="165600"/>
+            <a:ext cx="306000" cy="165600"/>
           </a:xfrm>
           <a:prstGeom prst="rect">
             <a:avLst/>
@@ -5557,7 +5557,7 @@
         <p:spPr>
           <a:xfrm>
             <a:off x="8167680" y="5796360"/>
-            <a:ext cx="306360" cy="165600"/>
+            <a:ext cx="306000" cy="165600"/>
           </a:xfrm>
           <a:prstGeom prst="rect">
             <a:avLst/>
@@ -5608,7 +5608,7 @@
         <p:spPr>
           <a:xfrm>
             <a:off x="1471680" y="6372360"/>
-            <a:ext cx="306360" cy="165600"/>
+            <a:ext cx="306000" cy="165600"/>
           </a:xfrm>
           <a:prstGeom prst="rect">
             <a:avLst/>
@@ -5659,7 +5659,7 @@
         <p:spPr>
           <a:xfrm>
             <a:off x="1471680" y="5724360"/>
-            <a:ext cx="306360" cy="165600"/>
+            <a:ext cx="306000" cy="165600"/>
           </a:xfrm>
           <a:prstGeom prst="rect">
             <a:avLst/>
@@ -5710,7 +5710,7 @@
         <p:spPr>
           <a:xfrm>
             <a:off x="1471680" y="5076360"/>
-            <a:ext cx="306360" cy="165600"/>
+            <a:ext cx="306000" cy="165600"/>
           </a:xfrm>
           <a:prstGeom prst="rect">
             <a:avLst/>
@@ -5761,7 +5761,7 @@
         <p:spPr>
           <a:xfrm>
             <a:off x="463680" y="3780360"/>
-            <a:ext cx="400320" cy="242280"/>
+            <a:ext cx="399960" cy="241920"/>
           </a:xfrm>
           <a:prstGeom prst="rect">
             <a:avLst/>
@@ -5832,7 +5832,7 @@
         <p:spPr>
           <a:xfrm>
             <a:off x="1471680" y="1836360"/>
-            <a:ext cx="306360" cy="165600"/>
+            <a:ext cx="306000" cy="165600"/>
           </a:xfrm>
           <a:prstGeom prst="rect">
             <a:avLst/>
@@ -5883,7 +5883,7 @@
         <p:spPr>
           <a:xfrm>
             <a:off x="1471680" y="2844360"/>
-            <a:ext cx="306360" cy="165600"/>
+            <a:ext cx="306000" cy="165600"/>
           </a:xfrm>
           <a:prstGeom prst="rect">
             <a:avLst/>
@@ -5934,7 +5934,7 @@
         <p:spPr>
           <a:xfrm>
             <a:off x="1471680" y="4428360"/>
-            <a:ext cx="306360" cy="165600"/>
+            <a:ext cx="306000" cy="165600"/>
           </a:xfrm>
           <a:prstGeom prst="rect">
             <a:avLst/>
@@ -5985,7 +5985,7 @@
         <p:spPr>
           <a:xfrm>
             <a:off x="6655680" y="1980360"/>
-            <a:ext cx="594360" cy="241560"/>
+            <a:ext cx="594000" cy="241560"/>
           </a:xfrm>
           <a:prstGeom prst="rect">
             <a:avLst/>
@@ -6056,7 +6056,7 @@
         <p:spPr>
           <a:xfrm>
             <a:off x="6655680" y="3474360"/>
-            <a:ext cx="306360" cy="165600"/>
+            <a:ext cx="306000" cy="165600"/>
           </a:xfrm>
           <a:prstGeom prst="rect">
             <a:avLst/>
@@ -6107,7 +6107,7 @@
         <p:spPr>
           <a:xfrm>
             <a:off x="1471680" y="3852360"/>
-            <a:ext cx="450360" cy="165600"/>
+            <a:ext cx="450000" cy="165600"/>
           </a:xfrm>
           <a:prstGeom prst="rect">
             <a:avLst/>
@@ -6186,7 +6186,7 @@
         <p:spPr>
           <a:xfrm>
             <a:off x="6702840" y="6138720"/>
-            <a:ext cx="1437480" cy="573480"/>
+            <a:ext cx="1437120" cy="573120"/>
           </a:xfrm>
           <a:prstGeom prst="rect">
             <a:avLst/>
@@ -6585,7 +6585,7 @@
         <p:spPr>
           <a:xfrm>
             <a:off x="6655680" y="6347160"/>
-            <a:ext cx="450360" cy="393480"/>
+            <a:ext cx="450000" cy="393480"/>
           </a:xfrm>
           <a:prstGeom prst="rect">
             <a:avLst/>
@@ -6696,7 +6696,7 @@
         <p:spPr>
           <a:xfrm>
             <a:off x="1483560" y="460440"/>
-            <a:ext cx="451440" cy="317520"/>
+            <a:ext cx="451080" cy="317520"/>
           </a:xfrm>
           <a:prstGeom prst="rect">
             <a:avLst/>
@@ -6815,7 +6815,7 @@
         <p:spPr>
           <a:xfrm>
             <a:off x="2791440" y="887040"/>
-            <a:ext cx="306360" cy="165600"/>
+            <a:ext cx="306000" cy="165600"/>
           </a:xfrm>
           <a:prstGeom prst="rect">
             <a:avLst/>
@@ -6866,7 +6866,7 @@
         <p:spPr>
           <a:xfrm>
             <a:off x="2791440" y="1526400"/>
-            <a:ext cx="306360" cy="165600"/>
+            <a:ext cx="306000" cy="165600"/>
           </a:xfrm>
           <a:prstGeom prst="rect">
             <a:avLst/>
@@ -6917,7 +6917,7 @@
         <p:spPr>
           <a:xfrm>
             <a:off x="2791440" y="2534400"/>
-            <a:ext cx="306360" cy="165600"/>
+            <a:ext cx="306000" cy="165600"/>
           </a:xfrm>
           <a:prstGeom prst="rect">
             <a:avLst/>
@@ -6968,7 +6968,7 @@
         <p:spPr>
           <a:xfrm>
             <a:off x="2791440" y="4140360"/>
-            <a:ext cx="306360" cy="165600"/>
+            <a:ext cx="306000" cy="165600"/>
           </a:xfrm>
           <a:prstGeom prst="rect">
             <a:avLst/>
@@ -7019,7 +7019,7 @@
         <p:spPr>
           <a:xfrm>
             <a:off x="2791440" y="4788360"/>
-            <a:ext cx="306360" cy="165600"/>
+            <a:ext cx="306000" cy="165600"/>
           </a:xfrm>
           <a:prstGeom prst="rect">
             <a:avLst/>
@@ -7070,7 +7070,7 @@
         <p:spPr>
           <a:xfrm>
             <a:off x="2791440" y="5421240"/>
-            <a:ext cx="306360" cy="165600"/>
+            <a:ext cx="306000" cy="165600"/>
           </a:xfrm>
           <a:prstGeom prst="rect">
             <a:avLst/>
@@ -7121,7 +7121,7 @@
         <p:spPr>
           <a:xfrm>
             <a:off x="2791440" y="6057360"/>
-            <a:ext cx="306360" cy="165600"/>
+            <a:ext cx="306000" cy="165600"/>
           </a:xfrm>
           <a:prstGeom prst="rect">
             <a:avLst/>
@@ -7172,7 +7172,7 @@
         <p:spPr>
           <a:xfrm>
             <a:off x="3384000" y="3115440"/>
-            <a:ext cx="306360" cy="165600"/>
+            <a:ext cx="306000" cy="165600"/>
           </a:xfrm>
           <a:prstGeom prst="rect">
             <a:avLst/>
@@ -7223,7 +7223,7 @@
         <p:spPr>
           <a:xfrm>
             <a:off x="779040" y="3108960"/>
-            <a:ext cx="306360" cy="165600"/>
+            <a:ext cx="306000" cy="165600"/>
           </a:xfrm>
           <a:prstGeom prst="rect">
             <a:avLst/>
@@ -7274,7 +7274,7 @@
         <p:spPr>
           <a:xfrm>
             <a:off x="7949160" y="806400"/>
-            <a:ext cx="306360" cy="165600"/>
+            <a:ext cx="306000" cy="165600"/>
           </a:xfrm>
           <a:prstGeom prst="rect">
             <a:avLst/>
@@ -7325,7 +7325,7 @@
         <p:spPr>
           <a:xfrm>
             <a:off x="7949160" y="1598400"/>
-            <a:ext cx="306360" cy="165600"/>
+            <a:ext cx="306000" cy="165600"/>
           </a:xfrm>
           <a:prstGeom prst="rect">
             <a:avLst/>
@@ -7376,7 +7376,7 @@
         <p:spPr>
           <a:xfrm>
             <a:off x="8456400" y="3830400"/>
-            <a:ext cx="306360" cy="165600"/>
+            <a:ext cx="306000" cy="165600"/>
           </a:xfrm>
           <a:prstGeom prst="rect">
             <a:avLst/>
@@ -7427,7 +7427,7 @@
         <p:spPr>
           <a:xfrm>
             <a:off x="8456400" y="4982400"/>
-            <a:ext cx="306360" cy="165600"/>
+            <a:ext cx="306000" cy="165600"/>
           </a:xfrm>
           <a:prstGeom prst="rect">
             <a:avLst/>
@@ -7478,7 +7478,7 @@
         <p:spPr>
           <a:xfrm>
             <a:off x="7955280" y="6110640"/>
-            <a:ext cx="306360" cy="165600"/>
+            <a:ext cx="306000" cy="165600"/>
           </a:xfrm>
           <a:prstGeom prst="rect">
             <a:avLst/>
@@ -7529,7 +7529,7 @@
         <p:spPr>
           <a:xfrm>
             <a:off x="7971840" y="3830400"/>
-            <a:ext cx="306360" cy="165600"/>
+            <a:ext cx="306000" cy="165600"/>
           </a:xfrm>
           <a:prstGeom prst="rect">
             <a:avLst/>
@@ -7580,7 +7580,7 @@
         <p:spPr>
           <a:xfrm>
             <a:off x="7971840" y="4334400"/>
-            <a:ext cx="306360" cy="165600"/>
+            <a:ext cx="306000" cy="165600"/>
           </a:xfrm>
           <a:prstGeom prst="rect">
             <a:avLst/>
@@ -7631,7 +7631,7 @@
         <p:spPr>
           <a:xfrm>
             <a:off x="7971840" y="4982400"/>
-            <a:ext cx="306360" cy="165600"/>
+            <a:ext cx="306000" cy="165600"/>
           </a:xfrm>
           <a:prstGeom prst="rect">
             <a:avLst/>
@@ -7682,7 +7682,7 @@
         <p:spPr>
           <a:xfrm>
             <a:off x="7971840" y="5486400"/>
-            <a:ext cx="306360" cy="165600"/>
+            <a:ext cx="306000" cy="165600"/>
           </a:xfrm>
           <a:prstGeom prst="rect">
             <a:avLst/>
@@ -7733,7 +7733,7 @@
         <p:spPr>
           <a:xfrm>
             <a:off x="6466320" y="2317320"/>
-            <a:ext cx="306360" cy="165600"/>
+            <a:ext cx="306000" cy="165600"/>
           </a:xfrm>
           <a:prstGeom prst="rect">
             <a:avLst/>
@@ -7784,7 +7784,7 @@
         <p:spPr>
           <a:xfrm>
             <a:off x="3024000" y="325080"/>
-            <a:ext cx="711720" cy="429480"/>
+            <a:ext cx="711360" cy="429120"/>
           </a:xfrm>
           <a:prstGeom prst="rect">
             <a:avLst/>
@@ -7867,7 +7867,7 @@
         <p:spPr>
           <a:xfrm>
             <a:off x="2957760" y="612000"/>
-            <a:ext cx="450360" cy="165600"/>
+            <a:ext cx="450000" cy="165600"/>
           </a:xfrm>
           <a:prstGeom prst="rect">
             <a:avLst/>
@@ -8190,7 +8190,7 @@
         <p:spPr>
           <a:xfrm>
             <a:off x="402120" y="6983280"/>
-            <a:ext cx="435960" cy="196200"/>
+            <a:ext cx="435600" cy="196200"/>
           </a:xfrm>
           <a:prstGeom prst="rect">
             <a:avLst/>

--- a/doc/cpu.pptx
+++ b/doc/cpu.pptx
@@ -1431,7 +1431,7 @@
         <p:spPr>
           <a:xfrm>
             <a:off x="5812560" y="1476360"/>
-            <a:ext cx="3813120" cy="2301120"/>
+            <a:ext cx="3812760" cy="2300760"/>
           </a:xfrm>
           <a:prstGeom prst="rect">
             <a:avLst/>
@@ -1461,7 +1461,7 @@
         <p:spPr>
           <a:xfrm>
             <a:off x="412560" y="2412360"/>
-            <a:ext cx="4029120" cy="2301120"/>
+            <a:ext cx="4028760" cy="2300760"/>
           </a:xfrm>
           <a:prstGeom prst="rect">
             <a:avLst/>
@@ -1491,7 +1491,7 @@
         <p:spPr>
           <a:xfrm>
             <a:off x="6702840" y="828360"/>
-            <a:ext cx="1437120" cy="573120"/>
+            <a:ext cx="1436760" cy="572760"/>
           </a:xfrm>
           <a:prstGeom prst="rect">
             <a:avLst/>
@@ -1566,7 +1566,7 @@
         <p:spPr>
           <a:xfrm>
             <a:off x="4686840" y="612360"/>
-            <a:ext cx="285120" cy="6261120"/>
+            <a:ext cx="284760" cy="6260760"/>
           </a:xfrm>
           <a:prstGeom prst="rect">
             <a:avLst/>
@@ -1621,7 +1621,7 @@
         <p:spPr>
           <a:xfrm>
             <a:off x="9870840" y="612360"/>
-            <a:ext cx="285120" cy="6261120"/>
+            <a:ext cx="284760" cy="6260760"/>
           </a:xfrm>
           <a:prstGeom prst="rect">
             <a:avLst/>
@@ -1676,7 +1676,7 @@
         <p:spPr>
           <a:xfrm>
             <a:off x="6702840" y="1620360"/>
-            <a:ext cx="1437120" cy="573120"/>
+            <a:ext cx="1436760" cy="572760"/>
           </a:xfrm>
           <a:prstGeom prst="rect">
             <a:avLst/>
@@ -1751,7 +1751,7 @@
         <p:spPr>
           <a:xfrm>
             <a:off x="6702840" y="2340360"/>
-            <a:ext cx="1437120" cy="1293120"/>
+            <a:ext cx="1436760" cy="1292760"/>
           </a:xfrm>
           <a:prstGeom prst="rect">
             <a:avLst/>
@@ -1826,7 +1826,7 @@
         <p:spPr>
           <a:xfrm>
             <a:off x="6702840" y="3852360"/>
-            <a:ext cx="1437120" cy="429120"/>
+            <a:ext cx="1436760" cy="428760"/>
           </a:xfrm>
           <a:prstGeom prst="rect">
             <a:avLst/>
@@ -1881,7 +1881,7 @@
         <p:spPr>
           <a:xfrm>
             <a:off x="6702840" y="4356360"/>
-            <a:ext cx="1437120" cy="429120"/>
+            <a:ext cx="1436760" cy="428760"/>
           </a:xfrm>
           <a:prstGeom prst="rect">
             <a:avLst/>
@@ -1935,8 +1935,8 @@
         </p:nvSpPr>
         <p:spPr>
           <a:xfrm rot="16200000">
-            <a:off x="7962840" y="4107240"/>
-            <a:ext cx="933120" cy="429120"/>
+            <a:off x="7962840" y="4107600"/>
+            <a:ext cx="932760" cy="428760"/>
           </a:xfrm>
           <a:prstGeom prst="rect">
             <a:avLst/>
@@ -1991,7 +1991,7 @@
         <p:spPr>
           <a:xfrm>
             <a:off x="1518840" y="900360"/>
-            <a:ext cx="1437120" cy="429120"/>
+            <a:ext cx="1436760" cy="428760"/>
           </a:xfrm>
           <a:prstGeom prst="rect">
             <a:avLst/>
@@ -2066,7 +2066,7 @@
         <p:spPr>
           <a:xfrm>
             <a:off x="1518840" y="1548360"/>
-            <a:ext cx="1437120" cy="429120"/>
+            <a:ext cx="1436760" cy="428760"/>
           </a:xfrm>
           <a:prstGeom prst="rect">
             <a:avLst/>
@@ -2121,7 +2121,7 @@
         <p:spPr>
           <a:xfrm>
             <a:off x="1518840" y="2556360"/>
-            <a:ext cx="1437120" cy="429120"/>
+            <a:ext cx="1436760" cy="428760"/>
           </a:xfrm>
           <a:prstGeom prst="rect">
             <a:avLst/>
@@ -2176,7 +2176,7 @@
         <p:spPr>
           <a:xfrm>
             <a:off x="1512360" y="3132360"/>
-            <a:ext cx="1437120" cy="861120"/>
+            <a:ext cx="1436760" cy="860760"/>
           </a:xfrm>
           <a:prstGeom prst="rect">
             <a:avLst/>
@@ -2231,7 +2231,7 @@
         <p:spPr>
           <a:xfrm>
             <a:off x="1512360" y="4140360"/>
-            <a:ext cx="1437120" cy="429120"/>
+            <a:ext cx="1436760" cy="428760"/>
           </a:xfrm>
           <a:prstGeom prst="rect">
             <a:avLst/>
@@ -2286,7 +2286,7 @@
         <p:spPr>
           <a:xfrm>
             <a:off x="1512360" y="4788360"/>
-            <a:ext cx="1437120" cy="429120"/>
+            <a:ext cx="1436760" cy="428760"/>
           </a:xfrm>
           <a:prstGeom prst="rect">
             <a:avLst/>
@@ -2341,7 +2341,7 @@
         <p:spPr>
           <a:xfrm>
             <a:off x="1512360" y="5436360"/>
-            <a:ext cx="1437120" cy="429120"/>
+            <a:ext cx="1436760" cy="428760"/>
           </a:xfrm>
           <a:prstGeom prst="rect">
             <a:avLst/>
@@ -2396,7 +2396,7 @@
         <p:spPr>
           <a:xfrm>
             <a:off x="1512360" y="6077880"/>
-            <a:ext cx="1437120" cy="435600"/>
+            <a:ext cx="1436760" cy="435240"/>
           </a:xfrm>
           <a:prstGeom prst="rect">
             <a:avLst/>
@@ -2558,7 +2558,61 @@
         </p:nvSpPr>
         <p:spPr>
           <a:xfrm>
-            <a:off x="4974840" y="1332360"/>
+            <a:off x="8142840" y="1260360"/>
+            <a:ext cx="1728000" cy="0"/>
+          </a:xfrm>
+          <a:prstGeom prst="line">
+            <a:avLst/>
+          </a:prstGeom>
+          <a:ln w="12600">
+            <a:solidFill>
+              <a:srgbClr val="000000"/>
+            </a:solidFill>
+            <a:round/>
+            <a:tailEnd len="med" type="triangle" w="med"/>
+          </a:ln>
+        </p:spPr>
+        <p:style>
+          <a:lnRef idx="0"/>
+          <a:fillRef idx="0"/>
+          <a:effectRef idx="0"/>
+          <a:fontRef idx="minor"/>
+        </p:style>
+        <p:txBody>
+          <a:bodyPr lIns="96120" rIns="96120" tIns="51120" bIns="51120" anchorCtr="1">
+            <a:spAutoFit/>
+          </a:bodyPr>
+          <a:p>
+            <a:pPr algn="ctr">
+              <a:lnSpc>
+                <a:spcPts val="283"/>
+              </a:lnSpc>
+            </a:pPr>
+            <a:r>
+              <a:rPr b="0" lang="de-DE" sz="500" spc="-1" strike="noStrike">
+                <a:solidFill>
+                  <a:srgbClr val="000000"/>
+                </a:solidFill>
+                <a:latin typeface="Arial"/>
+                <a:ea typeface="DejaVu Sans"/>
+              </a:rPr>
+              <a:t>IP_TO_ADDR</a:t>
+            </a:r>
+            <a:endParaRPr b="0" lang="de-DE" sz="500" spc="-1" strike="noStrike">
+              <a:latin typeface="Arial"/>
+            </a:endParaRPr>
+          </a:p>
+        </p:txBody>
+      </p:sp>
+      <p:sp>
+        <p:nvSpPr>
+          <p:cNvPr id="57" name="Line 22"/>
+          <p:cNvSpPr/>
+          <p:nvPr/>
+        </p:nvSpPr>
+        <p:spPr>
+          <a:xfrm>
+            <a:off x="8142840" y="972360"/>
             <a:ext cx="1728000" cy="0"/>
           </a:xfrm>
           <a:prstGeom prst="line">
@@ -2596,7 +2650,7 @@
                 <a:latin typeface="Arial"/>
                 <a:ea typeface="DejaVu Sans"/>
               </a:rPr>
-              <a:t>IP_LO_TO_DATA</a:t>
+              <a:t>ADDR_TO_IP</a:t>
             </a:r>
             <a:endParaRPr b="0" lang="de-DE" sz="500" spc="-1" strike="noStrike">
               <a:latin typeface="Arial"/>
@@ -2606,121 +2660,13 @@
       </p:sp>
       <p:sp>
         <p:nvSpPr>
-          <p:cNvPr id="57" name="Line 22"/>
-          <p:cNvSpPr/>
-          <p:nvPr/>
-        </p:nvSpPr>
-        <p:spPr>
-          <a:xfrm>
-            <a:off x="4974840" y="900360"/>
-            <a:ext cx="1728000" cy="0"/>
-          </a:xfrm>
-          <a:prstGeom prst="line">
-            <a:avLst/>
-          </a:prstGeom>
-          <a:ln w="12600">
-            <a:solidFill>
-              <a:srgbClr val="000000"/>
-            </a:solidFill>
-            <a:round/>
-            <a:tailEnd len="med" type="triangle" w="med"/>
-          </a:ln>
-        </p:spPr>
-        <p:style>
-          <a:lnRef idx="0"/>
-          <a:fillRef idx="0"/>
-          <a:effectRef idx="0"/>
-          <a:fontRef idx="minor"/>
-        </p:style>
-        <p:txBody>
-          <a:bodyPr lIns="96120" rIns="96120" tIns="51120" bIns="51120" anchorCtr="1">
-            <a:spAutoFit/>
-          </a:bodyPr>
-          <a:p>
-            <a:pPr algn="ctr">
-              <a:lnSpc>
-                <a:spcPts val="283"/>
-              </a:lnSpc>
-            </a:pPr>
-            <a:r>
-              <a:rPr b="0" lang="de-DE" sz="500" spc="-1" strike="noStrike">
-                <a:solidFill>
-                  <a:srgbClr val="000000"/>
-                </a:solidFill>
-                <a:latin typeface="Arial"/>
-                <a:ea typeface="DejaVu Sans"/>
-              </a:rPr>
-              <a:t>DATA_TO_IP_HI</a:t>
-            </a:r>
-            <a:endParaRPr b="0" lang="de-DE" sz="500" spc="-1" strike="noStrike">
-              <a:latin typeface="Arial"/>
-            </a:endParaRPr>
-          </a:p>
-        </p:txBody>
-      </p:sp>
-      <p:sp>
-        <p:nvSpPr>
           <p:cNvPr id="58" name="Line 23"/>
           <p:cNvSpPr/>
           <p:nvPr/>
         </p:nvSpPr>
         <p:spPr>
           <a:xfrm>
-            <a:off x="8142840" y="1260360"/>
-            <a:ext cx="1728000" cy="0"/>
-          </a:xfrm>
-          <a:prstGeom prst="line">
-            <a:avLst/>
-          </a:prstGeom>
-          <a:ln w="12600">
-            <a:solidFill>
-              <a:srgbClr val="000000"/>
-            </a:solidFill>
-            <a:round/>
-            <a:tailEnd len="med" type="triangle" w="med"/>
-          </a:ln>
-        </p:spPr>
-        <p:style>
-          <a:lnRef idx="0"/>
-          <a:fillRef idx="0"/>
-          <a:effectRef idx="0"/>
-          <a:fontRef idx="minor"/>
-        </p:style>
-        <p:txBody>
-          <a:bodyPr lIns="96120" rIns="96120" tIns="51120" bIns="51120" anchorCtr="1">
-            <a:spAutoFit/>
-          </a:bodyPr>
-          <a:p>
-            <a:pPr algn="ctr">
-              <a:lnSpc>
-                <a:spcPts val="283"/>
-              </a:lnSpc>
-            </a:pPr>
-            <a:r>
-              <a:rPr b="0" lang="de-DE" sz="500" spc="-1" strike="noStrike">
-                <a:solidFill>
-                  <a:srgbClr val="000000"/>
-                </a:solidFill>
-                <a:latin typeface="Arial"/>
-                <a:ea typeface="DejaVu Sans"/>
-              </a:rPr>
-              <a:t>IP_TO_ADDR</a:t>
-            </a:r>
-            <a:endParaRPr b="0" lang="de-DE" sz="500" spc="-1" strike="noStrike">
-              <a:latin typeface="Arial"/>
-            </a:endParaRPr>
-          </a:p>
-        </p:txBody>
-      </p:sp>
-      <p:sp>
-        <p:nvSpPr>
-          <p:cNvPr id="59" name="Line 24"/>
-          <p:cNvSpPr/>
-          <p:nvPr/>
-        </p:nvSpPr>
-        <p:spPr>
-          <a:xfrm>
-            <a:off x="8142840" y="972360"/>
+            <a:off x="2958840" y="1114200"/>
             <a:ext cx="1728000" cy="0"/>
           </a:xfrm>
           <a:prstGeom prst="line">
@@ -2758,7 +2704,7 @@
                 <a:latin typeface="Arial"/>
                 <a:ea typeface="DejaVu Sans"/>
               </a:rPr>
-              <a:t>ADDR_TO_IP</a:t>
+              <a:t>DATA_TO_IR</a:t>
             </a:r>
             <a:endParaRPr b="0" lang="de-DE" sz="500" spc="-1" strike="noStrike">
               <a:latin typeface="Arial"/>
@@ -2768,14 +2714,14 @@
       </p:sp>
       <p:sp>
         <p:nvSpPr>
-          <p:cNvPr id="60" name="Line 25"/>
-          <p:cNvSpPr/>
-          <p:nvPr/>
-        </p:nvSpPr>
-        <p:spPr>
-          <a:xfrm>
-            <a:off x="4974840" y="1188360"/>
-            <a:ext cx="1728000" cy="0"/>
+          <p:cNvPr id="59" name="Line 24"/>
+          <p:cNvSpPr/>
+          <p:nvPr/>
+        </p:nvSpPr>
+        <p:spPr>
+          <a:xfrm>
+            <a:off x="8146080" y="4572360"/>
+            <a:ext cx="68760" cy="0"/>
           </a:xfrm>
           <a:prstGeom prst="line">
             <a:avLst/>
@@ -2785,187 +2731,25 @@
               <a:srgbClr val="000000"/>
             </a:solidFill>
             <a:round/>
-            <a:tailEnd len="med" type="triangle" w="med"/>
-          </a:ln>
-        </p:spPr>
-        <p:style>
-          <a:lnRef idx="0"/>
-          <a:fillRef idx="0"/>
-          <a:effectRef idx="0"/>
-          <a:fontRef idx="minor"/>
-        </p:style>
-        <p:txBody>
-          <a:bodyPr lIns="96120" rIns="96120" tIns="51120" bIns="51120" anchorCtr="1">
-            <a:spAutoFit/>
-          </a:bodyPr>
-          <a:p>
-            <a:pPr algn="ctr">
-              <a:lnSpc>
-                <a:spcPts val="283"/>
-              </a:lnSpc>
-            </a:pPr>
-            <a:r>
-              <a:rPr b="0" lang="de-DE" sz="500" spc="-1" strike="noStrike">
-                <a:solidFill>
-                  <a:srgbClr val="000000"/>
-                </a:solidFill>
-                <a:latin typeface="Arial"/>
-                <a:ea typeface="DejaVu Sans"/>
-              </a:rPr>
-              <a:t>DATA_TO_IP_LO</a:t>
-            </a:r>
-            <a:endParaRPr b="0" lang="de-DE" sz="500" spc="-1" strike="noStrike">
-              <a:latin typeface="Arial"/>
-            </a:endParaRPr>
-          </a:p>
-        </p:txBody>
-      </p:sp>
-      <p:sp>
-        <p:nvSpPr>
-          <p:cNvPr id="61" name="Line 26"/>
-          <p:cNvSpPr/>
-          <p:nvPr/>
-        </p:nvSpPr>
-        <p:spPr>
-          <a:xfrm>
-            <a:off x="4974840" y="1044360"/>
-            <a:ext cx="1728000" cy="0"/>
-          </a:xfrm>
-          <a:prstGeom prst="line">
-            <a:avLst/>
-          </a:prstGeom>
-          <a:ln w="12600">
-            <a:solidFill>
-              <a:srgbClr val="000000"/>
-            </a:solidFill>
-            <a:round/>
-            <a:headEnd len="med" type="triangle" w="med"/>
-          </a:ln>
-        </p:spPr>
-        <p:style>
-          <a:lnRef idx="0"/>
-          <a:fillRef idx="0"/>
-          <a:effectRef idx="0"/>
-          <a:fontRef idx="minor"/>
-        </p:style>
-        <p:txBody>
-          <a:bodyPr lIns="96120" rIns="96120" tIns="51120" bIns="51120" anchorCtr="1">
-            <a:spAutoFit/>
-          </a:bodyPr>
-          <a:p>
-            <a:pPr algn="ctr">
-              <a:lnSpc>
-                <a:spcPts val="283"/>
-              </a:lnSpc>
-            </a:pPr>
-            <a:r>
-              <a:rPr b="0" lang="de-DE" sz="500" spc="-1" strike="noStrike">
-                <a:solidFill>
-                  <a:srgbClr val="000000"/>
-                </a:solidFill>
-                <a:latin typeface="Arial"/>
-                <a:ea typeface="DejaVu Sans"/>
-              </a:rPr>
-              <a:t>IP_HI_TO_DATA</a:t>
-            </a:r>
-            <a:endParaRPr b="0" lang="de-DE" sz="500" spc="-1" strike="noStrike">
-              <a:latin typeface="Arial"/>
-            </a:endParaRPr>
-          </a:p>
-        </p:txBody>
-      </p:sp>
-      <p:sp>
-        <p:nvSpPr>
-          <p:cNvPr id="62" name="Line 27"/>
-          <p:cNvSpPr/>
-          <p:nvPr/>
-        </p:nvSpPr>
-        <p:spPr>
-          <a:xfrm>
-            <a:off x="2958840" y="1114200"/>
-            <a:ext cx="1728000" cy="0"/>
-          </a:xfrm>
-          <a:prstGeom prst="line">
-            <a:avLst/>
-          </a:prstGeom>
-          <a:ln w="12600">
-            <a:solidFill>
-              <a:srgbClr val="000000"/>
-            </a:solidFill>
-            <a:round/>
-            <a:headEnd len="med" type="triangle" w="med"/>
-          </a:ln>
-        </p:spPr>
-        <p:style>
-          <a:lnRef idx="0"/>
-          <a:fillRef idx="0"/>
-          <a:effectRef idx="0"/>
-          <a:fontRef idx="minor"/>
-        </p:style>
-        <p:txBody>
-          <a:bodyPr lIns="96120" rIns="96120" tIns="51120" bIns="51120" anchorCtr="1">
-            <a:spAutoFit/>
-          </a:bodyPr>
-          <a:p>
-            <a:pPr algn="ctr">
-              <a:lnSpc>
-                <a:spcPts val="283"/>
-              </a:lnSpc>
-            </a:pPr>
-            <a:r>
-              <a:rPr b="0" lang="de-DE" sz="500" spc="-1" strike="noStrike">
-                <a:solidFill>
-                  <a:srgbClr val="000000"/>
-                </a:solidFill>
-                <a:latin typeface="Arial"/>
-                <a:ea typeface="DejaVu Sans"/>
-              </a:rPr>
-              <a:t>DATA_TO_IR</a:t>
-            </a:r>
-            <a:endParaRPr b="0" lang="de-DE" sz="500" spc="-1" strike="noStrike">
-              <a:latin typeface="Arial"/>
-            </a:endParaRPr>
-          </a:p>
-        </p:txBody>
-      </p:sp>
-      <p:sp>
-        <p:nvSpPr>
-          <p:cNvPr id="63" name="Line 28"/>
-          <p:cNvSpPr/>
-          <p:nvPr/>
-        </p:nvSpPr>
-        <p:spPr>
-          <a:xfrm>
-            <a:off x="8146080" y="4572360"/>
-            <a:ext cx="68760" cy="0"/>
-          </a:xfrm>
-          <a:prstGeom prst="line">
-            <a:avLst/>
-          </a:prstGeom>
-          <a:ln w="12600">
-            <a:solidFill>
-              <a:srgbClr val="000000"/>
-            </a:solidFill>
-            <a:round/>
-          </a:ln>
-        </p:spPr>
-        <p:style>
-          <a:lnRef idx="0"/>
-          <a:fillRef idx="0"/>
-          <a:effectRef idx="0"/>
-          <a:fontRef idx="minor"/>
-        </p:style>
-      </p:sp>
-      <p:sp>
-        <p:nvSpPr>
-          <p:cNvPr id="64" name="CustomShape 29"/>
+          </a:ln>
+        </p:spPr>
+        <p:style>
+          <a:lnRef idx="0"/>
+          <a:fillRef idx="0"/>
+          <a:effectRef idx="0"/>
+          <a:fontRef idx="minor"/>
+        </p:style>
+      </p:sp>
+      <p:sp>
+        <p:nvSpPr>
+          <p:cNvPr id="60" name="CustomShape 25"/>
           <p:cNvSpPr/>
           <p:nvPr/>
         </p:nvSpPr>
         <p:spPr>
           <a:xfrm>
             <a:off x="6702840" y="5004360"/>
-            <a:ext cx="1437120" cy="429120"/>
+            <a:ext cx="1436760" cy="428760"/>
           </a:xfrm>
           <a:prstGeom prst="rect">
             <a:avLst/>
@@ -3013,14 +2797,14 @@
       </p:sp>
       <p:sp>
         <p:nvSpPr>
-          <p:cNvPr id="65" name="CustomShape 30"/>
+          <p:cNvPr id="61" name="CustomShape 26"/>
           <p:cNvSpPr/>
           <p:nvPr/>
         </p:nvSpPr>
         <p:spPr>
           <a:xfrm>
             <a:off x="6702840" y="5508360"/>
-            <a:ext cx="1437120" cy="429120"/>
+            <a:ext cx="1436760" cy="428760"/>
           </a:xfrm>
           <a:prstGeom prst="rect">
             <a:avLst/>
@@ -3068,14 +2852,14 @@
       </p:sp>
       <p:sp>
         <p:nvSpPr>
-          <p:cNvPr id="66" name="CustomShape 31"/>
+          <p:cNvPr id="62" name="CustomShape 27"/>
           <p:cNvSpPr/>
           <p:nvPr/>
         </p:nvSpPr>
         <p:spPr>
           <a:xfrm rot="16200000">
-            <a:off x="7962840" y="5259240"/>
-            <a:ext cx="933120" cy="429120"/>
+            <a:off x="7962840" y="5259600"/>
+            <a:ext cx="932760" cy="428760"/>
           </a:xfrm>
           <a:prstGeom prst="rect">
             <a:avLst/>
@@ -3123,7 +2907,7 @@
       </p:sp>
       <p:sp>
         <p:nvSpPr>
-          <p:cNvPr id="67" name="Line 32"/>
+          <p:cNvPr id="63" name="Line 28"/>
           <p:cNvSpPr/>
           <p:nvPr/>
         </p:nvSpPr>
@@ -3151,7 +2935,7 @@
       </p:sp>
       <p:sp>
         <p:nvSpPr>
-          <p:cNvPr id="68" name="Line 33"/>
+          <p:cNvPr id="64" name="Line 29"/>
           <p:cNvSpPr/>
           <p:nvPr/>
         </p:nvSpPr>
@@ -3179,7 +2963,7 @@
       </p:sp>
       <p:sp>
         <p:nvSpPr>
-          <p:cNvPr id="69" name="Line 34"/>
+          <p:cNvPr id="65" name="Line 30"/>
           <p:cNvSpPr/>
           <p:nvPr/>
         </p:nvSpPr>
@@ -3207,14 +2991,14 @@
       </p:sp>
       <p:sp>
         <p:nvSpPr>
-          <p:cNvPr id="70" name="CustomShape 35"/>
+          <p:cNvPr id="66" name="CustomShape 31"/>
           <p:cNvSpPr/>
           <p:nvPr/>
         </p:nvSpPr>
         <p:spPr>
           <a:xfrm rot="16200000">
-            <a:off x="2886840" y="3351240"/>
-            <a:ext cx="861120" cy="429120"/>
+            <a:off x="2886840" y="3351600"/>
+            <a:ext cx="860760" cy="428760"/>
           </a:xfrm>
           <a:prstGeom prst="rect">
             <a:avLst/>
@@ -3262,14 +3046,14 @@
       </p:sp>
       <p:sp>
         <p:nvSpPr>
-          <p:cNvPr id="71" name="CustomShape 36"/>
+          <p:cNvPr id="67" name="CustomShape 32"/>
           <p:cNvSpPr/>
           <p:nvPr/>
         </p:nvSpPr>
         <p:spPr>
           <a:xfrm rot="16200000">
-            <a:off x="288360" y="3351240"/>
-            <a:ext cx="861120" cy="429120"/>
+            <a:off x="288360" y="3351600"/>
+            <a:ext cx="860760" cy="428760"/>
           </a:xfrm>
           <a:prstGeom prst="rect">
             <a:avLst/>
@@ -3317,7 +3101,7 @@
       </p:sp>
       <p:sp>
         <p:nvSpPr>
-          <p:cNvPr id="72" name="Line 37"/>
+          <p:cNvPr id="68" name="Line 33"/>
           <p:cNvSpPr/>
           <p:nvPr/>
         </p:nvSpPr>
@@ -3371,7 +3155,7 @@
       </p:sp>
       <p:sp>
         <p:nvSpPr>
-          <p:cNvPr id="73" name="Line 38"/>
+          <p:cNvPr id="69" name="Line 34"/>
           <p:cNvSpPr/>
           <p:nvPr/>
         </p:nvSpPr>
@@ -3425,7 +3209,7 @@
       </p:sp>
       <p:sp>
         <p:nvSpPr>
-          <p:cNvPr id="74" name="Line 39"/>
+          <p:cNvPr id="70" name="Line 35"/>
           <p:cNvSpPr/>
           <p:nvPr/>
         </p:nvSpPr>
@@ -3454,7 +3238,7 @@
       </p:sp>
       <p:sp>
         <p:nvSpPr>
-          <p:cNvPr id="75" name="Line 40"/>
+          <p:cNvPr id="71" name="Line 36"/>
           <p:cNvSpPr/>
           <p:nvPr/>
         </p:nvSpPr>
@@ -3483,7 +3267,7 @@
       </p:sp>
       <p:sp>
         <p:nvSpPr>
-          <p:cNvPr id="76" name="Line 41"/>
+          <p:cNvPr id="72" name="Line 37"/>
           <p:cNvSpPr/>
           <p:nvPr/>
         </p:nvSpPr>
@@ -3512,14 +3296,14 @@
       </p:sp>
       <p:sp>
         <p:nvSpPr>
-          <p:cNvPr id="77" name="CustomShape 42"/>
+          <p:cNvPr id="73" name="CustomShape 38"/>
           <p:cNvSpPr/>
           <p:nvPr/>
         </p:nvSpPr>
         <p:spPr>
           <a:xfrm rot="16200000">
-            <a:off x="5690160" y="2703240"/>
-            <a:ext cx="1293120" cy="573120"/>
+            <a:off x="5690160" y="2703600"/>
+            <a:ext cx="1292760" cy="572760"/>
           </a:xfrm>
           <a:prstGeom prst="rect">
             <a:avLst/>
@@ -3587,7 +3371,7 @@
       </p:sp>
       <p:sp>
         <p:nvSpPr>
-          <p:cNvPr id="78" name="Line 43"/>
+          <p:cNvPr id="74" name="Line 39"/>
           <p:cNvSpPr/>
           <p:nvPr/>
         </p:nvSpPr>
@@ -3616,14 +3400,14 @@
       </p:sp>
       <p:sp>
         <p:nvSpPr>
-          <p:cNvPr id="79" name="Line 44"/>
-          <p:cNvSpPr/>
-          <p:nvPr/>
-        </p:nvSpPr>
-        <p:spPr>
-          <a:xfrm>
-            <a:off x="4974840" y="1764360"/>
-            <a:ext cx="1728000" cy="0"/>
+          <p:cNvPr id="75" name="Line 40"/>
+          <p:cNvSpPr/>
+          <p:nvPr/>
+        </p:nvSpPr>
+        <p:spPr>
+          <a:xfrm>
+            <a:off x="3534840" y="3564360"/>
+            <a:ext cx="1152000" cy="0"/>
           </a:xfrm>
           <a:prstGeom prst="line">
             <a:avLst/>
@@ -3660,7 +3444,7 @@
                 <a:latin typeface="Arial"/>
                 <a:ea typeface="DejaVu Sans"/>
               </a:rPr>
-              <a:t>DATA_TO_MAR_HI</a:t>
+              <a:t>Z_TO_DATA</a:t>
             </a:r>
             <a:endParaRPr b="0" lang="de-DE" sz="500" spc="-1" strike="noStrike">
               <a:latin typeface="Arial"/>
@@ -3670,13 +3454,67 @@
       </p:sp>
       <p:sp>
         <p:nvSpPr>
-          <p:cNvPr id="80" name="Line 45"/>
-          <p:cNvSpPr/>
-          <p:nvPr/>
-        </p:nvSpPr>
-        <p:spPr>
-          <a:xfrm>
-            <a:off x="4974840" y="2052360"/>
+          <p:cNvPr id="76" name="Line 41"/>
+          <p:cNvSpPr/>
+          <p:nvPr/>
+        </p:nvSpPr>
+        <p:spPr>
+          <a:xfrm>
+            <a:off x="2952360" y="4356360"/>
+            <a:ext cx="1728000" cy="0"/>
+          </a:xfrm>
+          <a:prstGeom prst="line">
+            <a:avLst/>
+          </a:prstGeom>
+          <a:ln w="12600">
+            <a:solidFill>
+              <a:srgbClr val="000000"/>
+            </a:solidFill>
+            <a:round/>
+            <a:headEnd len="med" type="triangle" w="med"/>
+          </a:ln>
+        </p:spPr>
+        <p:style>
+          <a:lnRef idx="0"/>
+          <a:fillRef idx="0"/>
+          <a:effectRef idx="0"/>
+          <a:fontRef idx="minor"/>
+        </p:style>
+        <p:txBody>
+          <a:bodyPr lIns="96120" rIns="96120" tIns="51120" bIns="51120" anchorCtr="1">
+            <a:spAutoFit/>
+          </a:bodyPr>
+          <a:p>
+            <a:pPr algn="ctr">
+              <a:lnSpc>
+                <a:spcPts val="283"/>
+              </a:lnSpc>
+            </a:pPr>
+            <a:r>
+              <a:rPr b="0" lang="de-DE" sz="500" spc="-1" strike="noStrike">
+                <a:solidFill>
+                  <a:srgbClr val="000000"/>
+                </a:solidFill>
+                <a:latin typeface="Arial"/>
+                <a:ea typeface="DejaVu Sans"/>
+              </a:rPr>
+              <a:t>DATA_TO_Y</a:t>
+            </a:r>
+            <a:endParaRPr b="0" lang="de-DE" sz="500" spc="-1" strike="noStrike">
+              <a:latin typeface="Arial"/>
+            </a:endParaRPr>
+          </a:p>
+        </p:txBody>
+      </p:sp>
+      <p:sp>
+        <p:nvSpPr>
+          <p:cNvPr id="77" name="Line 42"/>
+          <p:cNvSpPr/>
+          <p:nvPr/>
+        </p:nvSpPr>
+        <p:spPr>
+          <a:xfrm>
+            <a:off x="2958840" y="1908360"/>
             <a:ext cx="1728000" cy="0"/>
           </a:xfrm>
           <a:prstGeom prst="line">
@@ -3714,7 +3552,7 @@
                 <a:latin typeface="Arial"/>
                 <a:ea typeface="DejaVu Sans"/>
               </a:rPr>
-              <a:t>DATA_TO_MAR_LO</a:t>
+              <a:t>A_TO_DATA</a:t>
             </a:r>
             <a:endParaRPr b="0" lang="de-DE" sz="500" spc="-1" strike="noStrike">
               <a:latin typeface="Arial"/>
@@ -3724,14 +3562,68 @@
       </p:sp>
       <p:sp>
         <p:nvSpPr>
-          <p:cNvPr id="81" name="Line 46"/>
-          <p:cNvSpPr/>
-          <p:nvPr/>
-        </p:nvSpPr>
-        <p:spPr>
-          <a:xfrm>
-            <a:off x="3534840" y="3564360"/>
-            <a:ext cx="1152000" cy="0"/>
+          <p:cNvPr id="78" name="Line 43"/>
+          <p:cNvSpPr/>
+          <p:nvPr/>
+        </p:nvSpPr>
+        <p:spPr>
+          <a:xfrm>
+            <a:off x="2958840" y="1620360"/>
+            <a:ext cx="1728000" cy="0"/>
+          </a:xfrm>
+          <a:prstGeom prst="line">
+            <a:avLst/>
+          </a:prstGeom>
+          <a:ln w="12600">
+            <a:solidFill>
+              <a:srgbClr val="000000"/>
+            </a:solidFill>
+            <a:round/>
+            <a:headEnd len="med" type="triangle" w="med"/>
+          </a:ln>
+        </p:spPr>
+        <p:style>
+          <a:lnRef idx="0"/>
+          <a:fillRef idx="0"/>
+          <a:effectRef idx="0"/>
+          <a:fontRef idx="minor"/>
+        </p:style>
+        <p:txBody>
+          <a:bodyPr lIns="96120" rIns="96120" tIns="51120" bIns="51120" anchorCtr="1">
+            <a:spAutoFit/>
+          </a:bodyPr>
+          <a:p>
+            <a:pPr algn="ctr">
+              <a:lnSpc>
+                <a:spcPts val="283"/>
+              </a:lnSpc>
+            </a:pPr>
+            <a:r>
+              <a:rPr b="0" lang="de-DE" sz="500" spc="-1" strike="noStrike">
+                <a:solidFill>
+                  <a:srgbClr val="000000"/>
+                </a:solidFill>
+                <a:latin typeface="Arial"/>
+                <a:ea typeface="DejaVu Sans"/>
+              </a:rPr>
+              <a:t>DATA_TO_A</a:t>
+            </a:r>
+            <a:endParaRPr b="0" lang="de-DE" sz="500" spc="-1" strike="noStrike">
+              <a:latin typeface="Arial"/>
+            </a:endParaRPr>
+          </a:p>
+        </p:txBody>
+      </p:sp>
+      <p:sp>
+        <p:nvSpPr>
+          <p:cNvPr id="79" name="Line 44"/>
+          <p:cNvSpPr/>
+          <p:nvPr/>
+        </p:nvSpPr>
+        <p:spPr>
+          <a:xfrm>
+            <a:off x="2952360" y="5148360"/>
+            <a:ext cx="1728000" cy="0"/>
           </a:xfrm>
           <a:prstGeom prst="line">
             <a:avLst/>
@@ -3768,7 +3660,7 @@
                 <a:latin typeface="Arial"/>
                 <a:ea typeface="DejaVu Sans"/>
               </a:rPr>
-              <a:t>Z_TO_DATA</a:t>
+              <a:t>B_TO_DATA</a:t>
             </a:r>
             <a:endParaRPr b="0" lang="de-DE" sz="500" spc="-1" strike="noStrike">
               <a:latin typeface="Arial"/>
@@ -3778,13 +3670,13 @@
       </p:sp>
       <p:sp>
         <p:nvSpPr>
-          <p:cNvPr id="82" name="Line 47"/>
-          <p:cNvSpPr/>
-          <p:nvPr/>
-        </p:nvSpPr>
-        <p:spPr>
-          <a:xfrm>
-            <a:off x="2952360" y="4356360"/>
+          <p:cNvPr id="80" name="Line 45"/>
+          <p:cNvSpPr/>
+          <p:nvPr/>
+        </p:nvSpPr>
+        <p:spPr>
+          <a:xfrm>
+            <a:off x="2952360" y="4860360"/>
             <a:ext cx="1728000" cy="0"/>
           </a:xfrm>
           <a:prstGeom prst="line">
@@ -3822,7 +3714,7 @@
                 <a:latin typeface="Arial"/>
                 <a:ea typeface="DejaVu Sans"/>
               </a:rPr>
-              <a:t>DATA_TO_Y</a:t>
+              <a:t>DATA_TO_B</a:t>
             </a:r>
             <a:endParaRPr b="0" lang="de-DE" sz="500" spc="-1" strike="noStrike">
               <a:latin typeface="Arial"/>
@@ -3832,13 +3724,13 @@
       </p:sp>
       <p:sp>
         <p:nvSpPr>
-          <p:cNvPr id="83" name="Line 48"/>
-          <p:cNvSpPr/>
-          <p:nvPr/>
-        </p:nvSpPr>
-        <p:spPr>
-          <a:xfrm>
-            <a:off x="2958840" y="1908360"/>
+          <p:cNvPr id="81" name="Line 46"/>
+          <p:cNvSpPr/>
+          <p:nvPr/>
+        </p:nvSpPr>
+        <p:spPr>
+          <a:xfrm>
+            <a:off x="2952360" y="5796360"/>
             <a:ext cx="1728000" cy="0"/>
           </a:xfrm>
           <a:prstGeom prst="line">
@@ -3876,7 +3768,7 @@
                 <a:latin typeface="Arial"/>
                 <a:ea typeface="DejaVu Sans"/>
               </a:rPr>
-              <a:t>A_TO_DATA</a:t>
+              <a:t>C_TO_DATA</a:t>
             </a:r>
             <a:endParaRPr b="0" lang="de-DE" sz="500" spc="-1" strike="noStrike">
               <a:latin typeface="Arial"/>
@@ -3886,13 +3778,13 @@
       </p:sp>
       <p:sp>
         <p:nvSpPr>
-          <p:cNvPr id="84" name="Line 49"/>
-          <p:cNvSpPr/>
-          <p:nvPr/>
-        </p:nvSpPr>
-        <p:spPr>
-          <a:xfrm>
-            <a:off x="2958840" y="1620360"/>
+          <p:cNvPr id="82" name="Line 47"/>
+          <p:cNvSpPr/>
+          <p:nvPr/>
+        </p:nvSpPr>
+        <p:spPr>
+          <a:xfrm>
+            <a:off x="2952360" y="5508360"/>
             <a:ext cx="1728000" cy="0"/>
           </a:xfrm>
           <a:prstGeom prst="line">
@@ -3930,7 +3822,7 @@
                 <a:latin typeface="Arial"/>
                 <a:ea typeface="DejaVu Sans"/>
               </a:rPr>
-              <a:t>DATA_TO_A</a:t>
+              <a:t>DATA_TO_C</a:t>
             </a:r>
             <a:endParaRPr b="0" lang="de-DE" sz="500" spc="-1" strike="noStrike">
               <a:latin typeface="Arial"/>
@@ -3940,13 +3832,13 @@
       </p:sp>
       <p:sp>
         <p:nvSpPr>
-          <p:cNvPr id="85" name="Line 50"/>
-          <p:cNvSpPr/>
-          <p:nvPr/>
-        </p:nvSpPr>
-        <p:spPr>
-          <a:xfrm>
-            <a:off x="2952360" y="5148360"/>
+          <p:cNvPr id="83" name="Line 48"/>
+          <p:cNvSpPr/>
+          <p:nvPr/>
+        </p:nvSpPr>
+        <p:spPr>
+          <a:xfrm>
+            <a:off x="2952360" y="6444360"/>
             <a:ext cx="1728000" cy="0"/>
           </a:xfrm>
           <a:prstGeom prst="line">
@@ -3984,7 +3876,7 @@
                 <a:latin typeface="Arial"/>
                 <a:ea typeface="DejaVu Sans"/>
               </a:rPr>
-              <a:t>B_TO_DATA</a:t>
+              <a:t>D_TO_DATA</a:t>
             </a:r>
             <a:endParaRPr b="0" lang="de-DE" sz="500" spc="-1" strike="noStrike">
               <a:latin typeface="Arial"/>
@@ -3994,13 +3886,13 @@
       </p:sp>
       <p:sp>
         <p:nvSpPr>
-          <p:cNvPr id="86" name="Line 51"/>
-          <p:cNvSpPr/>
-          <p:nvPr/>
-        </p:nvSpPr>
-        <p:spPr>
-          <a:xfrm>
-            <a:off x="2952360" y="4860360"/>
+          <p:cNvPr id="84" name="Line 49"/>
+          <p:cNvSpPr/>
+          <p:nvPr/>
+        </p:nvSpPr>
+        <p:spPr>
+          <a:xfrm>
+            <a:off x="2952360" y="6156360"/>
             <a:ext cx="1728000" cy="0"/>
           </a:xfrm>
           <a:prstGeom prst="line">
@@ -4038,7 +3930,7 @@
                 <a:latin typeface="Arial"/>
                 <a:ea typeface="DejaVu Sans"/>
               </a:rPr>
-              <a:t>DATA_TO_B</a:t>
+              <a:t>DATA_TO_D</a:t>
             </a:r>
             <a:endParaRPr b="0" lang="de-DE" sz="500" spc="-1" strike="noStrike">
               <a:latin typeface="Arial"/>
@@ -4048,14 +3940,68 @@
       </p:sp>
       <p:sp>
         <p:nvSpPr>
-          <p:cNvPr id="87" name="Line 52"/>
-          <p:cNvSpPr/>
-          <p:nvPr/>
-        </p:nvSpPr>
-        <p:spPr>
-          <a:xfrm>
-            <a:off x="2952360" y="5796360"/>
+          <p:cNvPr id="85" name="Line 50"/>
+          <p:cNvSpPr/>
+          <p:nvPr/>
+        </p:nvSpPr>
+        <p:spPr>
+          <a:xfrm>
+            <a:off x="8142840" y="1908360"/>
             <a:ext cx="1728000" cy="0"/>
+          </a:xfrm>
+          <a:prstGeom prst="line">
+            <a:avLst/>
+          </a:prstGeom>
+          <a:ln w="12600">
+            <a:solidFill>
+              <a:srgbClr val="000000"/>
+            </a:solidFill>
+            <a:round/>
+            <a:headEnd len="med" type="triangle" w="med"/>
+          </a:ln>
+        </p:spPr>
+        <p:style>
+          <a:lnRef idx="0"/>
+          <a:fillRef idx="0"/>
+          <a:effectRef idx="0"/>
+          <a:fontRef idx="minor"/>
+        </p:style>
+        <p:txBody>
+          <a:bodyPr lIns="96120" rIns="96120" tIns="51120" bIns="51120" anchorCtr="1">
+            <a:spAutoFit/>
+          </a:bodyPr>
+          <a:p>
+            <a:pPr algn="ctr">
+              <a:lnSpc>
+                <a:spcPts val="283"/>
+              </a:lnSpc>
+            </a:pPr>
+            <a:r>
+              <a:rPr b="0" lang="de-DE" sz="500" spc="-1" strike="noStrike">
+                <a:solidFill>
+                  <a:srgbClr val="000000"/>
+                </a:solidFill>
+                <a:latin typeface="Arial"/>
+                <a:ea typeface="DejaVu Sans"/>
+              </a:rPr>
+              <a:t>ADDR_TO_MAR</a:t>
+            </a:r>
+            <a:endParaRPr b="0" lang="de-DE" sz="500" spc="-1" strike="noStrike">
+              <a:latin typeface="Arial"/>
+            </a:endParaRPr>
+          </a:p>
+        </p:txBody>
+      </p:sp>
+      <p:sp>
+        <p:nvSpPr>
+          <p:cNvPr id="86" name="Line 51"/>
+          <p:cNvSpPr/>
+          <p:nvPr/>
+        </p:nvSpPr>
+        <p:spPr>
+          <a:xfrm>
+            <a:off x="8646840" y="4500360"/>
+            <a:ext cx="1224000" cy="0"/>
           </a:xfrm>
           <a:prstGeom prst="line">
             <a:avLst/>
@@ -4092,7 +4038,7 @@
                 <a:latin typeface="Arial"/>
                 <a:ea typeface="DejaVu Sans"/>
               </a:rPr>
-              <a:t>C_TO_DATA</a:t>
+              <a:t>HL_TO_ADDR</a:t>
             </a:r>
             <a:endParaRPr b="0" lang="de-DE" sz="500" spc="-1" strike="noStrike">
               <a:latin typeface="Arial"/>
@@ -4102,14 +4048,14 @@
       </p:sp>
       <p:sp>
         <p:nvSpPr>
-          <p:cNvPr id="88" name="Line 53"/>
-          <p:cNvSpPr/>
-          <p:nvPr/>
-        </p:nvSpPr>
-        <p:spPr>
-          <a:xfrm>
-            <a:off x="2952360" y="5508360"/>
-            <a:ext cx="1728000" cy="0"/>
+          <p:cNvPr id="87" name="Line 52"/>
+          <p:cNvSpPr/>
+          <p:nvPr/>
+        </p:nvSpPr>
+        <p:spPr>
+          <a:xfrm>
+            <a:off x="8646840" y="4140360"/>
+            <a:ext cx="1224000" cy="0"/>
           </a:xfrm>
           <a:prstGeom prst="line">
             <a:avLst/>
@@ -4146,7 +4092,7 @@
                 <a:latin typeface="Arial"/>
                 <a:ea typeface="DejaVu Sans"/>
               </a:rPr>
-              <a:t>DATA_TO_C</a:t>
+              <a:t>ADDR_TO_HL</a:t>
             </a:r>
             <a:endParaRPr b="0" lang="de-DE" sz="500" spc="-1" strike="noStrike">
               <a:latin typeface="Arial"/>
@@ -4156,14 +4102,14 @@
       </p:sp>
       <p:sp>
         <p:nvSpPr>
-          <p:cNvPr id="89" name="Line 54"/>
-          <p:cNvSpPr/>
-          <p:nvPr/>
-        </p:nvSpPr>
-        <p:spPr>
-          <a:xfrm>
-            <a:off x="2952360" y="6444360"/>
-            <a:ext cx="1728000" cy="0"/>
+          <p:cNvPr id="88" name="Line 53"/>
+          <p:cNvSpPr/>
+          <p:nvPr/>
+        </p:nvSpPr>
+        <p:spPr>
+          <a:xfrm>
+            <a:off x="8646840" y="5436360"/>
+            <a:ext cx="1224000" cy="0"/>
           </a:xfrm>
           <a:prstGeom prst="line">
             <a:avLst/>
@@ -4200,7 +4146,7 @@
                 <a:latin typeface="Arial"/>
                 <a:ea typeface="DejaVu Sans"/>
               </a:rPr>
-              <a:t>D_TO_DATA</a:t>
+              <a:t>T_TO_ADDR</a:t>
             </a:r>
             <a:endParaRPr b="0" lang="de-DE" sz="500" spc="-1" strike="noStrike">
               <a:latin typeface="Arial"/>
@@ -4210,716 +4156,14 @@
       </p:sp>
       <p:sp>
         <p:nvSpPr>
-          <p:cNvPr id="90" name="Line 55"/>
-          <p:cNvSpPr/>
-          <p:nvPr/>
-        </p:nvSpPr>
-        <p:spPr>
-          <a:xfrm>
-            <a:off x="2952360" y="6156360"/>
-            <a:ext cx="1728000" cy="0"/>
-          </a:xfrm>
-          <a:prstGeom prst="line">
-            <a:avLst/>
-          </a:prstGeom>
-          <a:ln w="12600">
-            <a:solidFill>
-              <a:srgbClr val="000000"/>
-            </a:solidFill>
-            <a:round/>
-            <a:headEnd len="med" type="triangle" w="med"/>
-          </a:ln>
-        </p:spPr>
-        <p:style>
-          <a:lnRef idx="0"/>
-          <a:fillRef idx="0"/>
-          <a:effectRef idx="0"/>
-          <a:fontRef idx="minor"/>
-        </p:style>
-        <p:txBody>
-          <a:bodyPr lIns="96120" rIns="96120" tIns="51120" bIns="51120" anchorCtr="1">
-            <a:spAutoFit/>
-          </a:bodyPr>
-          <a:p>
-            <a:pPr algn="ctr">
-              <a:lnSpc>
-                <a:spcPts val="283"/>
-              </a:lnSpc>
-            </a:pPr>
-            <a:r>
-              <a:rPr b="0" lang="de-DE" sz="500" spc="-1" strike="noStrike">
-                <a:solidFill>
-                  <a:srgbClr val="000000"/>
-                </a:solidFill>
-                <a:latin typeface="Arial"/>
-                <a:ea typeface="DejaVu Sans"/>
-              </a:rPr>
-              <a:t>DATA_TO_D</a:t>
-            </a:r>
-            <a:endParaRPr b="0" lang="de-DE" sz="500" spc="-1" strike="noStrike">
-              <a:latin typeface="Arial"/>
-            </a:endParaRPr>
-          </a:p>
-        </p:txBody>
-      </p:sp>
-      <p:sp>
-        <p:nvSpPr>
-          <p:cNvPr id="91" name="Line 56"/>
-          <p:cNvSpPr/>
-          <p:nvPr/>
-        </p:nvSpPr>
-        <p:spPr>
-          <a:xfrm>
-            <a:off x="8142840" y="1908360"/>
-            <a:ext cx="1728000" cy="0"/>
-          </a:xfrm>
-          <a:prstGeom prst="line">
-            <a:avLst/>
-          </a:prstGeom>
-          <a:ln w="12600">
-            <a:solidFill>
-              <a:srgbClr val="000000"/>
-            </a:solidFill>
-            <a:round/>
-            <a:headEnd len="med" type="triangle" w="med"/>
-          </a:ln>
-        </p:spPr>
-        <p:style>
-          <a:lnRef idx="0"/>
-          <a:fillRef idx="0"/>
-          <a:effectRef idx="0"/>
-          <a:fontRef idx="minor"/>
-        </p:style>
-        <p:txBody>
-          <a:bodyPr lIns="96120" rIns="96120" tIns="51120" bIns="51120" anchorCtr="1">
-            <a:spAutoFit/>
-          </a:bodyPr>
-          <a:p>
-            <a:pPr algn="ctr">
-              <a:lnSpc>
-                <a:spcPts val="283"/>
-              </a:lnSpc>
-            </a:pPr>
-            <a:r>
-              <a:rPr b="0" lang="de-DE" sz="500" spc="-1" strike="noStrike">
-                <a:solidFill>
-                  <a:srgbClr val="000000"/>
-                </a:solidFill>
-                <a:latin typeface="Arial"/>
-                <a:ea typeface="DejaVu Sans"/>
-              </a:rPr>
-              <a:t>ADDR_TO_MAR</a:t>
-            </a:r>
-            <a:endParaRPr b="0" lang="de-DE" sz="500" spc="-1" strike="noStrike">
-              <a:latin typeface="Arial"/>
-            </a:endParaRPr>
-          </a:p>
-        </p:txBody>
-      </p:sp>
-      <p:sp>
-        <p:nvSpPr>
-          <p:cNvPr id="92" name="Line 57"/>
-          <p:cNvSpPr/>
-          <p:nvPr/>
-        </p:nvSpPr>
-        <p:spPr>
-          <a:xfrm>
-            <a:off x="4974840" y="4212360"/>
-            <a:ext cx="1728000" cy="0"/>
-          </a:xfrm>
-          <a:prstGeom prst="line">
-            <a:avLst/>
-          </a:prstGeom>
-          <a:ln w="12600">
-            <a:solidFill>
-              <a:srgbClr val="000000"/>
-            </a:solidFill>
-            <a:round/>
-            <a:headEnd len="med" type="triangle" w="med"/>
-          </a:ln>
-        </p:spPr>
-        <p:style>
-          <a:lnRef idx="0"/>
-          <a:fillRef idx="0"/>
-          <a:effectRef idx="0"/>
-          <a:fontRef idx="minor"/>
-        </p:style>
-        <p:txBody>
-          <a:bodyPr lIns="96120" rIns="96120" tIns="51120" bIns="51120" anchorCtr="1">
-            <a:spAutoFit/>
-          </a:bodyPr>
-          <a:p>
-            <a:pPr algn="ctr">
-              <a:lnSpc>
-                <a:spcPts val="283"/>
-              </a:lnSpc>
-            </a:pPr>
-            <a:r>
-              <a:rPr b="0" lang="de-DE" sz="500" spc="-1" strike="noStrike">
-                <a:solidFill>
-                  <a:srgbClr val="000000"/>
-                </a:solidFill>
-                <a:latin typeface="Arial"/>
-                <a:ea typeface="DejaVu Sans"/>
-              </a:rPr>
-              <a:t>H_TO_DATA</a:t>
-            </a:r>
-            <a:endParaRPr b="0" lang="de-DE" sz="500" spc="-1" strike="noStrike">
-              <a:latin typeface="Arial"/>
-            </a:endParaRPr>
-          </a:p>
-        </p:txBody>
-      </p:sp>
-      <p:sp>
-        <p:nvSpPr>
-          <p:cNvPr id="93" name="Line 58"/>
-          <p:cNvSpPr/>
-          <p:nvPr/>
-        </p:nvSpPr>
-        <p:spPr>
-          <a:xfrm>
-            <a:off x="4974840" y="3924360"/>
-            <a:ext cx="1728000" cy="0"/>
-          </a:xfrm>
-          <a:prstGeom prst="line">
-            <a:avLst/>
-          </a:prstGeom>
-          <a:ln w="12600">
-            <a:solidFill>
-              <a:srgbClr val="000000"/>
-            </a:solidFill>
-            <a:round/>
-            <a:tailEnd len="med" type="triangle" w="med"/>
-          </a:ln>
-        </p:spPr>
-        <p:style>
-          <a:lnRef idx="0"/>
-          <a:fillRef idx="0"/>
-          <a:effectRef idx="0"/>
-          <a:fontRef idx="minor"/>
-        </p:style>
-        <p:txBody>
-          <a:bodyPr lIns="96120" rIns="96120" tIns="51120" bIns="51120" anchorCtr="1">
-            <a:spAutoFit/>
-          </a:bodyPr>
-          <a:p>
-            <a:pPr algn="ctr">
-              <a:lnSpc>
-                <a:spcPts val="283"/>
-              </a:lnSpc>
-            </a:pPr>
-            <a:r>
-              <a:rPr b="0" lang="de-DE" sz="500" spc="-1" strike="noStrike">
-                <a:solidFill>
-                  <a:srgbClr val="000000"/>
-                </a:solidFill>
-                <a:latin typeface="Arial"/>
-                <a:ea typeface="DejaVu Sans"/>
-              </a:rPr>
-              <a:t>DATA_TO_H</a:t>
-            </a:r>
-            <a:endParaRPr b="0" lang="de-DE" sz="500" spc="-1" strike="noStrike">
-              <a:latin typeface="Arial"/>
-            </a:endParaRPr>
-          </a:p>
-        </p:txBody>
-      </p:sp>
-      <p:sp>
-        <p:nvSpPr>
-          <p:cNvPr id="94" name="Line 59"/>
-          <p:cNvSpPr/>
-          <p:nvPr/>
-        </p:nvSpPr>
-        <p:spPr>
-          <a:xfrm>
-            <a:off x="4974840" y="4716360"/>
-            <a:ext cx="1728000" cy="0"/>
-          </a:xfrm>
-          <a:prstGeom prst="line">
-            <a:avLst/>
-          </a:prstGeom>
-          <a:ln w="12600">
-            <a:solidFill>
-              <a:srgbClr val="000000"/>
-            </a:solidFill>
-            <a:round/>
-            <a:headEnd len="med" type="triangle" w="med"/>
-          </a:ln>
-        </p:spPr>
-        <p:style>
-          <a:lnRef idx="0"/>
-          <a:fillRef idx="0"/>
-          <a:effectRef idx="0"/>
-          <a:fontRef idx="minor"/>
-        </p:style>
-        <p:txBody>
-          <a:bodyPr lIns="96120" rIns="96120" tIns="51120" bIns="51120" anchorCtr="1">
-            <a:spAutoFit/>
-          </a:bodyPr>
-          <a:p>
-            <a:pPr algn="ctr">
-              <a:lnSpc>
-                <a:spcPts val="283"/>
-              </a:lnSpc>
-            </a:pPr>
-            <a:r>
-              <a:rPr b="0" lang="de-DE" sz="500" spc="-1" strike="noStrike">
-                <a:solidFill>
-                  <a:srgbClr val="000000"/>
-                </a:solidFill>
-                <a:latin typeface="Arial"/>
-                <a:ea typeface="DejaVu Sans"/>
-              </a:rPr>
-              <a:t>L_TO_DATA</a:t>
-            </a:r>
-            <a:endParaRPr b="0" lang="de-DE" sz="500" spc="-1" strike="noStrike">
-              <a:latin typeface="Arial"/>
-            </a:endParaRPr>
-          </a:p>
-        </p:txBody>
-      </p:sp>
-      <p:sp>
-        <p:nvSpPr>
-          <p:cNvPr id="95" name="Line 60"/>
-          <p:cNvSpPr/>
-          <p:nvPr/>
-        </p:nvSpPr>
-        <p:spPr>
-          <a:xfrm>
-            <a:off x="4974840" y="4428360"/>
-            <a:ext cx="1728000" cy="0"/>
-          </a:xfrm>
-          <a:prstGeom prst="line">
-            <a:avLst/>
-          </a:prstGeom>
-          <a:ln w="12600">
-            <a:solidFill>
-              <a:srgbClr val="000000"/>
-            </a:solidFill>
-            <a:round/>
-            <a:tailEnd len="med" type="triangle" w="med"/>
-          </a:ln>
-        </p:spPr>
-        <p:style>
-          <a:lnRef idx="0"/>
-          <a:fillRef idx="0"/>
-          <a:effectRef idx="0"/>
-          <a:fontRef idx="minor"/>
-        </p:style>
-        <p:txBody>
-          <a:bodyPr lIns="96120" rIns="96120" tIns="51120" bIns="51120" anchorCtr="1">
-            <a:spAutoFit/>
-          </a:bodyPr>
-          <a:p>
-            <a:pPr algn="ctr">
-              <a:lnSpc>
-                <a:spcPts val="283"/>
-              </a:lnSpc>
-            </a:pPr>
-            <a:r>
-              <a:rPr b="0" lang="de-DE" sz="500" spc="-1" strike="noStrike">
-                <a:solidFill>
-                  <a:srgbClr val="000000"/>
-                </a:solidFill>
-                <a:latin typeface="Arial"/>
-                <a:ea typeface="DejaVu Sans"/>
-              </a:rPr>
-              <a:t>DATA_TO_L</a:t>
-            </a:r>
-            <a:endParaRPr b="0" lang="de-DE" sz="500" spc="-1" strike="noStrike">
-              <a:latin typeface="Arial"/>
-            </a:endParaRPr>
-          </a:p>
-        </p:txBody>
-      </p:sp>
-      <p:sp>
-        <p:nvSpPr>
-          <p:cNvPr id="96" name="Line 61"/>
-          <p:cNvSpPr/>
-          <p:nvPr/>
-        </p:nvSpPr>
-        <p:spPr>
-          <a:xfrm>
-            <a:off x="4974840" y="5364360"/>
-            <a:ext cx="1728000" cy="0"/>
-          </a:xfrm>
-          <a:prstGeom prst="line">
-            <a:avLst/>
-          </a:prstGeom>
-          <a:ln w="12600">
-            <a:solidFill>
-              <a:srgbClr val="000000"/>
-            </a:solidFill>
-            <a:round/>
-            <a:headEnd len="med" type="triangle" w="med"/>
-          </a:ln>
-        </p:spPr>
-        <p:style>
-          <a:lnRef idx="0"/>
-          <a:fillRef idx="0"/>
-          <a:effectRef idx="0"/>
-          <a:fontRef idx="minor"/>
-        </p:style>
-        <p:txBody>
-          <a:bodyPr lIns="96120" rIns="96120" tIns="51120" bIns="51120" anchorCtr="1">
-            <a:spAutoFit/>
-          </a:bodyPr>
-          <a:p>
-            <a:pPr algn="ctr">
-              <a:lnSpc>
-                <a:spcPts val="283"/>
-              </a:lnSpc>
-            </a:pPr>
-            <a:r>
-              <a:rPr b="0" lang="de-DE" sz="500" spc="-1" strike="noStrike">
-                <a:solidFill>
-                  <a:srgbClr val="000000"/>
-                </a:solidFill>
-                <a:latin typeface="Arial"/>
-                <a:ea typeface="DejaVu Sans"/>
-              </a:rPr>
-              <a:t>TH_TO_DATA</a:t>
-            </a:r>
-            <a:endParaRPr b="0" lang="de-DE" sz="500" spc="-1" strike="noStrike">
-              <a:latin typeface="Arial"/>
-            </a:endParaRPr>
-          </a:p>
-        </p:txBody>
-      </p:sp>
-      <p:sp>
-        <p:nvSpPr>
-          <p:cNvPr id="97" name="Line 62"/>
-          <p:cNvSpPr/>
-          <p:nvPr/>
-        </p:nvSpPr>
-        <p:spPr>
-          <a:xfrm>
-            <a:off x="4974840" y="5076360"/>
-            <a:ext cx="1728000" cy="0"/>
-          </a:xfrm>
-          <a:prstGeom prst="line">
-            <a:avLst/>
-          </a:prstGeom>
-          <a:ln w="12600">
-            <a:solidFill>
-              <a:srgbClr val="000000"/>
-            </a:solidFill>
-            <a:round/>
-            <a:tailEnd len="med" type="triangle" w="med"/>
-          </a:ln>
-        </p:spPr>
-        <p:style>
-          <a:lnRef idx="0"/>
-          <a:fillRef idx="0"/>
-          <a:effectRef idx="0"/>
-          <a:fontRef idx="minor"/>
-        </p:style>
-        <p:txBody>
-          <a:bodyPr lIns="96120" rIns="96120" tIns="51120" bIns="51120" anchorCtr="1">
-            <a:spAutoFit/>
-          </a:bodyPr>
-          <a:p>
-            <a:pPr algn="ctr">
-              <a:lnSpc>
-                <a:spcPts val="283"/>
-              </a:lnSpc>
-            </a:pPr>
-            <a:r>
-              <a:rPr b="0" lang="de-DE" sz="500" spc="-1" strike="noStrike">
-                <a:solidFill>
-                  <a:srgbClr val="000000"/>
-                </a:solidFill>
-                <a:latin typeface="Arial"/>
-                <a:ea typeface="DejaVu Sans"/>
-              </a:rPr>
-              <a:t>DATA_TO_TH</a:t>
-            </a:r>
-            <a:endParaRPr b="0" lang="de-DE" sz="500" spc="-1" strike="noStrike">
-              <a:latin typeface="Arial"/>
-            </a:endParaRPr>
-          </a:p>
-        </p:txBody>
-      </p:sp>
-      <p:sp>
-        <p:nvSpPr>
-          <p:cNvPr id="98" name="Line 63"/>
-          <p:cNvSpPr/>
-          <p:nvPr/>
-        </p:nvSpPr>
-        <p:spPr>
-          <a:xfrm>
-            <a:off x="4974840" y="5868360"/>
-            <a:ext cx="1728000" cy="0"/>
-          </a:xfrm>
-          <a:prstGeom prst="line">
-            <a:avLst/>
-          </a:prstGeom>
-          <a:ln w="12600">
-            <a:solidFill>
-              <a:srgbClr val="000000"/>
-            </a:solidFill>
-            <a:round/>
-            <a:headEnd len="med" type="triangle" w="med"/>
-          </a:ln>
-        </p:spPr>
-        <p:style>
-          <a:lnRef idx="0"/>
-          <a:fillRef idx="0"/>
-          <a:effectRef idx="0"/>
-          <a:fontRef idx="minor"/>
-        </p:style>
-        <p:txBody>
-          <a:bodyPr lIns="96120" rIns="96120" tIns="51120" bIns="51120" anchorCtr="1">
-            <a:spAutoFit/>
-          </a:bodyPr>
-          <a:p>
-            <a:pPr algn="ctr">
-              <a:lnSpc>
-                <a:spcPts val="283"/>
-              </a:lnSpc>
-            </a:pPr>
-            <a:r>
-              <a:rPr b="0" lang="de-DE" sz="500" spc="-1" strike="noStrike">
-                <a:solidFill>
-                  <a:srgbClr val="000000"/>
-                </a:solidFill>
-                <a:latin typeface="Arial"/>
-                <a:ea typeface="DejaVu Sans"/>
-              </a:rPr>
-              <a:t>TL_TO_DATA</a:t>
-            </a:r>
-            <a:endParaRPr b="0" lang="de-DE" sz="500" spc="-1" strike="noStrike">
-              <a:latin typeface="Arial"/>
-            </a:endParaRPr>
-          </a:p>
-        </p:txBody>
-      </p:sp>
-      <p:sp>
-        <p:nvSpPr>
-          <p:cNvPr id="99" name="Line 64"/>
-          <p:cNvSpPr/>
-          <p:nvPr/>
-        </p:nvSpPr>
-        <p:spPr>
-          <a:xfrm>
-            <a:off x="4974840" y="5580360"/>
-            <a:ext cx="1728000" cy="0"/>
-          </a:xfrm>
-          <a:prstGeom prst="line">
-            <a:avLst/>
-          </a:prstGeom>
-          <a:ln w="12600">
-            <a:solidFill>
-              <a:srgbClr val="000000"/>
-            </a:solidFill>
-            <a:round/>
-            <a:tailEnd len="med" type="triangle" w="med"/>
-          </a:ln>
-        </p:spPr>
-        <p:style>
-          <a:lnRef idx="0"/>
-          <a:fillRef idx="0"/>
-          <a:effectRef idx="0"/>
-          <a:fontRef idx="minor"/>
-        </p:style>
-        <p:txBody>
-          <a:bodyPr lIns="96120" rIns="96120" tIns="51120" bIns="51120" anchorCtr="1">
-            <a:spAutoFit/>
-          </a:bodyPr>
-          <a:p>
-            <a:pPr algn="ctr">
-              <a:lnSpc>
-                <a:spcPts val="283"/>
-              </a:lnSpc>
-            </a:pPr>
-            <a:r>
-              <a:rPr b="0" lang="de-DE" sz="500" spc="-1" strike="noStrike">
-                <a:solidFill>
-                  <a:srgbClr val="000000"/>
-                </a:solidFill>
-                <a:latin typeface="Arial"/>
-                <a:ea typeface="DejaVu Sans"/>
-              </a:rPr>
-              <a:t>DATA_TO_TL</a:t>
-            </a:r>
-            <a:endParaRPr b="0" lang="de-DE" sz="500" spc="-1" strike="noStrike">
-              <a:latin typeface="Arial"/>
-            </a:endParaRPr>
-          </a:p>
-        </p:txBody>
-      </p:sp>
-      <p:sp>
-        <p:nvSpPr>
-          <p:cNvPr id="100" name="Line 65"/>
-          <p:cNvSpPr/>
-          <p:nvPr/>
-        </p:nvSpPr>
-        <p:spPr>
-          <a:xfrm>
-            <a:off x="8646840" y="4500360"/>
-            <a:ext cx="1224000" cy="0"/>
-          </a:xfrm>
-          <a:prstGeom prst="line">
-            <a:avLst/>
-          </a:prstGeom>
-          <a:ln w="12600">
-            <a:solidFill>
-              <a:srgbClr val="000000"/>
-            </a:solidFill>
-            <a:round/>
-            <a:tailEnd len="med" type="triangle" w="med"/>
-          </a:ln>
-        </p:spPr>
-        <p:style>
-          <a:lnRef idx="0"/>
-          <a:fillRef idx="0"/>
-          <a:effectRef idx="0"/>
-          <a:fontRef idx="minor"/>
-        </p:style>
-        <p:txBody>
-          <a:bodyPr lIns="96120" rIns="96120" tIns="51120" bIns="51120" anchorCtr="1">
-            <a:spAutoFit/>
-          </a:bodyPr>
-          <a:p>
-            <a:pPr algn="ctr">
-              <a:lnSpc>
-                <a:spcPts val="283"/>
-              </a:lnSpc>
-            </a:pPr>
-            <a:r>
-              <a:rPr b="0" lang="de-DE" sz="500" spc="-1" strike="noStrike">
-                <a:solidFill>
-                  <a:srgbClr val="000000"/>
-                </a:solidFill>
-                <a:latin typeface="Arial"/>
-                <a:ea typeface="DejaVu Sans"/>
-              </a:rPr>
-              <a:t>HL_TO_ADDR</a:t>
-            </a:r>
-            <a:endParaRPr b="0" lang="de-DE" sz="500" spc="-1" strike="noStrike">
-              <a:latin typeface="Arial"/>
-            </a:endParaRPr>
-          </a:p>
-        </p:txBody>
-      </p:sp>
-      <p:sp>
-        <p:nvSpPr>
-          <p:cNvPr id="101" name="Line 66"/>
-          <p:cNvSpPr/>
-          <p:nvPr/>
-        </p:nvSpPr>
-        <p:spPr>
-          <a:xfrm>
-            <a:off x="8646840" y="4140360"/>
-            <a:ext cx="1224000" cy="0"/>
-          </a:xfrm>
-          <a:prstGeom prst="line">
-            <a:avLst/>
-          </a:prstGeom>
-          <a:ln w="12600">
-            <a:solidFill>
-              <a:srgbClr val="000000"/>
-            </a:solidFill>
-            <a:round/>
-            <a:headEnd len="med" type="triangle" w="med"/>
-          </a:ln>
-        </p:spPr>
-        <p:style>
-          <a:lnRef idx="0"/>
-          <a:fillRef idx="0"/>
-          <a:effectRef idx="0"/>
-          <a:fontRef idx="minor"/>
-        </p:style>
-        <p:txBody>
-          <a:bodyPr lIns="96120" rIns="96120" tIns="51120" bIns="51120" anchorCtr="1">
-            <a:spAutoFit/>
-          </a:bodyPr>
-          <a:p>
-            <a:pPr algn="ctr">
-              <a:lnSpc>
-                <a:spcPts val="283"/>
-              </a:lnSpc>
-            </a:pPr>
-            <a:r>
-              <a:rPr b="0" lang="de-DE" sz="500" spc="-1" strike="noStrike">
-                <a:solidFill>
-                  <a:srgbClr val="000000"/>
-                </a:solidFill>
-                <a:latin typeface="Arial"/>
-                <a:ea typeface="DejaVu Sans"/>
-              </a:rPr>
-              <a:t>ADDR_TO_HL</a:t>
-            </a:r>
-            <a:endParaRPr b="0" lang="de-DE" sz="500" spc="-1" strike="noStrike">
-              <a:latin typeface="Arial"/>
-            </a:endParaRPr>
-          </a:p>
-        </p:txBody>
-      </p:sp>
-      <p:sp>
-        <p:nvSpPr>
-          <p:cNvPr id="102" name="Line 67"/>
-          <p:cNvSpPr/>
-          <p:nvPr/>
-        </p:nvSpPr>
-        <p:spPr>
-          <a:xfrm>
-            <a:off x="8646840" y="5436360"/>
-            <a:ext cx="1224000" cy="0"/>
-          </a:xfrm>
-          <a:prstGeom prst="line">
-            <a:avLst/>
-          </a:prstGeom>
-          <a:ln w="12600">
-            <a:solidFill>
-              <a:srgbClr val="000000"/>
-            </a:solidFill>
-            <a:round/>
-            <a:tailEnd len="med" type="triangle" w="med"/>
-          </a:ln>
-        </p:spPr>
-        <p:style>
-          <a:lnRef idx="0"/>
-          <a:fillRef idx="0"/>
-          <a:effectRef idx="0"/>
-          <a:fontRef idx="minor"/>
-        </p:style>
-        <p:txBody>
-          <a:bodyPr lIns="96120" rIns="96120" tIns="51120" bIns="51120" anchorCtr="1">
-            <a:spAutoFit/>
-          </a:bodyPr>
-          <a:p>
-            <a:pPr algn="ctr">
-              <a:lnSpc>
-                <a:spcPts val="283"/>
-              </a:lnSpc>
-            </a:pPr>
-            <a:r>
-              <a:rPr b="0" lang="de-DE" sz="500" spc="-1" strike="noStrike">
-                <a:solidFill>
-                  <a:srgbClr val="000000"/>
-                </a:solidFill>
-                <a:latin typeface="Arial"/>
-                <a:ea typeface="DejaVu Sans"/>
-              </a:rPr>
-              <a:t>T_TO_ADDR</a:t>
-            </a:r>
-            <a:endParaRPr b="0" lang="de-DE" sz="500" spc="-1" strike="noStrike">
-              <a:latin typeface="Arial"/>
-            </a:endParaRPr>
-          </a:p>
-        </p:txBody>
-      </p:sp>
-      <p:sp>
-        <p:nvSpPr>
-          <p:cNvPr id="103" name="CustomShape 68"/>
+          <p:cNvPr id="89" name="CustomShape 54"/>
           <p:cNvSpPr/>
           <p:nvPr/>
         </p:nvSpPr>
         <p:spPr>
           <a:xfrm>
             <a:off x="1518840" y="324360"/>
-            <a:ext cx="1437120" cy="429120"/>
+            <a:ext cx="1436760" cy="428760"/>
           </a:xfrm>
           <a:prstGeom prst="rect">
             <a:avLst/>
@@ -4987,7 +4231,7 @@
       </p:sp>
       <p:sp>
         <p:nvSpPr>
-          <p:cNvPr id="104" name="Line 69"/>
+          <p:cNvPr id="90" name="Line 55"/>
           <p:cNvSpPr/>
           <p:nvPr/>
         </p:nvSpPr>
@@ -5016,7 +4260,7 @@
       </p:sp>
       <p:sp>
         <p:nvSpPr>
-          <p:cNvPr id="105" name="Line 70"/>
+          <p:cNvPr id="91" name="Line 56"/>
           <p:cNvSpPr/>
           <p:nvPr/>
         </p:nvSpPr>
@@ -5044,7 +4288,7 @@
       </p:sp>
       <p:sp>
         <p:nvSpPr>
-          <p:cNvPr id="106" name="Line 71"/>
+          <p:cNvPr id="92" name="Line 57"/>
           <p:cNvSpPr/>
           <p:nvPr/>
         </p:nvSpPr>
@@ -5073,14 +4317,14 @@
       </p:sp>
       <p:sp>
         <p:nvSpPr>
-          <p:cNvPr id="107" name="CustomShape 72"/>
+          <p:cNvPr id="93" name="CustomShape 58"/>
           <p:cNvSpPr/>
           <p:nvPr/>
         </p:nvSpPr>
         <p:spPr>
           <a:xfrm>
             <a:off x="4566960" y="324000"/>
-            <a:ext cx="528840" cy="302760"/>
+            <a:ext cx="528480" cy="302760"/>
           </a:xfrm>
           <a:prstGeom prst="rect">
             <a:avLst/>
@@ -5144,14 +4388,14 @@
       </p:sp>
       <p:sp>
         <p:nvSpPr>
-          <p:cNvPr id="108" name="CustomShape 73"/>
+          <p:cNvPr id="94" name="CustomShape 59"/>
           <p:cNvSpPr/>
           <p:nvPr/>
         </p:nvSpPr>
         <p:spPr>
           <a:xfrm>
             <a:off x="9670680" y="324360"/>
-            <a:ext cx="697320" cy="302760"/>
+            <a:ext cx="696960" cy="302760"/>
           </a:xfrm>
           <a:prstGeom prst="rect">
             <a:avLst/>
@@ -5215,14 +4459,14 @@
       </p:sp>
       <p:sp>
         <p:nvSpPr>
-          <p:cNvPr id="109" name="CustomShape 74"/>
+          <p:cNvPr id="95" name="CustomShape 60"/>
           <p:cNvSpPr/>
           <p:nvPr/>
         </p:nvSpPr>
         <p:spPr>
           <a:xfrm>
             <a:off x="3287520" y="2412360"/>
-            <a:ext cx="1154160" cy="546120"/>
+            <a:ext cx="1153800" cy="546120"/>
           </a:xfrm>
           <a:prstGeom prst="rect">
             <a:avLst/>
@@ -5286,14 +4530,14 @@
       </p:sp>
       <p:sp>
         <p:nvSpPr>
-          <p:cNvPr id="110" name="CustomShape 75"/>
+          <p:cNvPr id="96" name="CustomShape 61"/>
           <p:cNvSpPr/>
           <p:nvPr/>
         </p:nvSpPr>
         <p:spPr>
           <a:xfrm>
             <a:off x="8692560" y="3420000"/>
-            <a:ext cx="933120" cy="317880"/>
+            <a:ext cx="932760" cy="317880"/>
           </a:xfrm>
           <a:prstGeom prst="rect">
             <a:avLst/>
@@ -5337,14 +4581,14 @@
       </p:sp>
       <p:sp>
         <p:nvSpPr>
-          <p:cNvPr id="111" name="CustomShape 76"/>
+          <p:cNvPr id="97" name="CustomShape 62"/>
           <p:cNvSpPr/>
           <p:nvPr/>
         </p:nvSpPr>
         <p:spPr>
           <a:xfrm>
             <a:off x="1471680" y="1116360"/>
-            <a:ext cx="399600" cy="241560"/>
+            <a:ext cx="399240" cy="241560"/>
           </a:xfrm>
           <a:prstGeom prst="rect">
             <a:avLst/>
@@ -5408,14 +4652,14 @@
       </p:sp>
       <p:sp>
         <p:nvSpPr>
-          <p:cNvPr id="112" name="CustomShape 77"/>
+          <p:cNvPr id="98" name="CustomShape 63"/>
           <p:cNvSpPr/>
           <p:nvPr/>
         </p:nvSpPr>
         <p:spPr>
           <a:xfrm>
             <a:off x="6655680" y="1116360"/>
-            <a:ext cx="450000" cy="317520"/>
+            <a:ext cx="449640" cy="317520"/>
           </a:xfrm>
           <a:prstGeom prst="rect">
             <a:avLst/>
@@ -5499,14 +4743,14 @@
       </p:sp>
       <p:sp>
         <p:nvSpPr>
-          <p:cNvPr id="113" name="CustomShape 78"/>
+          <p:cNvPr id="99" name="CustomShape 64"/>
           <p:cNvSpPr/>
           <p:nvPr/>
         </p:nvSpPr>
         <p:spPr>
           <a:xfrm>
             <a:off x="8167680" y="4644360"/>
-            <a:ext cx="306000" cy="165600"/>
+            <a:ext cx="305640" cy="165600"/>
           </a:xfrm>
           <a:prstGeom prst="rect">
             <a:avLst/>
@@ -5550,14 +4794,14 @@
       </p:sp>
       <p:sp>
         <p:nvSpPr>
-          <p:cNvPr id="114" name="CustomShape 79"/>
+          <p:cNvPr id="100" name="CustomShape 65"/>
           <p:cNvSpPr/>
           <p:nvPr/>
         </p:nvSpPr>
         <p:spPr>
           <a:xfrm>
             <a:off x="8167680" y="5796360"/>
-            <a:ext cx="306000" cy="165600"/>
+            <a:ext cx="305640" cy="165600"/>
           </a:xfrm>
           <a:prstGeom prst="rect">
             <a:avLst/>
@@ -5601,14 +4845,14 @@
       </p:sp>
       <p:sp>
         <p:nvSpPr>
-          <p:cNvPr id="115" name="CustomShape 80"/>
+          <p:cNvPr id="101" name="CustomShape 66"/>
           <p:cNvSpPr/>
           <p:nvPr/>
         </p:nvSpPr>
         <p:spPr>
           <a:xfrm>
             <a:off x="1471680" y="6372360"/>
-            <a:ext cx="306000" cy="165600"/>
+            <a:ext cx="305640" cy="165600"/>
           </a:xfrm>
           <a:prstGeom prst="rect">
             <a:avLst/>
@@ -5652,14 +4896,14 @@
       </p:sp>
       <p:sp>
         <p:nvSpPr>
-          <p:cNvPr id="116" name="CustomShape 81"/>
+          <p:cNvPr id="102" name="CustomShape 67"/>
           <p:cNvSpPr/>
           <p:nvPr/>
         </p:nvSpPr>
         <p:spPr>
           <a:xfrm>
             <a:off x="1471680" y="5724360"/>
-            <a:ext cx="306000" cy="165600"/>
+            <a:ext cx="305640" cy="165600"/>
           </a:xfrm>
           <a:prstGeom prst="rect">
             <a:avLst/>
@@ -5703,14 +4947,14 @@
       </p:sp>
       <p:sp>
         <p:nvSpPr>
-          <p:cNvPr id="117" name="CustomShape 82"/>
+          <p:cNvPr id="103" name="CustomShape 68"/>
           <p:cNvSpPr/>
           <p:nvPr/>
         </p:nvSpPr>
         <p:spPr>
           <a:xfrm>
             <a:off x="1471680" y="5076360"/>
-            <a:ext cx="306000" cy="165600"/>
+            <a:ext cx="305640" cy="165600"/>
           </a:xfrm>
           <a:prstGeom prst="rect">
             <a:avLst/>
@@ -5754,14 +4998,14 @@
       </p:sp>
       <p:sp>
         <p:nvSpPr>
-          <p:cNvPr id="118" name="CustomShape 83"/>
+          <p:cNvPr id="104" name="CustomShape 69"/>
           <p:cNvSpPr/>
           <p:nvPr/>
         </p:nvSpPr>
         <p:spPr>
           <a:xfrm>
             <a:off x="463680" y="3780360"/>
-            <a:ext cx="399960" cy="241920"/>
+            <a:ext cx="399600" cy="241560"/>
           </a:xfrm>
           <a:prstGeom prst="rect">
             <a:avLst/>
@@ -5825,14 +5069,14 @@
       </p:sp>
       <p:sp>
         <p:nvSpPr>
-          <p:cNvPr id="119" name="CustomShape 84"/>
+          <p:cNvPr id="105" name="CustomShape 70"/>
           <p:cNvSpPr/>
           <p:nvPr/>
         </p:nvSpPr>
         <p:spPr>
           <a:xfrm>
             <a:off x="1471680" y="1836360"/>
-            <a:ext cx="306000" cy="165600"/>
+            <a:ext cx="305640" cy="165600"/>
           </a:xfrm>
           <a:prstGeom prst="rect">
             <a:avLst/>
@@ -5876,14 +5120,14 @@
       </p:sp>
       <p:sp>
         <p:nvSpPr>
-          <p:cNvPr id="120" name="CustomShape 85"/>
+          <p:cNvPr id="106" name="CustomShape 71"/>
           <p:cNvSpPr/>
           <p:nvPr/>
         </p:nvSpPr>
         <p:spPr>
           <a:xfrm>
             <a:off x="1471680" y="2844360"/>
-            <a:ext cx="306000" cy="165600"/>
+            <a:ext cx="305640" cy="165600"/>
           </a:xfrm>
           <a:prstGeom prst="rect">
             <a:avLst/>
@@ -5927,14 +5171,14 @@
       </p:sp>
       <p:sp>
         <p:nvSpPr>
-          <p:cNvPr id="121" name="CustomShape 86"/>
+          <p:cNvPr id="107" name="CustomShape 72"/>
           <p:cNvSpPr/>
           <p:nvPr/>
         </p:nvSpPr>
         <p:spPr>
           <a:xfrm>
             <a:off x="1471680" y="4428360"/>
-            <a:ext cx="306000" cy="165600"/>
+            <a:ext cx="305640" cy="165600"/>
           </a:xfrm>
           <a:prstGeom prst="rect">
             <a:avLst/>
@@ -5978,14 +5222,14 @@
       </p:sp>
       <p:sp>
         <p:nvSpPr>
-          <p:cNvPr id="122" name="CustomShape 87"/>
+          <p:cNvPr id="108" name="CustomShape 73"/>
           <p:cNvSpPr/>
           <p:nvPr/>
         </p:nvSpPr>
         <p:spPr>
           <a:xfrm>
             <a:off x="6655680" y="1980360"/>
-            <a:ext cx="594000" cy="241560"/>
+            <a:ext cx="593640" cy="241560"/>
           </a:xfrm>
           <a:prstGeom prst="rect">
             <a:avLst/>
@@ -6049,14 +5293,14 @@
       </p:sp>
       <p:sp>
         <p:nvSpPr>
-          <p:cNvPr id="123" name="CustomShape 88"/>
+          <p:cNvPr id="109" name="CustomShape 74"/>
           <p:cNvSpPr/>
           <p:nvPr/>
         </p:nvSpPr>
         <p:spPr>
           <a:xfrm>
             <a:off x="6655680" y="3474360"/>
-            <a:ext cx="306000" cy="165600"/>
+            <a:ext cx="305640" cy="165600"/>
           </a:xfrm>
           <a:prstGeom prst="rect">
             <a:avLst/>
@@ -6100,14 +5344,14 @@
       </p:sp>
       <p:sp>
         <p:nvSpPr>
-          <p:cNvPr id="124" name="CustomShape 89"/>
+          <p:cNvPr id="110" name="CustomShape 75"/>
           <p:cNvSpPr/>
           <p:nvPr/>
         </p:nvSpPr>
         <p:spPr>
           <a:xfrm>
             <a:off x="1471680" y="3852360"/>
-            <a:ext cx="450000" cy="165600"/>
+            <a:ext cx="449640" cy="165600"/>
           </a:xfrm>
           <a:prstGeom prst="rect">
             <a:avLst/>
@@ -6151,7 +5395,7 @@
       </p:sp>
       <p:sp>
         <p:nvSpPr>
-          <p:cNvPr id="125" name="Line 90"/>
+          <p:cNvPr id="111" name="Line 76"/>
           <p:cNvSpPr/>
           <p:nvPr/>
         </p:nvSpPr>
@@ -6179,14 +5423,14 @@
       </p:sp>
       <p:sp>
         <p:nvSpPr>
-          <p:cNvPr id="126" name="CustomShape 91"/>
+          <p:cNvPr id="112" name="CustomShape 77"/>
           <p:cNvSpPr/>
           <p:nvPr/>
         </p:nvSpPr>
         <p:spPr>
           <a:xfrm>
             <a:off x="6702840" y="6138720"/>
-            <a:ext cx="1437120" cy="573120"/>
+            <a:ext cx="1436760" cy="572760"/>
           </a:xfrm>
           <a:prstGeom prst="rect">
             <a:avLst/>
@@ -6254,13 +5498,67 @@
       </p:sp>
       <p:sp>
         <p:nvSpPr>
-          <p:cNvPr id="127" name="Line 92"/>
-          <p:cNvSpPr/>
-          <p:nvPr/>
-        </p:nvSpPr>
-        <p:spPr>
-          <a:xfrm>
-            <a:off x="4974840" y="6642720"/>
+          <p:cNvPr id="113" name="Line 78"/>
+          <p:cNvSpPr/>
+          <p:nvPr/>
+        </p:nvSpPr>
+        <p:spPr>
+          <a:xfrm>
+            <a:off x="8142840" y="6570720"/>
+            <a:ext cx="1728000" cy="0"/>
+          </a:xfrm>
+          <a:prstGeom prst="line">
+            <a:avLst/>
+          </a:prstGeom>
+          <a:ln w="12600">
+            <a:solidFill>
+              <a:srgbClr val="000000"/>
+            </a:solidFill>
+            <a:round/>
+            <a:tailEnd len="med" type="triangle" w="med"/>
+          </a:ln>
+        </p:spPr>
+        <p:style>
+          <a:lnRef idx="0"/>
+          <a:fillRef idx="0"/>
+          <a:effectRef idx="0"/>
+          <a:fontRef idx="minor"/>
+        </p:style>
+        <p:txBody>
+          <a:bodyPr lIns="96120" rIns="96120" tIns="51120" bIns="51120" anchorCtr="1">
+            <a:spAutoFit/>
+          </a:bodyPr>
+          <a:p>
+            <a:pPr algn="ctr">
+              <a:lnSpc>
+                <a:spcPts val="283"/>
+              </a:lnSpc>
+            </a:pPr>
+            <a:r>
+              <a:rPr b="0" lang="de-DE" sz="500" spc="-1" strike="noStrike">
+                <a:solidFill>
+                  <a:srgbClr val="000000"/>
+                </a:solidFill>
+                <a:latin typeface="Arial"/>
+                <a:ea typeface="DejaVu Sans"/>
+              </a:rPr>
+              <a:t>SP_TO_ADDR</a:t>
+            </a:r>
+            <a:endParaRPr b="0" lang="de-DE" sz="500" spc="-1" strike="noStrike">
+              <a:latin typeface="Arial"/>
+            </a:endParaRPr>
+          </a:p>
+        </p:txBody>
+      </p:sp>
+      <p:sp>
+        <p:nvSpPr>
+          <p:cNvPr id="114" name="Line 79"/>
+          <p:cNvSpPr/>
+          <p:nvPr/>
+        </p:nvSpPr>
+        <p:spPr>
+          <a:xfrm>
+            <a:off x="8142840" y="6282720"/>
             <a:ext cx="1728000" cy="0"/>
           </a:xfrm>
           <a:prstGeom prst="line">
@@ -6298,7 +5596,7 @@
                 <a:latin typeface="Arial"/>
                 <a:ea typeface="DejaVu Sans"/>
               </a:rPr>
-              <a:t>SP_LO_TO_DATA</a:t>
+              <a:t>ADDR_TO_SP</a:t>
             </a:r>
             <a:endParaRPr b="0" lang="de-DE" sz="500" spc="-1" strike="noStrike">
               <a:latin typeface="Arial"/>
@@ -6308,284 +5606,14 @@
       </p:sp>
       <p:sp>
         <p:nvSpPr>
-          <p:cNvPr id="128" name="Line 93"/>
-          <p:cNvSpPr/>
-          <p:nvPr/>
-        </p:nvSpPr>
-        <p:spPr>
-          <a:xfrm>
-            <a:off x="4974840" y="6210720"/>
-            <a:ext cx="1728000" cy="0"/>
-          </a:xfrm>
-          <a:prstGeom prst="line">
-            <a:avLst/>
-          </a:prstGeom>
-          <a:ln w="12600">
-            <a:solidFill>
-              <a:srgbClr val="000000"/>
-            </a:solidFill>
-            <a:round/>
-            <a:tailEnd len="med" type="triangle" w="med"/>
-          </a:ln>
-        </p:spPr>
-        <p:style>
-          <a:lnRef idx="0"/>
-          <a:fillRef idx="0"/>
-          <a:effectRef idx="0"/>
-          <a:fontRef idx="minor"/>
-        </p:style>
-        <p:txBody>
-          <a:bodyPr lIns="96120" rIns="96120" tIns="51120" bIns="51120" anchorCtr="1">
-            <a:spAutoFit/>
-          </a:bodyPr>
-          <a:p>
-            <a:pPr algn="ctr">
-              <a:lnSpc>
-                <a:spcPts val="283"/>
-              </a:lnSpc>
-            </a:pPr>
-            <a:r>
-              <a:rPr b="0" lang="de-DE" sz="500" spc="-1" strike="noStrike">
-                <a:solidFill>
-                  <a:srgbClr val="000000"/>
-                </a:solidFill>
-                <a:latin typeface="Arial"/>
-                <a:ea typeface="DejaVu Sans"/>
-              </a:rPr>
-              <a:t>DATA_TO_SP_HI</a:t>
-            </a:r>
-            <a:endParaRPr b="0" lang="de-DE" sz="500" spc="-1" strike="noStrike">
-              <a:latin typeface="Arial"/>
-            </a:endParaRPr>
-          </a:p>
-        </p:txBody>
-      </p:sp>
-      <p:sp>
-        <p:nvSpPr>
-          <p:cNvPr id="129" name="Line 94"/>
-          <p:cNvSpPr/>
-          <p:nvPr/>
-        </p:nvSpPr>
-        <p:spPr>
-          <a:xfrm>
-            <a:off x="8142840" y="6570720"/>
-            <a:ext cx="1728000" cy="0"/>
-          </a:xfrm>
-          <a:prstGeom prst="line">
-            <a:avLst/>
-          </a:prstGeom>
-          <a:ln w="12600">
-            <a:solidFill>
-              <a:srgbClr val="000000"/>
-            </a:solidFill>
-            <a:round/>
-            <a:tailEnd len="med" type="triangle" w="med"/>
-          </a:ln>
-        </p:spPr>
-        <p:style>
-          <a:lnRef idx="0"/>
-          <a:fillRef idx="0"/>
-          <a:effectRef idx="0"/>
-          <a:fontRef idx="minor"/>
-        </p:style>
-        <p:txBody>
-          <a:bodyPr lIns="96120" rIns="96120" tIns="51120" bIns="51120" anchorCtr="1">
-            <a:spAutoFit/>
-          </a:bodyPr>
-          <a:p>
-            <a:pPr algn="ctr">
-              <a:lnSpc>
-                <a:spcPts val="283"/>
-              </a:lnSpc>
-            </a:pPr>
-            <a:r>
-              <a:rPr b="0" lang="de-DE" sz="500" spc="-1" strike="noStrike">
-                <a:solidFill>
-                  <a:srgbClr val="000000"/>
-                </a:solidFill>
-                <a:latin typeface="Arial"/>
-                <a:ea typeface="DejaVu Sans"/>
-              </a:rPr>
-              <a:t>SP_TO_ADDR</a:t>
-            </a:r>
-            <a:endParaRPr b="0" lang="de-DE" sz="500" spc="-1" strike="noStrike">
-              <a:latin typeface="Arial"/>
-            </a:endParaRPr>
-          </a:p>
-        </p:txBody>
-      </p:sp>
-      <p:sp>
-        <p:nvSpPr>
-          <p:cNvPr id="130" name="Line 95"/>
-          <p:cNvSpPr/>
-          <p:nvPr/>
-        </p:nvSpPr>
-        <p:spPr>
-          <a:xfrm>
-            <a:off x="8142840" y="6282720"/>
-            <a:ext cx="1728000" cy="0"/>
-          </a:xfrm>
-          <a:prstGeom prst="line">
-            <a:avLst/>
-          </a:prstGeom>
-          <a:ln w="12600">
-            <a:solidFill>
-              <a:srgbClr val="000000"/>
-            </a:solidFill>
-            <a:round/>
-            <a:headEnd len="med" type="triangle" w="med"/>
-          </a:ln>
-        </p:spPr>
-        <p:style>
-          <a:lnRef idx="0"/>
-          <a:fillRef idx="0"/>
-          <a:effectRef idx="0"/>
-          <a:fontRef idx="minor"/>
-        </p:style>
-        <p:txBody>
-          <a:bodyPr lIns="96120" rIns="96120" tIns="51120" bIns="51120" anchorCtr="1">
-            <a:spAutoFit/>
-          </a:bodyPr>
-          <a:p>
-            <a:pPr algn="ctr">
-              <a:lnSpc>
-                <a:spcPts val="283"/>
-              </a:lnSpc>
-            </a:pPr>
-            <a:r>
-              <a:rPr b="0" lang="de-DE" sz="500" spc="-1" strike="noStrike">
-                <a:solidFill>
-                  <a:srgbClr val="000000"/>
-                </a:solidFill>
-                <a:latin typeface="Arial"/>
-                <a:ea typeface="DejaVu Sans"/>
-              </a:rPr>
-              <a:t>ADDR_TO_SP</a:t>
-            </a:r>
-            <a:endParaRPr b="0" lang="de-DE" sz="500" spc="-1" strike="noStrike">
-              <a:latin typeface="Arial"/>
-            </a:endParaRPr>
-          </a:p>
-        </p:txBody>
-      </p:sp>
-      <p:sp>
-        <p:nvSpPr>
-          <p:cNvPr id="131" name="Line 96"/>
-          <p:cNvSpPr/>
-          <p:nvPr/>
-        </p:nvSpPr>
-        <p:spPr>
-          <a:xfrm>
-            <a:off x="4974840" y="6498720"/>
-            <a:ext cx="1728000" cy="0"/>
-          </a:xfrm>
-          <a:prstGeom prst="line">
-            <a:avLst/>
-          </a:prstGeom>
-          <a:ln w="12600">
-            <a:solidFill>
-              <a:srgbClr val="000000"/>
-            </a:solidFill>
-            <a:round/>
-            <a:tailEnd len="med" type="triangle" w="med"/>
-          </a:ln>
-        </p:spPr>
-        <p:style>
-          <a:lnRef idx="0"/>
-          <a:fillRef idx="0"/>
-          <a:effectRef idx="0"/>
-          <a:fontRef idx="minor"/>
-        </p:style>
-        <p:txBody>
-          <a:bodyPr lIns="96120" rIns="96120" tIns="51120" bIns="51120" anchorCtr="1">
-            <a:spAutoFit/>
-          </a:bodyPr>
-          <a:p>
-            <a:pPr algn="ctr">
-              <a:lnSpc>
-                <a:spcPts val="283"/>
-              </a:lnSpc>
-            </a:pPr>
-            <a:r>
-              <a:rPr b="0" lang="de-DE" sz="500" spc="-1" strike="noStrike">
-                <a:solidFill>
-                  <a:srgbClr val="000000"/>
-                </a:solidFill>
-                <a:latin typeface="Arial"/>
-                <a:ea typeface="DejaVu Sans"/>
-              </a:rPr>
-              <a:t>DATA_TO_SP_LO</a:t>
-            </a:r>
-            <a:endParaRPr b="0" lang="de-DE" sz="500" spc="-1" strike="noStrike">
-              <a:latin typeface="Arial"/>
-            </a:endParaRPr>
-          </a:p>
-        </p:txBody>
-      </p:sp>
-      <p:sp>
-        <p:nvSpPr>
-          <p:cNvPr id="132" name="Line 97"/>
-          <p:cNvSpPr/>
-          <p:nvPr/>
-        </p:nvSpPr>
-        <p:spPr>
-          <a:xfrm>
-            <a:off x="4974840" y="6354720"/>
-            <a:ext cx="1728000" cy="0"/>
-          </a:xfrm>
-          <a:prstGeom prst="line">
-            <a:avLst/>
-          </a:prstGeom>
-          <a:ln w="12600">
-            <a:solidFill>
-              <a:srgbClr val="000000"/>
-            </a:solidFill>
-            <a:round/>
-            <a:headEnd len="med" type="triangle" w="med"/>
-          </a:ln>
-        </p:spPr>
-        <p:style>
-          <a:lnRef idx="0"/>
-          <a:fillRef idx="0"/>
-          <a:effectRef idx="0"/>
-          <a:fontRef idx="minor"/>
-        </p:style>
-        <p:txBody>
-          <a:bodyPr lIns="96120" rIns="96120" tIns="51120" bIns="51120" anchorCtr="1">
-            <a:spAutoFit/>
-          </a:bodyPr>
-          <a:p>
-            <a:pPr algn="ctr">
-              <a:lnSpc>
-                <a:spcPts val="283"/>
-              </a:lnSpc>
-            </a:pPr>
-            <a:r>
-              <a:rPr b="0" lang="de-DE" sz="500" spc="-1" strike="noStrike">
-                <a:solidFill>
-                  <a:srgbClr val="000000"/>
-                </a:solidFill>
-                <a:latin typeface="Arial"/>
-                <a:ea typeface="DejaVu Sans"/>
-              </a:rPr>
-              <a:t>SP_HI_TO_DATA</a:t>
-            </a:r>
-            <a:endParaRPr b="0" lang="de-DE" sz="500" spc="-1" strike="noStrike">
-              <a:latin typeface="Arial"/>
-            </a:endParaRPr>
-          </a:p>
-        </p:txBody>
-      </p:sp>
-      <p:sp>
-        <p:nvSpPr>
-          <p:cNvPr id="133" name="CustomShape 98"/>
+          <p:cNvPr id="115" name="CustomShape 80"/>
           <p:cNvSpPr/>
           <p:nvPr/>
         </p:nvSpPr>
         <p:spPr>
           <a:xfrm>
             <a:off x="6655680" y="6347160"/>
-            <a:ext cx="450000" cy="393480"/>
+            <a:ext cx="449640" cy="393480"/>
           </a:xfrm>
           <a:prstGeom prst="rect">
             <a:avLst/>
@@ -6689,14 +5717,14 @@
       </p:sp>
       <p:sp>
         <p:nvSpPr>
-          <p:cNvPr id="134" name="CustomShape 99"/>
+          <p:cNvPr id="116" name="CustomShape 81"/>
           <p:cNvSpPr/>
           <p:nvPr/>
         </p:nvSpPr>
         <p:spPr>
           <a:xfrm>
             <a:off x="1483560" y="460440"/>
-            <a:ext cx="451080" cy="317520"/>
+            <a:ext cx="450720" cy="317520"/>
           </a:xfrm>
           <a:prstGeom prst="rect">
             <a:avLst/>
@@ -6780,7 +5808,7 @@
       </p:sp>
       <p:sp>
         <p:nvSpPr>
-          <p:cNvPr id="135" name="Line 100"/>
+          <p:cNvPr id="117" name="Line 82"/>
           <p:cNvSpPr/>
           <p:nvPr/>
         </p:nvSpPr>
@@ -6808,14 +5836,14 @@
       </p:sp>
       <p:sp>
         <p:nvSpPr>
-          <p:cNvPr id="136" name="CustomShape 101"/>
+          <p:cNvPr id="118" name="CustomShape 83"/>
           <p:cNvSpPr/>
           <p:nvPr/>
         </p:nvSpPr>
         <p:spPr>
           <a:xfrm>
             <a:off x="2791440" y="887040"/>
-            <a:ext cx="306000" cy="165600"/>
+            <a:ext cx="305640" cy="165600"/>
           </a:xfrm>
           <a:prstGeom prst="rect">
             <a:avLst/>
@@ -6859,14 +5887,14 @@
       </p:sp>
       <p:sp>
         <p:nvSpPr>
-          <p:cNvPr id="137" name="CustomShape 102"/>
+          <p:cNvPr id="119" name="CustomShape 84"/>
           <p:cNvSpPr/>
           <p:nvPr/>
         </p:nvSpPr>
         <p:spPr>
           <a:xfrm>
             <a:off x="2791440" y="1526400"/>
-            <a:ext cx="306000" cy="165600"/>
+            <a:ext cx="305640" cy="165600"/>
           </a:xfrm>
           <a:prstGeom prst="rect">
             <a:avLst/>
@@ -6910,14 +5938,14 @@
       </p:sp>
       <p:sp>
         <p:nvSpPr>
-          <p:cNvPr id="138" name="CustomShape 103"/>
+          <p:cNvPr id="120" name="CustomShape 85"/>
           <p:cNvSpPr/>
           <p:nvPr/>
         </p:nvSpPr>
         <p:spPr>
           <a:xfrm>
             <a:off x="2791440" y="2534400"/>
-            <a:ext cx="306000" cy="165600"/>
+            <a:ext cx="305640" cy="165600"/>
           </a:xfrm>
           <a:prstGeom prst="rect">
             <a:avLst/>
@@ -6961,14 +5989,14 @@
       </p:sp>
       <p:sp>
         <p:nvSpPr>
-          <p:cNvPr id="139" name="CustomShape 104"/>
+          <p:cNvPr id="121" name="CustomShape 86"/>
           <p:cNvSpPr/>
           <p:nvPr/>
         </p:nvSpPr>
         <p:spPr>
           <a:xfrm>
             <a:off x="2791440" y="4140360"/>
-            <a:ext cx="306000" cy="165600"/>
+            <a:ext cx="305640" cy="165600"/>
           </a:xfrm>
           <a:prstGeom prst="rect">
             <a:avLst/>
@@ -7012,14 +6040,14 @@
       </p:sp>
       <p:sp>
         <p:nvSpPr>
-          <p:cNvPr id="140" name="CustomShape 105"/>
+          <p:cNvPr id="122" name="CustomShape 87"/>
           <p:cNvSpPr/>
           <p:nvPr/>
         </p:nvSpPr>
         <p:spPr>
           <a:xfrm>
             <a:off x="2791440" y="4788360"/>
-            <a:ext cx="306000" cy="165600"/>
+            <a:ext cx="305640" cy="165600"/>
           </a:xfrm>
           <a:prstGeom prst="rect">
             <a:avLst/>
@@ -7063,14 +6091,14 @@
       </p:sp>
       <p:sp>
         <p:nvSpPr>
-          <p:cNvPr id="141" name="CustomShape 106"/>
+          <p:cNvPr id="123" name="CustomShape 88"/>
           <p:cNvSpPr/>
           <p:nvPr/>
         </p:nvSpPr>
         <p:spPr>
           <a:xfrm>
             <a:off x="2791440" y="5421240"/>
-            <a:ext cx="306000" cy="165600"/>
+            <a:ext cx="305640" cy="165600"/>
           </a:xfrm>
           <a:prstGeom prst="rect">
             <a:avLst/>
@@ -7114,14 +6142,14 @@
       </p:sp>
       <p:sp>
         <p:nvSpPr>
-          <p:cNvPr id="142" name="CustomShape 107"/>
+          <p:cNvPr id="124" name="CustomShape 89"/>
           <p:cNvSpPr/>
           <p:nvPr/>
         </p:nvSpPr>
         <p:spPr>
           <a:xfrm>
             <a:off x="2791440" y="6057360"/>
-            <a:ext cx="306000" cy="165600"/>
+            <a:ext cx="305640" cy="165600"/>
           </a:xfrm>
           <a:prstGeom prst="rect">
             <a:avLst/>
@@ -7165,14 +6193,14 @@
       </p:sp>
       <p:sp>
         <p:nvSpPr>
-          <p:cNvPr id="143" name="CustomShape 108"/>
+          <p:cNvPr id="125" name="CustomShape 90"/>
           <p:cNvSpPr/>
           <p:nvPr/>
         </p:nvSpPr>
         <p:spPr>
           <a:xfrm>
             <a:off x="3384000" y="3115440"/>
-            <a:ext cx="306000" cy="165600"/>
+            <a:ext cx="305640" cy="165600"/>
           </a:xfrm>
           <a:prstGeom prst="rect">
             <a:avLst/>
@@ -7216,14 +6244,14 @@
       </p:sp>
       <p:sp>
         <p:nvSpPr>
-          <p:cNvPr id="144" name="CustomShape 109"/>
+          <p:cNvPr id="126" name="CustomShape 91"/>
           <p:cNvSpPr/>
           <p:nvPr/>
         </p:nvSpPr>
         <p:spPr>
           <a:xfrm>
             <a:off x="779040" y="3108960"/>
-            <a:ext cx="306000" cy="165600"/>
+            <a:ext cx="305640" cy="165600"/>
           </a:xfrm>
           <a:prstGeom prst="rect">
             <a:avLst/>
@@ -7267,14 +6295,14 @@
       </p:sp>
       <p:sp>
         <p:nvSpPr>
-          <p:cNvPr id="145" name="CustomShape 110"/>
+          <p:cNvPr id="127" name="CustomShape 92"/>
           <p:cNvSpPr/>
           <p:nvPr/>
         </p:nvSpPr>
         <p:spPr>
           <a:xfrm>
             <a:off x="7949160" y="806400"/>
-            <a:ext cx="306000" cy="165600"/>
+            <a:ext cx="305640" cy="165600"/>
           </a:xfrm>
           <a:prstGeom prst="rect">
             <a:avLst/>
@@ -7318,14 +6346,14 @@
       </p:sp>
       <p:sp>
         <p:nvSpPr>
-          <p:cNvPr id="146" name="CustomShape 111"/>
+          <p:cNvPr id="128" name="CustomShape 93"/>
           <p:cNvSpPr/>
           <p:nvPr/>
         </p:nvSpPr>
         <p:spPr>
           <a:xfrm>
             <a:off x="7949160" y="1598400"/>
-            <a:ext cx="306000" cy="165600"/>
+            <a:ext cx="305640" cy="165600"/>
           </a:xfrm>
           <a:prstGeom prst="rect">
             <a:avLst/>
@@ -7369,14 +6397,14 @@
       </p:sp>
       <p:sp>
         <p:nvSpPr>
-          <p:cNvPr id="147" name="CustomShape 112"/>
+          <p:cNvPr id="129" name="CustomShape 94"/>
           <p:cNvSpPr/>
           <p:nvPr/>
         </p:nvSpPr>
         <p:spPr>
           <a:xfrm>
             <a:off x="8456400" y="3830400"/>
-            <a:ext cx="306000" cy="165600"/>
+            <a:ext cx="305640" cy="165600"/>
           </a:xfrm>
           <a:prstGeom prst="rect">
             <a:avLst/>
@@ -7420,14 +6448,14 @@
       </p:sp>
       <p:sp>
         <p:nvSpPr>
-          <p:cNvPr id="148" name="CustomShape 113"/>
+          <p:cNvPr id="130" name="CustomShape 95"/>
           <p:cNvSpPr/>
           <p:nvPr/>
         </p:nvSpPr>
         <p:spPr>
           <a:xfrm>
             <a:off x="8456400" y="4982400"/>
-            <a:ext cx="306000" cy="165600"/>
+            <a:ext cx="305640" cy="165600"/>
           </a:xfrm>
           <a:prstGeom prst="rect">
             <a:avLst/>
@@ -7471,14 +6499,14 @@
       </p:sp>
       <p:sp>
         <p:nvSpPr>
-          <p:cNvPr id="149" name="CustomShape 114"/>
+          <p:cNvPr id="131" name="CustomShape 96"/>
           <p:cNvSpPr/>
           <p:nvPr/>
         </p:nvSpPr>
         <p:spPr>
           <a:xfrm>
             <a:off x="7955280" y="6110640"/>
-            <a:ext cx="306000" cy="165600"/>
+            <a:ext cx="305640" cy="165600"/>
           </a:xfrm>
           <a:prstGeom prst="rect">
             <a:avLst/>
@@ -7522,14 +6550,14 @@
       </p:sp>
       <p:sp>
         <p:nvSpPr>
-          <p:cNvPr id="150" name="CustomShape 115"/>
+          <p:cNvPr id="132" name="CustomShape 97"/>
           <p:cNvSpPr/>
           <p:nvPr/>
         </p:nvSpPr>
         <p:spPr>
           <a:xfrm>
             <a:off x="7971840" y="3830400"/>
-            <a:ext cx="306000" cy="165600"/>
+            <a:ext cx="305640" cy="165600"/>
           </a:xfrm>
           <a:prstGeom prst="rect">
             <a:avLst/>
@@ -7573,14 +6601,14 @@
       </p:sp>
       <p:sp>
         <p:nvSpPr>
-          <p:cNvPr id="151" name="CustomShape 116"/>
+          <p:cNvPr id="133" name="CustomShape 98"/>
           <p:cNvSpPr/>
           <p:nvPr/>
         </p:nvSpPr>
         <p:spPr>
           <a:xfrm>
             <a:off x="7971840" y="4334400"/>
-            <a:ext cx="306000" cy="165600"/>
+            <a:ext cx="305640" cy="165600"/>
           </a:xfrm>
           <a:prstGeom prst="rect">
             <a:avLst/>
@@ -7624,14 +6652,14 @@
       </p:sp>
       <p:sp>
         <p:nvSpPr>
-          <p:cNvPr id="152" name="CustomShape 117"/>
+          <p:cNvPr id="134" name="CustomShape 99"/>
           <p:cNvSpPr/>
           <p:nvPr/>
         </p:nvSpPr>
         <p:spPr>
           <a:xfrm>
             <a:off x="7971840" y="4982400"/>
-            <a:ext cx="306000" cy="165600"/>
+            <a:ext cx="305640" cy="165600"/>
           </a:xfrm>
           <a:prstGeom prst="rect">
             <a:avLst/>
@@ -7675,14 +6703,14 @@
       </p:sp>
       <p:sp>
         <p:nvSpPr>
-          <p:cNvPr id="153" name="CustomShape 118"/>
+          <p:cNvPr id="135" name="CustomShape 100"/>
           <p:cNvSpPr/>
           <p:nvPr/>
         </p:nvSpPr>
         <p:spPr>
           <a:xfrm>
             <a:off x="7971840" y="5486400"/>
-            <a:ext cx="306000" cy="165600"/>
+            <a:ext cx="305640" cy="165600"/>
           </a:xfrm>
           <a:prstGeom prst="rect">
             <a:avLst/>
@@ -7726,14 +6754,14 @@
       </p:sp>
       <p:sp>
         <p:nvSpPr>
-          <p:cNvPr id="154" name="CustomShape 119"/>
+          <p:cNvPr id="136" name="CustomShape 101"/>
           <p:cNvSpPr/>
           <p:nvPr/>
         </p:nvSpPr>
         <p:spPr>
           <a:xfrm>
             <a:off x="6466320" y="2317320"/>
-            <a:ext cx="306000" cy="165600"/>
+            <a:ext cx="305640" cy="165600"/>
           </a:xfrm>
           <a:prstGeom prst="rect">
             <a:avLst/>
@@ -7777,14 +6805,14 @@
       </p:sp>
       <p:sp>
         <p:nvSpPr>
-          <p:cNvPr id="155" name="CustomShape 120"/>
+          <p:cNvPr id="137" name="CustomShape 102"/>
           <p:cNvSpPr/>
           <p:nvPr/>
         </p:nvSpPr>
         <p:spPr>
           <a:xfrm>
             <a:off x="3024000" y="325080"/>
-            <a:ext cx="711360" cy="429120"/>
+            <a:ext cx="711000" cy="428760"/>
           </a:xfrm>
           <a:prstGeom prst="rect">
             <a:avLst/>
@@ -7832,7 +6860,7 @@
       </p:sp>
       <p:sp>
         <p:nvSpPr>
-          <p:cNvPr id="156" name="Line 121"/>
+          <p:cNvPr id="138" name="Line 103"/>
           <p:cNvSpPr/>
           <p:nvPr/>
         </p:nvSpPr>
@@ -7860,14 +6888,14 @@
       </p:sp>
       <p:sp>
         <p:nvSpPr>
-          <p:cNvPr id="157" name="CustomShape 122"/>
+          <p:cNvPr id="139" name="CustomShape 104"/>
           <p:cNvSpPr/>
           <p:nvPr/>
         </p:nvSpPr>
         <p:spPr>
           <a:xfrm>
             <a:off x="2957760" y="612000"/>
-            <a:ext cx="450000" cy="165600"/>
+            <a:ext cx="449640" cy="165600"/>
           </a:xfrm>
           <a:prstGeom prst="rect">
             <a:avLst/>
@@ -7911,7 +6939,7 @@
       </p:sp>
       <p:graphicFrame>
         <p:nvGraphicFramePr>
-          <p:cNvPr id="158" name="Table 123"/>
+          <p:cNvPr id="140" name="Table 105"/>
           <p:cNvGraphicFramePr/>
           <p:nvPr/>
         </p:nvGraphicFramePr>
@@ -8183,14 +7211,14 @@
       </p:graphicFrame>
       <p:sp>
         <p:nvSpPr>
-          <p:cNvPr id="159" name="CustomShape 124"/>
+          <p:cNvPr id="141" name="CustomShape 106"/>
           <p:cNvSpPr/>
           <p:nvPr/>
         </p:nvSpPr>
         <p:spPr>
           <a:xfrm>
             <a:off x="402120" y="6983280"/>
-            <a:ext cx="435600" cy="196200"/>
+            <a:ext cx="435240" cy="196200"/>
           </a:xfrm>
           <a:prstGeom prst="rect">
             <a:avLst/>

--- a/doc/cpu.pptx
+++ b/doc/cpu.pptx
@@ -1647,7 +1647,7 @@
         <p:spPr>
           <a:xfrm>
             <a:off x="5812560" y="1411560"/>
-            <a:ext cx="3812760" cy="2300760"/>
+            <a:ext cx="3812400" cy="2300400"/>
           </a:xfrm>
           <a:prstGeom prst="rect">
             <a:avLst/>
@@ -1677,7 +1677,7 @@
         <p:spPr>
           <a:xfrm>
             <a:off x="412560" y="2412360"/>
-            <a:ext cx="4028760" cy="2300760"/>
+            <a:ext cx="4028400" cy="2300400"/>
           </a:xfrm>
           <a:prstGeom prst="rect">
             <a:avLst/>
@@ -1707,7 +1707,7 @@
         <p:spPr>
           <a:xfrm>
             <a:off x="6702840" y="756360"/>
-            <a:ext cx="1436760" cy="572760"/>
+            <a:ext cx="1436400" cy="572400"/>
           </a:xfrm>
           <a:prstGeom prst="rect">
             <a:avLst/>
@@ -1771,6 +1771,16 @@
               <a:latin typeface="Arial"/>
             </a:endParaRPr>
           </a:p>
+          <a:p>
+            <a:pPr algn="ctr">
+              <a:lnSpc>
+                <a:spcPct val="100000"/>
+              </a:lnSpc>
+            </a:pPr>
+            <a:endParaRPr b="0" lang="de-DE" sz="700" spc="-1" strike="noStrike">
+              <a:latin typeface="Arial"/>
+            </a:endParaRPr>
+          </a:p>
         </p:txBody>
       </p:sp>
       <p:sp>
@@ -1782,7 +1792,7 @@
         <p:spPr>
           <a:xfrm>
             <a:off x="4686840" y="612360"/>
-            <a:ext cx="284760" cy="6515640"/>
+            <a:ext cx="284400" cy="6515280"/>
           </a:xfrm>
           <a:prstGeom prst="rect">
             <a:avLst/>
@@ -1837,7 +1847,7 @@
         <p:spPr>
           <a:xfrm>
             <a:off x="9870840" y="612360"/>
-            <a:ext cx="284760" cy="6515640"/>
+            <a:ext cx="284400" cy="6515280"/>
           </a:xfrm>
           <a:prstGeom prst="rect">
             <a:avLst/>
@@ -1892,7 +1902,7 @@
         <p:spPr>
           <a:xfrm>
             <a:off x="6702840" y="1548360"/>
-            <a:ext cx="1436760" cy="572760"/>
+            <a:ext cx="1436400" cy="572400"/>
           </a:xfrm>
           <a:prstGeom prst="rect">
             <a:avLst/>
@@ -1956,6 +1966,16 @@
               <a:latin typeface="Arial"/>
             </a:endParaRPr>
           </a:p>
+          <a:p>
+            <a:pPr algn="ctr">
+              <a:lnSpc>
+                <a:spcPct val="100000"/>
+              </a:lnSpc>
+            </a:pPr>
+            <a:endParaRPr b="0" lang="de-DE" sz="700" spc="-1" strike="noStrike">
+              <a:latin typeface="Arial"/>
+            </a:endParaRPr>
+          </a:p>
         </p:txBody>
       </p:sp>
       <p:sp>
@@ -1967,7 +1987,7 @@
         <p:spPr>
           <a:xfrm>
             <a:off x="6702840" y="2268360"/>
-            <a:ext cx="1436760" cy="1292760"/>
+            <a:ext cx="1436400" cy="1292400"/>
           </a:xfrm>
           <a:prstGeom prst="rect">
             <a:avLst/>
@@ -2042,7 +2062,7 @@
         <p:spPr>
           <a:xfrm>
             <a:off x="1518840" y="900360"/>
-            <a:ext cx="1436760" cy="428760"/>
+            <a:ext cx="1436400" cy="428400"/>
           </a:xfrm>
           <a:prstGeom prst="rect">
             <a:avLst/>
@@ -2117,7 +2137,7 @@
         <p:spPr>
           <a:xfrm>
             <a:off x="1518840" y="1548360"/>
-            <a:ext cx="1436760" cy="428760"/>
+            <a:ext cx="1436400" cy="428400"/>
           </a:xfrm>
           <a:prstGeom prst="rect">
             <a:avLst/>
@@ -2172,7 +2192,7 @@
         <p:spPr>
           <a:xfrm>
             <a:off x="1518840" y="2556360"/>
-            <a:ext cx="1436760" cy="428760"/>
+            <a:ext cx="1436400" cy="428400"/>
           </a:xfrm>
           <a:prstGeom prst="rect">
             <a:avLst/>
@@ -2227,7 +2247,7 @@
         <p:spPr>
           <a:xfrm>
             <a:off x="1512360" y="3132360"/>
-            <a:ext cx="1436760" cy="860760"/>
+            <a:ext cx="1436400" cy="860400"/>
           </a:xfrm>
           <a:prstGeom prst="rect">
             <a:avLst/>
@@ -2282,7 +2302,7 @@
         <p:spPr>
           <a:xfrm>
             <a:off x="1512360" y="4140360"/>
-            <a:ext cx="1436760" cy="428760"/>
+            <a:ext cx="1436400" cy="428400"/>
           </a:xfrm>
           <a:prstGeom prst="rect">
             <a:avLst/>
@@ -2337,7 +2357,7 @@
         <p:spPr>
           <a:xfrm>
             <a:off x="1512360" y="4824360"/>
-            <a:ext cx="1436760" cy="428760"/>
+            <a:ext cx="1436400" cy="428400"/>
           </a:xfrm>
           <a:prstGeom prst="rect">
             <a:avLst/>
@@ -2392,7 +2412,7 @@
         <p:spPr>
           <a:xfrm>
             <a:off x="1512360" y="5472360"/>
-            <a:ext cx="1436760" cy="428760"/>
+            <a:ext cx="1436400" cy="428400"/>
           </a:xfrm>
           <a:prstGeom prst="rect">
             <a:avLst/>
@@ -2447,7 +2467,7 @@
         <p:spPr>
           <a:xfrm>
             <a:off x="1512360" y="6113880"/>
-            <a:ext cx="1436760" cy="435240"/>
+            <a:ext cx="1436400" cy="434880"/>
           </a:xfrm>
           <a:prstGeom prst="rect">
             <a:avLst/>
@@ -2771,8 +2791,8 @@
         </p:nvSpPr>
         <p:spPr>
           <a:xfrm rot="16200000">
-            <a:off x="2886840" y="3351600"/>
-            <a:ext cx="860760" cy="428760"/>
+            <a:off x="2886840" y="3351960"/>
+            <a:ext cx="860400" cy="428400"/>
           </a:xfrm>
           <a:prstGeom prst="rect">
             <a:avLst/>
@@ -2826,8 +2846,8 @@
         </p:nvSpPr>
         <p:spPr>
           <a:xfrm rot="16200000">
-            <a:off x="288360" y="3351600"/>
-            <a:ext cx="860760" cy="428760"/>
+            <a:off x="288360" y="3351960"/>
+            <a:ext cx="860400" cy="428400"/>
           </a:xfrm>
           <a:prstGeom prst="rect">
             <a:avLst/>
@@ -3076,8 +3096,8 @@
         </p:nvSpPr>
         <p:spPr>
           <a:xfrm rot="16200000">
-            <a:off x="5690160" y="2631600"/>
-            <a:ext cx="1292760" cy="572760"/>
+            <a:off x="5690160" y="2631960"/>
+            <a:ext cx="1292400" cy="572400"/>
           </a:xfrm>
           <a:prstGeom prst="rect">
             <a:avLst/>
@@ -3542,7 +3562,7 @@
                 <a:latin typeface="Arial"/>
                 <a:ea typeface="DejaVu Sans"/>
               </a:rPr>
-              <a:t>DATA_HI_TO_ADDR</a:t>
+              <a:t>DATA_TO_ADDR_HI</a:t>
             </a:r>
             <a:endParaRPr b="0" lang="de-DE" sz="500" spc="-1" strike="noStrike">
               <a:latin typeface="Arial"/>
@@ -3596,7 +3616,7 @@
                 <a:latin typeface="Arial"/>
                 <a:ea typeface="DejaVu Sans"/>
               </a:rPr>
-              <a:t>ADDR_TO_DATA_HI</a:t>
+              <a:t>ADDR_HI_TO_DATA</a:t>
             </a:r>
             <a:endParaRPr b="0" lang="de-DE" sz="500" spc="-1" strike="noStrike">
               <a:latin typeface="Arial"/>
@@ -3775,7 +3795,7 @@
         <p:spPr>
           <a:xfrm>
             <a:off x="1518840" y="324360"/>
-            <a:ext cx="1436760" cy="428760"/>
+            <a:ext cx="1436400" cy="428400"/>
           </a:xfrm>
           <a:prstGeom prst="rect">
             <a:avLst/>
@@ -3936,7 +3956,7 @@
         <p:spPr>
           <a:xfrm>
             <a:off x="4566960" y="324000"/>
-            <a:ext cx="528480" cy="302760"/>
+            <a:ext cx="528120" cy="302760"/>
           </a:xfrm>
           <a:prstGeom prst="rect">
             <a:avLst/>
@@ -4007,7 +4027,7 @@
         <p:spPr>
           <a:xfrm>
             <a:off x="9670680" y="324360"/>
-            <a:ext cx="696960" cy="302760"/>
+            <a:ext cx="696600" cy="302760"/>
           </a:xfrm>
           <a:prstGeom prst="rect">
             <a:avLst/>
@@ -4078,7 +4098,7 @@
         <p:spPr>
           <a:xfrm>
             <a:off x="3251520" y="2448360"/>
-            <a:ext cx="1153800" cy="546120"/>
+            <a:ext cx="1153440" cy="546120"/>
           </a:xfrm>
           <a:prstGeom prst="rect">
             <a:avLst/>
@@ -4149,7 +4169,7 @@
         <p:spPr>
           <a:xfrm>
             <a:off x="8656560" y="3348000"/>
-            <a:ext cx="932760" cy="317880"/>
+            <a:ext cx="932400" cy="317880"/>
           </a:xfrm>
           <a:prstGeom prst="rect">
             <a:avLst/>
@@ -4200,7 +4220,7 @@
         <p:spPr>
           <a:xfrm>
             <a:off x="1464480" y="1116360"/>
-            <a:ext cx="399240" cy="241560"/>
+            <a:ext cx="398880" cy="241560"/>
           </a:xfrm>
           <a:prstGeom prst="rect">
             <a:avLst/>
@@ -4270,8 +4290,8 @@
         </p:nvSpPr>
         <p:spPr>
           <a:xfrm>
-            <a:off x="6655680" y="1044360"/>
-            <a:ext cx="449640" cy="317520"/>
+            <a:off x="6641280" y="885960"/>
+            <a:ext cx="1048320" cy="470160"/>
           </a:xfrm>
           <a:prstGeom prst="rect">
             <a:avLst/>
@@ -4351,6 +4371,46 @@
               <a:latin typeface="Arial"/>
             </a:endParaRPr>
           </a:p>
+          <a:p>
+            <a:pPr>
+              <a:lnSpc>
+                <a:spcPct val="100000"/>
+              </a:lnSpc>
+            </a:pPr>
+            <a:r>
+              <a:rPr b="0" lang="de-DE" sz="500" spc="-1" strike="noStrike">
+                <a:solidFill>
+                  <a:srgbClr val="000000"/>
+                </a:solidFill>
+                <a:latin typeface="Arial"/>
+                <a:ea typeface="DejaVu Sans"/>
+              </a:rPr>
+              <a:t>DATA_TO_ADDR_HI</a:t>
+            </a:r>
+            <a:endParaRPr b="0" lang="de-DE" sz="500" spc="-1" strike="noStrike">
+              <a:latin typeface="Arial"/>
+            </a:endParaRPr>
+          </a:p>
+          <a:p>
+            <a:pPr>
+              <a:lnSpc>
+                <a:spcPct val="100000"/>
+              </a:lnSpc>
+            </a:pPr>
+            <a:r>
+              <a:rPr b="0" lang="de-DE" sz="500" spc="-1" strike="noStrike">
+                <a:solidFill>
+                  <a:srgbClr val="000000"/>
+                </a:solidFill>
+                <a:latin typeface="Arial"/>
+                <a:ea typeface="DejaVu Sans"/>
+              </a:rPr>
+              <a:t>DATA_TO_ADDR_LO</a:t>
+            </a:r>
+            <a:endParaRPr b="0" lang="de-DE" sz="500" spc="-1" strike="noStrike">
+              <a:latin typeface="Arial"/>
+            </a:endParaRPr>
+          </a:p>
         </p:txBody>
       </p:sp>
       <p:sp>
@@ -4362,7 +4422,7 @@
         <p:spPr>
           <a:xfrm>
             <a:off x="1450080" y="6408360"/>
-            <a:ext cx="305640" cy="165600"/>
+            <a:ext cx="305280" cy="165600"/>
           </a:xfrm>
           <a:prstGeom prst="rect">
             <a:avLst/>
@@ -4413,7 +4473,7 @@
         <p:spPr>
           <a:xfrm>
             <a:off x="1450080" y="5760360"/>
-            <a:ext cx="305640" cy="165600"/>
+            <a:ext cx="305280" cy="165600"/>
           </a:xfrm>
           <a:prstGeom prst="rect">
             <a:avLst/>
@@ -4464,7 +4524,7 @@
         <p:spPr>
           <a:xfrm>
             <a:off x="1450080" y="5112360"/>
-            <a:ext cx="305640" cy="165600"/>
+            <a:ext cx="305280" cy="165600"/>
           </a:xfrm>
           <a:prstGeom prst="rect">
             <a:avLst/>
@@ -4514,8 +4574,8 @@
         </p:nvSpPr>
         <p:spPr>
           <a:xfrm>
-            <a:off x="463680" y="3780360"/>
-            <a:ext cx="399600" cy="241560"/>
+            <a:off x="434880" y="3794760"/>
+            <a:ext cx="399240" cy="241560"/>
           </a:xfrm>
           <a:prstGeom prst="rect">
             <a:avLst/>
@@ -4586,7 +4646,7 @@
         <p:spPr>
           <a:xfrm>
             <a:off x="1457280" y="1836360"/>
-            <a:ext cx="305640" cy="165600"/>
+            <a:ext cx="305280" cy="165600"/>
           </a:xfrm>
           <a:prstGeom prst="rect">
             <a:avLst/>
@@ -4637,7 +4697,7 @@
         <p:spPr>
           <a:xfrm>
             <a:off x="1457280" y="2844360"/>
-            <a:ext cx="305640" cy="165600"/>
+            <a:ext cx="305280" cy="165600"/>
           </a:xfrm>
           <a:prstGeom prst="rect">
             <a:avLst/>
@@ -4688,7 +4748,7 @@
         <p:spPr>
           <a:xfrm>
             <a:off x="1450080" y="4428360"/>
-            <a:ext cx="305640" cy="165600"/>
+            <a:ext cx="305280" cy="165600"/>
           </a:xfrm>
           <a:prstGeom prst="rect">
             <a:avLst/>
@@ -4738,8 +4798,8 @@
         </p:nvSpPr>
         <p:spPr>
           <a:xfrm>
-            <a:off x="6655680" y="1908360"/>
-            <a:ext cx="593640" cy="241560"/>
+            <a:off x="6641280" y="1757160"/>
+            <a:ext cx="1120320" cy="394200"/>
           </a:xfrm>
           <a:prstGeom prst="rect">
             <a:avLst/>
@@ -4799,6 +4859,46 @@
               <a:latin typeface="Arial"/>
             </a:endParaRPr>
           </a:p>
+          <a:p>
+            <a:pPr>
+              <a:lnSpc>
+                <a:spcPct val="100000"/>
+              </a:lnSpc>
+            </a:pPr>
+            <a:r>
+              <a:rPr b="0" lang="de-DE" sz="500" spc="-1" strike="noStrike">
+                <a:solidFill>
+                  <a:srgbClr val="000000"/>
+                </a:solidFill>
+                <a:latin typeface="Arial"/>
+                <a:ea typeface="DejaVu Sans"/>
+              </a:rPr>
+              <a:t>DATA_TO_ADDR_HI</a:t>
+            </a:r>
+            <a:endParaRPr b="0" lang="de-DE" sz="500" spc="-1" strike="noStrike">
+              <a:latin typeface="Arial"/>
+            </a:endParaRPr>
+          </a:p>
+          <a:p>
+            <a:pPr>
+              <a:lnSpc>
+                <a:spcPct val="100000"/>
+              </a:lnSpc>
+            </a:pPr>
+            <a:r>
+              <a:rPr b="0" lang="de-DE" sz="500" spc="-1" strike="noStrike">
+                <a:solidFill>
+                  <a:srgbClr val="000000"/>
+                </a:solidFill>
+                <a:latin typeface="Arial"/>
+                <a:ea typeface="DejaVu Sans"/>
+              </a:rPr>
+              <a:t>DATA_TO_ADDR_LO</a:t>
+            </a:r>
+            <a:endParaRPr b="0" lang="de-DE" sz="500" spc="-1" strike="noStrike">
+              <a:latin typeface="Arial"/>
+            </a:endParaRPr>
+          </a:p>
         </p:txBody>
       </p:sp>
       <p:sp>
@@ -4810,7 +4910,7 @@
         <p:spPr>
           <a:xfrm>
             <a:off x="6655680" y="3402360"/>
-            <a:ext cx="305640" cy="165600"/>
+            <a:ext cx="305280" cy="165600"/>
           </a:xfrm>
           <a:prstGeom prst="rect">
             <a:avLst/>
@@ -4861,7 +4961,7 @@
         <p:spPr>
           <a:xfrm>
             <a:off x="1450080" y="3852360"/>
-            <a:ext cx="449640" cy="165600"/>
+            <a:ext cx="449280" cy="165600"/>
           </a:xfrm>
           <a:prstGeom prst="rect">
             <a:avLst/>
@@ -4940,7 +5040,7 @@
         <p:spPr>
           <a:xfrm>
             <a:off x="6702840" y="5428080"/>
-            <a:ext cx="1436760" cy="572760"/>
+            <a:ext cx="1436400" cy="572400"/>
           </a:xfrm>
           <a:prstGeom prst="rect">
             <a:avLst/>
@@ -5133,7 +5233,7 @@
         <p:spPr>
           <a:xfrm>
             <a:off x="1454760" y="460440"/>
-            <a:ext cx="450720" cy="317520"/>
+            <a:ext cx="450360" cy="317520"/>
           </a:xfrm>
           <a:prstGeom prst="rect">
             <a:avLst/>
@@ -5251,8 +5351,8 @@
         </p:nvSpPr>
         <p:spPr>
           <a:xfrm>
-            <a:off x="2791440" y="887040"/>
-            <a:ext cx="305640" cy="165600"/>
+            <a:off x="2798640" y="887040"/>
+            <a:ext cx="305280" cy="165600"/>
           </a:xfrm>
           <a:prstGeom prst="rect">
             <a:avLst/>
@@ -5302,8 +5402,8 @@
         </p:nvSpPr>
         <p:spPr>
           <a:xfrm>
-            <a:off x="2791440" y="1526400"/>
-            <a:ext cx="305640" cy="165600"/>
+            <a:off x="2798640" y="1526400"/>
+            <a:ext cx="305280" cy="165600"/>
           </a:xfrm>
           <a:prstGeom prst="rect">
             <a:avLst/>
@@ -5353,8 +5453,8 @@
         </p:nvSpPr>
         <p:spPr>
           <a:xfrm>
-            <a:off x="2791440" y="2534400"/>
-            <a:ext cx="305640" cy="165600"/>
+            <a:off x="2798640" y="2534400"/>
+            <a:ext cx="305280" cy="165600"/>
           </a:xfrm>
           <a:prstGeom prst="rect">
             <a:avLst/>
@@ -5404,8 +5504,8 @@
         </p:nvSpPr>
         <p:spPr>
           <a:xfrm>
-            <a:off x="2791440" y="4140360"/>
-            <a:ext cx="305640" cy="165600"/>
+            <a:off x="2798640" y="4118760"/>
+            <a:ext cx="305280" cy="165600"/>
           </a:xfrm>
           <a:prstGeom prst="rect">
             <a:avLst/>
@@ -5455,8 +5555,8 @@
         </p:nvSpPr>
         <p:spPr>
           <a:xfrm>
-            <a:off x="2791440" y="4824360"/>
-            <a:ext cx="305640" cy="165600"/>
+            <a:off x="2798640" y="4802760"/>
+            <a:ext cx="305280" cy="165600"/>
           </a:xfrm>
           <a:prstGeom prst="rect">
             <a:avLst/>
@@ -5506,8 +5606,8 @@
         </p:nvSpPr>
         <p:spPr>
           <a:xfrm>
-            <a:off x="2791440" y="5457240"/>
-            <a:ext cx="305640" cy="165600"/>
+            <a:off x="2798640" y="5457240"/>
+            <a:ext cx="305280" cy="165600"/>
           </a:xfrm>
           <a:prstGeom prst="rect">
             <a:avLst/>
@@ -5557,8 +5657,8 @@
         </p:nvSpPr>
         <p:spPr>
           <a:xfrm>
-            <a:off x="2791440" y="6093360"/>
-            <a:ext cx="305640" cy="165600"/>
+            <a:off x="2798640" y="6093360"/>
+            <a:ext cx="305280" cy="165600"/>
           </a:xfrm>
           <a:prstGeom prst="rect">
             <a:avLst/>
@@ -5609,7 +5709,7 @@
         <p:spPr>
           <a:xfrm>
             <a:off x="3384000" y="3115440"/>
-            <a:ext cx="305640" cy="165600"/>
+            <a:ext cx="305280" cy="165600"/>
           </a:xfrm>
           <a:prstGeom prst="rect">
             <a:avLst/>
@@ -5660,7 +5760,7 @@
         <p:spPr>
           <a:xfrm>
             <a:off x="779040" y="3108960"/>
-            <a:ext cx="305640" cy="165600"/>
+            <a:ext cx="305280" cy="165600"/>
           </a:xfrm>
           <a:prstGeom prst="rect">
             <a:avLst/>
@@ -5711,7 +5811,7 @@
         <p:spPr>
           <a:xfrm>
             <a:off x="7949160" y="734400"/>
-            <a:ext cx="305640" cy="165600"/>
+            <a:ext cx="305280" cy="165600"/>
           </a:xfrm>
           <a:prstGeom prst="rect">
             <a:avLst/>
@@ -5762,7 +5862,7 @@
         <p:spPr>
           <a:xfrm>
             <a:off x="7949160" y="1526400"/>
-            <a:ext cx="305640" cy="165600"/>
+            <a:ext cx="305280" cy="165600"/>
           </a:xfrm>
           <a:prstGeom prst="rect">
             <a:avLst/>
@@ -5813,7 +5913,7 @@
         <p:spPr>
           <a:xfrm>
             <a:off x="7955280" y="5400000"/>
-            <a:ext cx="305640" cy="165600"/>
+            <a:ext cx="305280" cy="165600"/>
           </a:xfrm>
           <a:prstGeom prst="rect">
             <a:avLst/>
@@ -5864,7 +5964,7 @@
         <p:spPr>
           <a:xfrm>
             <a:off x="6466320" y="2245320"/>
-            <a:ext cx="305640" cy="165600"/>
+            <a:ext cx="305280" cy="165600"/>
           </a:xfrm>
           <a:prstGeom prst="rect">
             <a:avLst/>
@@ -5915,7 +6015,7 @@
         <p:spPr>
           <a:xfrm>
             <a:off x="3024000" y="325080"/>
-            <a:ext cx="711000" cy="428760"/>
+            <a:ext cx="710640" cy="428400"/>
           </a:xfrm>
           <a:prstGeom prst="rect">
             <a:avLst/>
@@ -5998,7 +6098,7 @@
         <p:spPr>
           <a:xfrm>
             <a:off x="2957760" y="612000"/>
-            <a:ext cx="449640" cy="165600"/>
+            <a:ext cx="449280" cy="165600"/>
           </a:xfrm>
           <a:prstGeom prst="rect">
             <a:avLst/>
@@ -6321,7 +6421,7 @@
         <p:spPr>
           <a:xfrm>
             <a:off x="294120" y="6930000"/>
-            <a:ext cx="435240" cy="196200"/>
+            <a:ext cx="434880" cy="196200"/>
           </a:xfrm>
           <a:prstGeom prst="rect">
             <a:avLst/>
@@ -6372,7 +6472,7 @@
         <p:spPr>
           <a:xfrm>
             <a:off x="6706080" y="3844080"/>
-            <a:ext cx="1436760" cy="572760"/>
+            <a:ext cx="1436400" cy="572400"/>
           </a:xfrm>
           <a:prstGeom prst="rect">
             <a:avLst/>
@@ -6535,7 +6635,7 @@
         <p:spPr>
           <a:xfrm>
             <a:off x="6658920" y="4197600"/>
-            <a:ext cx="449640" cy="242280"/>
+            <a:ext cx="449280" cy="241920"/>
           </a:xfrm>
           <a:prstGeom prst="rect">
             <a:avLst/>
@@ -6606,7 +6706,7 @@
         <p:spPr>
           <a:xfrm>
             <a:off x="7958520" y="3816000"/>
-            <a:ext cx="305640" cy="165600"/>
+            <a:ext cx="305280" cy="165600"/>
           </a:xfrm>
           <a:prstGeom prst="rect">
             <a:avLst/>
@@ -6657,7 +6757,7 @@
         <p:spPr>
           <a:xfrm>
             <a:off x="6050160" y="3840840"/>
-            <a:ext cx="572760" cy="263160"/>
+            <a:ext cx="572400" cy="262800"/>
           </a:xfrm>
           <a:prstGeom prst="rect">
             <a:avLst/>
@@ -6698,9 +6798,6 @@
               <a:t>H</a:t>
             </a:r>
             <a:endParaRPr b="0" lang="de-DE" sz="700" spc="-1" strike="noStrike">
-              <a:solidFill>
-                <a:srgbClr val="000000"/>
-              </a:solidFill>
               <a:latin typeface="Arial"/>
             </a:endParaRPr>
           </a:p>
@@ -6715,7 +6812,7 @@
         <p:spPr>
           <a:xfrm>
             <a:off x="6050160" y="4154400"/>
-            <a:ext cx="572760" cy="263160"/>
+            <a:ext cx="572400" cy="262800"/>
           </a:xfrm>
           <a:prstGeom prst="rect">
             <a:avLst/>
@@ -6756,9 +6853,6 @@
               <a:t>L</a:t>
             </a:r>
             <a:endParaRPr b="0" lang="de-DE" sz="700" spc="-1" strike="noStrike">
-              <a:solidFill>
-                <a:srgbClr val="000000"/>
-              </a:solidFill>
               <a:latin typeface="Arial"/>
             </a:endParaRPr>
           </a:p>
@@ -6829,7 +6923,7 @@
         <p:spPr>
           <a:xfrm>
             <a:off x="6472800" y="3816000"/>
-            <a:ext cx="305640" cy="165600"/>
+            <a:ext cx="305280" cy="165600"/>
           </a:xfrm>
           <a:prstGeom prst="rect">
             <a:avLst/>
@@ -6880,7 +6974,7 @@
         <p:spPr>
           <a:xfrm>
             <a:off x="6472800" y="4125600"/>
-            <a:ext cx="305640" cy="165600"/>
+            <a:ext cx="305280" cy="165600"/>
           </a:xfrm>
           <a:prstGeom prst="rect">
             <a:avLst/>
@@ -6931,7 +7025,7 @@
         <p:spPr>
           <a:xfrm>
             <a:off x="6708960" y="4636080"/>
-            <a:ext cx="1436760" cy="572760"/>
+            <a:ext cx="1436400" cy="572400"/>
           </a:xfrm>
           <a:prstGeom prst="rect">
             <a:avLst/>
@@ -7124,7 +7218,7 @@
         <p:spPr>
           <a:xfrm>
             <a:off x="7961400" y="4608000"/>
-            <a:ext cx="305640" cy="165600"/>
+            <a:ext cx="305280" cy="165600"/>
           </a:xfrm>
           <a:prstGeom prst="rect">
             <a:avLst/>
@@ -7175,7 +7269,7 @@
         <p:spPr>
           <a:xfrm>
             <a:off x="6708960" y="3844080"/>
-            <a:ext cx="1436760" cy="572760"/>
+            <a:ext cx="1436400" cy="572400"/>
           </a:xfrm>
           <a:prstGeom prst="rect">
             <a:avLst/>
@@ -7229,8 +7323,8 @@
         </p:nvSpPr>
         <p:spPr>
           <a:xfrm>
-            <a:off x="6640200" y="4046400"/>
-            <a:ext cx="826200" cy="394200"/>
+            <a:off x="6647400" y="4053600"/>
+            <a:ext cx="825840" cy="393840"/>
           </a:xfrm>
           <a:prstGeom prst="rect">
             <a:avLst/>
@@ -7341,7 +7435,7 @@
         <p:spPr>
           <a:xfrm>
             <a:off x="7961400" y="3816000"/>
-            <a:ext cx="305640" cy="165600"/>
+            <a:ext cx="305280" cy="165600"/>
           </a:xfrm>
           <a:prstGeom prst="rect">
             <a:avLst/>
@@ -7392,7 +7486,7 @@
         <p:spPr>
           <a:xfrm>
             <a:off x="6053040" y="3840840"/>
-            <a:ext cx="572760" cy="263160"/>
+            <a:ext cx="572400" cy="262800"/>
           </a:xfrm>
           <a:prstGeom prst="rect">
             <a:avLst/>
@@ -7433,9 +7527,6 @@
               <a:t>H</a:t>
             </a:r>
             <a:endParaRPr b="0" lang="de-DE" sz="700" spc="-1" strike="noStrike">
-              <a:solidFill>
-                <a:srgbClr val="000000"/>
-              </a:solidFill>
               <a:latin typeface="Arial"/>
             </a:endParaRPr>
           </a:p>
@@ -7450,7 +7541,7 @@
         <p:spPr>
           <a:xfrm>
             <a:off x="6053040" y="4154400"/>
-            <a:ext cx="572760" cy="263160"/>
+            <a:ext cx="572400" cy="262800"/>
           </a:xfrm>
           <a:prstGeom prst="rect">
             <a:avLst/>
@@ -7491,9 +7582,6 @@
               <a:t>L</a:t>
             </a:r>
             <a:endParaRPr b="0" lang="de-DE" sz="700" spc="-1" strike="noStrike">
-              <a:solidFill>
-                <a:srgbClr val="000000"/>
-              </a:solidFill>
               <a:latin typeface="Arial"/>
             </a:endParaRPr>
           </a:p>
@@ -7564,7 +7652,7 @@
         <p:spPr>
           <a:xfrm>
             <a:off x="6475680" y="3816000"/>
-            <a:ext cx="305640" cy="165600"/>
+            <a:ext cx="305280" cy="165600"/>
           </a:xfrm>
           <a:prstGeom prst="rect">
             <a:avLst/>
@@ -7615,7 +7703,7 @@
         <p:spPr>
           <a:xfrm>
             <a:off x="6475680" y="4125600"/>
-            <a:ext cx="305640" cy="165600"/>
+            <a:ext cx="305280" cy="165600"/>
           </a:xfrm>
           <a:prstGeom prst="rect">
             <a:avLst/>
@@ -7703,7 +7791,7 @@
                 <a:latin typeface="Arial"/>
                 <a:ea typeface="DejaVu Sans"/>
               </a:rPr>
-              <a:t>DATA_LO_TO_ADDR</a:t>
+              <a:t>DATA_TO_ADDR_LO</a:t>
             </a:r>
             <a:endParaRPr b="0" lang="de-DE" sz="500" spc="-1" strike="noStrike">
               <a:latin typeface="Arial"/>
@@ -7757,7 +7845,7 @@
                 <a:latin typeface="Arial"/>
                 <a:ea typeface="DejaVu Sans"/>
               </a:rPr>
-              <a:t>ADDR_TO_DATA_LO</a:t>
+              <a:t>ADDR_LO_TO_DATA</a:t>
             </a:r>
             <a:endParaRPr b="0" lang="de-DE" sz="500" spc="-1" strike="noStrike">
               <a:latin typeface="Arial"/>
@@ -7773,8 +7861,8 @@
         </p:nvSpPr>
         <p:spPr>
           <a:xfrm>
-            <a:off x="6640200" y="4845600"/>
-            <a:ext cx="826200" cy="394200"/>
+            <a:off x="6647400" y="4845600"/>
+            <a:ext cx="825840" cy="393840"/>
           </a:xfrm>
           <a:prstGeom prst="rect">
             <a:avLst/>
@@ -7885,7 +7973,7 @@
         <p:spPr>
           <a:xfrm>
             <a:off x="6640200" y="5479200"/>
-            <a:ext cx="826200" cy="546120"/>
+            <a:ext cx="825840" cy="545760"/>
           </a:xfrm>
           <a:prstGeom prst="rect">
             <a:avLst/>
@@ -8020,6 +8108,114 @@
                 <a:ea typeface="DejaVu Sans"/>
               </a:rPr>
               <a:t>DATA_TO_ADDR_LO</a:t>
+            </a:r>
+            <a:endParaRPr b="0" lang="de-DE" sz="500" spc="-1" strike="noStrike">
+              <a:latin typeface="Arial"/>
+            </a:endParaRPr>
+          </a:p>
+        </p:txBody>
+      </p:sp>
+      <p:sp>
+        <p:nvSpPr>
+          <p:cNvPr id="150" name="Line 113"/>
+          <p:cNvSpPr/>
+          <p:nvPr/>
+        </p:nvSpPr>
+        <p:spPr>
+          <a:xfrm>
+            <a:off x="2948760" y="5832000"/>
+            <a:ext cx="1728000" cy="0"/>
+          </a:xfrm>
+          <a:prstGeom prst="line">
+            <a:avLst/>
+          </a:prstGeom>
+          <a:ln w="12600">
+            <a:solidFill>
+              <a:srgbClr val="000000"/>
+            </a:solidFill>
+            <a:round/>
+            <a:tailEnd len="med" type="triangle" w="med"/>
+          </a:ln>
+        </p:spPr>
+        <p:style>
+          <a:lnRef idx="0"/>
+          <a:fillRef idx="0"/>
+          <a:effectRef idx="0"/>
+          <a:fontRef idx="minor"/>
+        </p:style>
+        <p:txBody>
+          <a:bodyPr lIns="96120" rIns="96120" tIns="51120" bIns="51120" anchorCtr="1">
+            <a:spAutoFit/>
+          </a:bodyPr>
+          <a:p>
+            <a:pPr algn="ctr">
+              <a:lnSpc>
+                <a:spcPts val="283"/>
+              </a:lnSpc>
+            </a:pPr>
+            <a:r>
+              <a:rPr b="0" lang="de-DE" sz="500" spc="-1" strike="noStrike">
+                <a:solidFill>
+                  <a:srgbClr val="000000"/>
+                </a:solidFill>
+                <a:latin typeface="Arial"/>
+                <a:ea typeface="DejaVu Sans"/>
+              </a:rPr>
+              <a:t>C_TO_DATA</a:t>
+            </a:r>
+            <a:endParaRPr b="0" lang="de-DE" sz="500" spc="-1" strike="noStrike">
+              <a:latin typeface="Arial"/>
+            </a:endParaRPr>
+          </a:p>
+        </p:txBody>
+      </p:sp>
+      <p:sp>
+        <p:nvSpPr>
+          <p:cNvPr id="151" name="Line 114"/>
+          <p:cNvSpPr/>
+          <p:nvPr/>
+        </p:nvSpPr>
+        <p:spPr>
+          <a:xfrm>
+            <a:off x="2948760" y="5544000"/>
+            <a:ext cx="1728000" cy="0"/>
+          </a:xfrm>
+          <a:prstGeom prst="line">
+            <a:avLst/>
+          </a:prstGeom>
+          <a:ln w="12600">
+            <a:solidFill>
+              <a:srgbClr val="000000"/>
+            </a:solidFill>
+            <a:round/>
+            <a:headEnd len="med" type="triangle" w="med"/>
+          </a:ln>
+        </p:spPr>
+        <p:style>
+          <a:lnRef idx="0"/>
+          <a:fillRef idx="0"/>
+          <a:effectRef idx="0"/>
+          <a:fontRef idx="minor"/>
+        </p:style>
+        <p:txBody>
+          <a:bodyPr lIns="96120" rIns="96120" tIns="51120" bIns="51120" anchorCtr="1">
+            <a:spAutoFit/>
+          </a:bodyPr>
+          <a:p>
+            <a:pPr algn="ctr">
+              <a:lnSpc>
+                <a:spcPts val="283"/>
+              </a:lnSpc>
+            </a:pPr>
+            <a:r>
+              <a:rPr b="0" lang="de-DE" sz="500" spc="-1" strike="noStrike">
+                <a:solidFill>
+                  <a:srgbClr val="000000"/>
+                </a:solidFill>
+                <a:latin typeface="Arial"/>
+                <a:ea typeface="DejaVu Sans"/>
+              </a:rPr>
+              <a:t>DATA_TO_C</a:t>
             </a:r>
             <a:endParaRPr b="0" lang="de-DE" sz="500" spc="-1" strike="noStrike">
               <a:latin typeface="Arial"/>

--- a/doc/cpu.pptx
+++ b/doc/cpu.pptx
@@ -53,7 +53,7 @@
       </p:grpSpPr>
       <p:sp>
         <p:nvSpPr>
-          <p:cNvPr id="23" name="PlaceHolder 1"/>
+          <p:cNvPr id="21" name="PlaceHolder 1"/>
           <p:cNvSpPr>
             <a:spLocks noGrp="1"/>
           </p:cNvSpPr>
@@ -84,7 +84,7 @@
       </p:sp>
       <p:sp>
         <p:nvSpPr>
-          <p:cNvPr id="24" name="PlaceHolder 2"/>
+          <p:cNvPr id="22" name="PlaceHolder 2"/>
           <p:cNvSpPr>
             <a:spLocks noGrp="1"/>
           </p:cNvSpPr>
@@ -114,7 +114,7 @@
       </p:sp>
       <p:sp>
         <p:nvSpPr>
-          <p:cNvPr id="25" name="PlaceHolder 3"/>
+          <p:cNvPr id="23" name="PlaceHolder 3"/>
           <p:cNvSpPr>
             <a:spLocks noGrp="1"/>
           </p:cNvSpPr>
@@ -166,7 +166,7 @@
       </p:grpSpPr>
       <p:sp>
         <p:nvSpPr>
-          <p:cNvPr id="26" name="PlaceHolder 1"/>
+          <p:cNvPr id="24" name="PlaceHolder 1"/>
           <p:cNvSpPr>
             <a:spLocks noGrp="1"/>
           </p:cNvSpPr>
@@ -197,7 +197,7 @@
       </p:sp>
       <p:sp>
         <p:nvSpPr>
-          <p:cNvPr id="27" name="PlaceHolder 2"/>
+          <p:cNvPr id="25" name="PlaceHolder 2"/>
           <p:cNvSpPr>
             <a:spLocks noGrp="1"/>
           </p:cNvSpPr>
@@ -227,7 +227,7 @@
       </p:sp>
       <p:sp>
         <p:nvSpPr>
-          <p:cNvPr id="28" name="PlaceHolder 3"/>
+          <p:cNvPr id="26" name="PlaceHolder 3"/>
           <p:cNvSpPr>
             <a:spLocks noGrp="1"/>
           </p:cNvSpPr>
@@ -257,7 +257,7 @@
       </p:sp>
       <p:sp>
         <p:nvSpPr>
-          <p:cNvPr id="29" name="PlaceHolder 4"/>
+          <p:cNvPr id="27" name="PlaceHolder 4"/>
           <p:cNvSpPr>
             <a:spLocks noGrp="1"/>
           </p:cNvSpPr>
@@ -287,7 +287,7 @@
       </p:sp>
       <p:sp>
         <p:nvSpPr>
-          <p:cNvPr id="30" name="PlaceHolder 5"/>
+          <p:cNvPr id="28" name="PlaceHolder 5"/>
           <p:cNvSpPr>
             <a:spLocks noGrp="1"/>
           </p:cNvSpPr>
@@ -339,7 +339,7 @@
       </p:grpSpPr>
       <p:sp>
         <p:nvSpPr>
-          <p:cNvPr id="31" name="PlaceHolder 1"/>
+          <p:cNvPr id="29" name="PlaceHolder 1"/>
           <p:cNvSpPr>
             <a:spLocks noGrp="1"/>
           </p:cNvSpPr>
@@ -370,7 +370,7 @@
       </p:sp>
       <p:sp>
         <p:nvSpPr>
-          <p:cNvPr id="32" name="PlaceHolder 2"/>
+          <p:cNvPr id="30" name="PlaceHolder 2"/>
           <p:cNvSpPr>
             <a:spLocks noGrp="1"/>
           </p:cNvSpPr>
@@ -400,7 +400,7 @@
       </p:sp>
       <p:sp>
         <p:nvSpPr>
-          <p:cNvPr id="33" name="PlaceHolder 3"/>
+          <p:cNvPr id="31" name="PlaceHolder 3"/>
           <p:cNvSpPr>
             <a:spLocks noGrp="1"/>
           </p:cNvSpPr>
@@ -430,7 +430,7 @@
       </p:sp>
       <p:sp>
         <p:nvSpPr>
-          <p:cNvPr id="34" name="PlaceHolder 4"/>
+          <p:cNvPr id="32" name="PlaceHolder 4"/>
           <p:cNvSpPr>
             <a:spLocks noGrp="1"/>
           </p:cNvSpPr>
@@ -460,7 +460,7 @@
       </p:sp>
       <p:sp>
         <p:nvSpPr>
-          <p:cNvPr id="35" name="PlaceHolder 5"/>
+          <p:cNvPr id="33" name="PlaceHolder 5"/>
           <p:cNvSpPr>
             <a:spLocks noGrp="1"/>
           </p:cNvSpPr>
@@ -490,7 +490,7 @@
       </p:sp>
       <p:sp>
         <p:nvSpPr>
-          <p:cNvPr id="36" name="PlaceHolder 6"/>
+          <p:cNvPr id="34" name="PlaceHolder 6"/>
           <p:cNvSpPr>
             <a:spLocks noGrp="1"/>
           </p:cNvSpPr>
@@ -520,7 +520,7 @@
       </p:sp>
       <p:sp>
         <p:nvSpPr>
-          <p:cNvPr id="37" name="PlaceHolder 7"/>
+          <p:cNvPr id="35" name="PlaceHolder 7"/>
           <p:cNvSpPr>
             <a:spLocks noGrp="1"/>
           </p:cNvSpPr>
@@ -572,7 +572,7 @@
       </p:grpSpPr>
       <p:sp>
         <p:nvSpPr>
-          <p:cNvPr id="2" name="PlaceHolder 1"/>
+          <p:cNvPr id="0" name="PlaceHolder 1"/>
           <p:cNvSpPr>
             <a:spLocks noGrp="1"/>
           </p:cNvSpPr>
@@ -603,7 +603,7 @@
       </p:sp>
       <p:sp>
         <p:nvSpPr>
-          <p:cNvPr id="3" name="PlaceHolder 2"/>
+          <p:cNvPr id="1" name="PlaceHolder 2"/>
           <p:cNvSpPr>
             <a:spLocks noGrp="1"/>
           </p:cNvSpPr>
@@ -656,7 +656,7 @@
       </p:grpSpPr>
       <p:sp>
         <p:nvSpPr>
-          <p:cNvPr id="4" name="PlaceHolder 1"/>
+          <p:cNvPr id="2" name="PlaceHolder 1"/>
           <p:cNvSpPr>
             <a:spLocks noGrp="1"/>
           </p:cNvSpPr>
@@ -687,7 +687,7 @@
       </p:sp>
       <p:sp>
         <p:nvSpPr>
-          <p:cNvPr id="5" name="PlaceHolder 2"/>
+          <p:cNvPr id="3" name="PlaceHolder 2"/>
           <p:cNvSpPr>
             <a:spLocks noGrp="1"/>
           </p:cNvSpPr>
@@ -739,7 +739,7 @@
       </p:grpSpPr>
       <p:sp>
         <p:nvSpPr>
-          <p:cNvPr id="6" name="PlaceHolder 1"/>
+          <p:cNvPr id="4" name="PlaceHolder 1"/>
           <p:cNvSpPr>
             <a:spLocks noGrp="1"/>
           </p:cNvSpPr>
@@ -770,7 +770,7 @@
       </p:sp>
       <p:sp>
         <p:nvSpPr>
-          <p:cNvPr id="7" name="PlaceHolder 2"/>
+          <p:cNvPr id="5" name="PlaceHolder 2"/>
           <p:cNvSpPr>
             <a:spLocks noGrp="1"/>
           </p:cNvSpPr>
@@ -800,7 +800,7 @@
       </p:sp>
       <p:sp>
         <p:nvSpPr>
-          <p:cNvPr id="8" name="PlaceHolder 3"/>
+          <p:cNvPr id="6" name="PlaceHolder 3"/>
           <p:cNvSpPr>
             <a:spLocks noGrp="1"/>
           </p:cNvSpPr>
@@ -852,7 +852,7 @@
       </p:grpSpPr>
       <p:sp>
         <p:nvSpPr>
-          <p:cNvPr id="9" name="PlaceHolder 1"/>
+          <p:cNvPr id="7" name="PlaceHolder 1"/>
           <p:cNvSpPr>
             <a:spLocks noGrp="1"/>
           </p:cNvSpPr>
@@ -905,7 +905,7 @@
       </p:grpSpPr>
       <p:sp>
         <p:nvSpPr>
-          <p:cNvPr id="10" name="PlaceHolder 1"/>
+          <p:cNvPr id="8" name="PlaceHolder 1"/>
           <p:cNvSpPr>
             <a:spLocks noGrp="1"/>
           </p:cNvSpPr>
@@ -958,7 +958,7 @@
       </p:grpSpPr>
       <p:sp>
         <p:nvSpPr>
-          <p:cNvPr id="11" name="PlaceHolder 1"/>
+          <p:cNvPr id="9" name="PlaceHolder 1"/>
           <p:cNvSpPr>
             <a:spLocks noGrp="1"/>
           </p:cNvSpPr>
@@ -989,7 +989,7 @@
       </p:sp>
       <p:sp>
         <p:nvSpPr>
-          <p:cNvPr id="12" name="PlaceHolder 2"/>
+          <p:cNvPr id="10" name="PlaceHolder 2"/>
           <p:cNvSpPr>
             <a:spLocks noGrp="1"/>
           </p:cNvSpPr>
@@ -1019,7 +1019,7 @@
       </p:sp>
       <p:sp>
         <p:nvSpPr>
-          <p:cNvPr id="13" name="PlaceHolder 3"/>
+          <p:cNvPr id="11" name="PlaceHolder 3"/>
           <p:cNvSpPr>
             <a:spLocks noGrp="1"/>
           </p:cNvSpPr>
@@ -1049,7 +1049,7 @@
       </p:sp>
       <p:sp>
         <p:nvSpPr>
-          <p:cNvPr id="14" name="PlaceHolder 4"/>
+          <p:cNvPr id="12" name="PlaceHolder 4"/>
           <p:cNvSpPr>
             <a:spLocks noGrp="1"/>
           </p:cNvSpPr>
@@ -1101,7 +1101,7 @@
       </p:grpSpPr>
       <p:sp>
         <p:nvSpPr>
-          <p:cNvPr id="15" name="PlaceHolder 1"/>
+          <p:cNvPr id="13" name="PlaceHolder 1"/>
           <p:cNvSpPr>
             <a:spLocks noGrp="1"/>
           </p:cNvSpPr>
@@ -1132,7 +1132,7 @@
       </p:sp>
       <p:sp>
         <p:nvSpPr>
-          <p:cNvPr id="16" name="PlaceHolder 2"/>
+          <p:cNvPr id="14" name="PlaceHolder 2"/>
           <p:cNvSpPr>
             <a:spLocks noGrp="1"/>
           </p:cNvSpPr>
@@ -1162,7 +1162,7 @@
       </p:sp>
       <p:sp>
         <p:nvSpPr>
-          <p:cNvPr id="17" name="PlaceHolder 3"/>
+          <p:cNvPr id="15" name="PlaceHolder 3"/>
           <p:cNvSpPr>
             <a:spLocks noGrp="1"/>
           </p:cNvSpPr>
@@ -1192,7 +1192,7 @@
       </p:sp>
       <p:sp>
         <p:nvSpPr>
-          <p:cNvPr id="18" name="PlaceHolder 4"/>
+          <p:cNvPr id="16" name="PlaceHolder 4"/>
           <p:cNvSpPr>
             <a:spLocks noGrp="1"/>
           </p:cNvSpPr>
@@ -1244,7 +1244,7 @@
       </p:grpSpPr>
       <p:sp>
         <p:nvSpPr>
-          <p:cNvPr id="19" name="PlaceHolder 1"/>
+          <p:cNvPr id="17" name="PlaceHolder 1"/>
           <p:cNvSpPr>
             <a:spLocks noGrp="1"/>
           </p:cNvSpPr>
@@ -1275,7 +1275,7 @@
       </p:sp>
       <p:sp>
         <p:nvSpPr>
-          <p:cNvPr id="20" name="PlaceHolder 2"/>
+          <p:cNvPr id="18" name="PlaceHolder 2"/>
           <p:cNvSpPr>
             <a:spLocks noGrp="1"/>
           </p:cNvSpPr>
@@ -1305,7 +1305,7 @@
       </p:sp>
       <p:sp>
         <p:nvSpPr>
-          <p:cNvPr id="21" name="PlaceHolder 3"/>
+          <p:cNvPr id="19" name="PlaceHolder 3"/>
           <p:cNvSpPr>
             <a:spLocks noGrp="1"/>
           </p:cNvSpPr>
@@ -1335,7 +1335,7 @@
       </p:sp>
       <p:sp>
         <p:nvSpPr>
-          <p:cNvPr id="22" name="PlaceHolder 4"/>
+          <p:cNvPr id="20" name="PlaceHolder 4"/>
           <p:cNvSpPr>
             <a:spLocks noGrp="1"/>
           </p:cNvSpPr>
@@ -1385,222 +1385,6 @@
           <a:chExt cx="0" cy="0"/>
         </a:xfrm>
       </p:grpSpPr>
-      <p:sp>
-        <p:nvSpPr>
-          <p:cNvPr id="0" name="PlaceHolder 1"/>
-          <p:cNvSpPr>
-            <a:spLocks noGrp="1"/>
-          </p:cNvSpPr>
-          <p:nvPr>
-            <p:ph type="title"/>
-          </p:nvPr>
-        </p:nvSpPr>
-        <p:spPr>
-          <a:xfrm>
-            <a:off x="534240" y="301320"/>
-            <a:ext cx="9622080" cy="1261800"/>
-          </a:xfrm>
-          <a:prstGeom prst="rect">
-            <a:avLst/>
-          </a:prstGeom>
-        </p:spPr>
-        <p:txBody>
-          <a:bodyPr lIns="0" rIns="0" tIns="0" bIns="0" anchor="ctr">
-            <a:noAutofit/>
-          </a:bodyPr>
-          <a:p>
-            <a:pPr algn="ctr"/>
-            <a:r>
-              <a:rPr b="0" lang="de-DE" sz="4400" spc="-1" strike="noStrike">
-                <a:latin typeface="Arial"/>
-              </a:rPr>
-              <a:t>Format des Titeltextes durch Klicken bearbeiten</a:t>
-            </a:r>
-            <a:endParaRPr b="0" lang="de-DE" sz="4400" spc="-1" strike="noStrike">
-              <a:latin typeface="Arial"/>
-            </a:endParaRPr>
-          </a:p>
-        </p:txBody>
-      </p:sp>
-      <p:sp>
-        <p:nvSpPr>
-          <p:cNvPr id="1" name="PlaceHolder 2"/>
-          <p:cNvSpPr>
-            <a:spLocks noGrp="1"/>
-          </p:cNvSpPr>
-          <p:nvPr>
-            <p:ph type="body"/>
-          </p:nvPr>
-        </p:nvSpPr>
-        <p:spPr>
-          <a:xfrm>
-            <a:off x="534240" y="1768680"/>
-            <a:ext cx="9622080" cy="4384080"/>
-          </a:xfrm>
-          <a:prstGeom prst="rect">
-            <a:avLst/>
-          </a:prstGeom>
-        </p:spPr>
-        <p:txBody>
-          <a:bodyPr lIns="0" rIns="0" tIns="0" bIns="0">
-            <a:normAutofit/>
-          </a:bodyPr>
-          <a:p>
-            <a:pPr marL="432000" indent="-324000">
-              <a:spcBef>
-                <a:spcPts val="1417"/>
-              </a:spcBef>
-              <a:buClr>
-                <a:srgbClr val="000000"/>
-              </a:buClr>
-              <a:buSzPct val="45000"/>
-              <a:buFont typeface="Wingdings" charset="2"/>
-              <a:buChar char=""/>
-            </a:pPr>
-            <a:r>
-              <a:rPr b="0" lang="de-DE" sz="3200" spc="-1" strike="noStrike">
-                <a:latin typeface="Arial"/>
-              </a:rPr>
-              <a:t>Format des Gliederungstextes durch Klicken bearbeiten</a:t>
-            </a:r>
-            <a:endParaRPr b="0" lang="de-DE" sz="3200" spc="-1" strike="noStrike">
-              <a:latin typeface="Arial"/>
-            </a:endParaRPr>
-          </a:p>
-          <a:p>
-            <a:pPr lvl="1" marL="864000" indent="-324000">
-              <a:spcBef>
-                <a:spcPts val="1134"/>
-              </a:spcBef>
-              <a:buClr>
-                <a:srgbClr val="000000"/>
-              </a:buClr>
-              <a:buSzPct val="75000"/>
-              <a:buFont typeface="Symbol" charset="2"/>
-              <a:buChar char=""/>
-            </a:pPr>
-            <a:r>
-              <a:rPr b="0" lang="de-DE" sz="2800" spc="-1" strike="noStrike">
-                <a:latin typeface="Arial"/>
-              </a:rPr>
-              <a:t>Zweite Gliederungsebene</a:t>
-            </a:r>
-            <a:endParaRPr b="0" lang="de-DE" sz="2800" spc="-1" strike="noStrike">
-              <a:latin typeface="Arial"/>
-            </a:endParaRPr>
-          </a:p>
-          <a:p>
-            <a:pPr lvl="2" marL="1296000" indent="-288000">
-              <a:spcBef>
-                <a:spcPts val="850"/>
-              </a:spcBef>
-              <a:buClr>
-                <a:srgbClr val="000000"/>
-              </a:buClr>
-              <a:buSzPct val="45000"/>
-              <a:buFont typeface="Wingdings" charset="2"/>
-              <a:buChar char=""/>
-            </a:pPr>
-            <a:r>
-              <a:rPr b="0" lang="de-DE" sz="2400" spc="-1" strike="noStrike">
-                <a:latin typeface="Arial"/>
-              </a:rPr>
-              <a:t>Dritte Gliederungsebene</a:t>
-            </a:r>
-            <a:endParaRPr b="0" lang="de-DE" sz="2400" spc="-1" strike="noStrike">
-              <a:latin typeface="Arial"/>
-            </a:endParaRPr>
-          </a:p>
-          <a:p>
-            <a:pPr lvl="3" marL="1728000" indent="-216000">
-              <a:spcBef>
-                <a:spcPts val="567"/>
-              </a:spcBef>
-              <a:buClr>
-                <a:srgbClr val="000000"/>
-              </a:buClr>
-              <a:buSzPct val="75000"/>
-              <a:buFont typeface="Symbol" charset="2"/>
-              <a:buChar char=""/>
-            </a:pPr>
-            <a:r>
-              <a:rPr b="0" lang="de-DE" sz="2000" spc="-1" strike="noStrike">
-                <a:latin typeface="Arial"/>
-              </a:rPr>
-              <a:t>Vierte Gliederungsebene</a:t>
-            </a:r>
-            <a:endParaRPr b="0" lang="de-DE" sz="2000" spc="-1" strike="noStrike">
-              <a:latin typeface="Arial"/>
-            </a:endParaRPr>
-          </a:p>
-          <a:p>
-            <a:pPr lvl="4" marL="2160000" indent="-216000">
-              <a:spcBef>
-                <a:spcPts val="283"/>
-              </a:spcBef>
-              <a:buClr>
-                <a:srgbClr val="000000"/>
-              </a:buClr>
-              <a:buSzPct val="45000"/>
-              <a:buFont typeface="Wingdings" charset="2"/>
-              <a:buChar char=""/>
-            </a:pPr>
-            <a:r>
-              <a:rPr b="0" lang="de-DE" sz="2000" spc="-1" strike="noStrike">
-                <a:latin typeface="Arial"/>
-              </a:rPr>
-              <a:t>Fünfte Gliederungsebene</a:t>
-            </a:r>
-            <a:endParaRPr b="0" lang="de-DE" sz="2000" spc="-1" strike="noStrike">
-              <a:latin typeface="Arial"/>
-            </a:endParaRPr>
-          </a:p>
-          <a:p>
-            <a:pPr lvl="5" marL="2592000" indent="-216000">
-              <a:spcBef>
-                <a:spcPts val="283"/>
-              </a:spcBef>
-              <a:buClr>
-                <a:srgbClr val="000000"/>
-              </a:buClr>
-              <a:buSzPct val="45000"/>
-              <a:buFont typeface="Wingdings" charset="2"/>
-              <a:buChar char=""/>
-            </a:pPr>
-            <a:r>
-              <a:rPr b="0" lang="de-DE" sz="2000" spc="-1" strike="noStrike">
-                <a:latin typeface="Arial"/>
-              </a:rPr>
-              <a:t>Sechste Gliederungsebene</a:t>
-            </a:r>
-            <a:endParaRPr b="0" lang="de-DE" sz="2000" spc="-1" strike="noStrike">
-              <a:latin typeface="Arial"/>
-            </a:endParaRPr>
-          </a:p>
-          <a:p>
-            <a:pPr lvl="6" marL="3024000" indent="-216000">
-              <a:spcBef>
-                <a:spcPts val="283"/>
-              </a:spcBef>
-              <a:buClr>
-                <a:srgbClr val="000000"/>
-              </a:buClr>
-              <a:buSzPct val="45000"/>
-              <a:buFont typeface="Wingdings" charset="2"/>
-              <a:buChar char=""/>
-            </a:pPr>
-            <a:r>
-              <a:rPr b="0" lang="de-DE" sz="2000" spc="-1" strike="noStrike">
-                <a:latin typeface="Arial"/>
-              </a:rPr>
-              <a:t>Siebte Gliederungsebene</a:t>
-            </a:r>
-            <a:endParaRPr b="0" lang="de-DE" sz="2000" spc="-1" strike="noStrike">
-              <a:latin typeface="Arial"/>
-            </a:endParaRPr>
-          </a:p>
-        </p:txBody>
-      </p:sp>
     </p:spTree>
   </p:cSld>
   <p:clrMap bg1="lt1" bg2="lt2" tx1="dk1" tx2="dk2" accent1="accent1" accent2="accent2" accent3="accent3" accent4="accent4" accent5="accent5" accent6="accent6" hlink="hlink" folHlink="folHlink"/>
@@ -1640,14 +1424,14 @@
       </p:grpSpPr>
       <p:sp>
         <p:nvSpPr>
-          <p:cNvPr id="38" name="CustomShape 1"/>
+          <p:cNvPr id="36" name="CustomShape 1"/>
           <p:cNvSpPr/>
           <p:nvPr/>
         </p:nvSpPr>
         <p:spPr>
           <a:xfrm>
             <a:off x="5812560" y="1411560"/>
-            <a:ext cx="3812400" cy="2300400"/>
+            <a:ext cx="3812040" cy="2300040"/>
           </a:xfrm>
           <a:prstGeom prst="rect">
             <a:avLst/>
@@ -1670,14 +1454,14 @@
       </p:sp>
       <p:sp>
         <p:nvSpPr>
-          <p:cNvPr id="39" name="CustomShape 2"/>
+          <p:cNvPr id="37" name="CustomShape 2"/>
           <p:cNvSpPr/>
           <p:nvPr/>
         </p:nvSpPr>
         <p:spPr>
           <a:xfrm>
             <a:off x="412560" y="2412360"/>
-            <a:ext cx="4028400" cy="2300400"/>
+            <a:ext cx="4028040" cy="2300040"/>
           </a:xfrm>
           <a:prstGeom prst="rect">
             <a:avLst/>
@@ -1700,14 +1484,14 @@
       </p:sp>
       <p:sp>
         <p:nvSpPr>
-          <p:cNvPr id="40" name="CustomShape 3"/>
+          <p:cNvPr id="38" name="CustomShape 3"/>
           <p:cNvSpPr/>
           <p:nvPr/>
         </p:nvSpPr>
         <p:spPr>
           <a:xfrm>
             <a:off x="6702840" y="756360"/>
-            <a:ext cx="1436400" cy="572400"/>
+            <a:ext cx="1436040" cy="572040"/>
           </a:xfrm>
           <a:prstGeom prst="rect">
             <a:avLst/>
@@ -1785,14 +1569,14 @@
       </p:sp>
       <p:sp>
         <p:nvSpPr>
-          <p:cNvPr id="41" name="CustomShape 4"/>
+          <p:cNvPr id="39" name="CustomShape 4"/>
           <p:cNvSpPr/>
           <p:nvPr/>
         </p:nvSpPr>
         <p:spPr>
           <a:xfrm>
             <a:off x="4686840" y="612360"/>
-            <a:ext cx="284400" cy="6515280"/>
+            <a:ext cx="284040" cy="6514920"/>
           </a:xfrm>
           <a:prstGeom prst="rect">
             <a:avLst/>
@@ -1840,14 +1624,14 @@
       </p:sp>
       <p:sp>
         <p:nvSpPr>
-          <p:cNvPr id="42" name="CustomShape 5"/>
+          <p:cNvPr id="40" name="CustomShape 5"/>
           <p:cNvSpPr/>
           <p:nvPr/>
         </p:nvSpPr>
         <p:spPr>
           <a:xfrm>
             <a:off x="9870840" y="612360"/>
-            <a:ext cx="284400" cy="6515280"/>
+            <a:ext cx="284040" cy="6514920"/>
           </a:xfrm>
           <a:prstGeom prst="rect">
             <a:avLst/>
@@ -1895,14 +1679,14 @@
       </p:sp>
       <p:sp>
         <p:nvSpPr>
-          <p:cNvPr id="43" name="CustomShape 6"/>
+          <p:cNvPr id="41" name="CustomShape 6"/>
           <p:cNvSpPr/>
           <p:nvPr/>
         </p:nvSpPr>
         <p:spPr>
           <a:xfrm>
             <a:off x="6702840" y="1548360"/>
-            <a:ext cx="1436400" cy="572400"/>
+            <a:ext cx="1436040" cy="572040"/>
           </a:xfrm>
           <a:prstGeom prst="rect">
             <a:avLst/>
@@ -1980,14 +1764,14 @@
       </p:sp>
       <p:sp>
         <p:nvSpPr>
-          <p:cNvPr id="44" name="CustomShape 7"/>
+          <p:cNvPr id="42" name="CustomShape 7"/>
           <p:cNvSpPr/>
           <p:nvPr/>
         </p:nvSpPr>
         <p:spPr>
           <a:xfrm>
             <a:off x="6702840" y="2268360"/>
-            <a:ext cx="1436400" cy="1292400"/>
+            <a:ext cx="1436040" cy="1292040"/>
           </a:xfrm>
           <a:prstGeom prst="rect">
             <a:avLst/>
@@ -2055,14 +1839,14 @@
       </p:sp>
       <p:sp>
         <p:nvSpPr>
-          <p:cNvPr id="45" name="CustomShape 8"/>
+          <p:cNvPr id="43" name="CustomShape 8"/>
           <p:cNvSpPr/>
           <p:nvPr/>
         </p:nvSpPr>
         <p:spPr>
           <a:xfrm>
             <a:off x="1518840" y="900360"/>
-            <a:ext cx="1436400" cy="428400"/>
+            <a:ext cx="1436040" cy="428040"/>
           </a:xfrm>
           <a:prstGeom prst="rect">
             <a:avLst/>
@@ -2130,14 +1914,14 @@
       </p:sp>
       <p:sp>
         <p:nvSpPr>
-          <p:cNvPr id="46" name="CustomShape 9"/>
+          <p:cNvPr id="44" name="CustomShape 9"/>
           <p:cNvSpPr/>
           <p:nvPr/>
         </p:nvSpPr>
         <p:spPr>
           <a:xfrm>
             <a:off x="1518840" y="1548360"/>
-            <a:ext cx="1436400" cy="428400"/>
+            <a:ext cx="1436040" cy="428040"/>
           </a:xfrm>
           <a:prstGeom prst="rect">
             <a:avLst/>
@@ -2185,14 +1969,14 @@
       </p:sp>
       <p:sp>
         <p:nvSpPr>
-          <p:cNvPr id="47" name="CustomShape 10"/>
+          <p:cNvPr id="45" name="CustomShape 10"/>
           <p:cNvSpPr/>
           <p:nvPr/>
         </p:nvSpPr>
         <p:spPr>
           <a:xfrm>
             <a:off x="1518840" y="2556360"/>
-            <a:ext cx="1436400" cy="428400"/>
+            <a:ext cx="1436040" cy="428040"/>
           </a:xfrm>
           <a:prstGeom prst="rect">
             <a:avLst/>
@@ -2240,14 +2024,14 @@
       </p:sp>
       <p:sp>
         <p:nvSpPr>
-          <p:cNvPr id="48" name="CustomShape 11"/>
+          <p:cNvPr id="46" name="CustomShape 11"/>
           <p:cNvSpPr/>
           <p:nvPr/>
         </p:nvSpPr>
         <p:spPr>
           <a:xfrm>
             <a:off x="1512360" y="3132360"/>
-            <a:ext cx="1436400" cy="860400"/>
+            <a:ext cx="1436040" cy="860040"/>
           </a:xfrm>
           <a:prstGeom prst="rect">
             <a:avLst/>
@@ -2295,14 +2079,14 @@
       </p:sp>
       <p:sp>
         <p:nvSpPr>
-          <p:cNvPr id="49" name="CustomShape 12"/>
+          <p:cNvPr id="47" name="CustomShape 12"/>
           <p:cNvSpPr/>
           <p:nvPr/>
         </p:nvSpPr>
         <p:spPr>
           <a:xfrm>
             <a:off x="1512360" y="4140360"/>
-            <a:ext cx="1436400" cy="428400"/>
+            <a:ext cx="1436040" cy="428040"/>
           </a:xfrm>
           <a:prstGeom prst="rect">
             <a:avLst/>
@@ -2350,14 +2134,14 @@
       </p:sp>
       <p:sp>
         <p:nvSpPr>
-          <p:cNvPr id="50" name="CustomShape 13"/>
+          <p:cNvPr id="48" name="CustomShape 13"/>
           <p:cNvSpPr/>
           <p:nvPr/>
         </p:nvSpPr>
         <p:spPr>
           <a:xfrm>
             <a:off x="1512360" y="4824360"/>
-            <a:ext cx="1436400" cy="428400"/>
+            <a:ext cx="1436040" cy="428040"/>
           </a:xfrm>
           <a:prstGeom prst="rect">
             <a:avLst/>
@@ -2405,14 +2189,14 @@
       </p:sp>
       <p:sp>
         <p:nvSpPr>
-          <p:cNvPr id="51" name="CustomShape 14"/>
+          <p:cNvPr id="49" name="CustomShape 14"/>
           <p:cNvSpPr/>
           <p:nvPr/>
         </p:nvSpPr>
         <p:spPr>
           <a:xfrm>
             <a:off x="1512360" y="5472360"/>
-            <a:ext cx="1436400" cy="428400"/>
+            <a:ext cx="1436040" cy="428040"/>
           </a:xfrm>
           <a:prstGeom prst="rect">
             <a:avLst/>
@@ -2460,14 +2244,14 @@
       </p:sp>
       <p:sp>
         <p:nvSpPr>
-          <p:cNvPr id="52" name="CustomShape 15"/>
+          <p:cNvPr id="50" name="CustomShape 15"/>
           <p:cNvSpPr/>
           <p:nvPr/>
         </p:nvSpPr>
         <p:spPr>
           <a:xfrm>
             <a:off x="1512360" y="6113880"/>
-            <a:ext cx="1436400" cy="434880"/>
+            <a:ext cx="1436040" cy="434520"/>
           </a:xfrm>
           <a:prstGeom prst="rect">
             <a:avLst/>
@@ -2515,7 +2299,7 @@
       </p:sp>
       <p:sp>
         <p:nvSpPr>
-          <p:cNvPr id="53" name="Line 16"/>
+          <p:cNvPr id="51" name="Line 16"/>
           <p:cNvSpPr/>
           <p:nvPr/>
         </p:nvSpPr>
@@ -2569,7 +2353,7 @@
       </p:sp>
       <p:sp>
         <p:nvSpPr>
-          <p:cNvPr id="54" name="Line 17"/>
+          <p:cNvPr id="52" name="Line 17"/>
           <p:cNvSpPr/>
           <p:nvPr/>
         </p:nvSpPr>
@@ -2623,7 +2407,7 @@
       </p:sp>
       <p:sp>
         <p:nvSpPr>
-          <p:cNvPr id="55" name="Line 18"/>
+          <p:cNvPr id="53" name="Line 18"/>
           <p:cNvSpPr/>
           <p:nvPr/>
         </p:nvSpPr>
@@ -2677,7 +2461,7 @@
       </p:sp>
       <p:sp>
         <p:nvSpPr>
-          <p:cNvPr id="56" name="Line 19"/>
+          <p:cNvPr id="54" name="Line 19"/>
           <p:cNvSpPr/>
           <p:nvPr/>
         </p:nvSpPr>
@@ -2731,7 +2515,7 @@
       </p:sp>
       <p:sp>
         <p:nvSpPr>
-          <p:cNvPr id="57" name="Line 20"/>
+          <p:cNvPr id="55" name="Line 20"/>
           <p:cNvSpPr/>
           <p:nvPr/>
         </p:nvSpPr>
@@ -2785,14 +2569,14 @@
       </p:sp>
       <p:sp>
         <p:nvSpPr>
-          <p:cNvPr id="58" name="CustomShape 21"/>
+          <p:cNvPr id="56" name="CustomShape 21"/>
           <p:cNvSpPr/>
           <p:nvPr/>
         </p:nvSpPr>
         <p:spPr>
           <a:xfrm rot="16200000">
-            <a:off x="2886840" y="3351960"/>
-            <a:ext cx="860400" cy="428400"/>
+            <a:off x="2886840" y="3352320"/>
+            <a:ext cx="860040" cy="428040"/>
           </a:xfrm>
           <a:prstGeom prst="rect">
             <a:avLst/>
@@ -2840,14 +2624,14 @@
       </p:sp>
       <p:sp>
         <p:nvSpPr>
-          <p:cNvPr id="59" name="CustomShape 22"/>
+          <p:cNvPr id="57" name="CustomShape 22"/>
           <p:cNvSpPr/>
           <p:nvPr/>
         </p:nvSpPr>
         <p:spPr>
           <a:xfrm rot="16200000">
-            <a:off x="288360" y="3351960"/>
-            <a:ext cx="860400" cy="428400"/>
+            <a:off x="288360" y="3352320"/>
+            <a:ext cx="860040" cy="428040"/>
           </a:xfrm>
           <a:prstGeom prst="rect">
             <a:avLst/>
@@ -2895,7 +2679,7 @@
       </p:sp>
       <p:sp>
         <p:nvSpPr>
-          <p:cNvPr id="60" name="Line 23"/>
+          <p:cNvPr id="58" name="Line 23"/>
           <p:cNvSpPr/>
           <p:nvPr/>
         </p:nvSpPr>
@@ -2949,7 +2733,7 @@
       </p:sp>
       <p:sp>
         <p:nvSpPr>
-          <p:cNvPr id="61" name="Line 24"/>
+          <p:cNvPr id="59" name="Line 24"/>
           <p:cNvSpPr/>
           <p:nvPr/>
         </p:nvSpPr>
@@ -3003,7 +2787,7 @@
       </p:sp>
       <p:sp>
         <p:nvSpPr>
-          <p:cNvPr id="62" name="Line 25"/>
+          <p:cNvPr id="60" name="Line 25"/>
           <p:cNvSpPr/>
           <p:nvPr/>
         </p:nvSpPr>
@@ -3032,7 +2816,7 @@
       </p:sp>
       <p:sp>
         <p:nvSpPr>
-          <p:cNvPr id="63" name="Line 26"/>
+          <p:cNvPr id="61" name="Line 26"/>
           <p:cNvSpPr/>
           <p:nvPr/>
         </p:nvSpPr>
@@ -3061,7 +2845,7 @@
       </p:sp>
       <p:sp>
         <p:nvSpPr>
-          <p:cNvPr id="64" name="Line 27"/>
+          <p:cNvPr id="62" name="Line 27"/>
           <p:cNvSpPr/>
           <p:nvPr/>
         </p:nvSpPr>
@@ -3090,14 +2874,14 @@
       </p:sp>
       <p:sp>
         <p:nvSpPr>
-          <p:cNvPr id="65" name="CustomShape 28"/>
+          <p:cNvPr id="63" name="CustomShape 28"/>
           <p:cNvSpPr/>
           <p:nvPr/>
         </p:nvSpPr>
         <p:spPr>
           <a:xfrm rot="16200000">
-            <a:off x="5690160" y="2631960"/>
-            <a:ext cx="1292400" cy="572400"/>
+            <a:off x="5690160" y="2632320"/>
+            <a:ext cx="1292040" cy="572040"/>
           </a:xfrm>
           <a:prstGeom prst="rect">
             <a:avLst/>
@@ -3165,7 +2949,7 @@
       </p:sp>
       <p:sp>
         <p:nvSpPr>
-          <p:cNvPr id="66" name="Line 29"/>
+          <p:cNvPr id="64" name="Line 29"/>
           <p:cNvSpPr/>
           <p:nvPr/>
         </p:nvSpPr>
@@ -3194,7 +2978,7 @@
       </p:sp>
       <p:sp>
         <p:nvSpPr>
-          <p:cNvPr id="67" name="Line 30"/>
+          <p:cNvPr id="65" name="Line 30"/>
           <p:cNvSpPr/>
           <p:nvPr/>
         </p:nvSpPr>
@@ -3248,7 +3032,7 @@
       </p:sp>
       <p:sp>
         <p:nvSpPr>
-          <p:cNvPr id="68" name="Line 31"/>
+          <p:cNvPr id="66" name="Line 31"/>
           <p:cNvSpPr/>
           <p:nvPr/>
         </p:nvSpPr>
@@ -3302,7 +3086,7 @@
       </p:sp>
       <p:sp>
         <p:nvSpPr>
-          <p:cNvPr id="69" name="Line 32"/>
+          <p:cNvPr id="67" name="Line 32"/>
           <p:cNvSpPr/>
           <p:nvPr/>
         </p:nvSpPr>
@@ -3356,7 +3140,7 @@
       </p:sp>
       <p:sp>
         <p:nvSpPr>
-          <p:cNvPr id="70" name="Line 33"/>
+          <p:cNvPr id="68" name="Line 33"/>
           <p:cNvSpPr/>
           <p:nvPr/>
         </p:nvSpPr>
@@ -3410,7 +3194,7 @@
       </p:sp>
       <p:sp>
         <p:nvSpPr>
-          <p:cNvPr id="71" name="Line 34"/>
+          <p:cNvPr id="69" name="Line 34"/>
           <p:cNvSpPr/>
           <p:nvPr/>
         </p:nvSpPr>
@@ -3464,7 +3248,7 @@
       </p:sp>
       <p:sp>
         <p:nvSpPr>
-          <p:cNvPr id="72" name="Line 35"/>
+          <p:cNvPr id="70" name="Line 35"/>
           <p:cNvSpPr/>
           <p:nvPr/>
         </p:nvSpPr>
@@ -3518,7 +3302,7 @@
       </p:sp>
       <p:sp>
         <p:nvSpPr>
-          <p:cNvPr id="73" name="Line 36"/>
+          <p:cNvPr id="71" name="Line 36"/>
           <p:cNvSpPr/>
           <p:nvPr/>
         </p:nvSpPr>
@@ -3572,7 +3356,7 @@
       </p:sp>
       <p:sp>
         <p:nvSpPr>
-          <p:cNvPr id="74" name="Line 37"/>
+          <p:cNvPr id="72" name="Line 37"/>
           <p:cNvSpPr/>
           <p:nvPr/>
         </p:nvSpPr>
@@ -3626,7 +3410,7 @@
       </p:sp>
       <p:sp>
         <p:nvSpPr>
-          <p:cNvPr id="75" name="Line 38"/>
+          <p:cNvPr id="73" name="Line 38"/>
           <p:cNvSpPr/>
           <p:nvPr/>
         </p:nvSpPr>
@@ -3680,7 +3464,7 @@
       </p:sp>
       <p:sp>
         <p:nvSpPr>
-          <p:cNvPr id="76" name="Line 39"/>
+          <p:cNvPr id="74" name="Line 39"/>
           <p:cNvSpPr/>
           <p:nvPr/>
         </p:nvSpPr>
@@ -3734,7 +3518,7 @@
       </p:sp>
       <p:sp>
         <p:nvSpPr>
-          <p:cNvPr id="77" name="Line 40"/>
+          <p:cNvPr id="75" name="Line 40"/>
           <p:cNvSpPr/>
           <p:nvPr/>
         </p:nvSpPr>
@@ -3788,14 +3572,14 @@
       </p:sp>
       <p:sp>
         <p:nvSpPr>
-          <p:cNvPr id="78" name="CustomShape 41"/>
+          <p:cNvPr id="76" name="CustomShape 41"/>
           <p:cNvSpPr/>
           <p:nvPr/>
         </p:nvSpPr>
         <p:spPr>
           <a:xfrm>
             <a:off x="1518840" y="324360"/>
-            <a:ext cx="1436400" cy="428400"/>
+            <a:ext cx="1436040" cy="428040"/>
           </a:xfrm>
           <a:prstGeom prst="rect">
             <a:avLst/>
@@ -3863,7 +3647,7 @@
       </p:sp>
       <p:sp>
         <p:nvSpPr>
-          <p:cNvPr id="79" name="Line 42"/>
+          <p:cNvPr id="77" name="Line 42"/>
           <p:cNvSpPr/>
           <p:nvPr/>
         </p:nvSpPr>
@@ -3892,7 +3676,7 @@
       </p:sp>
       <p:sp>
         <p:nvSpPr>
-          <p:cNvPr id="80" name="Line 43"/>
+          <p:cNvPr id="78" name="Line 43"/>
           <p:cNvSpPr/>
           <p:nvPr/>
         </p:nvSpPr>
@@ -3920,7 +3704,7 @@
       </p:sp>
       <p:sp>
         <p:nvSpPr>
-          <p:cNvPr id="81" name="Line 44"/>
+          <p:cNvPr id="79" name="Line 44"/>
           <p:cNvSpPr/>
           <p:nvPr/>
         </p:nvSpPr>
@@ -3949,14 +3733,14 @@
       </p:sp>
       <p:sp>
         <p:nvSpPr>
-          <p:cNvPr id="82" name="CustomShape 45"/>
+          <p:cNvPr id="80" name="CustomShape 45"/>
           <p:cNvSpPr/>
           <p:nvPr/>
         </p:nvSpPr>
         <p:spPr>
           <a:xfrm>
             <a:off x="4566960" y="324000"/>
-            <a:ext cx="528120" cy="302760"/>
+            <a:ext cx="527760" cy="302760"/>
           </a:xfrm>
           <a:prstGeom prst="rect">
             <a:avLst/>
@@ -4020,14 +3804,14 @@
       </p:sp>
       <p:sp>
         <p:nvSpPr>
-          <p:cNvPr id="83" name="CustomShape 46"/>
+          <p:cNvPr id="81" name="CustomShape 46"/>
           <p:cNvSpPr/>
           <p:nvPr/>
         </p:nvSpPr>
         <p:spPr>
           <a:xfrm>
             <a:off x="9670680" y="324360"/>
-            <a:ext cx="696600" cy="302760"/>
+            <a:ext cx="696240" cy="302760"/>
           </a:xfrm>
           <a:prstGeom prst="rect">
             <a:avLst/>
@@ -4091,14 +3875,14 @@
       </p:sp>
       <p:sp>
         <p:nvSpPr>
-          <p:cNvPr id="84" name="CustomShape 47"/>
+          <p:cNvPr id="82" name="CustomShape 47"/>
           <p:cNvSpPr/>
           <p:nvPr/>
         </p:nvSpPr>
         <p:spPr>
           <a:xfrm>
             <a:off x="3251520" y="2448360"/>
-            <a:ext cx="1153440" cy="546120"/>
+            <a:ext cx="1153080" cy="546120"/>
           </a:xfrm>
           <a:prstGeom prst="rect">
             <a:avLst/>
@@ -4162,14 +3946,14 @@
       </p:sp>
       <p:sp>
         <p:nvSpPr>
-          <p:cNvPr id="85" name="CustomShape 48"/>
+          <p:cNvPr id="83" name="CustomShape 48"/>
           <p:cNvSpPr/>
           <p:nvPr/>
         </p:nvSpPr>
         <p:spPr>
           <a:xfrm>
             <a:off x="8656560" y="3348000"/>
-            <a:ext cx="932400" cy="317880"/>
+            <a:ext cx="932040" cy="317880"/>
           </a:xfrm>
           <a:prstGeom prst="rect">
             <a:avLst/>
@@ -4213,14 +3997,14 @@
       </p:sp>
       <p:sp>
         <p:nvSpPr>
-          <p:cNvPr id="86" name="CustomShape 49"/>
+          <p:cNvPr id="84" name="CustomShape 49"/>
           <p:cNvSpPr/>
           <p:nvPr/>
         </p:nvSpPr>
         <p:spPr>
           <a:xfrm>
             <a:off x="1464480" y="1116360"/>
-            <a:ext cx="398880" cy="241560"/>
+            <a:ext cx="398520" cy="241560"/>
           </a:xfrm>
           <a:prstGeom prst="rect">
             <a:avLst/>
@@ -4284,14 +4068,14 @@
       </p:sp>
       <p:sp>
         <p:nvSpPr>
-          <p:cNvPr id="87" name="CustomShape 50"/>
+          <p:cNvPr id="85" name="CustomShape 50"/>
           <p:cNvSpPr/>
           <p:nvPr/>
         </p:nvSpPr>
         <p:spPr>
           <a:xfrm>
             <a:off x="6641280" y="885960"/>
-            <a:ext cx="1048320" cy="470160"/>
+            <a:ext cx="1047960" cy="469800"/>
           </a:xfrm>
           <a:prstGeom prst="rect">
             <a:avLst/>
@@ -4415,14 +4199,14 @@
       </p:sp>
       <p:sp>
         <p:nvSpPr>
-          <p:cNvPr id="88" name="CustomShape 51"/>
+          <p:cNvPr id="86" name="CustomShape 51"/>
           <p:cNvSpPr/>
           <p:nvPr/>
         </p:nvSpPr>
         <p:spPr>
           <a:xfrm>
             <a:off x="1450080" y="6408360"/>
-            <a:ext cx="305280" cy="165600"/>
+            <a:ext cx="304920" cy="165600"/>
           </a:xfrm>
           <a:prstGeom prst="rect">
             <a:avLst/>
@@ -4466,14 +4250,14 @@
       </p:sp>
       <p:sp>
         <p:nvSpPr>
-          <p:cNvPr id="89" name="CustomShape 52"/>
+          <p:cNvPr id="87" name="CustomShape 52"/>
           <p:cNvSpPr/>
           <p:nvPr/>
         </p:nvSpPr>
         <p:spPr>
           <a:xfrm>
             <a:off x="1450080" y="5760360"/>
-            <a:ext cx="305280" cy="165600"/>
+            <a:ext cx="304920" cy="165600"/>
           </a:xfrm>
           <a:prstGeom prst="rect">
             <a:avLst/>
@@ -4517,14 +4301,14 @@
       </p:sp>
       <p:sp>
         <p:nvSpPr>
-          <p:cNvPr id="90" name="CustomShape 53"/>
+          <p:cNvPr id="88" name="CustomShape 53"/>
           <p:cNvSpPr/>
           <p:nvPr/>
         </p:nvSpPr>
         <p:spPr>
           <a:xfrm>
             <a:off x="1450080" y="5112360"/>
-            <a:ext cx="305280" cy="165600"/>
+            <a:ext cx="304920" cy="165600"/>
           </a:xfrm>
           <a:prstGeom prst="rect">
             <a:avLst/>
@@ -4568,14 +4352,14 @@
       </p:sp>
       <p:sp>
         <p:nvSpPr>
-          <p:cNvPr id="91" name="CustomShape 54"/>
+          <p:cNvPr id="89" name="CustomShape 54"/>
           <p:cNvSpPr/>
           <p:nvPr/>
         </p:nvSpPr>
         <p:spPr>
           <a:xfrm>
             <a:off x="434880" y="3794760"/>
-            <a:ext cx="399240" cy="241560"/>
+            <a:ext cx="398880" cy="241560"/>
           </a:xfrm>
           <a:prstGeom prst="rect">
             <a:avLst/>
@@ -4639,14 +4423,14 @@
       </p:sp>
       <p:sp>
         <p:nvSpPr>
-          <p:cNvPr id="92" name="CustomShape 55"/>
+          <p:cNvPr id="90" name="CustomShape 55"/>
           <p:cNvSpPr/>
           <p:nvPr/>
         </p:nvSpPr>
         <p:spPr>
           <a:xfrm>
             <a:off x="1457280" y="1836360"/>
-            <a:ext cx="305280" cy="165600"/>
+            <a:ext cx="304920" cy="165600"/>
           </a:xfrm>
           <a:prstGeom prst="rect">
             <a:avLst/>
@@ -4690,14 +4474,14 @@
       </p:sp>
       <p:sp>
         <p:nvSpPr>
-          <p:cNvPr id="93" name="CustomShape 56"/>
+          <p:cNvPr id="91" name="CustomShape 56"/>
           <p:cNvSpPr/>
           <p:nvPr/>
         </p:nvSpPr>
         <p:spPr>
           <a:xfrm>
             <a:off x="1457280" y="2844360"/>
-            <a:ext cx="305280" cy="165600"/>
+            <a:ext cx="304920" cy="165600"/>
           </a:xfrm>
           <a:prstGeom prst="rect">
             <a:avLst/>
@@ -4741,14 +4525,14 @@
       </p:sp>
       <p:sp>
         <p:nvSpPr>
-          <p:cNvPr id="94" name="CustomShape 57"/>
+          <p:cNvPr id="92" name="CustomShape 57"/>
           <p:cNvSpPr/>
           <p:nvPr/>
         </p:nvSpPr>
         <p:spPr>
           <a:xfrm>
             <a:off x="1450080" y="4428360"/>
-            <a:ext cx="305280" cy="165600"/>
+            <a:ext cx="304920" cy="165600"/>
           </a:xfrm>
           <a:prstGeom prst="rect">
             <a:avLst/>
@@ -4792,14 +4576,14 @@
       </p:sp>
       <p:sp>
         <p:nvSpPr>
-          <p:cNvPr id="95" name="CustomShape 58"/>
+          <p:cNvPr id="93" name="CustomShape 58"/>
           <p:cNvSpPr/>
           <p:nvPr/>
         </p:nvSpPr>
         <p:spPr>
           <a:xfrm>
             <a:off x="6641280" y="1757160"/>
-            <a:ext cx="1120320" cy="394200"/>
+            <a:ext cx="1119960" cy="393840"/>
           </a:xfrm>
           <a:prstGeom prst="rect">
             <a:avLst/>
@@ -4903,14 +4687,14 @@
       </p:sp>
       <p:sp>
         <p:nvSpPr>
-          <p:cNvPr id="96" name="CustomShape 59"/>
+          <p:cNvPr id="94" name="CustomShape 59"/>
           <p:cNvSpPr/>
           <p:nvPr/>
         </p:nvSpPr>
         <p:spPr>
           <a:xfrm>
             <a:off x="6655680" y="3402360"/>
-            <a:ext cx="305280" cy="165600"/>
+            <a:ext cx="304920" cy="165600"/>
           </a:xfrm>
           <a:prstGeom prst="rect">
             <a:avLst/>
@@ -4954,14 +4738,14 @@
       </p:sp>
       <p:sp>
         <p:nvSpPr>
-          <p:cNvPr id="97" name="CustomShape 60"/>
+          <p:cNvPr id="95" name="CustomShape 60"/>
           <p:cNvSpPr/>
           <p:nvPr/>
         </p:nvSpPr>
         <p:spPr>
           <a:xfrm>
             <a:off x="1450080" y="3852360"/>
-            <a:ext cx="449280" cy="165600"/>
+            <a:ext cx="448920" cy="165600"/>
           </a:xfrm>
           <a:prstGeom prst="rect">
             <a:avLst/>
@@ -5005,7 +4789,7 @@
       </p:sp>
       <p:sp>
         <p:nvSpPr>
-          <p:cNvPr id="98" name="Line 61"/>
+          <p:cNvPr id="96" name="Line 61"/>
           <p:cNvSpPr/>
           <p:nvPr/>
         </p:nvSpPr>
@@ -5033,14 +4817,14 @@
       </p:sp>
       <p:sp>
         <p:nvSpPr>
-          <p:cNvPr id="99" name="CustomShape 62"/>
+          <p:cNvPr id="97" name="CustomShape 62"/>
           <p:cNvSpPr/>
           <p:nvPr/>
         </p:nvSpPr>
         <p:spPr>
           <a:xfrm>
             <a:off x="6702840" y="5428080"/>
-            <a:ext cx="1436400" cy="572400"/>
+            <a:ext cx="1436040" cy="572040"/>
           </a:xfrm>
           <a:prstGeom prst="rect">
             <a:avLst/>
@@ -5118,7 +4902,7 @@
       </p:sp>
       <p:sp>
         <p:nvSpPr>
-          <p:cNvPr id="100" name="Line 63"/>
+          <p:cNvPr id="98" name="Line 63"/>
           <p:cNvSpPr/>
           <p:nvPr/>
         </p:nvSpPr>
@@ -5172,7 +4956,7 @@
       </p:sp>
       <p:sp>
         <p:nvSpPr>
-          <p:cNvPr id="101" name="Line 64"/>
+          <p:cNvPr id="99" name="Line 64"/>
           <p:cNvSpPr/>
           <p:nvPr/>
         </p:nvSpPr>
@@ -5226,14 +5010,14 @@
       </p:sp>
       <p:sp>
         <p:nvSpPr>
-          <p:cNvPr id="102" name="CustomShape 65"/>
+          <p:cNvPr id="100" name="CustomShape 65"/>
           <p:cNvSpPr/>
           <p:nvPr/>
         </p:nvSpPr>
         <p:spPr>
           <a:xfrm>
             <a:off x="1454760" y="460440"/>
-            <a:ext cx="450360" cy="317520"/>
+            <a:ext cx="450000" cy="317520"/>
           </a:xfrm>
           <a:prstGeom prst="rect">
             <a:avLst/>
@@ -5317,7 +5101,7 @@
       </p:sp>
       <p:sp>
         <p:nvSpPr>
-          <p:cNvPr id="103" name="Line 66"/>
+          <p:cNvPr id="101" name="Line 66"/>
           <p:cNvSpPr/>
           <p:nvPr/>
         </p:nvSpPr>
@@ -5345,14 +5129,14 @@
       </p:sp>
       <p:sp>
         <p:nvSpPr>
-          <p:cNvPr id="104" name="CustomShape 67"/>
+          <p:cNvPr id="102" name="CustomShape 67"/>
           <p:cNvSpPr/>
           <p:nvPr/>
         </p:nvSpPr>
         <p:spPr>
           <a:xfrm>
             <a:off x="2798640" y="887040"/>
-            <a:ext cx="305280" cy="165600"/>
+            <a:ext cx="304920" cy="165600"/>
           </a:xfrm>
           <a:prstGeom prst="rect">
             <a:avLst/>
@@ -5396,14 +5180,14 @@
       </p:sp>
       <p:sp>
         <p:nvSpPr>
-          <p:cNvPr id="105" name="CustomShape 68"/>
+          <p:cNvPr id="103" name="CustomShape 68"/>
           <p:cNvSpPr/>
           <p:nvPr/>
         </p:nvSpPr>
         <p:spPr>
           <a:xfrm>
             <a:off x="2798640" y="1526400"/>
-            <a:ext cx="305280" cy="165600"/>
+            <a:ext cx="304920" cy="165600"/>
           </a:xfrm>
           <a:prstGeom prst="rect">
             <a:avLst/>
@@ -5447,14 +5231,14 @@
       </p:sp>
       <p:sp>
         <p:nvSpPr>
-          <p:cNvPr id="106" name="CustomShape 69"/>
+          <p:cNvPr id="104" name="CustomShape 69"/>
           <p:cNvSpPr/>
           <p:nvPr/>
         </p:nvSpPr>
         <p:spPr>
           <a:xfrm>
             <a:off x="2798640" y="2534400"/>
-            <a:ext cx="305280" cy="165600"/>
+            <a:ext cx="304920" cy="165600"/>
           </a:xfrm>
           <a:prstGeom prst="rect">
             <a:avLst/>
@@ -5498,14 +5282,14 @@
       </p:sp>
       <p:sp>
         <p:nvSpPr>
-          <p:cNvPr id="107" name="CustomShape 70"/>
+          <p:cNvPr id="105" name="CustomShape 70"/>
           <p:cNvSpPr/>
           <p:nvPr/>
         </p:nvSpPr>
         <p:spPr>
           <a:xfrm>
             <a:off x="2798640" y="4118760"/>
-            <a:ext cx="305280" cy="165600"/>
+            <a:ext cx="304920" cy="165600"/>
           </a:xfrm>
           <a:prstGeom prst="rect">
             <a:avLst/>
@@ -5549,14 +5333,14 @@
       </p:sp>
       <p:sp>
         <p:nvSpPr>
-          <p:cNvPr id="108" name="CustomShape 71"/>
+          <p:cNvPr id="106" name="CustomShape 71"/>
           <p:cNvSpPr/>
           <p:nvPr/>
         </p:nvSpPr>
         <p:spPr>
           <a:xfrm>
             <a:off x="2798640" y="4802760"/>
-            <a:ext cx="305280" cy="165600"/>
+            <a:ext cx="304920" cy="165600"/>
           </a:xfrm>
           <a:prstGeom prst="rect">
             <a:avLst/>
@@ -5600,14 +5384,14 @@
       </p:sp>
       <p:sp>
         <p:nvSpPr>
-          <p:cNvPr id="109" name="CustomShape 72"/>
+          <p:cNvPr id="107" name="CustomShape 72"/>
           <p:cNvSpPr/>
           <p:nvPr/>
         </p:nvSpPr>
         <p:spPr>
           <a:xfrm>
             <a:off x="2798640" y="5457240"/>
-            <a:ext cx="305280" cy="165600"/>
+            <a:ext cx="304920" cy="165600"/>
           </a:xfrm>
           <a:prstGeom prst="rect">
             <a:avLst/>
@@ -5651,14 +5435,14 @@
       </p:sp>
       <p:sp>
         <p:nvSpPr>
-          <p:cNvPr id="110" name="CustomShape 73"/>
+          <p:cNvPr id="108" name="CustomShape 73"/>
           <p:cNvSpPr/>
           <p:nvPr/>
         </p:nvSpPr>
         <p:spPr>
           <a:xfrm>
             <a:off x="2798640" y="6093360"/>
-            <a:ext cx="305280" cy="165600"/>
+            <a:ext cx="304920" cy="165600"/>
           </a:xfrm>
           <a:prstGeom prst="rect">
             <a:avLst/>
@@ -5702,14 +5486,14 @@
       </p:sp>
       <p:sp>
         <p:nvSpPr>
-          <p:cNvPr id="111" name="CustomShape 74"/>
+          <p:cNvPr id="109" name="CustomShape 74"/>
           <p:cNvSpPr/>
           <p:nvPr/>
         </p:nvSpPr>
         <p:spPr>
           <a:xfrm>
             <a:off x="3384000" y="3115440"/>
-            <a:ext cx="305280" cy="165600"/>
+            <a:ext cx="304920" cy="165600"/>
           </a:xfrm>
           <a:prstGeom prst="rect">
             <a:avLst/>
@@ -5753,14 +5537,14 @@
       </p:sp>
       <p:sp>
         <p:nvSpPr>
-          <p:cNvPr id="112" name="CustomShape 75"/>
+          <p:cNvPr id="110" name="CustomShape 75"/>
           <p:cNvSpPr/>
           <p:nvPr/>
         </p:nvSpPr>
         <p:spPr>
           <a:xfrm>
             <a:off x="779040" y="3108960"/>
-            <a:ext cx="305280" cy="165600"/>
+            <a:ext cx="304920" cy="165600"/>
           </a:xfrm>
           <a:prstGeom prst="rect">
             <a:avLst/>
@@ -5804,14 +5588,14 @@
       </p:sp>
       <p:sp>
         <p:nvSpPr>
-          <p:cNvPr id="113" name="CustomShape 76"/>
+          <p:cNvPr id="111" name="CustomShape 76"/>
           <p:cNvSpPr/>
           <p:nvPr/>
         </p:nvSpPr>
         <p:spPr>
           <a:xfrm>
             <a:off x="7949160" y="734400"/>
-            <a:ext cx="305280" cy="165600"/>
+            <a:ext cx="304920" cy="165600"/>
           </a:xfrm>
           <a:prstGeom prst="rect">
             <a:avLst/>
@@ -5855,14 +5639,14 @@
       </p:sp>
       <p:sp>
         <p:nvSpPr>
-          <p:cNvPr id="114" name="CustomShape 77"/>
+          <p:cNvPr id="112" name="CustomShape 77"/>
           <p:cNvSpPr/>
           <p:nvPr/>
         </p:nvSpPr>
         <p:spPr>
           <a:xfrm>
             <a:off x="7949160" y="1526400"/>
-            <a:ext cx="305280" cy="165600"/>
+            <a:ext cx="304920" cy="165600"/>
           </a:xfrm>
           <a:prstGeom prst="rect">
             <a:avLst/>
@@ -5906,14 +5690,14 @@
       </p:sp>
       <p:sp>
         <p:nvSpPr>
-          <p:cNvPr id="115" name="CustomShape 78"/>
+          <p:cNvPr id="113" name="CustomShape 78"/>
           <p:cNvSpPr/>
           <p:nvPr/>
         </p:nvSpPr>
         <p:spPr>
           <a:xfrm>
             <a:off x="7955280" y="5400000"/>
-            <a:ext cx="305280" cy="165600"/>
+            <a:ext cx="304920" cy="165600"/>
           </a:xfrm>
           <a:prstGeom prst="rect">
             <a:avLst/>
@@ -5957,14 +5741,14 @@
       </p:sp>
       <p:sp>
         <p:nvSpPr>
-          <p:cNvPr id="116" name="CustomShape 79"/>
+          <p:cNvPr id="114" name="CustomShape 79"/>
           <p:cNvSpPr/>
           <p:nvPr/>
         </p:nvSpPr>
         <p:spPr>
           <a:xfrm>
             <a:off x="6466320" y="2245320"/>
-            <a:ext cx="305280" cy="165600"/>
+            <a:ext cx="304920" cy="165600"/>
           </a:xfrm>
           <a:prstGeom prst="rect">
             <a:avLst/>
@@ -6008,14 +5792,14 @@
       </p:sp>
       <p:sp>
         <p:nvSpPr>
-          <p:cNvPr id="117" name="CustomShape 80"/>
+          <p:cNvPr id="115" name="CustomShape 80"/>
           <p:cNvSpPr/>
           <p:nvPr/>
         </p:nvSpPr>
         <p:spPr>
           <a:xfrm>
             <a:off x="3024000" y="325080"/>
-            <a:ext cx="710640" cy="428400"/>
+            <a:ext cx="710280" cy="428040"/>
           </a:xfrm>
           <a:prstGeom prst="rect">
             <a:avLst/>
@@ -6063,7 +5847,7 @@
       </p:sp>
       <p:sp>
         <p:nvSpPr>
-          <p:cNvPr id="118" name="Line 81"/>
+          <p:cNvPr id="116" name="Line 81"/>
           <p:cNvSpPr/>
           <p:nvPr/>
         </p:nvSpPr>
@@ -6091,14 +5875,14 @@
       </p:sp>
       <p:sp>
         <p:nvSpPr>
-          <p:cNvPr id="119" name="CustomShape 82"/>
+          <p:cNvPr id="117" name="CustomShape 82"/>
           <p:cNvSpPr/>
           <p:nvPr/>
         </p:nvSpPr>
         <p:spPr>
           <a:xfrm>
             <a:off x="2957760" y="612000"/>
-            <a:ext cx="449280" cy="165600"/>
+            <a:ext cx="448920" cy="165600"/>
           </a:xfrm>
           <a:prstGeom prst="rect">
             <a:avLst/>
@@ -6142,7 +5926,7 @@
       </p:sp>
       <p:graphicFrame>
         <p:nvGraphicFramePr>
-          <p:cNvPr id="120" name="Table 83"/>
+          <p:cNvPr id="118" name="Table 83"/>
           <p:cNvGraphicFramePr/>
           <p:nvPr/>
         </p:nvGraphicFramePr>
@@ -6414,14 +6198,14 @@
       </p:graphicFrame>
       <p:sp>
         <p:nvSpPr>
-          <p:cNvPr id="121" name="CustomShape 84"/>
+          <p:cNvPr id="119" name="CustomShape 84"/>
           <p:cNvSpPr/>
           <p:nvPr/>
         </p:nvSpPr>
         <p:spPr>
           <a:xfrm>
             <a:off x="294120" y="6930000"/>
-            <a:ext cx="434880" cy="196200"/>
+            <a:ext cx="434520" cy="196200"/>
           </a:xfrm>
           <a:prstGeom prst="rect">
             <a:avLst/>
@@ -6465,14 +6249,14 @@
       </p:sp>
       <p:sp>
         <p:nvSpPr>
-          <p:cNvPr id="122" name="CustomShape 85"/>
+          <p:cNvPr id="120" name="CustomShape 85"/>
           <p:cNvSpPr/>
           <p:nvPr/>
         </p:nvSpPr>
         <p:spPr>
           <a:xfrm>
             <a:off x="6706080" y="3844080"/>
-            <a:ext cx="1436400" cy="572400"/>
+            <a:ext cx="1436040" cy="572040"/>
           </a:xfrm>
           <a:prstGeom prst="rect">
             <a:avLst/>
@@ -6520,7 +6304,7 @@
       </p:sp>
       <p:sp>
         <p:nvSpPr>
-          <p:cNvPr id="123" name="Line 86"/>
+          <p:cNvPr id="121" name="Line 86"/>
           <p:cNvSpPr/>
           <p:nvPr/>
         </p:nvSpPr>
@@ -6574,7 +6358,7 @@
       </p:sp>
       <p:sp>
         <p:nvSpPr>
-          <p:cNvPr id="124" name="Line 87"/>
+          <p:cNvPr id="122" name="Line 87"/>
           <p:cNvSpPr/>
           <p:nvPr/>
         </p:nvSpPr>
@@ -6628,14 +6412,14 @@
       </p:sp>
       <p:sp>
         <p:nvSpPr>
-          <p:cNvPr id="125" name="CustomShape 88"/>
+          <p:cNvPr id="123" name="CustomShape 88"/>
           <p:cNvSpPr/>
           <p:nvPr/>
         </p:nvSpPr>
         <p:spPr>
           <a:xfrm>
             <a:off x="6658920" y="4197600"/>
-            <a:ext cx="449280" cy="241920"/>
+            <a:ext cx="448920" cy="241560"/>
           </a:xfrm>
           <a:prstGeom prst="rect">
             <a:avLst/>
@@ -6699,14 +6483,14 @@
       </p:sp>
       <p:sp>
         <p:nvSpPr>
-          <p:cNvPr id="126" name="CustomShape 89"/>
+          <p:cNvPr id="124" name="CustomShape 89"/>
           <p:cNvSpPr/>
           <p:nvPr/>
         </p:nvSpPr>
         <p:spPr>
           <a:xfrm>
             <a:off x="7958520" y="3816000"/>
-            <a:ext cx="305280" cy="165600"/>
+            <a:ext cx="304920" cy="165600"/>
           </a:xfrm>
           <a:prstGeom prst="rect">
             <a:avLst/>
@@ -6750,14 +6534,14 @@
       </p:sp>
       <p:sp>
         <p:nvSpPr>
-          <p:cNvPr id="127" name="CustomShape 90"/>
+          <p:cNvPr id="125" name="CustomShape 90"/>
           <p:cNvSpPr/>
           <p:nvPr/>
         </p:nvSpPr>
         <p:spPr>
           <a:xfrm>
             <a:off x="6050160" y="3840840"/>
-            <a:ext cx="572400" cy="262800"/>
+            <a:ext cx="572040" cy="262440"/>
           </a:xfrm>
           <a:prstGeom prst="rect">
             <a:avLst/>
@@ -6805,14 +6589,14 @@
       </p:sp>
       <p:sp>
         <p:nvSpPr>
-          <p:cNvPr id="128" name="CustomShape 91"/>
+          <p:cNvPr id="126" name="CustomShape 91"/>
           <p:cNvSpPr/>
           <p:nvPr/>
         </p:nvSpPr>
         <p:spPr>
           <a:xfrm>
             <a:off x="6050160" y="4154400"/>
-            <a:ext cx="572400" cy="262800"/>
+            <a:ext cx="572040" cy="262440"/>
           </a:xfrm>
           <a:prstGeom prst="rect">
             <a:avLst/>
@@ -6860,7 +6644,7 @@
       </p:sp>
       <p:sp>
         <p:nvSpPr>
-          <p:cNvPr id="129" name="Line 92"/>
+          <p:cNvPr id="127" name="Line 92"/>
           <p:cNvSpPr/>
           <p:nvPr/>
         </p:nvSpPr>
@@ -6888,7 +6672,7 @@
       </p:sp>
       <p:sp>
         <p:nvSpPr>
-          <p:cNvPr id="130" name="Line 93"/>
+          <p:cNvPr id="128" name="Line 93"/>
           <p:cNvSpPr/>
           <p:nvPr/>
         </p:nvSpPr>
@@ -6916,14 +6700,14 @@
       </p:sp>
       <p:sp>
         <p:nvSpPr>
-          <p:cNvPr id="131" name="CustomShape 94"/>
+          <p:cNvPr id="129" name="CustomShape 94"/>
           <p:cNvSpPr/>
           <p:nvPr/>
         </p:nvSpPr>
         <p:spPr>
           <a:xfrm>
             <a:off x="6472800" y="3816000"/>
-            <a:ext cx="305280" cy="165600"/>
+            <a:ext cx="304920" cy="165600"/>
           </a:xfrm>
           <a:prstGeom prst="rect">
             <a:avLst/>
@@ -6967,14 +6751,14 @@
       </p:sp>
       <p:sp>
         <p:nvSpPr>
-          <p:cNvPr id="132" name="CustomShape 95"/>
+          <p:cNvPr id="130" name="CustomShape 95"/>
           <p:cNvSpPr/>
           <p:nvPr/>
         </p:nvSpPr>
         <p:spPr>
           <a:xfrm>
             <a:off x="6472800" y="4125600"/>
-            <a:ext cx="305280" cy="165600"/>
+            <a:ext cx="304920" cy="165600"/>
           </a:xfrm>
           <a:prstGeom prst="rect">
             <a:avLst/>
@@ -7018,14 +6802,14 @@
       </p:sp>
       <p:sp>
         <p:nvSpPr>
-          <p:cNvPr id="133" name="CustomShape 96"/>
+          <p:cNvPr id="131" name="CustomShape 96"/>
           <p:cNvSpPr/>
           <p:nvPr/>
         </p:nvSpPr>
         <p:spPr>
           <a:xfrm>
             <a:off x="6708960" y="4636080"/>
-            <a:ext cx="1436400" cy="572400"/>
+            <a:ext cx="1436040" cy="572040"/>
           </a:xfrm>
           <a:prstGeom prst="rect">
             <a:avLst/>
@@ -7103,7 +6887,7 @@
       </p:sp>
       <p:sp>
         <p:nvSpPr>
-          <p:cNvPr id="134" name="Line 97"/>
+          <p:cNvPr id="132" name="Line 97"/>
           <p:cNvSpPr/>
           <p:nvPr/>
         </p:nvSpPr>
@@ -7157,7 +6941,7 @@
       </p:sp>
       <p:sp>
         <p:nvSpPr>
-          <p:cNvPr id="135" name="Line 98"/>
+          <p:cNvPr id="133" name="Line 98"/>
           <p:cNvSpPr/>
           <p:nvPr/>
         </p:nvSpPr>
@@ -7211,14 +6995,14 @@
       </p:sp>
       <p:sp>
         <p:nvSpPr>
-          <p:cNvPr id="136" name="CustomShape 99"/>
+          <p:cNvPr id="134" name="CustomShape 99"/>
           <p:cNvSpPr/>
           <p:nvPr/>
         </p:nvSpPr>
         <p:spPr>
           <a:xfrm>
             <a:off x="7961400" y="4608000"/>
-            <a:ext cx="305280" cy="165600"/>
+            <a:ext cx="304920" cy="165600"/>
           </a:xfrm>
           <a:prstGeom prst="rect">
             <a:avLst/>
@@ -7262,14 +7046,14 @@
       </p:sp>
       <p:sp>
         <p:nvSpPr>
-          <p:cNvPr id="137" name="CustomShape 100"/>
+          <p:cNvPr id="135" name="CustomShape 100"/>
           <p:cNvSpPr/>
           <p:nvPr/>
         </p:nvSpPr>
         <p:spPr>
           <a:xfrm>
             <a:off x="6708960" y="3844080"/>
-            <a:ext cx="1436400" cy="572400"/>
+            <a:ext cx="1436040" cy="572040"/>
           </a:xfrm>
           <a:prstGeom prst="rect">
             <a:avLst/>
@@ -7317,14 +7101,14 @@
       </p:sp>
       <p:sp>
         <p:nvSpPr>
-          <p:cNvPr id="138" name="CustomShape 101"/>
-          <p:cNvSpPr/>
-          <p:nvPr/>
-        </p:nvSpPr>
-        <p:spPr>
-          <a:xfrm>
-            <a:off x="6647400" y="4053600"/>
-            <a:ext cx="825840" cy="393840"/>
+          <p:cNvPr id="136" name="CustomShape 101"/>
+          <p:cNvSpPr/>
+          <p:nvPr/>
+        </p:nvSpPr>
+        <p:spPr>
+          <a:xfrm>
+            <a:off x="6647400" y="4125600"/>
+            <a:ext cx="825480" cy="318240"/>
           </a:xfrm>
           <a:prstGeom prst="rect">
             <a:avLst/>
@@ -7378,7 +7162,7 @@
                 <a:latin typeface="Arial"/>
                 <a:ea typeface="DejaVu Sans"/>
               </a:rPr>
-              <a:t>RST</a:t>
+              <a:t>DATA_TO_ADDR_HI</a:t>
             </a:r>
             <a:endParaRPr b="0" lang="de-DE" sz="500" spc="-1" strike="noStrike">
               <a:latin typeface="Arial"/>
@@ -7398,26 +7182,6 @@
                 <a:latin typeface="Arial"/>
                 <a:ea typeface="DejaVu Sans"/>
               </a:rPr>
-              <a:t>DATA_TO_ADDR_HI</a:t>
-            </a:r>
-            <a:endParaRPr b="0" lang="de-DE" sz="500" spc="-1" strike="noStrike">
-              <a:latin typeface="Arial"/>
-            </a:endParaRPr>
-          </a:p>
-          <a:p>
-            <a:pPr>
-              <a:lnSpc>
-                <a:spcPct val="100000"/>
-              </a:lnSpc>
-            </a:pPr>
-            <a:r>
-              <a:rPr b="0" lang="de-DE" sz="500" spc="-1" strike="noStrike">
-                <a:solidFill>
-                  <a:srgbClr val="000000"/>
-                </a:solidFill>
-                <a:latin typeface="Arial"/>
-                <a:ea typeface="DejaVu Sans"/>
-              </a:rPr>
               <a:t>DATA_TO_ADDR_LO</a:t>
             </a:r>
             <a:endParaRPr b="0" lang="de-DE" sz="500" spc="-1" strike="noStrike">
@@ -7428,14 +7192,14 @@
       </p:sp>
       <p:sp>
         <p:nvSpPr>
-          <p:cNvPr id="139" name="CustomShape 102"/>
+          <p:cNvPr id="137" name="CustomShape 102"/>
           <p:cNvSpPr/>
           <p:nvPr/>
         </p:nvSpPr>
         <p:spPr>
           <a:xfrm>
             <a:off x="7961400" y="3816000"/>
-            <a:ext cx="305280" cy="165600"/>
+            <a:ext cx="304920" cy="165600"/>
           </a:xfrm>
           <a:prstGeom prst="rect">
             <a:avLst/>
@@ -7479,14 +7243,14 @@
       </p:sp>
       <p:sp>
         <p:nvSpPr>
-          <p:cNvPr id="140" name="CustomShape 103"/>
+          <p:cNvPr id="138" name="CustomShape 103"/>
           <p:cNvSpPr/>
           <p:nvPr/>
         </p:nvSpPr>
         <p:spPr>
           <a:xfrm>
             <a:off x="6053040" y="3840840"/>
-            <a:ext cx="572400" cy="262800"/>
+            <a:ext cx="572040" cy="262440"/>
           </a:xfrm>
           <a:prstGeom prst="rect">
             <a:avLst/>
@@ -7534,14 +7298,14 @@
       </p:sp>
       <p:sp>
         <p:nvSpPr>
-          <p:cNvPr id="141" name="CustomShape 104"/>
+          <p:cNvPr id="139" name="CustomShape 104"/>
           <p:cNvSpPr/>
           <p:nvPr/>
         </p:nvSpPr>
         <p:spPr>
           <a:xfrm>
             <a:off x="6053040" y="4154400"/>
-            <a:ext cx="572400" cy="262800"/>
+            <a:ext cx="572040" cy="262440"/>
           </a:xfrm>
           <a:prstGeom prst="rect">
             <a:avLst/>
@@ -7589,7 +7353,7 @@
       </p:sp>
       <p:sp>
         <p:nvSpPr>
-          <p:cNvPr id="142" name="Line 105"/>
+          <p:cNvPr id="140" name="Line 105"/>
           <p:cNvSpPr/>
           <p:nvPr/>
         </p:nvSpPr>
@@ -7617,7 +7381,7 @@
       </p:sp>
       <p:sp>
         <p:nvSpPr>
-          <p:cNvPr id="143" name="Line 106"/>
+          <p:cNvPr id="141" name="Line 106"/>
           <p:cNvSpPr/>
           <p:nvPr/>
         </p:nvSpPr>
@@ -7645,14 +7409,14 @@
       </p:sp>
       <p:sp>
         <p:nvSpPr>
-          <p:cNvPr id="144" name="CustomShape 107"/>
+          <p:cNvPr id="142" name="CustomShape 107"/>
           <p:cNvSpPr/>
           <p:nvPr/>
         </p:nvSpPr>
         <p:spPr>
           <a:xfrm>
             <a:off x="6475680" y="3816000"/>
-            <a:ext cx="305280" cy="165600"/>
+            <a:ext cx="304920" cy="165600"/>
           </a:xfrm>
           <a:prstGeom prst="rect">
             <a:avLst/>
@@ -7696,14 +7460,14 @@
       </p:sp>
       <p:sp>
         <p:nvSpPr>
-          <p:cNvPr id="145" name="CustomShape 108"/>
+          <p:cNvPr id="143" name="CustomShape 108"/>
           <p:cNvSpPr/>
           <p:nvPr/>
         </p:nvSpPr>
         <p:spPr>
           <a:xfrm>
             <a:off x="6475680" y="4125600"/>
-            <a:ext cx="305280" cy="165600"/>
+            <a:ext cx="304920" cy="165600"/>
           </a:xfrm>
           <a:prstGeom prst="rect">
             <a:avLst/>
@@ -7747,7 +7511,7 @@
       </p:sp>
       <p:sp>
         <p:nvSpPr>
-          <p:cNvPr id="146" name="Line 109"/>
+          <p:cNvPr id="144" name="Line 109"/>
           <p:cNvSpPr/>
           <p:nvPr/>
         </p:nvSpPr>
@@ -7801,7 +7565,7 @@
       </p:sp>
       <p:sp>
         <p:nvSpPr>
-          <p:cNvPr id="147" name="Line 110"/>
+          <p:cNvPr id="145" name="Line 110"/>
           <p:cNvSpPr/>
           <p:nvPr/>
         </p:nvSpPr>
@@ -7855,14 +7619,14 @@
       </p:sp>
       <p:sp>
         <p:nvSpPr>
-          <p:cNvPr id="148" name="CustomShape 111"/>
-          <p:cNvSpPr/>
-          <p:nvPr/>
-        </p:nvSpPr>
-        <p:spPr>
-          <a:xfrm>
-            <a:off x="6647400" y="4845600"/>
-            <a:ext cx="825840" cy="393840"/>
+          <p:cNvPr id="146" name="CustomShape 111"/>
+          <p:cNvSpPr/>
+          <p:nvPr/>
+        </p:nvSpPr>
+        <p:spPr>
+          <a:xfrm>
+            <a:off x="6647400" y="4917600"/>
+            <a:ext cx="825480" cy="318240"/>
           </a:xfrm>
           <a:prstGeom prst="rect">
             <a:avLst/>
@@ -7916,7 +7680,7 @@
                 <a:latin typeface="Arial"/>
                 <a:ea typeface="DejaVu Sans"/>
               </a:rPr>
-              <a:t>RST</a:t>
+              <a:t>DATA_TO_ADDR_HI</a:t>
             </a:r>
             <a:endParaRPr b="0" lang="de-DE" sz="500" spc="-1" strike="noStrike">
               <a:latin typeface="Arial"/>
@@ -7936,26 +7700,6 @@
                 <a:latin typeface="Arial"/>
                 <a:ea typeface="DejaVu Sans"/>
               </a:rPr>
-              <a:t>DATA_TO_ADDR_HI</a:t>
-            </a:r>
-            <a:endParaRPr b="0" lang="de-DE" sz="500" spc="-1" strike="noStrike">
-              <a:latin typeface="Arial"/>
-            </a:endParaRPr>
-          </a:p>
-          <a:p>
-            <a:pPr>
-              <a:lnSpc>
-                <a:spcPct val="100000"/>
-              </a:lnSpc>
-            </a:pPr>
-            <a:r>
-              <a:rPr b="0" lang="de-DE" sz="500" spc="-1" strike="noStrike">
-                <a:solidFill>
-                  <a:srgbClr val="000000"/>
-                </a:solidFill>
-                <a:latin typeface="Arial"/>
-                <a:ea typeface="DejaVu Sans"/>
-              </a:rPr>
               <a:t>DATA_TO_ADDR_LO</a:t>
             </a:r>
             <a:endParaRPr b="0" lang="de-DE" sz="500" spc="-1" strike="noStrike">
@@ -7966,14 +7710,14 @@
       </p:sp>
       <p:sp>
         <p:nvSpPr>
-          <p:cNvPr id="149" name="CustomShape 112"/>
+          <p:cNvPr id="147" name="CustomShape 112"/>
           <p:cNvSpPr/>
           <p:nvPr/>
         </p:nvSpPr>
         <p:spPr>
           <a:xfrm>
             <a:off x="6640200" y="5479200"/>
-            <a:ext cx="825840" cy="545760"/>
+            <a:ext cx="825480" cy="545400"/>
           </a:xfrm>
           <a:prstGeom prst="rect">
             <a:avLst/>
@@ -8117,7 +7861,7 @@
       </p:sp>
       <p:sp>
         <p:nvSpPr>
-          <p:cNvPr id="150" name="Line 113"/>
+          <p:cNvPr id="148" name="Line 113"/>
           <p:cNvSpPr/>
           <p:nvPr/>
         </p:nvSpPr>
@@ -8171,7 +7915,7 @@
       </p:sp>
       <p:sp>
         <p:nvSpPr>
-          <p:cNvPr id="151" name="Line 114"/>
+          <p:cNvPr id="149" name="Line 114"/>
           <p:cNvSpPr/>
           <p:nvPr/>
         </p:nvSpPr>

--- a/doc/cpu.pptx
+++ b/doc/cpu.pptx
@@ -1431,7 +1431,7 @@
         <p:spPr>
           <a:xfrm>
             <a:off x="5812560" y="1411560"/>
-            <a:ext cx="3812040" cy="2300040"/>
+            <a:ext cx="3811680" cy="2299680"/>
           </a:xfrm>
           <a:prstGeom prst="rect">
             <a:avLst/>
@@ -1461,7 +1461,7 @@
         <p:spPr>
           <a:xfrm>
             <a:off x="412560" y="2412360"/>
-            <a:ext cx="4028040" cy="2300040"/>
+            <a:ext cx="4027680" cy="2299680"/>
           </a:xfrm>
           <a:prstGeom prst="rect">
             <a:avLst/>
@@ -1491,7 +1491,7 @@
         <p:spPr>
           <a:xfrm>
             <a:off x="6702840" y="756360"/>
-            <a:ext cx="1436040" cy="572040"/>
+            <a:ext cx="1435680" cy="571680"/>
           </a:xfrm>
           <a:prstGeom prst="rect">
             <a:avLst/>
@@ -1576,7 +1576,7 @@
         <p:spPr>
           <a:xfrm>
             <a:off x="4686840" y="612360"/>
-            <a:ext cx="284040" cy="6514920"/>
+            <a:ext cx="283680" cy="6514560"/>
           </a:xfrm>
           <a:prstGeom prst="rect">
             <a:avLst/>
@@ -1631,7 +1631,7 @@
         <p:spPr>
           <a:xfrm>
             <a:off x="9870840" y="612360"/>
-            <a:ext cx="284040" cy="6514920"/>
+            <a:ext cx="283680" cy="6514560"/>
           </a:xfrm>
           <a:prstGeom prst="rect">
             <a:avLst/>
@@ -1686,7 +1686,7 @@
         <p:spPr>
           <a:xfrm>
             <a:off x="6702840" y="1548360"/>
-            <a:ext cx="1436040" cy="572040"/>
+            <a:ext cx="1435680" cy="571680"/>
           </a:xfrm>
           <a:prstGeom prst="rect">
             <a:avLst/>
@@ -1771,7 +1771,7 @@
         <p:spPr>
           <a:xfrm>
             <a:off x="6702840" y="2268360"/>
-            <a:ext cx="1436040" cy="1292040"/>
+            <a:ext cx="1435680" cy="1291680"/>
           </a:xfrm>
           <a:prstGeom prst="rect">
             <a:avLst/>
@@ -1846,7 +1846,7 @@
         <p:spPr>
           <a:xfrm>
             <a:off x="1518840" y="900360"/>
-            <a:ext cx="1436040" cy="428040"/>
+            <a:ext cx="1435680" cy="427680"/>
           </a:xfrm>
           <a:prstGeom prst="rect">
             <a:avLst/>
@@ -1921,7 +1921,7 @@
         <p:spPr>
           <a:xfrm>
             <a:off x="1518840" y="1548360"/>
-            <a:ext cx="1436040" cy="428040"/>
+            <a:ext cx="1435680" cy="427680"/>
           </a:xfrm>
           <a:prstGeom prst="rect">
             <a:avLst/>
@@ -1976,7 +1976,7 @@
         <p:spPr>
           <a:xfrm>
             <a:off x="1518840" y="2556360"/>
-            <a:ext cx="1436040" cy="428040"/>
+            <a:ext cx="1435680" cy="427680"/>
           </a:xfrm>
           <a:prstGeom prst="rect">
             <a:avLst/>
@@ -2031,7 +2031,7 @@
         <p:spPr>
           <a:xfrm>
             <a:off x="1512360" y="3132360"/>
-            <a:ext cx="1436040" cy="860040"/>
+            <a:ext cx="1435680" cy="859680"/>
           </a:xfrm>
           <a:prstGeom prst="rect">
             <a:avLst/>
@@ -2086,7 +2086,7 @@
         <p:spPr>
           <a:xfrm>
             <a:off x="1512360" y="4140360"/>
-            <a:ext cx="1436040" cy="428040"/>
+            <a:ext cx="1435680" cy="427680"/>
           </a:xfrm>
           <a:prstGeom prst="rect">
             <a:avLst/>
@@ -2141,7 +2141,7 @@
         <p:spPr>
           <a:xfrm>
             <a:off x="1512360" y="4824360"/>
-            <a:ext cx="1436040" cy="428040"/>
+            <a:ext cx="1435680" cy="427680"/>
           </a:xfrm>
           <a:prstGeom prst="rect">
             <a:avLst/>
@@ -2196,7 +2196,7 @@
         <p:spPr>
           <a:xfrm>
             <a:off x="1512360" y="5472360"/>
-            <a:ext cx="1436040" cy="428040"/>
+            <a:ext cx="1435680" cy="427680"/>
           </a:xfrm>
           <a:prstGeom prst="rect">
             <a:avLst/>
@@ -2251,7 +2251,7 @@
         <p:spPr>
           <a:xfrm>
             <a:off x="1512360" y="6113880"/>
-            <a:ext cx="1436040" cy="434520"/>
+            <a:ext cx="1435680" cy="434160"/>
           </a:xfrm>
           <a:prstGeom prst="rect">
             <a:avLst/>
@@ -2575,8 +2575,8 @@
         </p:nvSpPr>
         <p:spPr>
           <a:xfrm rot="16200000">
-            <a:off x="2886840" y="3352320"/>
-            <a:ext cx="860040" cy="428040"/>
+            <a:off x="2886840" y="3352680"/>
+            <a:ext cx="859680" cy="427680"/>
           </a:xfrm>
           <a:prstGeom prst="rect">
             <a:avLst/>
@@ -2630,8 +2630,8 @@
         </p:nvSpPr>
         <p:spPr>
           <a:xfrm rot="16200000">
-            <a:off x="288360" y="3352320"/>
-            <a:ext cx="860040" cy="428040"/>
+            <a:off x="288360" y="3352680"/>
+            <a:ext cx="859680" cy="427680"/>
           </a:xfrm>
           <a:prstGeom prst="rect">
             <a:avLst/>
@@ -2880,8 +2880,8 @@
         </p:nvSpPr>
         <p:spPr>
           <a:xfrm rot="16200000">
-            <a:off x="5690160" y="2632320"/>
-            <a:ext cx="1292040" cy="572040"/>
+            <a:off x="5690160" y="2632680"/>
+            <a:ext cx="1291680" cy="571680"/>
           </a:xfrm>
           <a:prstGeom prst="rect">
             <a:avLst/>
@@ -3579,7 +3579,7 @@
         <p:spPr>
           <a:xfrm>
             <a:off x="1518840" y="324360"/>
-            <a:ext cx="1436040" cy="428040"/>
+            <a:ext cx="1435680" cy="427680"/>
           </a:xfrm>
           <a:prstGeom prst="rect">
             <a:avLst/>
@@ -3740,7 +3740,7 @@
         <p:spPr>
           <a:xfrm>
             <a:off x="4566960" y="324000"/>
-            <a:ext cx="527760" cy="302760"/>
+            <a:ext cx="527400" cy="302760"/>
           </a:xfrm>
           <a:prstGeom prst="rect">
             <a:avLst/>
@@ -3811,7 +3811,7 @@
         <p:spPr>
           <a:xfrm>
             <a:off x="9670680" y="324360"/>
-            <a:ext cx="696240" cy="302760"/>
+            <a:ext cx="695880" cy="302760"/>
           </a:xfrm>
           <a:prstGeom prst="rect">
             <a:avLst/>
@@ -3882,7 +3882,7 @@
         <p:spPr>
           <a:xfrm>
             <a:off x="3251520" y="2448360"/>
-            <a:ext cx="1153080" cy="546120"/>
+            <a:ext cx="1152720" cy="546120"/>
           </a:xfrm>
           <a:prstGeom prst="rect">
             <a:avLst/>
@@ -3953,7 +3953,7 @@
         <p:spPr>
           <a:xfrm>
             <a:off x="8656560" y="3348000"/>
-            <a:ext cx="932040" cy="317880"/>
+            <a:ext cx="931680" cy="317880"/>
           </a:xfrm>
           <a:prstGeom prst="rect">
             <a:avLst/>
@@ -4004,7 +4004,7 @@
         <p:spPr>
           <a:xfrm>
             <a:off x="1464480" y="1116360"/>
-            <a:ext cx="398520" cy="241560"/>
+            <a:ext cx="398160" cy="241560"/>
           </a:xfrm>
           <a:prstGeom prst="rect">
             <a:avLst/>
@@ -4075,7 +4075,7 @@
         <p:spPr>
           <a:xfrm>
             <a:off x="6641280" y="885960"/>
-            <a:ext cx="1047960" cy="469800"/>
+            <a:ext cx="1047600" cy="469440"/>
           </a:xfrm>
           <a:prstGeom prst="rect">
             <a:avLst/>
@@ -4206,7 +4206,7 @@
         <p:spPr>
           <a:xfrm>
             <a:off x="1450080" y="6408360"/>
-            <a:ext cx="304920" cy="165600"/>
+            <a:ext cx="304560" cy="165600"/>
           </a:xfrm>
           <a:prstGeom prst="rect">
             <a:avLst/>
@@ -4257,7 +4257,7 @@
         <p:spPr>
           <a:xfrm>
             <a:off x="1450080" y="5760360"/>
-            <a:ext cx="304920" cy="165600"/>
+            <a:ext cx="304560" cy="165600"/>
           </a:xfrm>
           <a:prstGeom prst="rect">
             <a:avLst/>
@@ -4308,7 +4308,7 @@
         <p:spPr>
           <a:xfrm>
             <a:off x="1450080" y="5112360"/>
-            <a:ext cx="304920" cy="165600"/>
+            <a:ext cx="304560" cy="165600"/>
           </a:xfrm>
           <a:prstGeom prst="rect">
             <a:avLst/>
@@ -4359,7 +4359,7 @@
         <p:spPr>
           <a:xfrm>
             <a:off x="434880" y="3794760"/>
-            <a:ext cx="398880" cy="241560"/>
+            <a:ext cx="398520" cy="241560"/>
           </a:xfrm>
           <a:prstGeom prst="rect">
             <a:avLst/>
@@ -4430,7 +4430,7 @@
         <p:spPr>
           <a:xfrm>
             <a:off x="1457280" y="1836360"/>
-            <a:ext cx="304920" cy="165600"/>
+            <a:ext cx="304560" cy="165600"/>
           </a:xfrm>
           <a:prstGeom prst="rect">
             <a:avLst/>
@@ -4481,7 +4481,7 @@
         <p:spPr>
           <a:xfrm>
             <a:off x="1457280" y="2844360"/>
-            <a:ext cx="304920" cy="165600"/>
+            <a:ext cx="304560" cy="165600"/>
           </a:xfrm>
           <a:prstGeom prst="rect">
             <a:avLst/>
@@ -4532,7 +4532,7 @@
         <p:spPr>
           <a:xfrm>
             <a:off x="1450080" y="4428360"/>
-            <a:ext cx="304920" cy="165600"/>
+            <a:ext cx="304560" cy="165600"/>
           </a:xfrm>
           <a:prstGeom prst="rect">
             <a:avLst/>
@@ -4583,7 +4583,7 @@
         <p:spPr>
           <a:xfrm>
             <a:off x="6641280" y="1757160"/>
-            <a:ext cx="1119960" cy="393840"/>
+            <a:ext cx="1119600" cy="393480"/>
           </a:xfrm>
           <a:prstGeom prst="rect">
             <a:avLst/>
@@ -4694,7 +4694,7 @@
         <p:spPr>
           <a:xfrm>
             <a:off x="6655680" y="3402360"/>
-            <a:ext cx="304920" cy="165600"/>
+            <a:ext cx="304560" cy="165600"/>
           </a:xfrm>
           <a:prstGeom prst="rect">
             <a:avLst/>
@@ -4745,7 +4745,7 @@
         <p:spPr>
           <a:xfrm>
             <a:off x="1450080" y="3852360"/>
-            <a:ext cx="448920" cy="165600"/>
+            <a:ext cx="448560" cy="165600"/>
           </a:xfrm>
           <a:prstGeom prst="rect">
             <a:avLst/>
@@ -4824,7 +4824,7 @@
         <p:spPr>
           <a:xfrm>
             <a:off x="6702840" y="5428080"/>
-            <a:ext cx="1436040" cy="572040"/>
+            <a:ext cx="1435680" cy="571680"/>
           </a:xfrm>
           <a:prstGeom prst="rect">
             <a:avLst/>
@@ -5017,7 +5017,7 @@
         <p:spPr>
           <a:xfrm>
             <a:off x="1454760" y="460440"/>
-            <a:ext cx="450000" cy="317520"/>
+            <a:ext cx="449640" cy="317520"/>
           </a:xfrm>
           <a:prstGeom prst="rect">
             <a:avLst/>
@@ -5136,7 +5136,7 @@
         <p:spPr>
           <a:xfrm>
             <a:off x="2798640" y="887040"/>
-            <a:ext cx="304920" cy="165600"/>
+            <a:ext cx="304560" cy="165600"/>
           </a:xfrm>
           <a:prstGeom prst="rect">
             <a:avLst/>
@@ -5187,7 +5187,7 @@
         <p:spPr>
           <a:xfrm>
             <a:off x="2798640" y="1526400"/>
-            <a:ext cx="304920" cy="165600"/>
+            <a:ext cx="304560" cy="165600"/>
           </a:xfrm>
           <a:prstGeom prst="rect">
             <a:avLst/>
@@ -5238,7 +5238,7 @@
         <p:spPr>
           <a:xfrm>
             <a:off x="2798640" y="2534400"/>
-            <a:ext cx="304920" cy="165600"/>
+            <a:ext cx="304560" cy="165600"/>
           </a:xfrm>
           <a:prstGeom prst="rect">
             <a:avLst/>
@@ -5289,7 +5289,7 @@
         <p:spPr>
           <a:xfrm>
             <a:off x="2798640" y="4118760"/>
-            <a:ext cx="304920" cy="165600"/>
+            <a:ext cx="304560" cy="165600"/>
           </a:xfrm>
           <a:prstGeom prst="rect">
             <a:avLst/>
@@ -5340,7 +5340,7 @@
         <p:spPr>
           <a:xfrm>
             <a:off x="2798640" y="4802760"/>
-            <a:ext cx="304920" cy="165600"/>
+            <a:ext cx="304560" cy="165600"/>
           </a:xfrm>
           <a:prstGeom prst="rect">
             <a:avLst/>
@@ -5391,7 +5391,7 @@
         <p:spPr>
           <a:xfrm>
             <a:off x="2798640" y="5457240"/>
-            <a:ext cx="304920" cy="165600"/>
+            <a:ext cx="304560" cy="165600"/>
           </a:xfrm>
           <a:prstGeom prst="rect">
             <a:avLst/>
@@ -5442,7 +5442,7 @@
         <p:spPr>
           <a:xfrm>
             <a:off x="2798640" y="6093360"/>
-            <a:ext cx="304920" cy="165600"/>
+            <a:ext cx="304560" cy="165600"/>
           </a:xfrm>
           <a:prstGeom prst="rect">
             <a:avLst/>
@@ -5493,7 +5493,7 @@
         <p:spPr>
           <a:xfrm>
             <a:off x="3384000" y="3115440"/>
-            <a:ext cx="304920" cy="165600"/>
+            <a:ext cx="304560" cy="165600"/>
           </a:xfrm>
           <a:prstGeom prst="rect">
             <a:avLst/>
@@ -5544,7 +5544,7 @@
         <p:spPr>
           <a:xfrm>
             <a:off x="779040" y="3108960"/>
-            <a:ext cx="304920" cy="165600"/>
+            <a:ext cx="304560" cy="165600"/>
           </a:xfrm>
           <a:prstGeom prst="rect">
             <a:avLst/>
@@ -5595,7 +5595,7 @@
         <p:spPr>
           <a:xfrm>
             <a:off x="7949160" y="734400"/>
-            <a:ext cx="304920" cy="165600"/>
+            <a:ext cx="304560" cy="165600"/>
           </a:xfrm>
           <a:prstGeom prst="rect">
             <a:avLst/>
@@ -5646,7 +5646,7 @@
         <p:spPr>
           <a:xfrm>
             <a:off x="7949160" y="1526400"/>
-            <a:ext cx="304920" cy="165600"/>
+            <a:ext cx="304560" cy="165600"/>
           </a:xfrm>
           <a:prstGeom prst="rect">
             <a:avLst/>
@@ -5697,7 +5697,7 @@
         <p:spPr>
           <a:xfrm>
             <a:off x="7955280" y="5400000"/>
-            <a:ext cx="304920" cy="165600"/>
+            <a:ext cx="304560" cy="165600"/>
           </a:xfrm>
           <a:prstGeom prst="rect">
             <a:avLst/>
@@ -5748,7 +5748,7 @@
         <p:spPr>
           <a:xfrm>
             <a:off x="6466320" y="2245320"/>
-            <a:ext cx="304920" cy="165600"/>
+            <a:ext cx="304560" cy="165600"/>
           </a:xfrm>
           <a:prstGeom prst="rect">
             <a:avLst/>
@@ -5799,7 +5799,7 @@
         <p:spPr>
           <a:xfrm>
             <a:off x="3024000" y="325080"/>
-            <a:ext cx="710280" cy="428040"/>
+            <a:ext cx="709920" cy="427680"/>
           </a:xfrm>
           <a:prstGeom prst="rect">
             <a:avLst/>
@@ -5882,7 +5882,7 @@
         <p:spPr>
           <a:xfrm>
             <a:off x="2957760" y="612000"/>
-            <a:ext cx="448920" cy="165600"/>
+            <a:ext cx="448560" cy="165600"/>
           </a:xfrm>
           <a:prstGeom prst="rect">
             <a:avLst/>
@@ -6205,7 +6205,7 @@
         <p:spPr>
           <a:xfrm>
             <a:off x="294120" y="6930000"/>
-            <a:ext cx="434520" cy="196200"/>
+            <a:ext cx="434160" cy="196200"/>
           </a:xfrm>
           <a:prstGeom prst="rect">
             <a:avLst/>
@@ -6256,7 +6256,7 @@
         <p:spPr>
           <a:xfrm>
             <a:off x="6706080" y="3844080"/>
-            <a:ext cx="1436040" cy="572040"/>
+            <a:ext cx="1435680" cy="571680"/>
           </a:xfrm>
           <a:prstGeom prst="rect">
             <a:avLst/>
@@ -6419,7 +6419,7 @@
         <p:spPr>
           <a:xfrm>
             <a:off x="6658920" y="4197600"/>
-            <a:ext cx="448920" cy="241560"/>
+            <a:ext cx="448560" cy="241560"/>
           </a:xfrm>
           <a:prstGeom prst="rect">
             <a:avLst/>
@@ -6490,7 +6490,7 @@
         <p:spPr>
           <a:xfrm>
             <a:off x="7958520" y="3816000"/>
-            <a:ext cx="304920" cy="165600"/>
+            <a:ext cx="304560" cy="165600"/>
           </a:xfrm>
           <a:prstGeom prst="rect">
             <a:avLst/>
@@ -6541,7 +6541,7 @@
         <p:spPr>
           <a:xfrm>
             <a:off x="6050160" y="3840840"/>
-            <a:ext cx="572040" cy="262440"/>
+            <a:ext cx="571680" cy="262080"/>
           </a:xfrm>
           <a:prstGeom prst="rect">
             <a:avLst/>
@@ -6596,7 +6596,7 @@
         <p:spPr>
           <a:xfrm>
             <a:off x="6050160" y="4154400"/>
-            <a:ext cx="572040" cy="262440"/>
+            <a:ext cx="571680" cy="262080"/>
           </a:xfrm>
           <a:prstGeom prst="rect">
             <a:avLst/>
@@ -6707,7 +6707,7 @@
         <p:spPr>
           <a:xfrm>
             <a:off x="6472800" y="3816000"/>
-            <a:ext cx="304920" cy="165600"/>
+            <a:ext cx="304560" cy="165600"/>
           </a:xfrm>
           <a:prstGeom prst="rect">
             <a:avLst/>
@@ -6758,7 +6758,7 @@
         <p:spPr>
           <a:xfrm>
             <a:off x="6472800" y="4125600"/>
-            <a:ext cx="304920" cy="165600"/>
+            <a:ext cx="304560" cy="165600"/>
           </a:xfrm>
           <a:prstGeom prst="rect">
             <a:avLst/>
@@ -6809,7 +6809,7 @@
         <p:spPr>
           <a:xfrm>
             <a:off x="6708960" y="4636080"/>
-            <a:ext cx="1436040" cy="572040"/>
+            <a:ext cx="1435680" cy="571680"/>
           </a:xfrm>
           <a:prstGeom prst="rect">
             <a:avLst/>
@@ -7002,7 +7002,7 @@
         <p:spPr>
           <a:xfrm>
             <a:off x="7961400" y="4608000"/>
-            <a:ext cx="304920" cy="165600"/>
+            <a:ext cx="304560" cy="165600"/>
           </a:xfrm>
           <a:prstGeom prst="rect">
             <a:avLst/>
@@ -7053,7 +7053,7 @@
         <p:spPr>
           <a:xfrm>
             <a:off x="6708960" y="3844080"/>
-            <a:ext cx="1436040" cy="572040"/>
+            <a:ext cx="1435680" cy="571680"/>
           </a:xfrm>
           <a:prstGeom prst="rect">
             <a:avLst/>
@@ -7108,7 +7108,7 @@
         <p:spPr>
           <a:xfrm>
             <a:off x="6647400" y="4125600"/>
-            <a:ext cx="825480" cy="318240"/>
+            <a:ext cx="825120" cy="317880"/>
           </a:xfrm>
           <a:prstGeom prst="rect">
             <a:avLst/>
@@ -7199,7 +7199,7 @@
         <p:spPr>
           <a:xfrm>
             <a:off x="7961400" y="3816000"/>
-            <a:ext cx="304920" cy="165600"/>
+            <a:ext cx="304560" cy="165600"/>
           </a:xfrm>
           <a:prstGeom prst="rect">
             <a:avLst/>
@@ -7250,7 +7250,7 @@
         <p:spPr>
           <a:xfrm>
             <a:off x="6053040" y="3840840"/>
-            <a:ext cx="572040" cy="262440"/>
+            <a:ext cx="571680" cy="262080"/>
           </a:xfrm>
           <a:prstGeom prst="rect">
             <a:avLst/>
@@ -7305,7 +7305,7 @@
         <p:spPr>
           <a:xfrm>
             <a:off x="6053040" y="4154400"/>
-            <a:ext cx="572040" cy="262440"/>
+            <a:ext cx="571680" cy="262080"/>
           </a:xfrm>
           <a:prstGeom prst="rect">
             <a:avLst/>
@@ -7416,7 +7416,7 @@
         <p:spPr>
           <a:xfrm>
             <a:off x="6475680" y="3816000"/>
-            <a:ext cx="304920" cy="165600"/>
+            <a:ext cx="304560" cy="165600"/>
           </a:xfrm>
           <a:prstGeom prst="rect">
             <a:avLst/>
@@ -7467,7 +7467,7 @@
         <p:spPr>
           <a:xfrm>
             <a:off x="6475680" y="4125600"/>
-            <a:ext cx="304920" cy="165600"/>
+            <a:ext cx="304560" cy="165600"/>
           </a:xfrm>
           <a:prstGeom prst="rect">
             <a:avLst/>
@@ -7626,7 +7626,7 @@
         <p:spPr>
           <a:xfrm>
             <a:off x="6647400" y="4917600"/>
-            <a:ext cx="825480" cy="318240"/>
+            <a:ext cx="825120" cy="317880"/>
           </a:xfrm>
           <a:prstGeom prst="rect">
             <a:avLst/>
@@ -7717,7 +7717,7 @@
         <p:spPr>
           <a:xfrm>
             <a:off x="6640200" y="5479200"/>
-            <a:ext cx="825480" cy="545400"/>
+            <a:ext cx="825120" cy="545400"/>
           </a:xfrm>
           <a:prstGeom prst="rect">
             <a:avLst/>
@@ -7960,6 +7960,114 @@
                 <a:ea typeface="DejaVu Sans"/>
               </a:rPr>
               <a:t>DATA_TO_C</a:t>
+            </a:r>
+            <a:endParaRPr b="0" lang="de-DE" sz="500" spc="-1" strike="noStrike">
+              <a:latin typeface="Arial"/>
+            </a:endParaRPr>
+          </a:p>
+        </p:txBody>
+      </p:sp>
+      <p:sp>
+        <p:nvSpPr>
+          <p:cNvPr id="150" name="Line 115"/>
+          <p:cNvSpPr/>
+          <p:nvPr/>
+        </p:nvSpPr>
+        <p:spPr>
+          <a:xfrm>
+            <a:off x="4978440" y="3969360"/>
+            <a:ext cx="1075320" cy="0"/>
+          </a:xfrm>
+          <a:prstGeom prst="line">
+            <a:avLst/>
+          </a:prstGeom>
+          <a:ln w="12600">
+            <a:solidFill>
+              <a:srgbClr val="000000"/>
+            </a:solidFill>
+            <a:round/>
+            <a:headEnd len="med" type="triangle" w="med"/>
+          </a:ln>
+        </p:spPr>
+        <p:style>
+          <a:lnRef idx="0"/>
+          <a:fillRef idx="0"/>
+          <a:effectRef idx="0"/>
+          <a:fontRef idx="minor"/>
+        </p:style>
+        <p:txBody>
+          <a:bodyPr lIns="96120" rIns="96120" tIns="51120" bIns="51120" anchorCtr="1">
+            <a:spAutoFit/>
+          </a:bodyPr>
+          <a:p>
+            <a:pPr algn="ctr">
+              <a:lnSpc>
+                <a:spcPts val="283"/>
+              </a:lnSpc>
+            </a:pPr>
+            <a:r>
+              <a:rPr b="0" lang="de-DE" sz="500" spc="-1" strike="noStrike">
+                <a:solidFill>
+                  <a:srgbClr val="000000"/>
+                </a:solidFill>
+                <a:latin typeface="Arial"/>
+                <a:ea typeface="DejaVu Sans"/>
+              </a:rPr>
+              <a:t>H_TO_DATA</a:t>
+            </a:r>
+            <a:endParaRPr b="0" lang="de-DE" sz="500" spc="-1" strike="noStrike">
+              <a:latin typeface="Arial"/>
+            </a:endParaRPr>
+          </a:p>
+        </p:txBody>
+      </p:sp>
+      <p:sp>
+        <p:nvSpPr>
+          <p:cNvPr id="151" name="Line 116"/>
+          <p:cNvSpPr/>
+          <p:nvPr/>
+        </p:nvSpPr>
+        <p:spPr>
+          <a:xfrm>
+            <a:off x="4982040" y="4294800"/>
+            <a:ext cx="1075320" cy="0"/>
+          </a:xfrm>
+          <a:prstGeom prst="line">
+            <a:avLst/>
+          </a:prstGeom>
+          <a:ln w="12600">
+            <a:solidFill>
+              <a:srgbClr val="000000"/>
+            </a:solidFill>
+            <a:round/>
+            <a:headEnd len="med" type="triangle" w="med"/>
+          </a:ln>
+        </p:spPr>
+        <p:style>
+          <a:lnRef idx="0"/>
+          <a:fillRef idx="0"/>
+          <a:effectRef idx="0"/>
+          <a:fontRef idx="minor"/>
+        </p:style>
+        <p:txBody>
+          <a:bodyPr lIns="96120" rIns="96120" tIns="51120" bIns="51120" anchorCtr="1">
+            <a:spAutoFit/>
+          </a:bodyPr>
+          <a:p>
+            <a:pPr algn="ctr">
+              <a:lnSpc>
+                <a:spcPts val="283"/>
+              </a:lnSpc>
+            </a:pPr>
+            <a:r>
+              <a:rPr b="0" lang="de-DE" sz="500" spc="-1" strike="noStrike">
+                <a:solidFill>
+                  <a:srgbClr val="000000"/>
+                </a:solidFill>
+                <a:latin typeface="Arial"/>
+                <a:ea typeface="DejaVu Sans"/>
+              </a:rPr>
+              <a:t>L_TO_DATA</a:t>
             </a:r>
             <a:endParaRPr b="0" lang="de-DE" sz="500" spc="-1" strike="noStrike">
               <a:latin typeface="Arial"/>

--- a/doc/cpu.pptx
+++ b/doc/cpu.pptx
@@ -1431,7 +1431,7 @@
         <p:spPr>
           <a:xfrm>
             <a:off x="5812560" y="1411560"/>
-            <a:ext cx="3811680" cy="2299680"/>
+            <a:ext cx="3810960" cy="2298960"/>
           </a:xfrm>
           <a:prstGeom prst="rect">
             <a:avLst/>
@@ -1461,7 +1461,7 @@
         <p:spPr>
           <a:xfrm>
             <a:off x="412560" y="2412360"/>
-            <a:ext cx="4027680" cy="2299680"/>
+            <a:ext cx="4026960" cy="2298960"/>
           </a:xfrm>
           <a:prstGeom prst="rect">
             <a:avLst/>
@@ -1491,7 +1491,7 @@
         <p:spPr>
           <a:xfrm>
             <a:off x="6702840" y="756360"/>
-            <a:ext cx="1435680" cy="571680"/>
+            <a:ext cx="1434960" cy="570960"/>
           </a:xfrm>
           <a:prstGeom prst="rect">
             <a:avLst/>
@@ -1576,7 +1576,7 @@
         <p:spPr>
           <a:xfrm>
             <a:off x="4686840" y="612360"/>
-            <a:ext cx="283680" cy="6514560"/>
+            <a:ext cx="282960" cy="6513840"/>
           </a:xfrm>
           <a:prstGeom prst="rect">
             <a:avLst/>
@@ -1631,7 +1631,7 @@
         <p:spPr>
           <a:xfrm>
             <a:off x="9870840" y="612360"/>
-            <a:ext cx="283680" cy="6514560"/>
+            <a:ext cx="282960" cy="6513840"/>
           </a:xfrm>
           <a:prstGeom prst="rect">
             <a:avLst/>
@@ -1686,7 +1686,7 @@
         <p:spPr>
           <a:xfrm>
             <a:off x="6702840" y="1548360"/>
-            <a:ext cx="1435680" cy="571680"/>
+            <a:ext cx="1434960" cy="570960"/>
           </a:xfrm>
           <a:prstGeom prst="rect">
             <a:avLst/>
@@ -1771,7 +1771,7 @@
         <p:spPr>
           <a:xfrm>
             <a:off x="6702840" y="2268360"/>
-            <a:ext cx="1435680" cy="1291680"/>
+            <a:ext cx="1434960" cy="1290960"/>
           </a:xfrm>
           <a:prstGeom prst="rect">
             <a:avLst/>
@@ -1846,7 +1846,7 @@
         <p:spPr>
           <a:xfrm>
             <a:off x="1518840" y="900360"/>
-            <a:ext cx="1435680" cy="427680"/>
+            <a:ext cx="1434960" cy="426960"/>
           </a:xfrm>
           <a:prstGeom prst="rect">
             <a:avLst/>
@@ -1921,7 +1921,7 @@
         <p:spPr>
           <a:xfrm>
             <a:off x="1518840" y="1548360"/>
-            <a:ext cx="1435680" cy="427680"/>
+            <a:ext cx="1434960" cy="426960"/>
           </a:xfrm>
           <a:prstGeom prst="rect">
             <a:avLst/>
@@ -1976,7 +1976,7 @@
         <p:spPr>
           <a:xfrm>
             <a:off x="1518840" y="2556360"/>
-            <a:ext cx="1435680" cy="427680"/>
+            <a:ext cx="1434960" cy="426960"/>
           </a:xfrm>
           <a:prstGeom prst="rect">
             <a:avLst/>
@@ -2031,7 +2031,7 @@
         <p:spPr>
           <a:xfrm>
             <a:off x="1512360" y="3132360"/>
-            <a:ext cx="1435680" cy="859680"/>
+            <a:ext cx="1434960" cy="858960"/>
           </a:xfrm>
           <a:prstGeom prst="rect">
             <a:avLst/>
@@ -2086,7 +2086,7 @@
         <p:spPr>
           <a:xfrm>
             <a:off x="1512360" y="4140360"/>
-            <a:ext cx="1435680" cy="427680"/>
+            <a:ext cx="1434960" cy="426960"/>
           </a:xfrm>
           <a:prstGeom prst="rect">
             <a:avLst/>
@@ -2141,7 +2141,7 @@
         <p:spPr>
           <a:xfrm>
             <a:off x="1512360" y="4824360"/>
-            <a:ext cx="1435680" cy="427680"/>
+            <a:ext cx="1434960" cy="426960"/>
           </a:xfrm>
           <a:prstGeom prst="rect">
             <a:avLst/>
@@ -2196,7 +2196,7 @@
         <p:spPr>
           <a:xfrm>
             <a:off x="1512360" y="5472360"/>
-            <a:ext cx="1435680" cy="427680"/>
+            <a:ext cx="1434960" cy="426960"/>
           </a:xfrm>
           <a:prstGeom prst="rect">
             <a:avLst/>
@@ -2251,7 +2251,7 @@
         <p:spPr>
           <a:xfrm>
             <a:off x="1512360" y="6113880"/>
-            <a:ext cx="1435680" cy="434160"/>
+            <a:ext cx="1434960" cy="433440"/>
           </a:xfrm>
           <a:prstGeom prst="rect">
             <a:avLst/>
@@ -2575,8 +2575,8 @@
         </p:nvSpPr>
         <p:spPr>
           <a:xfrm rot="16200000">
-            <a:off x="2886840" y="3352680"/>
-            <a:ext cx="859680" cy="427680"/>
+            <a:off x="2807640" y="3349080"/>
+            <a:ext cx="858960" cy="426960"/>
           </a:xfrm>
           <a:prstGeom prst="rect">
             <a:avLst/>
@@ -2630,8 +2630,8 @@
         </p:nvSpPr>
         <p:spPr>
           <a:xfrm rot="16200000">
-            <a:off x="288360" y="3352680"/>
-            <a:ext cx="859680" cy="427680"/>
+            <a:off x="288360" y="3353400"/>
+            <a:ext cx="858960" cy="426960"/>
           </a:xfrm>
           <a:prstGeom prst="rect">
             <a:avLst/>
@@ -2851,8 +2851,8 @@
         </p:nvSpPr>
         <p:spPr>
           <a:xfrm>
-            <a:off x="2962080" y="3564360"/>
-            <a:ext cx="140760" cy="0"/>
+            <a:off x="2947680" y="3564360"/>
+            <a:ext cx="75960" cy="0"/>
           </a:xfrm>
           <a:prstGeom prst="line">
             <a:avLst/>
@@ -2862,7 +2862,6 @@
               <a:srgbClr val="000000"/>
             </a:solidFill>
             <a:round/>
-            <a:tailEnd len="med" type="triangle" w="med"/>
           </a:ln>
         </p:spPr>
         <p:style>
@@ -2880,8 +2879,8 @@
         </p:nvSpPr>
         <p:spPr>
           <a:xfrm rot="16200000">
-            <a:off x="5690160" y="2632680"/>
-            <a:ext cx="1291680" cy="571680"/>
+            <a:off x="5690160" y="2633400"/>
+            <a:ext cx="1290960" cy="570960"/>
           </a:xfrm>
           <a:prstGeom prst="rect">
             <a:avLst/>
@@ -2984,8 +2983,8 @@
         </p:nvSpPr>
         <p:spPr>
           <a:xfrm>
-            <a:off x="3534840" y="3564360"/>
-            <a:ext cx="1152000" cy="0"/>
+            <a:off x="3450960" y="3564360"/>
+            <a:ext cx="1235880" cy="0"/>
           </a:xfrm>
           <a:prstGeom prst="line">
             <a:avLst/>
@@ -3579,7 +3578,7 @@
         <p:spPr>
           <a:xfrm>
             <a:off x="1518840" y="324360"/>
-            <a:ext cx="1435680" cy="427680"/>
+            <a:ext cx="1434960" cy="426960"/>
           </a:xfrm>
           <a:prstGeom prst="rect">
             <a:avLst/>
@@ -3740,7 +3739,7 @@
         <p:spPr>
           <a:xfrm>
             <a:off x="4566960" y="324000"/>
-            <a:ext cx="527400" cy="302760"/>
+            <a:ext cx="526680" cy="302760"/>
           </a:xfrm>
           <a:prstGeom prst="rect">
             <a:avLst/>
@@ -3811,7 +3810,7 @@
         <p:spPr>
           <a:xfrm>
             <a:off x="9670680" y="324360"/>
-            <a:ext cx="695880" cy="302760"/>
+            <a:ext cx="695160" cy="302760"/>
           </a:xfrm>
           <a:prstGeom prst="rect">
             <a:avLst/>
@@ -3882,7 +3881,7 @@
         <p:spPr>
           <a:xfrm>
             <a:off x="3251520" y="2448360"/>
-            <a:ext cx="1152720" cy="546120"/>
+            <a:ext cx="1152000" cy="546120"/>
           </a:xfrm>
           <a:prstGeom prst="rect">
             <a:avLst/>
@@ -3953,7 +3952,7 @@
         <p:spPr>
           <a:xfrm>
             <a:off x="8656560" y="3348000"/>
-            <a:ext cx="931680" cy="317880"/>
+            <a:ext cx="930960" cy="317880"/>
           </a:xfrm>
           <a:prstGeom prst="rect">
             <a:avLst/>
@@ -4004,7 +4003,7 @@
         <p:spPr>
           <a:xfrm>
             <a:off x="1464480" y="1116360"/>
-            <a:ext cx="398160" cy="241560"/>
+            <a:ext cx="397440" cy="241560"/>
           </a:xfrm>
           <a:prstGeom prst="rect">
             <a:avLst/>
@@ -4075,7 +4074,7 @@
         <p:spPr>
           <a:xfrm>
             <a:off x="6641280" y="885960"/>
-            <a:ext cx="1047600" cy="469440"/>
+            <a:ext cx="1046880" cy="469440"/>
           </a:xfrm>
           <a:prstGeom prst="rect">
             <a:avLst/>
@@ -4206,7 +4205,7 @@
         <p:spPr>
           <a:xfrm>
             <a:off x="1450080" y="6408360"/>
-            <a:ext cx="304560" cy="165600"/>
+            <a:ext cx="303840" cy="165600"/>
           </a:xfrm>
           <a:prstGeom prst="rect">
             <a:avLst/>
@@ -4257,7 +4256,7 @@
         <p:spPr>
           <a:xfrm>
             <a:off x="1450080" y="5760360"/>
-            <a:ext cx="304560" cy="165600"/>
+            <a:ext cx="303840" cy="165600"/>
           </a:xfrm>
           <a:prstGeom prst="rect">
             <a:avLst/>
@@ -4308,7 +4307,7 @@
         <p:spPr>
           <a:xfrm>
             <a:off x="1450080" y="5112360"/>
-            <a:ext cx="304560" cy="165600"/>
+            <a:ext cx="303840" cy="165600"/>
           </a:xfrm>
           <a:prstGeom prst="rect">
             <a:avLst/>
@@ -4359,7 +4358,7 @@
         <p:spPr>
           <a:xfrm>
             <a:off x="434880" y="3794760"/>
-            <a:ext cx="398520" cy="241560"/>
+            <a:ext cx="397800" cy="241560"/>
           </a:xfrm>
           <a:prstGeom prst="rect">
             <a:avLst/>
@@ -4430,7 +4429,7 @@
         <p:spPr>
           <a:xfrm>
             <a:off x="1457280" y="1836360"/>
-            <a:ext cx="304560" cy="165600"/>
+            <a:ext cx="303840" cy="165600"/>
           </a:xfrm>
           <a:prstGeom prst="rect">
             <a:avLst/>
@@ -4481,7 +4480,7 @@
         <p:spPr>
           <a:xfrm>
             <a:off x="1457280" y="2844360"/>
-            <a:ext cx="304560" cy="165600"/>
+            <a:ext cx="303840" cy="165600"/>
           </a:xfrm>
           <a:prstGeom prst="rect">
             <a:avLst/>
@@ -4532,7 +4531,7 @@
         <p:spPr>
           <a:xfrm>
             <a:off x="1450080" y="4428360"/>
-            <a:ext cx="304560" cy="165600"/>
+            <a:ext cx="303840" cy="165600"/>
           </a:xfrm>
           <a:prstGeom prst="rect">
             <a:avLst/>
@@ -4583,7 +4582,7 @@
         <p:spPr>
           <a:xfrm>
             <a:off x="6641280" y="1757160"/>
-            <a:ext cx="1119600" cy="393480"/>
+            <a:ext cx="1118880" cy="393480"/>
           </a:xfrm>
           <a:prstGeom prst="rect">
             <a:avLst/>
@@ -4694,7 +4693,7 @@
         <p:spPr>
           <a:xfrm>
             <a:off x="6655680" y="3402360"/>
-            <a:ext cx="304560" cy="165600"/>
+            <a:ext cx="303840" cy="165600"/>
           </a:xfrm>
           <a:prstGeom prst="rect">
             <a:avLst/>
@@ -4744,8 +4743,8 @@
         </p:nvSpPr>
         <p:spPr>
           <a:xfrm>
-            <a:off x="1450080" y="3852360"/>
-            <a:ext cx="448560" cy="165600"/>
+            <a:off x="1450080" y="3780360"/>
+            <a:ext cx="447840" cy="241560"/>
           </a:xfrm>
           <a:prstGeom prst="rect">
             <a:avLst/>
@@ -4780,6 +4779,26 @@
                 <a:ea typeface="DejaVu Sans"/>
               </a:rPr>
               <a:t>SUB</a:t>
+            </a:r>
+            <a:endParaRPr b="0" lang="de-DE" sz="500" spc="-1" strike="noStrike">
+              <a:latin typeface="Arial"/>
+            </a:endParaRPr>
+          </a:p>
+          <a:p>
+            <a:pPr>
+              <a:lnSpc>
+                <a:spcPct val="100000"/>
+              </a:lnSpc>
+            </a:pPr>
+            <a:r>
+              <a:rPr b="0" lang="de-DE" sz="500" spc="-1" strike="noStrike">
+                <a:solidFill>
+                  <a:srgbClr val="ffffff"/>
+                </a:solidFill>
+                <a:latin typeface="Arial"/>
+                <a:ea typeface="DejaVu Sans"/>
+              </a:rPr>
+              <a:t>CARRY</a:t>
             </a:r>
             <a:endParaRPr b="0" lang="de-DE" sz="500" spc="-1" strike="noStrike">
               <a:latin typeface="Arial"/>
@@ -4824,7 +4843,7 @@
         <p:spPr>
           <a:xfrm>
             <a:off x="6702840" y="5428080"/>
-            <a:ext cx="1435680" cy="571680"/>
+            <a:ext cx="1434960" cy="570960"/>
           </a:xfrm>
           <a:prstGeom prst="rect">
             <a:avLst/>
@@ -5017,7 +5036,7 @@
         <p:spPr>
           <a:xfrm>
             <a:off x="1454760" y="460440"/>
-            <a:ext cx="449640" cy="317520"/>
+            <a:ext cx="448920" cy="317520"/>
           </a:xfrm>
           <a:prstGeom prst="rect">
             <a:avLst/>
@@ -5136,7 +5155,7 @@
         <p:spPr>
           <a:xfrm>
             <a:off x="2798640" y="887040"/>
-            <a:ext cx="304560" cy="165600"/>
+            <a:ext cx="303840" cy="165600"/>
           </a:xfrm>
           <a:prstGeom prst="rect">
             <a:avLst/>
@@ -5187,7 +5206,7 @@
         <p:spPr>
           <a:xfrm>
             <a:off x="2798640" y="1526400"/>
-            <a:ext cx="304560" cy="165600"/>
+            <a:ext cx="303840" cy="165600"/>
           </a:xfrm>
           <a:prstGeom prst="rect">
             <a:avLst/>
@@ -5238,7 +5257,7 @@
         <p:spPr>
           <a:xfrm>
             <a:off x="2798640" y="2534400"/>
-            <a:ext cx="304560" cy="165600"/>
+            <a:ext cx="303840" cy="165600"/>
           </a:xfrm>
           <a:prstGeom prst="rect">
             <a:avLst/>
@@ -5289,7 +5308,7 @@
         <p:spPr>
           <a:xfrm>
             <a:off x="2798640" y="4118760"/>
-            <a:ext cx="304560" cy="165600"/>
+            <a:ext cx="303840" cy="165600"/>
           </a:xfrm>
           <a:prstGeom prst="rect">
             <a:avLst/>
@@ -5340,7 +5359,7 @@
         <p:spPr>
           <a:xfrm>
             <a:off x="2798640" y="4802760"/>
-            <a:ext cx="304560" cy="165600"/>
+            <a:ext cx="303840" cy="165600"/>
           </a:xfrm>
           <a:prstGeom prst="rect">
             <a:avLst/>
@@ -5391,7 +5410,7 @@
         <p:spPr>
           <a:xfrm>
             <a:off x="2798640" y="5457240"/>
-            <a:ext cx="304560" cy="165600"/>
+            <a:ext cx="303840" cy="165600"/>
           </a:xfrm>
           <a:prstGeom prst="rect">
             <a:avLst/>
@@ -5442,7 +5461,7 @@
         <p:spPr>
           <a:xfrm>
             <a:off x="2798640" y="6093360"/>
-            <a:ext cx="304560" cy="165600"/>
+            <a:ext cx="303840" cy="165600"/>
           </a:xfrm>
           <a:prstGeom prst="rect">
             <a:avLst/>
@@ -5492,8 +5511,8 @@
         </p:nvSpPr>
         <p:spPr>
           <a:xfrm>
-            <a:off x="3384000" y="3115440"/>
-            <a:ext cx="304560" cy="165600"/>
+            <a:off x="3304440" y="3099600"/>
+            <a:ext cx="303840" cy="165600"/>
           </a:xfrm>
           <a:prstGeom prst="rect">
             <a:avLst/>
@@ -5544,7 +5563,7 @@
         <p:spPr>
           <a:xfrm>
             <a:off x="779040" y="3108960"/>
-            <a:ext cx="304560" cy="165600"/>
+            <a:ext cx="303840" cy="165600"/>
           </a:xfrm>
           <a:prstGeom prst="rect">
             <a:avLst/>
@@ -5595,7 +5614,7 @@
         <p:spPr>
           <a:xfrm>
             <a:off x="7949160" y="734400"/>
-            <a:ext cx="304560" cy="165600"/>
+            <a:ext cx="303840" cy="165600"/>
           </a:xfrm>
           <a:prstGeom prst="rect">
             <a:avLst/>
@@ -5646,7 +5665,7 @@
         <p:spPr>
           <a:xfrm>
             <a:off x="7949160" y="1526400"/>
-            <a:ext cx="304560" cy="165600"/>
+            <a:ext cx="303840" cy="165600"/>
           </a:xfrm>
           <a:prstGeom prst="rect">
             <a:avLst/>
@@ -5697,7 +5716,7 @@
         <p:spPr>
           <a:xfrm>
             <a:off x="7955280" y="5400000"/>
-            <a:ext cx="304560" cy="165600"/>
+            <a:ext cx="303840" cy="165600"/>
           </a:xfrm>
           <a:prstGeom prst="rect">
             <a:avLst/>
@@ -5748,7 +5767,7 @@
         <p:spPr>
           <a:xfrm>
             <a:off x="6466320" y="2245320"/>
-            <a:ext cx="304560" cy="165600"/>
+            <a:ext cx="303840" cy="165600"/>
           </a:xfrm>
           <a:prstGeom prst="rect">
             <a:avLst/>
@@ -5799,7 +5818,7 @@
         <p:spPr>
           <a:xfrm>
             <a:off x="3024000" y="325080"/>
-            <a:ext cx="709920" cy="427680"/>
+            <a:ext cx="709200" cy="426960"/>
           </a:xfrm>
           <a:prstGeom prst="rect">
             <a:avLst/>
@@ -5882,7 +5901,7 @@
         <p:spPr>
           <a:xfrm>
             <a:off x="2957760" y="612000"/>
-            <a:ext cx="448560" cy="165600"/>
+            <a:ext cx="447840" cy="165600"/>
           </a:xfrm>
           <a:prstGeom prst="rect">
             <a:avLst/>
@@ -6205,7 +6224,7 @@
         <p:spPr>
           <a:xfrm>
             <a:off x="294120" y="6930000"/>
-            <a:ext cx="434160" cy="196200"/>
+            <a:ext cx="433440" cy="196200"/>
           </a:xfrm>
           <a:prstGeom prst="rect">
             <a:avLst/>
@@ -6256,7 +6275,7 @@
         <p:spPr>
           <a:xfrm>
             <a:off x="6706080" y="3844080"/>
-            <a:ext cx="1435680" cy="571680"/>
+            <a:ext cx="1434960" cy="570960"/>
           </a:xfrm>
           <a:prstGeom prst="rect">
             <a:avLst/>
@@ -6419,7 +6438,7 @@
         <p:spPr>
           <a:xfrm>
             <a:off x="6658920" y="4197600"/>
-            <a:ext cx="448560" cy="241560"/>
+            <a:ext cx="447840" cy="241560"/>
           </a:xfrm>
           <a:prstGeom prst="rect">
             <a:avLst/>
@@ -6490,7 +6509,7 @@
         <p:spPr>
           <a:xfrm>
             <a:off x="7958520" y="3816000"/>
-            <a:ext cx="304560" cy="165600"/>
+            <a:ext cx="303840" cy="165600"/>
           </a:xfrm>
           <a:prstGeom prst="rect">
             <a:avLst/>
@@ -6541,7 +6560,7 @@
         <p:spPr>
           <a:xfrm>
             <a:off x="6050160" y="3840840"/>
-            <a:ext cx="571680" cy="262080"/>
+            <a:ext cx="570960" cy="261360"/>
           </a:xfrm>
           <a:prstGeom prst="rect">
             <a:avLst/>
@@ -6596,7 +6615,7 @@
         <p:spPr>
           <a:xfrm>
             <a:off x="6050160" y="4154400"/>
-            <a:ext cx="571680" cy="262080"/>
+            <a:ext cx="570960" cy="261360"/>
           </a:xfrm>
           <a:prstGeom prst="rect">
             <a:avLst/>
@@ -6707,7 +6726,7 @@
         <p:spPr>
           <a:xfrm>
             <a:off x="6472800" y="3816000"/>
-            <a:ext cx="304560" cy="165600"/>
+            <a:ext cx="303840" cy="165600"/>
           </a:xfrm>
           <a:prstGeom prst="rect">
             <a:avLst/>
@@ -6758,7 +6777,7 @@
         <p:spPr>
           <a:xfrm>
             <a:off x="6472800" y="4125600"/>
-            <a:ext cx="304560" cy="165600"/>
+            <a:ext cx="303840" cy="165600"/>
           </a:xfrm>
           <a:prstGeom prst="rect">
             <a:avLst/>
@@ -6809,7 +6828,7 @@
         <p:spPr>
           <a:xfrm>
             <a:off x="6708960" y="4636080"/>
-            <a:ext cx="1435680" cy="571680"/>
+            <a:ext cx="1434960" cy="570960"/>
           </a:xfrm>
           <a:prstGeom prst="rect">
             <a:avLst/>
@@ -7002,7 +7021,7 @@
         <p:spPr>
           <a:xfrm>
             <a:off x="7961400" y="4608000"/>
-            <a:ext cx="304560" cy="165600"/>
+            <a:ext cx="303840" cy="165600"/>
           </a:xfrm>
           <a:prstGeom prst="rect">
             <a:avLst/>
@@ -7053,7 +7072,7 @@
         <p:spPr>
           <a:xfrm>
             <a:off x="6708960" y="3844080"/>
-            <a:ext cx="1435680" cy="571680"/>
+            <a:ext cx="1434960" cy="570960"/>
           </a:xfrm>
           <a:prstGeom prst="rect">
             <a:avLst/>
@@ -7108,7 +7127,7 @@
         <p:spPr>
           <a:xfrm>
             <a:off x="6647400" y="4125600"/>
-            <a:ext cx="825120" cy="317880"/>
+            <a:ext cx="824400" cy="317520"/>
           </a:xfrm>
           <a:prstGeom prst="rect">
             <a:avLst/>
@@ -7199,7 +7218,7 @@
         <p:spPr>
           <a:xfrm>
             <a:off x="7961400" y="3816000"/>
-            <a:ext cx="304560" cy="165600"/>
+            <a:ext cx="303840" cy="165600"/>
           </a:xfrm>
           <a:prstGeom prst="rect">
             <a:avLst/>
@@ -7250,7 +7269,7 @@
         <p:spPr>
           <a:xfrm>
             <a:off x="6053040" y="3840840"/>
-            <a:ext cx="571680" cy="262080"/>
+            <a:ext cx="570960" cy="261360"/>
           </a:xfrm>
           <a:prstGeom prst="rect">
             <a:avLst/>
@@ -7305,7 +7324,7 @@
         <p:spPr>
           <a:xfrm>
             <a:off x="6053040" y="4154400"/>
-            <a:ext cx="571680" cy="262080"/>
+            <a:ext cx="570960" cy="261360"/>
           </a:xfrm>
           <a:prstGeom prst="rect">
             <a:avLst/>
@@ -7416,7 +7435,7 @@
         <p:spPr>
           <a:xfrm>
             <a:off x="6475680" y="3816000"/>
-            <a:ext cx="304560" cy="165600"/>
+            <a:ext cx="303840" cy="165600"/>
           </a:xfrm>
           <a:prstGeom prst="rect">
             <a:avLst/>
@@ -7467,7 +7486,7 @@
         <p:spPr>
           <a:xfrm>
             <a:off x="6475680" y="4125600"/>
-            <a:ext cx="304560" cy="165600"/>
+            <a:ext cx="303840" cy="165600"/>
           </a:xfrm>
           <a:prstGeom prst="rect">
             <a:avLst/>
@@ -7626,7 +7645,7 @@
         <p:spPr>
           <a:xfrm>
             <a:off x="6647400" y="4917600"/>
-            <a:ext cx="825120" cy="317880"/>
+            <a:ext cx="824400" cy="317520"/>
           </a:xfrm>
           <a:prstGeom prst="rect">
             <a:avLst/>
@@ -7717,7 +7736,7 @@
         <p:spPr>
           <a:xfrm>
             <a:off x="6640200" y="5479200"/>
-            <a:ext cx="825120" cy="545400"/>
+            <a:ext cx="824400" cy="545400"/>
           </a:xfrm>
           <a:prstGeom prst="rect">
             <a:avLst/>

--- a/doc/cpu.pptx
+++ b/doc/cpu.pptx
@@ -53,7 +53,7 @@
       </p:grpSpPr>
       <p:sp>
         <p:nvSpPr>
-          <p:cNvPr id="21" name="PlaceHolder 1"/>
+          <p:cNvPr id="23" name="PlaceHolder 1"/>
           <p:cNvSpPr>
             <a:spLocks noGrp="1"/>
           </p:cNvSpPr>
@@ -84,7 +84,7 @@
       </p:sp>
       <p:sp>
         <p:nvSpPr>
-          <p:cNvPr id="22" name="PlaceHolder 2"/>
+          <p:cNvPr id="24" name="PlaceHolder 2"/>
           <p:cNvSpPr>
             <a:spLocks noGrp="1"/>
           </p:cNvSpPr>
@@ -114,7 +114,7 @@
       </p:sp>
       <p:sp>
         <p:nvSpPr>
-          <p:cNvPr id="23" name="PlaceHolder 3"/>
+          <p:cNvPr id="25" name="PlaceHolder 3"/>
           <p:cNvSpPr>
             <a:spLocks noGrp="1"/>
           </p:cNvSpPr>
@@ -166,7 +166,7 @@
       </p:grpSpPr>
       <p:sp>
         <p:nvSpPr>
-          <p:cNvPr id="24" name="PlaceHolder 1"/>
+          <p:cNvPr id="26" name="PlaceHolder 1"/>
           <p:cNvSpPr>
             <a:spLocks noGrp="1"/>
           </p:cNvSpPr>
@@ -197,7 +197,7 @@
       </p:sp>
       <p:sp>
         <p:nvSpPr>
-          <p:cNvPr id="25" name="PlaceHolder 2"/>
+          <p:cNvPr id="27" name="PlaceHolder 2"/>
           <p:cNvSpPr>
             <a:spLocks noGrp="1"/>
           </p:cNvSpPr>
@@ -227,7 +227,7 @@
       </p:sp>
       <p:sp>
         <p:nvSpPr>
-          <p:cNvPr id="26" name="PlaceHolder 3"/>
+          <p:cNvPr id="28" name="PlaceHolder 3"/>
           <p:cNvSpPr>
             <a:spLocks noGrp="1"/>
           </p:cNvSpPr>
@@ -257,7 +257,7 @@
       </p:sp>
       <p:sp>
         <p:nvSpPr>
-          <p:cNvPr id="27" name="PlaceHolder 4"/>
+          <p:cNvPr id="29" name="PlaceHolder 4"/>
           <p:cNvSpPr>
             <a:spLocks noGrp="1"/>
           </p:cNvSpPr>
@@ -287,7 +287,7 @@
       </p:sp>
       <p:sp>
         <p:nvSpPr>
-          <p:cNvPr id="28" name="PlaceHolder 5"/>
+          <p:cNvPr id="30" name="PlaceHolder 5"/>
           <p:cNvSpPr>
             <a:spLocks noGrp="1"/>
           </p:cNvSpPr>
@@ -339,7 +339,7 @@
       </p:grpSpPr>
       <p:sp>
         <p:nvSpPr>
-          <p:cNvPr id="29" name="PlaceHolder 1"/>
+          <p:cNvPr id="31" name="PlaceHolder 1"/>
           <p:cNvSpPr>
             <a:spLocks noGrp="1"/>
           </p:cNvSpPr>
@@ -370,7 +370,7 @@
       </p:sp>
       <p:sp>
         <p:nvSpPr>
-          <p:cNvPr id="30" name="PlaceHolder 2"/>
+          <p:cNvPr id="32" name="PlaceHolder 2"/>
           <p:cNvSpPr>
             <a:spLocks noGrp="1"/>
           </p:cNvSpPr>
@@ -400,7 +400,7 @@
       </p:sp>
       <p:sp>
         <p:nvSpPr>
-          <p:cNvPr id="31" name="PlaceHolder 3"/>
+          <p:cNvPr id="33" name="PlaceHolder 3"/>
           <p:cNvSpPr>
             <a:spLocks noGrp="1"/>
           </p:cNvSpPr>
@@ -430,7 +430,7 @@
       </p:sp>
       <p:sp>
         <p:nvSpPr>
-          <p:cNvPr id="32" name="PlaceHolder 4"/>
+          <p:cNvPr id="34" name="PlaceHolder 4"/>
           <p:cNvSpPr>
             <a:spLocks noGrp="1"/>
           </p:cNvSpPr>
@@ -460,7 +460,7 @@
       </p:sp>
       <p:sp>
         <p:nvSpPr>
-          <p:cNvPr id="33" name="PlaceHolder 5"/>
+          <p:cNvPr id="35" name="PlaceHolder 5"/>
           <p:cNvSpPr>
             <a:spLocks noGrp="1"/>
           </p:cNvSpPr>
@@ -490,7 +490,7 @@
       </p:sp>
       <p:sp>
         <p:nvSpPr>
-          <p:cNvPr id="34" name="PlaceHolder 6"/>
+          <p:cNvPr id="36" name="PlaceHolder 6"/>
           <p:cNvSpPr>
             <a:spLocks noGrp="1"/>
           </p:cNvSpPr>
@@ -520,7 +520,7 @@
       </p:sp>
       <p:sp>
         <p:nvSpPr>
-          <p:cNvPr id="35" name="PlaceHolder 7"/>
+          <p:cNvPr id="37" name="PlaceHolder 7"/>
           <p:cNvSpPr>
             <a:spLocks noGrp="1"/>
           </p:cNvSpPr>
@@ -572,7 +572,7 @@
       </p:grpSpPr>
       <p:sp>
         <p:nvSpPr>
-          <p:cNvPr id="0" name="PlaceHolder 1"/>
+          <p:cNvPr id="2" name="PlaceHolder 1"/>
           <p:cNvSpPr>
             <a:spLocks noGrp="1"/>
           </p:cNvSpPr>
@@ -603,7 +603,7 @@
       </p:sp>
       <p:sp>
         <p:nvSpPr>
-          <p:cNvPr id="1" name="PlaceHolder 2"/>
+          <p:cNvPr id="3" name="PlaceHolder 2"/>
           <p:cNvSpPr>
             <a:spLocks noGrp="1"/>
           </p:cNvSpPr>
@@ -656,7 +656,7 @@
       </p:grpSpPr>
       <p:sp>
         <p:nvSpPr>
-          <p:cNvPr id="2" name="PlaceHolder 1"/>
+          <p:cNvPr id="4" name="PlaceHolder 1"/>
           <p:cNvSpPr>
             <a:spLocks noGrp="1"/>
           </p:cNvSpPr>
@@ -687,7 +687,7 @@
       </p:sp>
       <p:sp>
         <p:nvSpPr>
-          <p:cNvPr id="3" name="PlaceHolder 2"/>
+          <p:cNvPr id="5" name="PlaceHolder 2"/>
           <p:cNvSpPr>
             <a:spLocks noGrp="1"/>
           </p:cNvSpPr>
@@ -739,7 +739,7 @@
       </p:grpSpPr>
       <p:sp>
         <p:nvSpPr>
-          <p:cNvPr id="4" name="PlaceHolder 1"/>
+          <p:cNvPr id="6" name="PlaceHolder 1"/>
           <p:cNvSpPr>
             <a:spLocks noGrp="1"/>
           </p:cNvSpPr>
@@ -770,7 +770,7 @@
       </p:sp>
       <p:sp>
         <p:nvSpPr>
-          <p:cNvPr id="5" name="PlaceHolder 2"/>
+          <p:cNvPr id="7" name="PlaceHolder 2"/>
           <p:cNvSpPr>
             <a:spLocks noGrp="1"/>
           </p:cNvSpPr>
@@ -800,7 +800,7 @@
       </p:sp>
       <p:sp>
         <p:nvSpPr>
-          <p:cNvPr id="6" name="PlaceHolder 3"/>
+          <p:cNvPr id="8" name="PlaceHolder 3"/>
           <p:cNvSpPr>
             <a:spLocks noGrp="1"/>
           </p:cNvSpPr>
@@ -852,7 +852,7 @@
       </p:grpSpPr>
       <p:sp>
         <p:nvSpPr>
-          <p:cNvPr id="7" name="PlaceHolder 1"/>
+          <p:cNvPr id="9" name="PlaceHolder 1"/>
           <p:cNvSpPr>
             <a:spLocks noGrp="1"/>
           </p:cNvSpPr>
@@ -905,7 +905,7 @@
       </p:grpSpPr>
       <p:sp>
         <p:nvSpPr>
-          <p:cNvPr id="8" name="PlaceHolder 1"/>
+          <p:cNvPr id="10" name="PlaceHolder 1"/>
           <p:cNvSpPr>
             <a:spLocks noGrp="1"/>
           </p:cNvSpPr>
@@ -958,7 +958,7 @@
       </p:grpSpPr>
       <p:sp>
         <p:nvSpPr>
-          <p:cNvPr id="9" name="PlaceHolder 1"/>
+          <p:cNvPr id="11" name="PlaceHolder 1"/>
           <p:cNvSpPr>
             <a:spLocks noGrp="1"/>
           </p:cNvSpPr>
@@ -989,7 +989,7 @@
       </p:sp>
       <p:sp>
         <p:nvSpPr>
-          <p:cNvPr id="10" name="PlaceHolder 2"/>
+          <p:cNvPr id="12" name="PlaceHolder 2"/>
           <p:cNvSpPr>
             <a:spLocks noGrp="1"/>
           </p:cNvSpPr>
@@ -1019,7 +1019,7 @@
       </p:sp>
       <p:sp>
         <p:nvSpPr>
-          <p:cNvPr id="11" name="PlaceHolder 3"/>
+          <p:cNvPr id="13" name="PlaceHolder 3"/>
           <p:cNvSpPr>
             <a:spLocks noGrp="1"/>
           </p:cNvSpPr>
@@ -1049,7 +1049,7 @@
       </p:sp>
       <p:sp>
         <p:nvSpPr>
-          <p:cNvPr id="12" name="PlaceHolder 4"/>
+          <p:cNvPr id="14" name="PlaceHolder 4"/>
           <p:cNvSpPr>
             <a:spLocks noGrp="1"/>
           </p:cNvSpPr>
@@ -1101,7 +1101,7 @@
       </p:grpSpPr>
       <p:sp>
         <p:nvSpPr>
-          <p:cNvPr id="13" name="PlaceHolder 1"/>
+          <p:cNvPr id="15" name="PlaceHolder 1"/>
           <p:cNvSpPr>
             <a:spLocks noGrp="1"/>
           </p:cNvSpPr>
@@ -1132,7 +1132,7 @@
       </p:sp>
       <p:sp>
         <p:nvSpPr>
-          <p:cNvPr id="14" name="PlaceHolder 2"/>
+          <p:cNvPr id="16" name="PlaceHolder 2"/>
           <p:cNvSpPr>
             <a:spLocks noGrp="1"/>
           </p:cNvSpPr>
@@ -1162,7 +1162,7 @@
       </p:sp>
       <p:sp>
         <p:nvSpPr>
-          <p:cNvPr id="15" name="PlaceHolder 3"/>
+          <p:cNvPr id="17" name="PlaceHolder 3"/>
           <p:cNvSpPr>
             <a:spLocks noGrp="1"/>
           </p:cNvSpPr>
@@ -1192,7 +1192,7 @@
       </p:sp>
       <p:sp>
         <p:nvSpPr>
-          <p:cNvPr id="16" name="PlaceHolder 4"/>
+          <p:cNvPr id="18" name="PlaceHolder 4"/>
           <p:cNvSpPr>
             <a:spLocks noGrp="1"/>
           </p:cNvSpPr>
@@ -1244,7 +1244,7 @@
       </p:grpSpPr>
       <p:sp>
         <p:nvSpPr>
-          <p:cNvPr id="17" name="PlaceHolder 1"/>
+          <p:cNvPr id="19" name="PlaceHolder 1"/>
           <p:cNvSpPr>
             <a:spLocks noGrp="1"/>
           </p:cNvSpPr>
@@ -1275,7 +1275,7 @@
       </p:sp>
       <p:sp>
         <p:nvSpPr>
-          <p:cNvPr id="18" name="PlaceHolder 2"/>
+          <p:cNvPr id="20" name="PlaceHolder 2"/>
           <p:cNvSpPr>
             <a:spLocks noGrp="1"/>
           </p:cNvSpPr>
@@ -1305,7 +1305,7 @@
       </p:sp>
       <p:sp>
         <p:nvSpPr>
-          <p:cNvPr id="19" name="PlaceHolder 3"/>
+          <p:cNvPr id="21" name="PlaceHolder 3"/>
           <p:cNvSpPr>
             <a:spLocks noGrp="1"/>
           </p:cNvSpPr>
@@ -1335,7 +1335,7 @@
       </p:sp>
       <p:sp>
         <p:nvSpPr>
-          <p:cNvPr id="20" name="PlaceHolder 4"/>
+          <p:cNvPr id="22" name="PlaceHolder 4"/>
           <p:cNvSpPr>
             <a:spLocks noGrp="1"/>
           </p:cNvSpPr>
@@ -1385,6 +1385,222 @@
           <a:chExt cx="0" cy="0"/>
         </a:xfrm>
       </p:grpSpPr>
+      <p:sp>
+        <p:nvSpPr>
+          <p:cNvPr id="0" name="PlaceHolder 1"/>
+          <p:cNvSpPr>
+            <a:spLocks noGrp="1"/>
+          </p:cNvSpPr>
+          <p:nvPr>
+            <p:ph type="title"/>
+          </p:nvPr>
+        </p:nvSpPr>
+        <p:spPr>
+          <a:xfrm>
+            <a:off x="534240" y="301320"/>
+            <a:ext cx="9622080" cy="1261800"/>
+          </a:xfrm>
+          <a:prstGeom prst="rect">
+            <a:avLst/>
+          </a:prstGeom>
+        </p:spPr>
+        <p:txBody>
+          <a:bodyPr lIns="0" rIns="0" tIns="0" bIns="0" anchor="ctr">
+            <a:noAutofit/>
+          </a:bodyPr>
+          <a:p>
+            <a:pPr algn="ctr"/>
+            <a:r>
+              <a:rPr b="0" lang="de-DE" sz="4400" spc="-1" strike="noStrike">
+                <a:latin typeface="Arial"/>
+              </a:rPr>
+              <a:t>Format des Titeltextes durch Klicken bearbeiten</a:t>
+            </a:r>
+            <a:endParaRPr b="0" lang="de-DE" sz="4400" spc="-1" strike="noStrike">
+              <a:latin typeface="Arial"/>
+            </a:endParaRPr>
+          </a:p>
+        </p:txBody>
+      </p:sp>
+      <p:sp>
+        <p:nvSpPr>
+          <p:cNvPr id="1" name="PlaceHolder 2"/>
+          <p:cNvSpPr>
+            <a:spLocks noGrp="1"/>
+          </p:cNvSpPr>
+          <p:nvPr>
+            <p:ph type="body"/>
+          </p:nvPr>
+        </p:nvSpPr>
+        <p:spPr>
+          <a:xfrm>
+            <a:off x="534240" y="1768680"/>
+            <a:ext cx="9622080" cy="4384080"/>
+          </a:xfrm>
+          <a:prstGeom prst="rect">
+            <a:avLst/>
+          </a:prstGeom>
+        </p:spPr>
+        <p:txBody>
+          <a:bodyPr lIns="0" rIns="0" tIns="0" bIns="0">
+            <a:normAutofit/>
+          </a:bodyPr>
+          <a:p>
+            <a:pPr marL="432000" indent="-324000">
+              <a:spcBef>
+                <a:spcPts val="1417"/>
+              </a:spcBef>
+              <a:buClr>
+                <a:srgbClr val="000000"/>
+              </a:buClr>
+              <a:buSzPct val="45000"/>
+              <a:buFont typeface="Wingdings" charset="2"/>
+              <a:buChar char=""/>
+            </a:pPr>
+            <a:r>
+              <a:rPr b="0" lang="de-DE" sz="3200" spc="-1" strike="noStrike">
+                <a:latin typeface="Arial"/>
+              </a:rPr>
+              <a:t>Format des Gliederungstextes durch Klicken bearbeiten</a:t>
+            </a:r>
+            <a:endParaRPr b="0" lang="de-DE" sz="3200" spc="-1" strike="noStrike">
+              <a:latin typeface="Arial"/>
+            </a:endParaRPr>
+          </a:p>
+          <a:p>
+            <a:pPr lvl="1" marL="864000" indent="-324000">
+              <a:spcBef>
+                <a:spcPts val="1134"/>
+              </a:spcBef>
+              <a:buClr>
+                <a:srgbClr val="000000"/>
+              </a:buClr>
+              <a:buSzPct val="75000"/>
+              <a:buFont typeface="Symbol" charset="2"/>
+              <a:buChar char=""/>
+            </a:pPr>
+            <a:r>
+              <a:rPr b="0" lang="de-DE" sz="2800" spc="-1" strike="noStrike">
+                <a:latin typeface="Arial"/>
+              </a:rPr>
+              <a:t>Zweite Gliederungsebene</a:t>
+            </a:r>
+            <a:endParaRPr b="0" lang="de-DE" sz="2800" spc="-1" strike="noStrike">
+              <a:latin typeface="Arial"/>
+            </a:endParaRPr>
+          </a:p>
+          <a:p>
+            <a:pPr lvl="2" marL="1296000" indent="-288000">
+              <a:spcBef>
+                <a:spcPts val="850"/>
+              </a:spcBef>
+              <a:buClr>
+                <a:srgbClr val="000000"/>
+              </a:buClr>
+              <a:buSzPct val="45000"/>
+              <a:buFont typeface="Wingdings" charset="2"/>
+              <a:buChar char=""/>
+            </a:pPr>
+            <a:r>
+              <a:rPr b="0" lang="de-DE" sz="2400" spc="-1" strike="noStrike">
+                <a:latin typeface="Arial"/>
+              </a:rPr>
+              <a:t>Dritte Gliederungsebene</a:t>
+            </a:r>
+            <a:endParaRPr b="0" lang="de-DE" sz="2400" spc="-1" strike="noStrike">
+              <a:latin typeface="Arial"/>
+            </a:endParaRPr>
+          </a:p>
+          <a:p>
+            <a:pPr lvl="3" marL="1728000" indent="-216000">
+              <a:spcBef>
+                <a:spcPts val="567"/>
+              </a:spcBef>
+              <a:buClr>
+                <a:srgbClr val="000000"/>
+              </a:buClr>
+              <a:buSzPct val="75000"/>
+              <a:buFont typeface="Symbol" charset="2"/>
+              <a:buChar char=""/>
+            </a:pPr>
+            <a:r>
+              <a:rPr b="0" lang="de-DE" sz="2000" spc="-1" strike="noStrike">
+                <a:latin typeface="Arial"/>
+              </a:rPr>
+              <a:t>Vierte Gliederungsebene</a:t>
+            </a:r>
+            <a:endParaRPr b="0" lang="de-DE" sz="2000" spc="-1" strike="noStrike">
+              <a:latin typeface="Arial"/>
+            </a:endParaRPr>
+          </a:p>
+          <a:p>
+            <a:pPr lvl="4" marL="2160000" indent="-216000">
+              <a:spcBef>
+                <a:spcPts val="283"/>
+              </a:spcBef>
+              <a:buClr>
+                <a:srgbClr val="000000"/>
+              </a:buClr>
+              <a:buSzPct val="45000"/>
+              <a:buFont typeface="Wingdings" charset="2"/>
+              <a:buChar char=""/>
+            </a:pPr>
+            <a:r>
+              <a:rPr b="0" lang="de-DE" sz="2000" spc="-1" strike="noStrike">
+                <a:latin typeface="Arial"/>
+              </a:rPr>
+              <a:t>Fünfte Gliederungsebene</a:t>
+            </a:r>
+            <a:endParaRPr b="0" lang="de-DE" sz="2000" spc="-1" strike="noStrike">
+              <a:latin typeface="Arial"/>
+            </a:endParaRPr>
+          </a:p>
+          <a:p>
+            <a:pPr lvl="5" marL="2592000" indent="-216000">
+              <a:spcBef>
+                <a:spcPts val="283"/>
+              </a:spcBef>
+              <a:buClr>
+                <a:srgbClr val="000000"/>
+              </a:buClr>
+              <a:buSzPct val="45000"/>
+              <a:buFont typeface="Wingdings" charset="2"/>
+              <a:buChar char=""/>
+            </a:pPr>
+            <a:r>
+              <a:rPr b="0" lang="de-DE" sz="2000" spc="-1" strike="noStrike">
+                <a:latin typeface="Arial"/>
+              </a:rPr>
+              <a:t>Sechste Gliederungsebene</a:t>
+            </a:r>
+            <a:endParaRPr b="0" lang="de-DE" sz="2000" spc="-1" strike="noStrike">
+              <a:latin typeface="Arial"/>
+            </a:endParaRPr>
+          </a:p>
+          <a:p>
+            <a:pPr lvl="6" marL="3024000" indent="-216000">
+              <a:spcBef>
+                <a:spcPts val="283"/>
+              </a:spcBef>
+              <a:buClr>
+                <a:srgbClr val="000000"/>
+              </a:buClr>
+              <a:buSzPct val="45000"/>
+              <a:buFont typeface="Wingdings" charset="2"/>
+              <a:buChar char=""/>
+            </a:pPr>
+            <a:r>
+              <a:rPr b="0" lang="de-DE" sz="2000" spc="-1" strike="noStrike">
+                <a:latin typeface="Arial"/>
+              </a:rPr>
+              <a:t>Siebte Gliederungsebene</a:t>
+            </a:r>
+            <a:endParaRPr b="0" lang="de-DE" sz="2000" spc="-1" strike="noStrike">
+              <a:latin typeface="Arial"/>
+            </a:endParaRPr>
+          </a:p>
+        </p:txBody>
+      </p:sp>
     </p:spTree>
   </p:cSld>
   <p:clrMap bg1="lt1" bg2="lt2" tx1="dk1" tx2="dk2" accent1="accent1" accent2="accent2" accent3="accent3" accent4="accent4" accent5="accent5" accent6="accent6" hlink="hlink" folHlink="folHlink"/>
@@ -1424,14 +1640,14 @@
       </p:grpSpPr>
       <p:sp>
         <p:nvSpPr>
-          <p:cNvPr id="36" name="CustomShape 1"/>
+          <p:cNvPr id="38" name="CustomShape 1"/>
           <p:cNvSpPr/>
           <p:nvPr/>
         </p:nvSpPr>
         <p:spPr>
           <a:xfrm>
             <a:off x="5812560" y="1411560"/>
-            <a:ext cx="3810960" cy="2298960"/>
+            <a:ext cx="3810600" cy="2298600"/>
           </a:xfrm>
           <a:prstGeom prst="rect">
             <a:avLst/>
@@ -1454,14 +1670,14 @@
       </p:sp>
       <p:sp>
         <p:nvSpPr>
-          <p:cNvPr id="37" name="CustomShape 2"/>
+          <p:cNvPr id="39" name="CustomShape 2"/>
           <p:cNvSpPr/>
           <p:nvPr/>
         </p:nvSpPr>
         <p:spPr>
           <a:xfrm>
             <a:off x="412560" y="2412360"/>
-            <a:ext cx="4026960" cy="2298960"/>
+            <a:ext cx="4026600" cy="2298600"/>
           </a:xfrm>
           <a:prstGeom prst="rect">
             <a:avLst/>
@@ -1484,14 +1700,14 @@
       </p:sp>
       <p:sp>
         <p:nvSpPr>
-          <p:cNvPr id="38" name="CustomShape 3"/>
+          <p:cNvPr id="40" name="CustomShape 3"/>
           <p:cNvSpPr/>
           <p:nvPr/>
         </p:nvSpPr>
         <p:spPr>
           <a:xfrm>
             <a:off x="6702840" y="756360"/>
-            <a:ext cx="1434960" cy="570960"/>
+            <a:ext cx="1434600" cy="570600"/>
           </a:xfrm>
           <a:prstGeom prst="rect">
             <a:avLst/>
@@ -1569,14 +1785,14 @@
       </p:sp>
       <p:sp>
         <p:nvSpPr>
-          <p:cNvPr id="39" name="CustomShape 4"/>
+          <p:cNvPr id="41" name="CustomShape 4"/>
           <p:cNvSpPr/>
           <p:nvPr/>
         </p:nvSpPr>
         <p:spPr>
           <a:xfrm>
             <a:off x="4686840" y="612360"/>
-            <a:ext cx="282960" cy="6513840"/>
+            <a:ext cx="282600" cy="6513480"/>
           </a:xfrm>
           <a:prstGeom prst="rect">
             <a:avLst/>
@@ -1624,14 +1840,14 @@
       </p:sp>
       <p:sp>
         <p:nvSpPr>
-          <p:cNvPr id="40" name="CustomShape 5"/>
+          <p:cNvPr id="42" name="CustomShape 5"/>
           <p:cNvSpPr/>
           <p:nvPr/>
         </p:nvSpPr>
         <p:spPr>
           <a:xfrm>
             <a:off x="9870840" y="612360"/>
-            <a:ext cx="282960" cy="6513840"/>
+            <a:ext cx="282600" cy="6513480"/>
           </a:xfrm>
           <a:prstGeom prst="rect">
             <a:avLst/>
@@ -1679,14 +1895,14 @@
       </p:sp>
       <p:sp>
         <p:nvSpPr>
-          <p:cNvPr id="41" name="CustomShape 6"/>
+          <p:cNvPr id="43" name="CustomShape 6"/>
           <p:cNvSpPr/>
           <p:nvPr/>
         </p:nvSpPr>
         <p:spPr>
           <a:xfrm>
             <a:off x="6702840" y="1548360"/>
-            <a:ext cx="1434960" cy="570960"/>
+            <a:ext cx="1434600" cy="570600"/>
           </a:xfrm>
           <a:prstGeom prst="rect">
             <a:avLst/>
@@ -1764,14 +1980,14 @@
       </p:sp>
       <p:sp>
         <p:nvSpPr>
-          <p:cNvPr id="42" name="CustomShape 7"/>
+          <p:cNvPr id="44" name="CustomShape 7"/>
           <p:cNvSpPr/>
           <p:nvPr/>
         </p:nvSpPr>
         <p:spPr>
           <a:xfrm>
             <a:off x="6702840" y="2268360"/>
-            <a:ext cx="1434960" cy="1290960"/>
+            <a:ext cx="1434600" cy="1290600"/>
           </a:xfrm>
           <a:prstGeom prst="rect">
             <a:avLst/>
@@ -1839,14 +2055,14 @@
       </p:sp>
       <p:sp>
         <p:nvSpPr>
-          <p:cNvPr id="43" name="CustomShape 8"/>
+          <p:cNvPr id="45" name="CustomShape 8"/>
           <p:cNvSpPr/>
           <p:nvPr/>
         </p:nvSpPr>
         <p:spPr>
           <a:xfrm>
             <a:off x="1518840" y="900360"/>
-            <a:ext cx="1434960" cy="426960"/>
+            <a:ext cx="1434600" cy="426600"/>
           </a:xfrm>
           <a:prstGeom prst="rect">
             <a:avLst/>
@@ -1914,14 +2130,14 @@
       </p:sp>
       <p:sp>
         <p:nvSpPr>
-          <p:cNvPr id="44" name="CustomShape 9"/>
+          <p:cNvPr id="46" name="CustomShape 9"/>
           <p:cNvSpPr/>
           <p:nvPr/>
         </p:nvSpPr>
         <p:spPr>
           <a:xfrm>
             <a:off x="1518840" y="1548360"/>
-            <a:ext cx="1434960" cy="426960"/>
+            <a:ext cx="1434600" cy="426600"/>
           </a:xfrm>
           <a:prstGeom prst="rect">
             <a:avLst/>
@@ -1969,14 +2185,14 @@
       </p:sp>
       <p:sp>
         <p:nvSpPr>
-          <p:cNvPr id="45" name="CustomShape 10"/>
+          <p:cNvPr id="47" name="CustomShape 10"/>
           <p:cNvSpPr/>
           <p:nvPr/>
         </p:nvSpPr>
         <p:spPr>
           <a:xfrm>
             <a:off x="1518840" y="2556360"/>
-            <a:ext cx="1434960" cy="426960"/>
+            <a:ext cx="1434600" cy="426600"/>
           </a:xfrm>
           <a:prstGeom prst="rect">
             <a:avLst/>
@@ -2024,14 +2240,14 @@
       </p:sp>
       <p:sp>
         <p:nvSpPr>
-          <p:cNvPr id="46" name="CustomShape 11"/>
+          <p:cNvPr id="48" name="CustomShape 11"/>
           <p:cNvSpPr/>
           <p:nvPr/>
         </p:nvSpPr>
         <p:spPr>
           <a:xfrm>
             <a:off x="1512360" y="3132360"/>
-            <a:ext cx="1434960" cy="858960"/>
+            <a:ext cx="1434600" cy="858600"/>
           </a:xfrm>
           <a:prstGeom prst="rect">
             <a:avLst/>
@@ -2079,14 +2295,14 @@
       </p:sp>
       <p:sp>
         <p:nvSpPr>
-          <p:cNvPr id="47" name="CustomShape 12"/>
+          <p:cNvPr id="49" name="CustomShape 12"/>
           <p:cNvSpPr/>
           <p:nvPr/>
         </p:nvSpPr>
         <p:spPr>
           <a:xfrm>
             <a:off x="1512360" y="4140360"/>
-            <a:ext cx="1434960" cy="426960"/>
+            <a:ext cx="1434600" cy="426600"/>
           </a:xfrm>
           <a:prstGeom prst="rect">
             <a:avLst/>
@@ -2134,14 +2350,14 @@
       </p:sp>
       <p:sp>
         <p:nvSpPr>
-          <p:cNvPr id="48" name="CustomShape 13"/>
+          <p:cNvPr id="50" name="CustomShape 13"/>
           <p:cNvSpPr/>
           <p:nvPr/>
         </p:nvSpPr>
         <p:spPr>
           <a:xfrm>
             <a:off x="1512360" y="4824360"/>
-            <a:ext cx="1434960" cy="426960"/>
+            <a:ext cx="1434600" cy="426600"/>
           </a:xfrm>
           <a:prstGeom prst="rect">
             <a:avLst/>
@@ -2189,14 +2405,14 @@
       </p:sp>
       <p:sp>
         <p:nvSpPr>
-          <p:cNvPr id="49" name="CustomShape 14"/>
+          <p:cNvPr id="51" name="CustomShape 14"/>
           <p:cNvSpPr/>
           <p:nvPr/>
         </p:nvSpPr>
         <p:spPr>
           <a:xfrm>
             <a:off x="1512360" y="5472360"/>
-            <a:ext cx="1434960" cy="426960"/>
+            <a:ext cx="1434600" cy="426600"/>
           </a:xfrm>
           <a:prstGeom prst="rect">
             <a:avLst/>
@@ -2244,14 +2460,14 @@
       </p:sp>
       <p:sp>
         <p:nvSpPr>
-          <p:cNvPr id="50" name="CustomShape 15"/>
+          <p:cNvPr id="52" name="CustomShape 15"/>
           <p:cNvSpPr/>
           <p:nvPr/>
         </p:nvSpPr>
         <p:spPr>
           <a:xfrm>
             <a:off x="1512360" y="6113880"/>
-            <a:ext cx="1434960" cy="433440"/>
+            <a:ext cx="1434600" cy="433080"/>
           </a:xfrm>
           <a:prstGeom prst="rect">
             <a:avLst/>
@@ -2299,7 +2515,7 @@
       </p:sp>
       <p:sp>
         <p:nvSpPr>
-          <p:cNvPr id="51" name="Line 16"/>
+          <p:cNvPr id="53" name="Line 16"/>
           <p:cNvSpPr/>
           <p:nvPr/>
         </p:nvSpPr>
@@ -2353,7 +2569,7 @@
       </p:sp>
       <p:sp>
         <p:nvSpPr>
-          <p:cNvPr id="52" name="Line 17"/>
+          <p:cNvPr id="54" name="Line 17"/>
           <p:cNvSpPr/>
           <p:nvPr/>
         </p:nvSpPr>
@@ -2407,7 +2623,7 @@
       </p:sp>
       <p:sp>
         <p:nvSpPr>
-          <p:cNvPr id="53" name="Line 18"/>
+          <p:cNvPr id="55" name="Line 18"/>
           <p:cNvSpPr/>
           <p:nvPr/>
         </p:nvSpPr>
@@ -2461,7 +2677,7 @@
       </p:sp>
       <p:sp>
         <p:nvSpPr>
-          <p:cNvPr id="54" name="Line 19"/>
+          <p:cNvPr id="56" name="Line 19"/>
           <p:cNvSpPr/>
           <p:nvPr/>
         </p:nvSpPr>
@@ -2515,7 +2731,7 @@
       </p:sp>
       <p:sp>
         <p:nvSpPr>
-          <p:cNvPr id="55" name="Line 20"/>
+          <p:cNvPr id="57" name="Line 20"/>
           <p:cNvSpPr/>
           <p:nvPr/>
         </p:nvSpPr>
@@ -2569,14 +2785,14 @@
       </p:sp>
       <p:sp>
         <p:nvSpPr>
-          <p:cNvPr id="56" name="CustomShape 21"/>
+          <p:cNvPr id="58" name="CustomShape 21"/>
           <p:cNvSpPr/>
           <p:nvPr/>
         </p:nvSpPr>
         <p:spPr>
           <a:xfrm rot="16200000">
-            <a:off x="2807640" y="3349080"/>
-            <a:ext cx="858960" cy="426960"/>
+            <a:off x="2807640" y="3349440"/>
+            <a:ext cx="858600" cy="426600"/>
           </a:xfrm>
           <a:prstGeom prst="rect">
             <a:avLst/>
@@ -2624,14 +2840,14 @@
       </p:sp>
       <p:sp>
         <p:nvSpPr>
-          <p:cNvPr id="57" name="CustomShape 22"/>
+          <p:cNvPr id="59" name="CustomShape 22"/>
           <p:cNvSpPr/>
           <p:nvPr/>
         </p:nvSpPr>
         <p:spPr>
           <a:xfrm rot="16200000">
-            <a:off x="288360" y="3353400"/>
-            <a:ext cx="858960" cy="426960"/>
+            <a:off x="288360" y="3353760"/>
+            <a:ext cx="858600" cy="426600"/>
           </a:xfrm>
           <a:prstGeom prst="rect">
             <a:avLst/>
@@ -2679,7 +2895,7 @@
       </p:sp>
       <p:sp>
         <p:nvSpPr>
-          <p:cNvPr id="58" name="Line 23"/>
+          <p:cNvPr id="60" name="Line 23"/>
           <p:cNvSpPr/>
           <p:nvPr/>
         </p:nvSpPr>
@@ -2733,7 +2949,7 @@
       </p:sp>
       <p:sp>
         <p:nvSpPr>
-          <p:cNvPr id="59" name="Line 24"/>
+          <p:cNvPr id="61" name="Line 24"/>
           <p:cNvSpPr/>
           <p:nvPr/>
         </p:nvSpPr>
@@ -2787,7 +3003,7 @@
       </p:sp>
       <p:sp>
         <p:nvSpPr>
-          <p:cNvPr id="60" name="Line 25"/>
+          <p:cNvPr id="62" name="Line 25"/>
           <p:cNvSpPr/>
           <p:nvPr/>
         </p:nvSpPr>
@@ -2816,7 +3032,7 @@
       </p:sp>
       <p:sp>
         <p:nvSpPr>
-          <p:cNvPr id="61" name="Line 26"/>
+          <p:cNvPr id="63" name="Line 26"/>
           <p:cNvSpPr/>
           <p:nvPr/>
         </p:nvSpPr>
@@ -2845,7 +3061,7 @@
       </p:sp>
       <p:sp>
         <p:nvSpPr>
-          <p:cNvPr id="62" name="Line 27"/>
+          <p:cNvPr id="64" name="Line 27"/>
           <p:cNvSpPr/>
           <p:nvPr/>
         </p:nvSpPr>
@@ -2873,14 +3089,14 @@
       </p:sp>
       <p:sp>
         <p:nvSpPr>
-          <p:cNvPr id="63" name="CustomShape 28"/>
+          <p:cNvPr id="65" name="CustomShape 28"/>
           <p:cNvSpPr/>
           <p:nvPr/>
         </p:nvSpPr>
         <p:spPr>
           <a:xfrm rot="16200000">
-            <a:off x="5690160" y="2633400"/>
-            <a:ext cx="1290960" cy="570960"/>
+            <a:off x="5690160" y="2633760"/>
+            <a:ext cx="1290600" cy="570600"/>
           </a:xfrm>
           <a:prstGeom prst="rect">
             <a:avLst/>
@@ -2948,7 +3164,7 @@
       </p:sp>
       <p:sp>
         <p:nvSpPr>
-          <p:cNvPr id="64" name="Line 29"/>
+          <p:cNvPr id="66" name="Line 29"/>
           <p:cNvSpPr/>
           <p:nvPr/>
         </p:nvSpPr>
@@ -2977,7 +3193,7 @@
       </p:sp>
       <p:sp>
         <p:nvSpPr>
-          <p:cNvPr id="65" name="Line 30"/>
+          <p:cNvPr id="67" name="Line 30"/>
           <p:cNvSpPr/>
           <p:nvPr/>
         </p:nvSpPr>
@@ -3031,7 +3247,7 @@
       </p:sp>
       <p:sp>
         <p:nvSpPr>
-          <p:cNvPr id="66" name="Line 31"/>
+          <p:cNvPr id="68" name="Line 31"/>
           <p:cNvSpPr/>
           <p:nvPr/>
         </p:nvSpPr>
@@ -3085,7 +3301,7 @@
       </p:sp>
       <p:sp>
         <p:nvSpPr>
-          <p:cNvPr id="67" name="Line 32"/>
+          <p:cNvPr id="69" name="Line 32"/>
           <p:cNvSpPr/>
           <p:nvPr/>
         </p:nvSpPr>
@@ -3139,7 +3355,7 @@
       </p:sp>
       <p:sp>
         <p:nvSpPr>
-          <p:cNvPr id="68" name="Line 33"/>
+          <p:cNvPr id="70" name="Line 33"/>
           <p:cNvSpPr/>
           <p:nvPr/>
         </p:nvSpPr>
@@ -3193,7 +3409,7 @@
       </p:sp>
       <p:sp>
         <p:nvSpPr>
-          <p:cNvPr id="69" name="Line 34"/>
+          <p:cNvPr id="71" name="Line 34"/>
           <p:cNvSpPr/>
           <p:nvPr/>
         </p:nvSpPr>
@@ -3247,7 +3463,7 @@
       </p:sp>
       <p:sp>
         <p:nvSpPr>
-          <p:cNvPr id="70" name="Line 35"/>
+          <p:cNvPr id="72" name="Line 35"/>
           <p:cNvSpPr/>
           <p:nvPr/>
         </p:nvSpPr>
@@ -3301,7 +3517,7 @@
       </p:sp>
       <p:sp>
         <p:nvSpPr>
-          <p:cNvPr id="71" name="Line 36"/>
+          <p:cNvPr id="73" name="Line 36"/>
           <p:cNvSpPr/>
           <p:nvPr/>
         </p:nvSpPr>
@@ -3355,7 +3571,7 @@
       </p:sp>
       <p:sp>
         <p:nvSpPr>
-          <p:cNvPr id="72" name="Line 37"/>
+          <p:cNvPr id="74" name="Line 37"/>
           <p:cNvSpPr/>
           <p:nvPr/>
         </p:nvSpPr>
@@ -3409,7 +3625,7 @@
       </p:sp>
       <p:sp>
         <p:nvSpPr>
-          <p:cNvPr id="73" name="Line 38"/>
+          <p:cNvPr id="75" name="Line 38"/>
           <p:cNvSpPr/>
           <p:nvPr/>
         </p:nvSpPr>
@@ -3463,7 +3679,7 @@
       </p:sp>
       <p:sp>
         <p:nvSpPr>
-          <p:cNvPr id="74" name="Line 39"/>
+          <p:cNvPr id="76" name="Line 39"/>
           <p:cNvSpPr/>
           <p:nvPr/>
         </p:nvSpPr>
@@ -3517,7 +3733,7 @@
       </p:sp>
       <p:sp>
         <p:nvSpPr>
-          <p:cNvPr id="75" name="Line 40"/>
+          <p:cNvPr id="77" name="Line 40"/>
           <p:cNvSpPr/>
           <p:nvPr/>
         </p:nvSpPr>
@@ -3571,14 +3787,14 @@
       </p:sp>
       <p:sp>
         <p:nvSpPr>
-          <p:cNvPr id="76" name="CustomShape 41"/>
+          <p:cNvPr id="78" name="CustomShape 41"/>
           <p:cNvSpPr/>
           <p:nvPr/>
         </p:nvSpPr>
         <p:spPr>
           <a:xfrm>
             <a:off x="1518840" y="324360"/>
-            <a:ext cx="1434960" cy="426960"/>
+            <a:ext cx="1434600" cy="426600"/>
           </a:xfrm>
           <a:prstGeom prst="rect">
             <a:avLst/>
@@ -3646,7 +3862,7 @@
       </p:sp>
       <p:sp>
         <p:nvSpPr>
-          <p:cNvPr id="77" name="Line 42"/>
+          <p:cNvPr id="79" name="Line 42"/>
           <p:cNvSpPr/>
           <p:nvPr/>
         </p:nvSpPr>
@@ -3675,7 +3891,7 @@
       </p:sp>
       <p:sp>
         <p:nvSpPr>
-          <p:cNvPr id="78" name="Line 43"/>
+          <p:cNvPr id="80" name="Line 43"/>
           <p:cNvSpPr/>
           <p:nvPr/>
         </p:nvSpPr>
@@ -3703,7 +3919,7 @@
       </p:sp>
       <p:sp>
         <p:nvSpPr>
-          <p:cNvPr id="79" name="Line 44"/>
+          <p:cNvPr id="81" name="Line 44"/>
           <p:cNvSpPr/>
           <p:nvPr/>
         </p:nvSpPr>
@@ -3732,14 +3948,14 @@
       </p:sp>
       <p:sp>
         <p:nvSpPr>
-          <p:cNvPr id="80" name="CustomShape 45"/>
+          <p:cNvPr id="82" name="CustomShape 45"/>
           <p:cNvSpPr/>
           <p:nvPr/>
         </p:nvSpPr>
         <p:spPr>
           <a:xfrm>
             <a:off x="4566960" y="324000"/>
-            <a:ext cx="526680" cy="302760"/>
+            <a:ext cx="526320" cy="302760"/>
           </a:xfrm>
           <a:prstGeom prst="rect">
             <a:avLst/>
@@ -3803,14 +4019,14 @@
       </p:sp>
       <p:sp>
         <p:nvSpPr>
-          <p:cNvPr id="81" name="CustomShape 46"/>
+          <p:cNvPr id="83" name="CustomShape 46"/>
           <p:cNvSpPr/>
           <p:nvPr/>
         </p:nvSpPr>
         <p:spPr>
           <a:xfrm>
             <a:off x="9670680" y="324360"/>
-            <a:ext cx="695160" cy="302760"/>
+            <a:ext cx="694800" cy="302760"/>
           </a:xfrm>
           <a:prstGeom prst="rect">
             <a:avLst/>
@@ -3874,14 +4090,14 @@
       </p:sp>
       <p:sp>
         <p:nvSpPr>
-          <p:cNvPr id="82" name="CustomShape 47"/>
-          <p:cNvSpPr/>
-          <p:nvPr/>
-        </p:nvSpPr>
-        <p:spPr>
-          <a:xfrm>
-            <a:off x="3251520" y="2448360"/>
-            <a:ext cx="1152000" cy="546120"/>
+          <p:cNvPr id="84" name="CustomShape 47"/>
+          <p:cNvSpPr/>
+          <p:nvPr/>
+        </p:nvSpPr>
+        <p:spPr>
+          <a:xfrm>
+            <a:off x="448560" y="4356360"/>
+            <a:ext cx="1151640" cy="318600"/>
           </a:xfrm>
           <a:prstGeom prst="rect">
             <a:avLst/>
@@ -3902,7 +4118,7 @@
             <a:spAutoFit/>
           </a:bodyPr>
           <a:p>
-            <a:pPr algn="r">
+            <a:pPr>
               <a:lnSpc>
                 <a:spcPct val="100000"/>
               </a:lnSpc>
@@ -3915,44 +4131,24 @@
                 <a:latin typeface="Arial"/>
                 <a:ea typeface="DejaVu Sans"/>
               </a:rPr>
-              <a:t>Arithmetic</a:t>
+              <a:t>ALU</a:t>
             </a:r>
             <a:endParaRPr b="0" lang="de-DE" sz="1500" spc="-1" strike="noStrike">
               <a:latin typeface="Arial"/>
             </a:endParaRPr>
           </a:p>
-          <a:p>
-            <a:pPr algn="r">
-              <a:lnSpc>
-                <a:spcPct val="100000"/>
-              </a:lnSpc>
-            </a:pPr>
-            <a:r>
-              <a:rPr b="0" lang="de-DE" sz="1500" spc="-1" strike="noStrike">
-                <a:solidFill>
-                  <a:srgbClr val="000000"/>
-                </a:solidFill>
-                <a:latin typeface="Arial"/>
-                <a:ea typeface="DejaVu Sans"/>
-              </a:rPr>
-              <a:t>Logic Unit</a:t>
-            </a:r>
-            <a:endParaRPr b="0" lang="de-DE" sz="1500" spc="-1" strike="noStrike">
-              <a:latin typeface="Arial"/>
-            </a:endParaRPr>
-          </a:p>
-        </p:txBody>
-      </p:sp>
-      <p:sp>
-        <p:nvSpPr>
-          <p:cNvPr id="83" name="CustomShape 48"/>
+        </p:txBody>
+      </p:sp>
+      <p:sp>
+        <p:nvSpPr>
+          <p:cNvPr id="85" name="CustomShape 48"/>
           <p:cNvSpPr/>
           <p:nvPr/>
         </p:nvSpPr>
         <p:spPr>
           <a:xfrm>
             <a:off x="8656560" y="3348000"/>
-            <a:ext cx="930960" cy="317880"/>
+            <a:ext cx="930600" cy="317880"/>
           </a:xfrm>
           <a:prstGeom prst="rect">
             <a:avLst/>
@@ -3996,14 +4192,14 @@
       </p:sp>
       <p:sp>
         <p:nvSpPr>
-          <p:cNvPr id="84" name="CustomShape 49"/>
+          <p:cNvPr id="86" name="CustomShape 49"/>
           <p:cNvSpPr/>
           <p:nvPr/>
         </p:nvSpPr>
         <p:spPr>
           <a:xfrm>
             <a:off x="1464480" y="1116360"/>
-            <a:ext cx="397440" cy="241560"/>
+            <a:ext cx="397080" cy="241560"/>
           </a:xfrm>
           <a:prstGeom prst="rect">
             <a:avLst/>
@@ -4067,14 +4263,14 @@
       </p:sp>
       <p:sp>
         <p:nvSpPr>
-          <p:cNvPr id="85" name="CustomShape 50"/>
+          <p:cNvPr id="87" name="CustomShape 50"/>
           <p:cNvSpPr/>
           <p:nvPr/>
         </p:nvSpPr>
         <p:spPr>
           <a:xfrm>
             <a:off x="6641280" y="885960"/>
-            <a:ext cx="1046880" cy="469440"/>
+            <a:ext cx="1046520" cy="469440"/>
           </a:xfrm>
           <a:prstGeom prst="rect">
             <a:avLst/>
@@ -4198,14 +4394,14 @@
       </p:sp>
       <p:sp>
         <p:nvSpPr>
-          <p:cNvPr id="86" name="CustomShape 51"/>
+          <p:cNvPr id="88" name="CustomShape 51"/>
           <p:cNvSpPr/>
           <p:nvPr/>
         </p:nvSpPr>
         <p:spPr>
           <a:xfrm>
             <a:off x="1450080" y="6408360"/>
-            <a:ext cx="303840" cy="165600"/>
+            <a:ext cx="303480" cy="165600"/>
           </a:xfrm>
           <a:prstGeom prst="rect">
             <a:avLst/>
@@ -4249,14 +4445,14 @@
       </p:sp>
       <p:sp>
         <p:nvSpPr>
-          <p:cNvPr id="87" name="CustomShape 52"/>
+          <p:cNvPr id="89" name="CustomShape 52"/>
           <p:cNvSpPr/>
           <p:nvPr/>
         </p:nvSpPr>
         <p:spPr>
           <a:xfrm>
             <a:off x="1450080" y="5760360"/>
-            <a:ext cx="303840" cy="165600"/>
+            <a:ext cx="303480" cy="165600"/>
           </a:xfrm>
           <a:prstGeom prst="rect">
             <a:avLst/>
@@ -4300,14 +4496,14 @@
       </p:sp>
       <p:sp>
         <p:nvSpPr>
-          <p:cNvPr id="88" name="CustomShape 53"/>
+          <p:cNvPr id="90" name="CustomShape 53"/>
           <p:cNvSpPr/>
           <p:nvPr/>
         </p:nvSpPr>
         <p:spPr>
           <a:xfrm>
             <a:off x="1450080" y="5112360"/>
-            <a:ext cx="303840" cy="165600"/>
+            <a:ext cx="303480" cy="165600"/>
           </a:xfrm>
           <a:prstGeom prst="rect">
             <a:avLst/>
@@ -4351,14 +4547,14 @@
       </p:sp>
       <p:sp>
         <p:nvSpPr>
-          <p:cNvPr id="89" name="CustomShape 54"/>
+          <p:cNvPr id="91" name="CustomShape 54"/>
           <p:cNvSpPr/>
           <p:nvPr/>
         </p:nvSpPr>
         <p:spPr>
           <a:xfrm>
             <a:off x="434880" y="3794760"/>
-            <a:ext cx="397800" cy="241560"/>
+            <a:ext cx="397440" cy="241560"/>
           </a:xfrm>
           <a:prstGeom prst="rect">
             <a:avLst/>
@@ -4422,14 +4618,14 @@
       </p:sp>
       <p:sp>
         <p:nvSpPr>
-          <p:cNvPr id="90" name="CustomShape 55"/>
+          <p:cNvPr id="92" name="CustomShape 55"/>
           <p:cNvSpPr/>
           <p:nvPr/>
         </p:nvSpPr>
         <p:spPr>
           <a:xfrm>
             <a:off x="1457280" y="1836360"/>
-            <a:ext cx="303840" cy="165600"/>
+            <a:ext cx="303480" cy="165600"/>
           </a:xfrm>
           <a:prstGeom prst="rect">
             <a:avLst/>
@@ -4473,14 +4669,14 @@
       </p:sp>
       <p:sp>
         <p:nvSpPr>
-          <p:cNvPr id="91" name="CustomShape 56"/>
+          <p:cNvPr id="93" name="CustomShape 56"/>
           <p:cNvSpPr/>
           <p:nvPr/>
         </p:nvSpPr>
         <p:spPr>
           <a:xfrm>
             <a:off x="1457280" y="2844360"/>
-            <a:ext cx="303840" cy="165600"/>
+            <a:ext cx="303480" cy="165600"/>
           </a:xfrm>
           <a:prstGeom prst="rect">
             <a:avLst/>
@@ -4524,14 +4720,14 @@
       </p:sp>
       <p:sp>
         <p:nvSpPr>
-          <p:cNvPr id="92" name="CustomShape 57"/>
-          <p:cNvSpPr/>
-          <p:nvPr/>
-        </p:nvSpPr>
-        <p:spPr>
-          <a:xfrm>
-            <a:off x="1450080" y="4428360"/>
-            <a:ext cx="303840" cy="165600"/>
+          <p:cNvPr id="94" name="CustomShape 57"/>
+          <p:cNvSpPr/>
+          <p:nvPr/>
+        </p:nvSpPr>
+        <p:spPr>
+          <a:xfrm>
+            <a:off x="1456920" y="4349520"/>
+            <a:ext cx="421920" cy="242280"/>
           </a:xfrm>
           <a:prstGeom prst="rect">
             <a:avLst/>
@@ -4571,18 +4767,38 @@
               <a:latin typeface="Arial"/>
             </a:endParaRPr>
           </a:p>
-        </p:txBody>
-      </p:sp>
-      <p:sp>
-        <p:nvSpPr>
-          <p:cNvPr id="93" name="CustomShape 58"/>
+          <a:p>
+            <a:pPr>
+              <a:lnSpc>
+                <a:spcPct val="100000"/>
+              </a:lnSpc>
+            </a:pPr>
+            <a:r>
+              <a:rPr b="0" lang="de-DE" sz="500" spc="-1" strike="noStrike">
+                <a:solidFill>
+                  <a:srgbClr val="000000"/>
+                </a:solidFill>
+                <a:latin typeface="Arial"/>
+                <a:ea typeface="DejaVu Sans"/>
+              </a:rPr>
+              <a:t>Y_RST</a:t>
+            </a:r>
+            <a:endParaRPr b="0" lang="de-DE" sz="500" spc="-1" strike="noStrike">
+              <a:latin typeface="Arial"/>
+            </a:endParaRPr>
+          </a:p>
+        </p:txBody>
+      </p:sp>
+      <p:sp>
+        <p:nvSpPr>
+          <p:cNvPr id="95" name="CustomShape 58"/>
           <p:cNvSpPr/>
           <p:nvPr/>
         </p:nvSpPr>
         <p:spPr>
           <a:xfrm>
             <a:off x="6641280" y="1757160"/>
-            <a:ext cx="1118880" cy="393480"/>
+            <a:ext cx="1118520" cy="393480"/>
           </a:xfrm>
           <a:prstGeom prst="rect">
             <a:avLst/>
@@ -4686,14 +4902,14 @@
       </p:sp>
       <p:sp>
         <p:nvSpPr>
-          <p:cNvPr id="94" name="CustomShape 59"/>
+          <p:cNvPr id="96" name="CustomShape 59"/>
           <p:cNvSpPr/>
           <p:nvPr/>
         </p:nvSpPr>
         <p:spPr>
           <a:xfrm>
             <a:off x="6655680" y="3402360"/>
-            <a:ext cx="303840" cy="165600"/>
+            <a:ext cx="303480" cy="165600"/>
           </a:xfrm>
           <a:prstGeom prst="rect">
             <a:avLst/>
@@ -4737,14 +4953,14 @@
       </p:sp>
       <p:sp>
         <p:nvSpPr>
-          <p:cNvPr id="95" name="CustomShape 60"/>
+          <p:cNvPr id="97" name="CustomShape 60"/>
           <p:cNvSpPr/>
           <p:nvPr/>
         </p:nvSpPr>
         <p:spPr>
           <a:xfrm>
             <a:off x="1450080" y="3780360"/>
-            <a:ext cx="447840" cy="241560"/>
+            <a:ext cx="447480" cy="241560"/>
           </a:xfrm>
           <a:prstGeom prst="rect">
             <a:avLst/>
@@ -4808,7 +5024,7 @@
       </p:sp>
       <p:sp>
         <p:nvSpPr>
-          <p:cNvPr id="96" name="Line 61"/>
+          <p:cNvPr id="98" name="Line 61"/>
           <p:cNvSpPr/>
           <p:nvPr/>
         </p:nvSpPr>
@@ -4836,14 +5052,14 @@
       </p:sp>
       <p:sp>
         <p:nvSpPr>
-          <p:cNvPr id="97" name="CustomShape 62"/>
+          <p:cNvPr id="99" name="CustomShape 62"/>
           <p:cNvSpPr/>
           <p:nvPr/>
         </p:nvSpPr>
         <p:spPr>
           <a:xfrm>
             <a:off x="6702840" y="5428080"/>
-            <a:ext cx="1434960" cy="570960"/>
+            <a:ext cx="1434600" cy="570600"/>
           </a:xfrm>
           <a:prstGeom prst="rect">
             <a:avLst/>
@@ -4921,7 +5137,7 @@
       </p:sp>
       <p:sp>
         <p:nvSpPr>
-          <p:cNvPr id="98" name="Line 63"/>
+          <p:cNvPr id="100" name="Line 63"/>
           <p:cNvSpPr/>
           <p:nvPr/>
         </p:nvSpPr>
@@ -4975,7 +5191,7 @@
       </p:sp>
       <p:sp>
         <p:nvSpPr>
-          <p:cNvPr id="99" name="Line 64"/>
+          <p:cNvPr id="101" name="Line 64"/>
           <p:cNvSpPr/>
           <p:nvPr/>
         </p:nvSpPr>
@@ -5029,14 +5245,14 @@
       </p:sp>
       <p:sp>
         <p:nvSpPr>
-          <p:cNvPr id="100" name="CustomShape 65"/>
+          <p:cNvPr id="102" name="CustomShape 65"/>
           <p:cNvSpPr/>
           <p:nvPr/>
         </p:nvSpPr>
         <p:spPr>
           <a:xfrm>
             <a:off x="1454760" y="460440"/>
-            <a:ext cx="448920" cy="317520"/>
+            <a:ext cx="448560" cy="317520"/>
           </a:xfrm>
           <a:prstGeom prst="rect">
             <a:avLst/>
@@ -5120,7 +5336,7 @@
       </p:sp>
       <p:sp>
         <p:nvSpPr>
-          <p:cNvPr id="101" name="Line 66"/>
+          <p:cNvPr id="103" name="Line 66"/>
           <p:cNvSpPr/>
           <p:nvPr/>
         </p:nvSpPr>
@@ -5148,14 +5364,14 @@
       </p:sp>
       <p:sp>
         <p:nvSpPr>
-          <p:cNvPr id="102" name="CustomShape 67"/>
+          <p:cNvPr id="104" name="CustomShape 67"/>
           <p:cNvSpPr/>
           <p:nvPr/>
         </p:nvSpPr>
         <p:spPr>
           <a:xfrm>
             <a:off x="2798640" y="887040"/>
-            <a:ext cx="303840" cy="165600"/>
+            <a:ext cx="303480" cy="165600"/>
           </a:xfrm>
           <a:prstGeom prst="rect">
             <a:avLst/>
@@ -5199,14 +5415,14 @@
       </p:sp>
       <p:sp>
         <p:nvSpPr>
-          <p:cNvPr id="103" name="CustomShape 68"/>
+          <p:cNvPr id="105" name="CustomShape 68"/>
           <p:cNvSpPr/>
           <p:nvPr/>
         </p:nvSpPr>
         <p:spPr>
           <a:xfrm>
             <a:off x="2798640" y="1526400"/>
-            <a:ext cx="303840" cy="165600"/>
+            <a:ext cx="303480" cy="165600"/>
           </a:xfrm>
           <a:prstGeom prst="rect">
             <a:avLst/>
@@ -5250,14 +5466,14 @@
       </p:sp>
       <p:sp>
         <p:nvSpPr>
-          <p:cNvPr id="104" name="CustomShape 69"/>
+          <p:cNvPr id="106" name="CustomShape 69"/>
           <p:cNvSpPr/>
           <p:nvPr/>
         </p:nvSpPr>
         <p:spPr>
           <a:xfrm>
             <a:off x="2798640" y="2534400"/>
-            <a:ext cx="303840" cy="165600"/>
+            <a:ext cx="303480" cy="165600"/>
           </a:xfrm>
           <a:prstGeom prst="rect">
             <a:avLst/>
@@ -5301,14 +5517,14 @@
       </p:sp>
       <p:sp>
         <p:nvSpPr>
-          <p:cNvPr id="105" name="CustomShape 70"/>
+          <p:cNvPr id="107" name="CustomShape 70"/>
           <p:cNvSpPr/>
           <p:nvPr/>
         </p:nvSpPr>
         <p:spPr>
           <a:xfrm>
             <a:off x="2798640" y="4118760"/>
-            <a:ext cx="303840" cy="165600"/>
+            <a:ext cx="303480" cy="165600"/>
           </a:xfrm>
           <a:prstGeom prst="rect">
             <a:avLst/>
@@ -5352,14 +5568,14 @@
       </p:sp>
       <p:sp>
         <p:nvSpPr>
-          <p:cNvPr id="106" name="CustomShape 71"/>
+          <p:cNvPr id="108" name="CustomShape 71"/>
           <p:cNvSpPr/>
           <p:nvPr/>
         </p:nvSpPr>
         <p:spPr>
           <a:xfrm>
             <a:off x="2798640" y="4802760"/>
-            <a:ext cx="303840" cy="165600"/>
+            <a:ext cx="303480" cy="165600"/>
           </a:xfrm>
           <a:prstGeom prst="rect">
             <a:avLst/>
@@ -5403,14 +5619,14 @@
       </p:sp>
       <p:sp>
         <p:nvSpPr>
-          <p:cNvPr id="107" name="CustomShape 72"/>
+          <p:cNvPr id="109" name="CustomShape 72"/>
           <p:cNvSpPr/>
           <p:nvPr/>
         </p:nvSpPr>
         <p:spPr>
           <a:xfrm>
             <a:off x="2798640" y="5457240"/>
-            <a:ext cx="303840" cy="165600"/>
+            <a:ext cx="303480" cy="165600"/>
           </a:xfrm>
           <a:prstGeom prst="rect">
             <a:avLst/>
@@ -5454,14 +5670,14 @@
       </p:sp>
       <p:sp>
         <p:nvSpPr>
-          <p:cNvPr id="108" name="CustomShape 73"/>
+          <p:cNvPr id="110" name="CustomShape 73"/>
           <p:cNvSpPr/>
           <p:nvPr/>
         </p:nvSpPr>
         <p:spPr>
           <a:xfrm>
             <a:off x="2798640" y="6093360"/>
-            <a:ext cx="303840" cy="165600"/>
+            <a:ext cx="303480" cy="165600"/>
           </a:xfrm>
           <a:prstGeom prst="rect">
             <a:avLst/>
@@ -5505,14 +5721,14 @@
       </p:sp>
       <p:sp>
         <p:nvSpPr>
-          <p:cNvPr id="109" name="CustomShape 74"/>
+          <p:cNvPr id="111" name="CustomShape 74"/>
           <p:cNvSpPr/>
           <p:nvPr/>
         </p:nvSpPr>
         <p:spPr>
           <a:xfrm>
             <a:off x="3304440" y="3099600"/>
-            <a:ext cx="303840" cy="165600"/>
+            <a:ext cx="303480" cy="165600"/>
           </a:xfrm>
           <a:prstGeom prst="rect">
             <a:avLst/>
@@ -5556,14 +5772,14 @@
       </p:sp>
       <p:sp>
         <p:nvSpPr>
-          <p:cNvPr id="110" name="CustomShape 75"/>
+          <p:cNvPr id="112" name="CustomShape 75"/>
           <p:cNvSpPr/>
           <p:nvPr/>
         </p:nvSpPr>
         <p:spPr>
           <a:xfrm>
             <a:off x="779040" y="3108960"/>
-            <a:ext cx="303840" cy="165600"/>
+            <a:ext cx="303480" cy="165600"/>
           </a:xfrm>
           <a:prstGeom prst="rect">
             <a:avLst/>
@@ -5607,14 +5823,14 @@
       </p:sp>
       <p:sp>
         <p:nvSpPr>
-          <p:cNvPr id="111" name="CustomShape 76"/>
+          <p:cNvPr id="113" name="CustomShape 76"/>
           <p:cNvSpPr/>
           <p:nvPr/>
         </p:nvSpPr>
         <p:spPr>
           <a:xfrm>
             <a:off x="7949160" y="734400"/>
-            <a:ext cx="303840" cy="165600"/>
+            <a:ext cx="303480" cy="165600"/>
           </a:xfrm>
           <a:prstGeom prst="rect">
             <a:avLst/>
@@ -5658,14 +5874,14 @@
       </p:sp>
       <p:sp>
         <p:nvSpPr>
-          <p:cNvPr id="112" name="CustomShape 77"/>
+          <p:cNvPr id="114" name="CustomShape 77"/>
           <p:cNvSpPr/>
           <p:nvPr/>
         </p:nvSpPr>
         <p:spPr>
           <a:xfrm>
             <a:off x="7949160" y="1526400"/>
-            <a:ext cx="303840" cy="165600"/>
+            <a:ext cx="303480" cy="165600"/>
           </a:xfrm>
           <a:prstGeom prst="rect">
             <a:avLst/>
@@ -5709,14 +5925,14 @@
       </p:sp>
       <p:sp>
         <p:nvSpPr>
-          <p:cNvPr id="113" name="CustomShape 78"/>
+          <p:cNvPr id="115" name="CustomShape 78"/>
           <p:cNvSpPr/>
           <p:nvPr/>
         </p:nvSpPr>
         <p:spPr>
           <a:xfrm>
             <a:off x="7955280" y="5400000"/>
-            <a:ext cx="303840" cy="165600"/>
+            <a:ext cx="303480" cy="165600"/>
           </a:xfrm>
           <a:prstGeom prst="rect">
             <a:avLst/>
@@ -5760,14 +5976,14 @@
       </p:sp>
       <p:sp>
         <p:nvSpPr>
-          <p:cNvPr id="114" name="CustomShape 79"/>
+          <p:cNvPr id="116" name="CustomShape 79"/>
           <p:cNvSpPr/>
           <p:nvPr/>
         </p:nvSpPr>
         <p:spPr>
           <a:xfrm>
             <a:off x="6466320" y="2245320"/>
-            <a:ext cx="303840" cy="165600"/>
+            <a:ext cx="303480" cy="165600"/>
           </a:xfrm>
           <a:prstGeom prst="rect">
             <a:avLst/>
@@ -5811,14 +6027,14 @@
       </p:sp>
       <p:sp>
         <p:nvSpPr>
-          <p:cNvPr id="115" name="CustomShape 80"/>
+          <p:cNvPr id="117" name="CustomShape 80"/>
           <p:cNvSpPr/>
           <p:nvPr/>
         </p:nvSpPr>
         <p:spPr>
           <a:xfrm>
             <a:off x="3024000" y="325080"/>
-            <a:ext cx="709200" cy="426960"/>
+            <a:ext cx="708840" cy="426600"/>
           </a:xfrm>
           <a:prstGeom prst="rect">
             <a:avLst/>
@@ -5866,7 +6082,7 @@
       </p:sp>
       <p:sp>
         <p:nvSpPr>
-          <p:cNvPr id="116" name="Line 81"/>
+          <p:cNvPr id="118" name="Line 81"/>
           <p:cNvSpPr/>
           <p:nvPr/>
         </p:nvSpPr>
@@ -5894,14 +6110,14 @@
       </p:sp>
       <p:sp>
         <p:nvSpPr>
-          <p:cNvPr id="117" name="CustomShape 82"/>
+          <p:cNvPr id="119" name="CustomShape 82"/>
           <p:cNvSpPr/>
           <p:nvPr/>
         </p:nvSpPr>
         <p:spPr>
           <a:xfrm>
             <a:off x="2957760" y="612000"/>
-            <a:ext cx="447840" cy="165600"/>
+            <a:ext cx="447480" cy="165600"/>
           </a:xfrm>
           <a:prstGeom prst="rect">
             <a:avLst/>
@@ -5945,7 +6161,7 @@
       </p:sp>
       <p:graphicFrame>
         <p:nvGraphicFramePr>
-          <p:cNvPr id="118" name="Table 83"/>
+          <p:cNvPr id="120" name="Table 83"/>
           <p:cNvGraphicFramePr/>
           <p:nvPr/>
         </p:nvGraphicFramePr>
@@ -6217,14 +6433,14 @@
       </p:graphicFrame>
       <p:sp>
         <p:nvSpPr>
-          <p:cNvPr id="119" name="CustomShape 84"/>
+          <p:cNvPr id="121" name="CustomShape 84"/>
           <p:cNvSpPr/>
           <p:nvPr/>
         </p:nvSpPr>
         <p:spPr>
           <a:xfrm>
             <a:off x="294120" y="6930000"/>
-            <a:ext cx="433440" cy="196200"/>
+            <a:ext cx="433080" cy="196200"/>
           </a:xfrm>
           <a:prstGeom prst="rect">
             <a:avLst/>
@@ -6268,14 +6484,14 @@
       </p:sp>
       <p:sp>
         <p:nvSpPr>
-          <p:cNvPr id="120" name="CustomShape 85"/>
+          <p:cNvPr id="122" name="CustomShape 85"/>
           <p:cNvSpPr/>
           <p:nvPr/>
         </p:nvSpPr>
         <p:spPr>
           <a:xfrm>
             <a:off x="6706080" y="3844080"/>
-            <a:ext cx="1434960" cy="570960"/>
+            <a:ext cx="1434600" cy="570600"/>
           </a:xfrm>
           <a:prstGeom prst="rect">
             <a:avLst/>
@@ -6323,7 +6539,7 @@
       </p:sp>
       <p:sp>
         <p:nvSpPr>
-          <p:cNvPr id="121" name="Line 86"/>
+          <p:cNvPr id="123" name="Line 86"/>
           <p:cNvSpPr/>
           <p:nvPr/>
         </p:nvSpPr>
@@ -6377,7 +6593,7 @@
       </p:sp>
       <p:sp>
         <p:nvSpPr>
-          <p:cNvPr id="122" name="Line 87"/>
+          <p:cNvPr id="124" name="Line 87"/>
           <p:cNvSpPr/>
           <p:nvPr/>
         </p:nvSpPr>
@@ -6431,14 +6647,14 @@
       </p:sp>
       <p:sp>
         <p:nvSpPr>
-          <p:cNvPr id="123" name="CustomShape 88"/>
+          <p:cNvPr id="125" name="CustomShape 88"/>
           <p:cNvSpPr/>
           <p:nvPr/>
         </p:nvSpPr>
         <p:spPr>
           <a:xfrm>
             <a:off x="6658920" y="4197600"/>
-            <a:ext cx="447840" cy="241560"/>
+            <a:ext cx="447480" cy="241560"/>
           </a:xfrm>
           <a:prstGeom prst="rect">
             <a:avLst/>
@@ -6502,14 +6718,14 @@
       </p:sp>
       <p:sp>
         <p:nvSpPr>
-          <p:cNvPr id="124" name="CustomShape 89"/>
+          <p:cNvPr id="126" name="CustomShape 89"/>
           <p:cNvSpPr/>
           <p:nvPr/>
         </p:nvSpPr>
         <p:spPr>
           <a:xfrm>
             <a:off x="7958520" y="3816000"/>
-            <a:ext cx="303840" cy="165600"/>
+            <a:ext cx="303480" cy="165600"/>
           </a:xfrm>
           <a:prstGeom prst="rect">
             <a:avLst/>
@@ -6553,14 +6769,14 @@
       </p:sp>
       <p:sp>
         <p:nvSpPr>
-          <p:cNvPr id="125" name="CustomShape 90"/>
+          <p:cNvPr id="127" name="CustomShape 90"/>
           <p:cNvSpPr/>
           <p:nvPr/>
         </p:nvSpPr>
         <p:spPr>
           <a:xfrm>
             <a:off x="6050160" y="3840840"/>
-            <a:ext cx="570960" cy="261360"/>
+            <a:ext cx="570600" cy="261000"/>
           </a:xfrm>
           <a:prstGeom prst="rect">
             <a:avLst/>
@@ -6608,14 +6824,14 @@
       </p:sp>
       <p:sp>
         <p:nvSpPr>
-          <p:cNvPr id="126" name="CustomShape 91"/>
+          <p:cNvPr id="128" name="CustomShape 91"/>
           <p:cNvSpPr/>
           <p:nvPr/>
         </p:nvSpPr>
         <p:spPr>
           <a:xfrm>
             <a:off x="6050160" y="4154400"/>
-            <a:ext cx="570960" cy="261360"/>
+            <a:ext cx="570600" cy="261000"/>
           </a:xfrm>
           <a:prstGeom prst="rect">
             <a:avLst/>
@@ -6663,7 +6879,7 @@
       </p:sp>
       <p:sp>
         <p:nvSpPr>
-          <p:cNvPr id="127" name="Line 92"/>
+          <p:cNvPr id="129" name="Line 92"/>
           <p:cNvSpPr/>
           <p:nvPr/>
         </p:nvSpPr>
@@ -6691,7 +6907,7 @@
       </p:sp>
       <p:sp>
         <p:nvSpPr>
-          <p:cNvPr id="128" name="Line 93"/>
+          <p:cNvPr id="130" name="Line 93"/>
           <p:cNvSpPr/>
           <p:nvPr/>
         </p:nvSpPr>
@@ -6719,14 +6935,14 @@
       </p:sp>
       <p:sp>
         <p:nvSpPr>
-          <p:cNvPr id="129" name="CustomShape 94"/>
+          <p:cNvPr id="131" name="CustomShape 94"/>
           <p:cNvSpPr/>
           <p:nvPr/>
         </p:nvSpPr>
         <p:spPr>
           <a:xfrm>
             <a:off x="6472800" y="3816000"/>
-            <a:ext cx="303840" cy="165600"/>
+            <a:ext cx="303480" cy="165600"/>
           </a:xfrm>
           <a:prstGeom prst="rect">
             <a:avLst/>
@@ -6770,14 +6986,14 @@
       </p:sp>
       <p:sp>
         <p:nvSpPr>
-          <p:cNvPr id="130" name="CustomShape 95"/>
+          <p:cNvPr id="132" name="CustomShape 95"/>
           <p:cNvSpPr/>
           <p:nvPr/>
         </p:nvSpPr>
         <p:spPr>
           <a:xfrm>
             <a:off x="6472800" y="4125600"/>
-            <a:ext cx="303840" cy="165600"/>
+            <a:ext cx="303480" cy="165600"/>
           </a:xfrm>
           <a:prstGeom prst="rect">
             <a:avLst/>
@@ -6821,14 +7037,14 @@
       </p:sp>
       <p:sp>
         <p:nvSpPr>
-          <p:cNvPr id="131" name="CustomShape 96"/>
+          <p:cNvPr id="133" name="CustomShape 96"/>
           <p:cNvSpPr/>
           <p:nvPr/>
         </p:nvSpPr>
         <p:spPr>
           <a:xfrm>
             <a:off x="6708960" y="4636080"/>
-            <a:ext cx="1434960" cy="570960"/>
+            <a:ext cx="1434600" cy="570600"/>
           </a:xfrm>
           <a:prstGeom prst="rect">
             <a:avLst/>
@@ -6906,7 +7122,7 @@
       </p:sp>
       <p:sp>
         <p:nvSpPr>
-          <p:cNvPr id="132" name="Line 97"/>
+          <p:cNvPr id="134" name="Line 97"/>
           <p:cNvSpPr/>
           <p:nvPr/>
         </p:nvSpPr>
@@ -6960,7 +7176,7 @@
       </p:sp>
       <p:sp>
         <p:nvSpPr>
-          <p:cNvPr id="133" name="Line 98"/>
+          <p:cNvPr id="135" name="Line 98"/>
           <p:cNvSpPr/>
           <p:nvPr/>
         </p:nvSpPr>
@@ -7014,14 +7230,14 @@
       </p:sp>
       <p:sp>
         <p:nvSpPr>
-          <p:cNvPr id="134" name="CustomShape 99"/>
+          <p:cNvPr id="136" name="CustomShape 99"/>
           <p:cNvSpPr/>
           <p:nvPr/>
         </p:nvSpPr>
         <p:spPr>
           <a:xfrm>
             <a:off x="7961400" y="4608000"/>
-            <a:ext cx="303840" cy="165600"/>
+            <a:ext cx="303480" cy="165600"/>
           </a:xfrm>
           <a:prstGeom prst="rect">
             <a:avLst/>
@@ -7065,14 +7281,14 @@
       </p:sp>
       <p:sp>
         <p:nvSpPr>
-          <p:cNvPr id="135" name="CustomShape 100"/>
+          <p:cNvPr id="137" name="CustomShape 100"/>
           <p:cNvSpPr/>
           <p:nvPr/>
         </p:nvSpPr>
         <p:spPr>
           <a:xfrm>
             <a:off x="6708960" y="3844080"/>
-            <a:ext cx="1434960" cy="570960"/>
+            <a:ext cx="1434600" cy="570600"/>
           </a:xfrm>
           <a:prstGeom prst="rect">
             <a:avLst/>
@@ -7120,14 +7336,14 @@
       </p:sp>
       <p:sp>
         <p:nvSpPr>
-          <p:cNvPr id="136" name="CustomShape 101"/>
+          <p:cNvPr id="138" name="CustomShape 101"/>
           <p:cNvSpPr/>
           <p:nvPr/>
         </p:nvSpPr>
         <p:spPr>
           <a:xfrm>
             <a:off x="6647400" y="4125600"/>
-            <a:ext cx="824400" cy="317520"/>
+            <a:ext cx="824040" cy="317520"/>
           </a:xfrm>
           <a:prstGeom prst="rect">
             <a:avLst/>
@@ -7211,14 +7427,14 @@
       </p:sp>
       <p:sp>
         <p:nvSpPr>
-          <p:cNvPr id="137" name="CustomShape 102"/>
+          <p:cNvPr id="139" name="CustomShape 102"/>
           <p:cNvSpPr/>
           <p:nvPr/>
         </p:nvSpPr>
         <p:spPr>
           <a:xfrm>
             <a:off x="7961400" y="3816000"/>
-            <a:ext cx="303840" cy="165600"/>
+            <a:ext cx="303480" cy="165600"/>
           </a:xfrm>
           <a:prstGeom prst="rect">
             <a:avLst/>
@@ -7262,14 +7478,14 @@
       </p:sp>
       <p:sp>
         <p:nvSpPr>
-          <p:cNvPr id="138" name="CustomShape 103"/>
+          <p:cNvPr id="140" name="CustomShape 103"/>
           <p:cNvSpPr/>
           <p:nvPr/>
         </p:nvSpPr>
         <p:spPr>
           <a:xfrm>
             <a:off x="6053040" y="3840840"/>
-            <a:ext cx="570960" cy="261360"/>
+            <a:ext cx="570600" cy="261000"/>
           </a:xfrm>
           <a:prstGeom prst="rect">
             <a:avLst/>
@@ -7317,14 +7533,14 @@
       </p:sp>
       <p:sp>
         <p:nvSpPr>
-          <p:cNvPr id="139" name="CustomShape 104"/>
+          <p:cNvPr id="141" name="CustomShape 104"/>
           <p:cNvSpPr/>
           <p:nvPr/>
         </p:nvSpPr>
         <p:spPr>
           <a:xfrm>
             <a:off x="6053040" y="4154400"/>
-            <a:ext cx="570960" cy="261360"/>
+            <a:ext cx="570600" cy="261000"/>
           </a:xfrm>
           <a:prstGeom prst="rect">
             <a:avLst/>
@@ -7372,7 +7588,7 @@
       </p:sp>
       <p:sp>
         <p:nvSpPr>
-          <p:cNvPr id="140" name="Line 105"/>
+          <p:cNvPr id="142" name="Line 105"/>
           <p:cNvSpPr/>
           <p:nvPr/>
         </p:nvSpPr>
@@ -7400,7 +7616,7 @@
       </p:sp>
       <p:sp>
         <p:nvSpPr>
-          <p:cNvPr id="141" name="Line 106"/>
+          <p:cNvPr id="143" name="Line 106"/>
           <p:cNvSpPr/>
           <p:nvPr/>
         </p:nvSpPr>
@@ -7428,14 +7644,14 @@
       </p:sp>
       <p:sp>
         <p:nvSpPr>
-          <p:cNvPr id="142" name="CustomShape 107"/>
+          <p:cNvPr id="144" name="CustomShape 107"/>
           <p:cNvSpPr/>
           <p:nvPr/>
         </p:nvSpPr>
         <p:spPr>
           <a:xfrm>
             <a:off x="6475680" y="3816000"/>
-            <a:ext cx="303840" cy="165600"/>
+            <a:ext cx="303480" cy="165600"/>
           </a:xfrm>
           <a:prstGeom prst="rect">
             <a:avLst/>
@@ -7479,14 +7695,14 @@
       </p:sp>
       <p:sp>
         <p:nvSpPr>
-          <p:cNvPr id="143" name="CustomShape 108"/>
+          <p:cNvPr id="145" name="CustomShape 108"/>
           <p:cNvSpPr/>
           <p:nvPr/>
         </p:nvSpPr>
         <p:spPr>
           <a:xfrm>
             <a:off x="6475680" y="4125600"/>
-            <a:ext cx="303840" cy="165600"/>
+            <a:ext cx="303480" cy="165600"/>
           </a:xfrm>
           <a:prstGeom prst="rect">
             <a:avLst/>
@@ -7530,7 +7746,7 @@
       </p:sp>
       <p:sp>
         <p:nvSpPr>
-          <p:cNvPr id="144" name="Line 109"/>
+          <p:cNvPr id="146" name="Line 109"/>
           <p:cNvSpPr/>
           <p:nvPr/>
         </p:nvSpPr>
@@ -7584,7 +7800,7 @@
       </p:sp>
       <p:sp>
         <p:nvSpPr>
-          <p:cNvPr id="145" name="Line 110"/>
+          <p:cNvPr id="147" name="Line 110"/>
           <p:cNvSpPr/>
           <p:nvPr/>
         </p:nvSpPr>
@@ -7638,14 +7854,14 @@
       </p:sp>
       <p:sp>
         <p:nvSpPr>
-          <p:cNvPr id="146" name="CustomShape 111"/>
-          <p:cNvSpPr/>
-          <p:nvPr/>
-        </p:nvSpPr>
-        <p:spPr>
-          <a:xfrm>
-            <a:off x="6647400" y="4917600"/>
-            <a:ext cx="824400" cy="317520"/>
+          <p:cNvPr id="148" name="CustomShape 111"/>
+          <p:cNvSpPr/>
+          <p:nvPr/>
+        </p:nvSpPr>
+        <p:spPr>
+          <a:xfrm>
+            <a:off x="6647400" y="4831920"/>
+            <a:ext cx="824040" cy="393480"/>
           </a:xfrm>
           <a:prstGeom prst="rect">
             <a:avLst/>
@@ -7725,18 +7941,38 @@
               <a:latin typeface="Arial"/>
             </a:endParaRPr>
           </a:p>
-        </p:txBody>
-      </p:sp>
-      <p:sp>
-        <p:nvSpPr>
-          <p:cNvPr id="147" name="CustomShape 112"/>
+          <a:p>
+            <a:pPr>
+              <a:lnSpc>
+                <a:spcPct val="100000"/>
+              </a:lnSpc>
+            </a:pPr>
+            <a:r>
+              <a:rPr b="0" lang="de-DE" sz="500" spc="-1" strike="noStrike">
+                <a:solidFill>
+                  <a:srgbClr val="000000"/>
+                </a:solidFill>
+                <a:latin typeface="Arial"/>
+                <a:ea typeface="DejaVu Sans"/>
+              </a:rPr>
+              <a:t>T_RST</a:t>
+            </a:r>
+            <a:endParaRPr b="0" lang="de-DE" sz="500" spc="-1" strike="noStrike">
+              <a:latin typeface="Arial"/>
+            </a:endParaRPr>
+          </a:p>
+        </p:txBody>
+      </p:sp>
+      <p:sp>
+        <p:nvSpPr>
+          <p:cNvPr id="149" name="CustomShape 112"/>
           <p:cNvSpPr/>
           <p:nvPr/>
         </p:nvSpPr>
         <p:spPr>
           <a:xfrm>
             <a:off x="6640200" y="5479200"/>
-            <a:ext cx="824400" cy="545400"/>
+            <a:ext cx="824040" cy="545400"/>
           </a:xfrm>
           <a:prstGeom prst="rect">
             <a:avLst/>
@@ -7880,7 +8116,7 @@
       </p:sp>
       <p:sp>
         <p:nvSpPr>
-          <p:cNvPr id="148" name="Line 113"/>
+          <p:cNvPr id="150" name="Line 113"/>
           <p:cNvSpPr/>
           <p:nvPr/>
         </p:nvSpPr>
@@ -7934,7 +8170,7 @@
       </p:sp>
       <p:sp>
         <p:nvSpPr>
-          <p:cNvPr id="149" name="Line 114"/>
+          <p:cNvPr id="151" name="Line 114"/>
           <p:cNvSpPr/>
           <p:nvPr/>
         </p:nvSpPr>
@@ -7988,7 +8224,7 @@
       </p:sp>
       <p:sp>
         <p:nvSpPr>
-          <p:cNvPr id="150" name="Line 115"/>
+          <p:cNvPr id="152" name="Line 115"/>
           <p:cNvSpPr/>
           <p:nvPr/>
         </p:nvSpPr>
@@ -8042,7 +8278,7 @@
       </p:sp>
       <p:sp>
         <p:nvSpPr>
-          <p:cNvPr id="151" name="Line 116"/>
+          <p:cNvPr id="153" name="Line 116"/>
           <p:cNvSpPr/>
           <p:nvPr/>
         </p:nvSpPr>
@@ -8087,6 +8323,60 @@
                 <a:ea typeface="DejaVu Sans"/>
               </a:rPr>
               <a:t>L_TO_DATA</a:t>
+            </a:r>
+            <a:endParaRPr b="0" lang="de-DE" sz="500" spc="-1" strike="noStrike">
+              <a:latin typeface="Arial"/>
+            </a:endParaRPr>
+          </a:p>
+        </p:txBody>
+      </p:sp>
+      <p:sp>
+        <p:nvSpPr>
+          <p:cNvPr id="154" name="Line 117"/>
+          <p:cNvSpPr/>
+          <p:nvPr/>
+        </p:nvSpPr>
+        <p:spPr>
+          <a:xfrm>
+            <a:off x="2955600" y="2784960"/>
+            <a:ext cx="1728000" cy="0"/>
+          </a:xfrm>
+          <a:prstGeom prst="line">
+            <a:avLst/>
+          </a:prstGeom>
+          <a:ln w="12600">
+            <a:solidFill>
+              <a:srgbClr val="000000"/>
+            </a:solidFill>
+            <a:round/>
+            <a:headEnd len="med" type="triangle" w="med"/>
+          </a:ln>
+        </p:spPr>
+        <p:style>
+          <a:lnRef idx="0"/>
+          <a:fillRef idx="0"/>
+          <a:effectRef idx="0"/>
+          <a:fontRef idx="minor"/>
+        </p:style>
+        <p:txBody>
+          <a:bodyPr lIns="96120" rIns="96120" tIns="51120" bIns="51120" anchorCtr="1">
+            <a:spAutoFit/>
+          </a:bodyPr>
+          <a:p>
+            <a:pPr algn="ctr">
+              <a:lnSpc>
+                <a:spcPts val="283"/>
+              </a:lnSpc>
+            </a:pPr>
+            <a:r>
+              <a:rPr b="0" lang="de-DE" sz="500" spc="-1" strike="noStrike">
+                <a:solidFill>
+                  <a:srgbClr val="000000"/>
+                </a:solidFill>
+                <a:latin typeface="Arial"/>
+                <a:ea typeface="DejaVu Sans"/>
+              </a:rPr>
+              <a:t>DATA_TO_X</a:t>
             </a:r>
             <a:endParaRPr b="0" lang="de-DE" sz="500" spc="-1" strike="noStrike">
               <a:latin typeface="Arial"/>

--- a/doc/cpu.pptx
+++ b/doc/cpu.pptx
@@ -53,7 +53,7 @@
       </p:grpSpPr>
       <p:sp>
         <p:nvSpPr>
-          <p:cNvPr id="23" name="PlaceHolder 1"/>
+          <p:cNvPr id="21" name="PlaceHolder 1"/>
           <p:cNvSpPr>
             <a:spLocks noGrp="1"/>
           </p:cNvSpPr>
@@ -84,7 +84,7 @@
       </p:sp>
       <p:sp>
         <p:nvSpPr>
-          <p:cNvPr id="24" name="PlaceHolder 2"/>
+          <p:cNvPr id="22" name="PlaceHolder 2"/>
           <p:cNvSpPr>
             <a:spLocks noGrp="1"/>
           </p:cNvSpPr>
@@ -114,7 +114,7 @@
       </p:sp>
       <p:sp>
         <p:nvSpPr>
-          <p:cNvPr id="25" name="PlaceHolder 3"/>
+          <p:cNvPr id="23" name="PlaceHolder 3"/>
           <p:cNvSpPr>
             <a:spLocks noGrp="1"/>
           </p:cNvSpPr>
@@ -166,7 +166,7 @@
       </p:grpSpPr>
       <p:sp>
         <p:nvSpPr>
-          <p:cNvPr id="26" name="PlaceHolder 1"/>
+          <p:cNvPr id="24" name="PlaceHolder 1"/>
           <p:cNvSpPr>
             <a:spLocks noGrp="1"/>
           </p:cNvSpPr>
@@ -197,7 +197,7 @@
       </p:sp>
       <p:sp>
         <p:nvSpPr>
-          <p:cNvPr id="27" name="PlaceHolder 2"/>
+          <p:cNvPr id="25" name="PlaceHolder 2"/>
           <p:cNvSpPr>
             <a:spLocks noGrp="1"/>
           </p:cNvSpPr>
@@ -227,7 +227,7 @@
       </p:sp>
       <p:sp>
         <p:nvSpPr>
-          <p:cNvPr id="28" name="PlaceHolder 3"/>
+          <p:cNvPr id="26" name="PlaceHolder 3"/>
           <p:cNvSpPr>
             <a:spLocks noGrp="1"/>
           </p:cNvSpPr>
@@ -257,7 +257,7 @@
       </p:sp>
       <p:sp>
         <p:nvSpPr>
-          <p:cNvPr id="29" name="PlaceHolder 4"/>
+          <p:cNvPr id="27" name="PlaceHolder 4"/>
           <p:cNvSpPr>
             <a:spLocks noGrp="1"/>
           </p:cNvSpPr>
@@ -287,7 +287,7 @@
       </p:sp>
       <p:sp>
         <p:nvSpPr>
-          <p:cNvPr id="30" name="PlaceHolder 5"/>
+          <p:cNvPr id="28" name="PlaceHolder 5"/>
           <p:cNvSpPr>
             <a:spLocks noGrp="1"/>
           </p:cNvSpPr>
@@ -339,7 +339,7 @@
       </p:grpSpPr>
       <p:sp>
         <p:nvSpPr>
-          <p:cNvPr id="31" name="PlaceHolder 1"/>
+          <p:cNvPr id="29" name="PlaceHolder 1"/>
           <p:cNvSpPr>
             <a:spLocks noGrp="1"/>
           </p:cNvSpPr>
@@ -370,7 +370,7 @@
       </p:sp>
       <p:sp>
         <p:nvSpPr>
-          <p:cNvPr id="32" name="PlaceHolder 2"/>
+          <p:cNvPr id="30" name="PlaceHolder 2"/>
           <p:cNvSpPr>
             <a:spLocks noGrp="1"/>
           </p:cNvSpPr>
@@ -400,7 +400,7 @@
       </p:sp>
       <p:sp>
         <p:nvSpPr>
-          <p:cNvPr id="33" name="PlaceHolder 3"/>
+          <p:cNvPr id="31" name="PlaceHolder 3"/>
           <p:cNvSpPr>
             <a:spLocks noGrp="1"/>
           </p:cNvSpPr>
@@ -430,7 +430,7 @@
       </p:sp>
       <p:sp>
         <p:nvSpPr>
-          <p:cNvPr id="34" name="PlaceHolder 4"/>
+          <p:cNvPr id="32" name="PlaceHolder 4"/>
           <p:cNvSpPr>
             <a:spLocks noGrp="1"/>
           </p:cNvSpPr>
@@ -460,7 +460,7 @@
       </p:sp>
       <p:sp>
         <p:nvSpPr>
-          <p:cNvPr id="35" name="PlaceHolder 5"/>
+          <p:cNvPr id="33" name="PlaceHolder 5"/>
           <p:cNvSpPr>
             <a:spLocks noGrp="1"/>
           </p:cNvSpPr>
@@ -490,7 +490,7 @@
       </p:sp>
       <p:sp>
         <p:nvSpPr>
-          <p:cNvPr id="36" name="PlaceHolder 6"/>
+          <p:cNvPr id="34" name="PlaceHolder 6"/>
           <p:cNvSpPr>
             <a:spLocks noGrp="1"/>
           </p:cNvSpPr>
@@ -520,7 +520,7 @@
       </p:sp>
       <p:sp>
         <p:nvSpPr>
-          <p:cNvPr id="37" name="PlaceHolder 7"/>
+          <p:cNvPr id="35" name="PlaceHolder 7"/>
           <p:cNvSpPr>
             <a:spLocks noGrp="1"/>
           </p:cNvSpPr>
@@ -572,7 +572,7 @@
       </p:grpSpPr>
       <p:sp>
         <p:nvSpPr>
-          <p:cNvPr id="2" name="PlaceHolder 1"/>
+          <p:cNvPr id="0" name="PlaceHolder 1"/>
           <p:cNvSpPr>
             <a:spLocks noGrp="1"/>
           </p:cNvSpPr>
@@ -603,7 +603,7 @@
       </p:sp>
       <p:sp>
         <p:nvSpPr>
-          <p:cNvPr id="3" name="PlaceHolder 2"/>
+          <p:cNvPr id="1" name="PlaceHolder 2"/>
           <p:cNvSpPr>
             <a:spLocks noGrp="1"/>
           </p:cNvSpPr>
@@ -656,7 +656,7 @@
       </p:grpSpPr>
       <p:sp>
         <p:nvSpPr>
-          <p:cNvPr id="4" name="PlaceHolder 1"/>
+          <p:cNvPr id="2" name="PlaceHolder 1"/>
           <p:cNvSpPr>
             <a:spLocks noGrp="1"/>
           </p:cNvSpPr>
@@ -687,7 +687,7 @@
       </p:sp>
       <p:sp>
         <p:nvSpPr>
-          <p:cNvPr id="5" name="PlaceHolder 2"/>
+          <p:cNvPr id="3" name="PlaceHolder 2"/>
           <p:cNvSpPr>
             <a:spLocks noGrp="1"/>
           </p:cNvSpPr>
@@ -739,7 +739,7 @@
       </p:grpSpPr>
       <p:sp>
         <p:nvSpPr>
-          <p:cNvPr id="6" name="PlaceHolder 1"/>
+          <p:cNvPr id="4" name="PlaceHolder 1"/>
           <p:cNvSpPr>
             <a:spLocks noGrp="1"/>
           </p:cNvSpPr>
@@ -770,7 +770,7 @@
       </p:sp>
       <p:sp>
         <p:nvSpPr>
-          <p:cNvPr id="7" name="PlaceHolder 2"/>
+          <p:cNvPr id="5" name="PlaceHolder 2"/>
           <p:cNvSpPr>
             <a:spLocks noGrp="1"/>
           </p:cNvSpPr>
@@ -800,7 +800,7 @@
       </p:sp>
       <p:sp>
         <p:nvSpPr>
-          <p:cNvPr id="8" name="PlaceHolder 3"/>
+          <p:cNvPr id="6" name="PlaceHolder 3"/>
           <p:cNvSpPr>
             <a:spLocks noGrp="1"/>
           </p:cNvSpPr>
@@ -852,7 +852,7 @@
       </p:grpSpPr>
       <p:sp>
         <p:nvSpPr>
-          <p:cNvPr id="9" name="PlaceHolder 1"/>
+          <p:cNvPr id="7" name="PlaceHolder 1"/>
           <p:cNvSpPr>
             <a:spLocks noGrp="1"/>
           </p:cNvSpPr>
@@ -905,7 +905,7 @@
       </p:grpSpPr>
       <p:sp>
         <p:nvSpPr>
-          <p:cNvPr id="10" name="PlaceHolder 1"/>
+          <p:cNvPr id="8" name="PlaceHolder 1"/>
           <p:cNvSpPr>
             <a:spLocks noGrp="1"/>
           </p:cNvSpPr>
@@ -958,7 +958,7 @@
       </p:grpSpPr>
       <p:sp>
         <p:nvSpPr>
-          <p:cNvPr id="11" name="PlaceHolder 1"/>
+          <p:cNvPr id="9" name="PlaceHolder 1"/>
           <p:cNvSpPr>
             <a:spLocks noGrp="1"/>
           </p:cNvSpPr>
@@ -989,7 +989,7 @@
       </p:sp>
       <p:sp>
         <p:nvSpPr>
-          <p:cNvPr id="12" name="PlaceHolder 2"/>
+          <p:cNvPr id="10" name="PlaceHolder 2"/>
           <p:cNvSpPr>
             <a:spLocks noGrp="1"/>
           </p:cNvSpPr>
@@ -1019,7 +1019,7 @@
       </p:sp>
       <p:sp>
         <p:nvSpPr>
-          <p:cNvPr id="13" name="PlaceHolder 3"/>
+          <p:cNvPr id="11" name="PlaceHolder 3"/>
           <p:cNvSpPr>
             <a:spLocks noGrp="1"/>
           </p:cNvSpPr>
@@ -1049,7 +1049,7 @@
       </p:sp>
       <p:sp>
         <p:nvSpPr>
-          <p:cNvPr id="14" name="PlaceHolder 4"/>
+          <p:cNvPr id="12" name="PlaceHolder 4"/>
           <p:cNvSpPr>
             <a:spLocks noGrp="1"/>
           </p:cNvSpPr>
@@ -1101,7 +1101,7 @@
       </p:grpSpPr>
       <p:sp>
         <p:nvSpPr>
-          <p:cNvPr id="15" name="PlaceHolder 1"/>
+          <p:cNvPr id="13" name="PlaceHolder 1"/>
           <p:cNvSpPr>
             <a:spLocks noGrp="1"/>
           </p:cNvSpPr>
@@ -1132,7 +1132,7 @@
       </p:sp>
       <p:sp>
         <p:nvSpPr>
-          <p:cNvPr id="16" name="PlaceHolder 2"/>
+          <p:cNvPr id="14" name="PlaceHolder 2"/>
           <p:cNvSpPr>
             <a:spLocks noGrp="1"/>
           </p:cNvSpPr>
@@ -1162,7 +1162,7 @@
       </p:sp>
       <p:sp>
         <p:nvSpPr>
-          <p:cNvPr id="17" name="PlaceHolder 3"/>
+          <p:cNvPr id="15" name="PlaceHolder 3"/>
           <p:cNvSpPr>
             <a:spLocks noGrp="1"/>
           </p:cNvSpPr>
@@ -1192,7 +1192,7 @@
       </p:sp>
       <p:sp>
         <p:nvSpPr>
-          <p:cNvPr id="18" name="PlaceHolder 4"/>
+          <p:cNvPr id="16" name="PlaceHolder 4"/>
           <p:cNvSpPr>
             <a:spLocks noGrp="1"/>
           </p:cNvSpPr>
@@ -1244,7 +1244,7 @@
       </p:grpSpPr>
       <p:sp>
         <p:nvSpPr>
-          <p:cNvPr id="19" name="PlaceHolder 1"/>
+          <p:cNvPr id="17" name="PlaceHolder 1"/>
           <p:cNvSpPr>
             <a:spLocks noGrp="1"/>
           </p:cNvSpPr>
@@ -1275,7 +1275,7 @@
       </p:sp>
       <p:sp>
         <p:nvSpPr>
-          <p:cNvPr id="20" name="PlaceHolder 2"/>
+          <p:cNvPr id="18" name="PlaceHolder 2"/>
           <p:cNvSpPr>
             <a:spLocks noGrp="1"/>
           </p:cNvSpPr>
@@ -1305,7 +1305,7 @@
       </p:sp>
       <p:sp>
         <p:nvSpPr>
-          <p:cNvPr id="21" name="PlaceHolder 3"/>
+          <p:cNvPr id="19" name="PlaceHolder 3"/>
           <p:cNvSpPr>
             <a:spLocks noGrp="1"/>
           </p:cNvSpPr>
@@ -1335,7 +1335,7 @@
       </p:sp>
       <p:sp>
         <p:nvSpPr>
-          <p:cNvPr id="22" name="PlaceHolder 4"/>
+          <p:cNvPr id="20" name="PlaceHolder 4"/>
           <p:cNvSpPr>
             <a:spLocks noGrp="1"/>
           </p:cNvSpPr>
@@ -1385,222 +1385,6 @@
           <a:chExt cx="0" cy="0"/>
         </a:xfrm>
       </p:grpSpPr>
-      <p:sp>
-        <p:nvSpPr>
-          <p:cNvPr id="0" name="PlaceHolder 1"/>
-          <p:cNvSpPr>
-            <a:spLocks noGrp="1"/>
-          </p:cNvSpPr>
-          <p:nvPr>
-            <p:ph type="title"/>
-          </p:nvPr>
-        </p:nvSpPr>
-        <p:spPr>
-          <a:xfrm>
-            <a:off x="534240" y="301320"/>
-            <a:ext cx="9622080" cy="1261800"/>
-          </a:xfrm>
-          <a:prstGeom prst="rect">
-            <a:avLst/>
-          </a:prstGeom>
-        </p:spPr>
-        <p:txBody>
-          <a:bodyPr lIns="0" rIns="0" tIns="0" bIns="0" anchor="ctr">
-            <a:noAutofit/>
-          </a:bodyPr>
-          <a:p>
-            <a:pPr algn="ctr"/>
-            <a:r>
-              <a:rPr b="0" lang="de-DE" sz="4400" spc="-1" strike="noStrike">
-                <a:latin typeface="Arial"/>
-              </a:rPr>
-              <a:t>Format des Titeltextes durch Klicken bearbeiten</a:t>
-            </a:r>
-            <a:endParaRPr b="0" lang="de-DE" sz="4400" spc="-1" strike="noStrike">
-              <a:latin typeface="Arial"/>
-            </a:endParaRPr>
-          </a:p>
-        </p:txBody>
-      </p:sp>
-      <p:sp>
-        <p:nvSpPr>
-          <p:cNvPr id="1" name="PlaceHolder 2"/>
-          <p:cNvSpPr>
-            <a:spLocks noGrp="1"/>
-          </p:cNvSpPr>
-          <p:nvPr>
-            <p:ph type="body"/>
-          </p:nvPr>
-        </p:nvSpPr>
-        <p:spPr>
-          <a:xfrm>
-            <a:off x="534240" y="1768680"/>
-            <a:ext cx="9622080" cy="4384080"/>
-          </a:xfrm>
-          <a:prstGeom prst="rect">
-            <a:avLst/>
-          </a:prstGeom>
-        </p:spPr>
-        <p:txBody>
-          <a:bodyPr lIns="0" rIns="0" tIns="0" bIns="0">
-            <a:normAutofit/>
-          </a:bodyPr>
-          <a:p>
-            <a:pPr marL="432000" indent="-324000">
-              <a:spcBef>
-                <a:spcPts val="1417"/>
-              </a:spcBef>
-              <a:buClr>
-                <a:srgbClr val="000000"/>
-              </a:buClr>
-              <a:buSzPct val="45000"/>
-              <a:buFont typeface="Wingdings" charset="2"/>
-              <a:buChar char=""/>
-            </a:pPr>
-            <a:r>
-              <a:rPr b="0" lang="de-DE" sz="3200" spc="-1" strike="noStrike">
-                <a:latin typeface="Arial"/>
-              </a:rPr>
-              <a:t>Format des Gliederungstextes durch Klicken bearbeiten</a:t>
-            </a:r>
-            <a:endParaRPr b="0" lang="de-DE" sz="3200" spc="-1" strike="noStrike">
-              <a:latin typeface="Arial"/>
-            </a:endParaRPr>
-          </a:p>
-          <a:p>
-            <a:pPr lvl="1" marL="864000" indent="-324000">
-              <a:spcBef>
-                <a:spcPts val="1134"/>
-              </a:spcBef>
-              <a:buClr>
-                <a:srgbClr val="000000"/>
-              </a:buClr>
-              <a:buSzPct val="75000"/>
-              <a:buFont typeface="Symbol" charset="2"/>
-              <a:buChar char=""/>
-            </a:pPr>
-            <a:r>
-              <a:rPr b="0" lang="de-DE" sz="2800" spc="-1" strike="noStrike">
-                <a:latin typeface="Arial"/>
-              </a:rPr>
-              <a:t>Zweite Gliederungsebene</a:t>
-            </a:r>
-            <a:endParaRPr b="0" lang="de-DE" sz="2800" spc="-1" strike="noStrike">
-              <a:latin typeface="Arial"/>
-            </a:endParaRPr>
-          </a:p>
-          <a:p>
-            <a:pPr lvl="2" marL="1296000" indent="-288000">
-              <a:spcBef>
-                <a:spcPts val="850"/>
-              </a:spcBef>
-              <a:buClr>
-                <a:srgbClr val="000000"/>
-              </a:buClr>
-              <a:buSzPct val="45000"/>
-              <a:buFont typeface="Wingdings" charset="2"/>
-              <a:buChar char=""/>
-            </a:pPr>
-            <a:r>
-              <a:rPr b="0" lang="de-DE" sz="2400" spc="-1" strike="noStrike">
-                <a:latin typeface="Arial"/>
-              </a:rPr>
-              <a:t>Dritte Gliederungsebene</a:t>
-            </a:r>
-            <a:endParaRPr b="0" lang="de-DE" sz="2400" spc="-1" strike="noStrike">
-              <a:latin typeface="Arial"/>
-            </a:endParaRPr>
-          </a:p>
-          <a:p>
-            <a:pPr lvl="3" marL="1728000" indent="-216000">
-              <a:spcBef>
-                <a:spcPts val="567"/>
-              </a:spcBef>
-              <a:buClr>
-                <a:srgbClr val="000000"/>
-              </a:buClr>
-              <a:buSzPct val="75000"/>
-              <a:buFont typeface="Symbol" charset="2"/>
-              <a:buChar char=""/>
-            </a:pPr>
-            <a:r>
-              <a:rPr b="0" lang="de-DE" sz="2000" spc="-1" strike="noStrike">
-                <a:latin typeface="Arial"/>
-              </a:rPr>
-              <a:t>Vierte Gliederungsebene</a:t>
-            </a:r>
-            <a:endParaRPr b="0" lang="de-DE" sz="2000" spc="-1" strike="noStrike">
-              <a:latin typeface="Arial"/>
-            </a:endParaRPr>
-          </a:p>
-          <a:p>
-            <a:pPr lvl="4" marL="2160000" indent="-216000">
-              <a:spcBef>
-                <a:spcPts val="283"/>
-              </a:spcBef>
-              <a:buClr>
-                <a:srgbClr val="000000"/>
-              </a:buClr>
-              <a:buSzPct val="45000"/>
-              <a:buFont typeface="Wingdings" charset="2"/>
-              <a:buChar char=""/>
-            </a:pPr>
-            <a:r>
-              <a:rPr b="0" lang="de-DE" sz="2000" spc="-1" strike="noStrike">
-                <a:latin typeface="Arial"/>
-              </a:rPr>
-              <a:t>Fünfte Gliederungsebene</a:t>
-            </a:r>
-            <a:endParaRPr b="0" lang="de-DE" sz="2000" spc="-1" strike="noStrike">
-              <a:latin typeface="Arial"/>
-            </a:endParaRPr>
-          </a:p>
-          <a:p>
-            <a:pPr lvl="5" marL="2592000" indent="-216000">
-              <a:spcBef>
-                <a:spcPts val="283"/>
-              </a:spcBef>
-              <a:buClr>
-                <a:srgbClr val="000000"/>
-              </a:buClr>
-              <a:buSzPct val="45000"/>
-              <a:buFont typeface="Wingdings" charset="2"/>
-              <a:buChar char=""/>
-            </a:pPr>
-            <a:r>
-              <a:rPr b="0" lang="de-DE" sz="2000" spc="-1" strike="noStrike">
-                <a:latin typeface="Arial"/>
-              </a:rPr>
-              <a:t>Sechste Gliederungsebene</a:t>
-            </a:r>
-            <a:endParaRPr b="0" lang="de-DE" sz="2000" spc="-1" strike="noStrike">
-              <a:latin typeface="Arial"/>
-            </a:endParaRPr>
-          </a:p>
-          <a:p>
-            <a:pPr lvl="6" marL="3024000" indent="-216000">
-              <a:spcBef>
-                <a:spcPts val="283"/>
-              </a:spcBef>
-              <a:buClr>
-                <a:srgbClr val="000000"/>
-              </a:buClr>
-              <a:buSzPct val="45000"/>
-              <a:buFont typeface="Wingdings" charset="2"/>
-              <a:buChar char=""/>
-            </a:pPr>
-            <a:r>
-              <a:rPr b="0" lang="de-DE" sz="2000" spc="-1" strike="noStrike">
-                <a:latin typeface="Arial"/>
-              </a:rPr>
-              <a:t>Siebte Gliederungsebene</a:t>
-            </a:r>
-            <a:endParaRPr b="0" lang="de-DE" sz="2000" spc="-1" strike="noStrike">
-              <a:latin typeface="Arial"/>
-            </a:endParaRPr>
-          </a:p>
-        </p:txBody>
-      </p:sp>
     </p:spTree>
   </p:cSld>
   <p:clrMap bg1="lt1" bg2="lt2" tx1="dk1" tx2="dk2" accent1="accent1" accent2="accent2" accent3="accent3" accent4="accent4" accent5="accent5" accent6="accent6" hlink="hlink" folHlink="folHlink"/>
@@ -1640,14 +1424,14 @@
       </p:grpSpPr>
       <p:sp>
         <p:nvSpPr>
-          <p:cNvPr id="38" name="CustomShape 1"/>
+          <p:cNvPr id="36" name="CustomShape 1"/>
           <p:cNvSpPr/>
           <p:nvPr/>
         </p:nvSpPr>
         <p:spPr>
           <a:xfrm>
             <a:off x="5812560" y="1411560"/>
-            <a:ext cx="3810600" cy="2298600"/>
+            <a:ext cx="3810240" cy="2298240"/>
           </a:xfrm>
           <a:prstGeom prst="rect">
             <a:avLst/>
@@ -1670,14 +1454,14 @@
       </p:sp>
       <p:sp>
         <p:nvSpPr>
-          <p:cNvPr id="39" name="CustomShape 2"/>
+          <p:cNvPr id="37" name="CustomShape 2"/>
           <p:cNvSpPr/>
           <p:nvPr/>
         </p:nvSpPr>
         <p:spPr>
           <a:xfrm>
             <a:off x="412560" y="2412360"/>
-            <a:ext cx="4026600" cy="2298600"/>
+            <a:ext cx="4026240" cy="2298240"/>
           </a:xfrm>
           <a:prstGeom prst="rect">
             <a:avLst/>
@@ -1700,14 +1484,14 @@
       </p:sp>
       <p:sp>
         <p:nvSpPr>
-          <p:cNvPr id="40" name="CustomShape 3"/>
+          <p:cNvPr id="38" name="CustomShape 3"/>
           <p:cNvSpPr/>
           <p:nvPr/>
         </p:nvSpPr>
         <p:spPr>
           <a:xfrm>
             <a:off x="6702840" y="756360"/>
-            <a:ext cx="1434600" cy="570600"/>
+            <a:ext cx="1434240" cy="570240"/>
           </a:xfrm>
           <a:prstGeom prst="rect">
             <a:avLst/>
@@ -1785,14 +1569,14 @@
       </p:sp>
       <p:sp>
         <p:nvSpPr>
-          <p:cNvPr id="41" name="CustomShape 4"/>
+          <p:cNvPr id="39" name="CustomShape 4"/>
           <p:cNvSpPr/>
           <p:nvPr/>
         </p:nvSpPr>
         <p:spPr>
           <a:xfrm>
             <a:off x="4686840" y="612360"/>
-            <a:ext cx="282600" cy="6513480"/>
+            <a:ext cx="282240" cy="6513120"/>
           </a:xfrm>
           <a:prstGeom prst="rect">
             <a:avLst/>
@@ -1840,14 +1624,14 @@
       </p:sp>
       <p:sp>
         <p:nvSpPr>
-          <p:cNvPr id="42" name="CustomShape 5"/>
+          <p:cNvPr id="40" name="CustomShape 5"/>
           <p:cNvSpPr/>
           <p:nvPr/>
         </p:nvSpPr>
         <p:spPr>
           <a:xfrm>
             <a:off x="9870840" y="612360"/>
-            <a:ext cx="282600" cy="6513480"/>
+            <a:ext cx="282240" cy="6513120"/>
           </a:xfrm>
           <a:prstGeom prst="rect">
             <a:avLst/>
@@ -1895,14 +1679,14 @@
       </p:sp>
       <p:sp>
         <p:nvSpPr>
-          <p:cNvPr id="43" name="CustomShape 6"/>
+          <p:cNvPr id="41" name="CustomShape 6"/>
           <p:cNvSpPr/>
           <p:nvPr/>
         </p:nvSpPr>
         <p:spPr>
           <a:xfrm>
             <a:off x="6702840" y="1548360"/>
-            <a:ext cx="1434600" cy="570600"/>
+            <a:ext cx="1434240" cy="570240"/>
           </a:xfrm>
           <a:prstGeom prst="rect">
             <a:avLst/>
@@ -1980,14 +1764,14 @@
       </p:sp>
       <p:sp>
         <p:nvSpPr>
-          <p:cNvPr id="44" name="CustomShape 7"/>
+          <p:cNvPr id="42" name="CustomShape 7"/>
           <p:cNvSpPr/>
           <p:nvPr/>
         </p:nvSpPr>
         <p:spPr>
           <a:xfrm>
             <a:off x="6702840" y="2268360"/>
-            <a:ext cx="1434600" cy="1290600"/>
+            <a:ext cx="1434240" cy="1290240"/>
           </a:xfrm>
           <a:prstGeom prst="rect">
             <a:avLst/>
@@ -2055,14 +1839,14 @@
       </p:sp>
       <p:sp>
         <p:nvSpPr>
-          <p:cNvPr id="45" name="CustomShape 8"/>
+          <p:cNvPr id="43" name="CustomShape 8"/>
           <p:cNvSpPr/>
           <p:nvPr/>
         </p:nvSpPr>
         <p:spPr>
           <a:xfrm>
             <a:off x="1518840" y="900360"/>
-            <a:ext cx="1434600" cy="426600"/>
+            <a:ext cx="1434240" cy="426240"/>
           </a:xfrm>
           <a:prstGeom prst="rect">
             <a:avLst/>
@@ -2130,14 +1914,14 @@
       </p:sp>
       <p:sp>
         <p:nvSpPr>
-          <p:cNvPr id="46" name="CustomShape 9"/>
+          <p:cNvPr id="44" name="CustomShape 9"/>
           <p:cNvSpPr/>
           <p:nvPr/>
         </p:nvSpPr>
         <p:spPr>
           <a:xfrm>
             <a:off x="1518840" y="1548360"/>
-            <a:ext cx="1434600" cy="426600"/>
+            <a:ext cx="1434240" cy="426240"/>
           </a:xfrm>
           <a:prstGeom prst="rect">
             <a:avLst/>
@@ -2185,14 +1969,14 @@
       </p:sp>
       <p:sp>
         <p:nvSpPr>
-          <p:cNvPr id="47" name="CustomShape 10"/>
+          <p:cNvPr id="45" name="CustomShape 10"/>
           <p:cNvSpPr/>
           <p:nvPr/>
         </p:nvSpPr>
         <p:spPr>
           <a:xfrm>
             <a:off x="1518840" y="2556360"/>
-            <a:ext cx="1434600" cy="426600"/>
+            <a:ext cx="1434240" cy="426240"/>
           </a:xfrm>
           <a:prstGeom prst="rect">
             <a:avLst/>
@@ -2240,14 +2024,14 @@
       </p:sp>
       <p:sp>
         <p:nvSpPr>
-          <p:cNvPr id="48" name="CustomShape 11"/>
+          <p:cNvPr id="46" name="CustomShape 11"/>
           <p:cNvSpPr/>
           <p:nvPr/>
         </p:nvSpPr>
         <p:spPr>
           <a:xfrm>
             <a:off x="1512360" y="3132360"/>
-            <a:ext cx="1434600" cy="858600"/>
+            <a:ext cx="1434240" cy="858240"/>
           </a:xfrm>
           <a:prstGeom prst="rect">
             <a:avLst/>
@@ -2295,14 +2079,14 @@
       </p:sp>
       <p:sp>
         <p:nvSpPr>
-          <p:cNvPr id="49" name="CustomShape 12"/>
+          <p:cNvPr id="47" name="CustomShape 12"/>
           <p:cNvSpPr/>
           <p:nvPr/>
         </p:nvSpPr>
         <p:spPr>
           <a:xfrm>
             <a:off x="1512360" y="4140360"/>
-            <a:ext cx="1434600" cy="426600"/>
+            <a:ext cx="1434240" cy="426240"/>
           </a:xfrm>
           <a:prstGeom prst="rect">
             <a:avLst/>
@@ -2350,14 +2134,14 @@
       </p:sp>
       <p:sp>
         <p:nvSpPr>
-          <p:cNvPr id="50" name="CustomShape 13"/>
+          <p:cNvPr id="48" name="CustomShape 13"/>
           <p:cNvSpPr/>
           <p:nvPr/>
         </p:nvSpPr>
         <p:spPr>
           <a:xfrm>
             <a:off x="1512360" y="4824360"/>
-            <a:ext cx="1434600" cy="426600"/>
+            <a:ext cx="1434240" cy="426240"/>
           </a:xfrm>
           <a:prstGeom prst="rect">
             <a:avLst/>
@@ -2405,14 +2189,14 @@
       </p:sp>
       <p:sp>
         <p:nvSpPr>
-          <p:cNvPr id="51" name="CustomShape 14"/>
+          <p:cNvPr id="49" name="CustomShape 14"/>
           <p:cNvSpPr/>
           <p:nvPr/>
         </p:nvSpPr>
         <p:spPr>
           <a:xfrm>
             <a:off x="1512360" y="5472360"/>
-            <a:ext cx="1434600" cy="426600"/>
+            <a:ext cx="1434240" cy="426240"/>
           </a:xfrm>
           <a:prstGeom prst="rect">
             <a:avLst/>
@@ -2460,14 +2244,14 @@
       </p:sp>
       <p:sp>
         <p:nvSpPr>
-          <p:cNvPr id="52" name="CustomShape 15"/>
+          <p:cNvPr id="50" name="CustomShape 15"/>
           <p:cNvSpPr/>
           <p:nvPr/>
         </p:nvSpPr>
         <p:spPr>
           <a:xfrm>
             <a:off x="1512360" y="6113880"/>
-            <a:ext cx="1434600" cy="433080"/>
+            <a:ext cx="1434240" cy="432720"/>
           </a:xfrm>
           <a:prstGeom prst="rect">
             <a:avLst/>
@@ -2515,7 +2299,7 @@
       </p:sp>
       <p:sp>
         <p:nvSpPr>
-          <p:cNvPr id="53" name="Line 16"/>
+          <p:cNvPr id="51" name="Line 16"/>
           <p:cNvSpPr/>
           <p:nvPr/>
         </p:nvSpPr>
@@ -2569,7 +2353,7 @@
       </p:sp>
       <p:sp>
         <p:nvSpPr>
-          <p:cNvPr id="54" name="Line 17"/>
+          <p:cNvPr id="52" name="Line 17"/>
           <p:cNvSpPr/>
           <p:nvPr/>
         </p:nvSpPr>
@@ -2623,7 +2407,7 @@
       </p:sp>
       <p:sp>
         <p:nvSpPr>
-          <p:cNvPr id="55" name="Line 18"/>
+          <p:cNvPr id="53" name="Line 18"/>
           <p:cNvSpPr/>
           <p:nvPr/>
         </p:nvSpPr>
@@ -2677,7 +2461,7 @@
       </p:sp>
       <p:sp>
         <p:nvSpPr>
-          <p:cNvPr id="56" name="Line 19"/>
+          <p:cNvPr id="54" name="Line 19"/>
           <p:cNvSpPr/>
           <p:nvPr/>
         </p:nvSpPr>
@@ -2731,7 +2515,7 @@
       </p:sp>
       <p:sp>
         <p:nvSpPr>
-          <p:cNvPr id="57" name="Line 20"/>
+          <p:cNvPr id="55" name="Line 20"/>
           <p:cNvSpPr/>
           <p:nvPr/>
         </p:nvSpPr>
@@ -2785,14 +2569,14 @@
       </p:sp>
       <p:sp>
         <p:nvSpPr>
-          <p:cNvPr id="58" name="CustomShape 21"/>
+          <p:cNvPr id="56" name="CustomShape 21"/>
           <p:cNvSpPr/>
           <p:nvPr/>
         </p:nvSpPr>
         <p:spPr>
           <a:xfrm rot="16200000">
-            <a:off x="2807640" y="3349440"/>
-            <a:ext cx="858600" cy="426600"/>
+            <a:off x="2807640" y="3349800"/>
+            <a:ext cx="858240" cy="426240"/>
           </a:xfrm>
           <a:prstGeom prst="rect">
             <a:avLst/>
@@ -2840,14 +2624,14 @@
       </p:sp>
       <p:sp>
         <p:nvSpPr>
-          <p:cNvPr id="59" name="CustomShape 22"/>
+          <p:cNvPr id="57" name="CustomShape 22"/>
           <p:cNvSpPr/>
           <p:nvPr/>
         </p:nvSpPr>
         <p:spPr>
           <a:xfrm rot="16200000">
-            <a:off x="288360" y="3353760"/>
-            <a:ext cx="858600" cy="426600"/>
+            <a:off x="288360" y="3354120"/>
+            <a:ext cx="858240" cy="426240"/>
           </a:xfrm>
           <a:prstGeom prst="rect">
             <a:avLst/>
@@ -2895,7 +2679,7 @@
       </p:sp>
       <p:sp>
         <p:nvSpPr>
-          <p:cNvPr id="60" name="Line 23"/>
+          <p:cNvPr id="58" name="Line 23"/>
           <p:cNvSpPr/>
           <p:nvPr/>
         </p:nvSpPr>
@@ -2949,7 +2733,7 @@
       </p:sp>
       <p:sp>
         <p:nvSpPr>
-          <p:cNvPr id="61" name="Line 24"/>
+          <p:cNvPr id="59" name="Line 24"/>
           <p:cNvSpPr/>
           <p:nvPr/>
         </p:nvSpPr>
@@ -3003,7 +2787,7 @@
       </p:sp>
       <p:sp>
         <p:nvSpPr>
-          <p:cNvPr id="62" name="Line 25"/>
+          <p:cNvPr id="60" name="Line 25"/>
           <p:cNvSpPr/>
           <p:nvPr/>
         </p:nvSpPr>
@@ -3032,7 +2816,7 @@
       </p:sp>
       <p:sp>
         <p:nvSpPr>
-          <p:cNvPr id="63" name="Line 26"/>
+          <p:cNvPr id="61" name="Line 26"/>
           <p:cNvSpPr/>
           <p:nvPr/>
         </p:nvSpPr>
@@ -3061,7 +2845,7 @@
       </p:sp>
       <p:sp>
         <p:nvSpPr>
-          <p:cNvPr id="64" name="Line 27"/>
+          <p:cNvPr id="62" name="Line 27"/>
           <p:cNvSpPr/>
           <p:nvPr/>
         </p:nvSpPr>
@@ -3089,14 +2873,14 @@
       </p:sp>
       <p:sp>
         <p:nvSpPr>
-          <p:cNvPr id="65" name="CustomShape 28"/>
+          <p:cNvPr id="63" name="CustomShape 28"/>
           <p:cNvSpPr/>
           <p:nvPr/>
         </p:nvSpPr>
         <p:spPr>
           <a:xfrm rot="16200000">
-            <a:off x="5690160" y="2633760"/>
-            <a:ext cx="1290600" cy="570600"/>
+            <a:off x="5690160" y="2634120"/>
+            <a:ext cx="1290240" cy="570240"/>
           </a:xfrm>
           <a:prstGeom prst="rect">
             <a:avLst/>
@@ -3164,7 +2948,7 @@
       </p:sp>
       <p:sp>
         <p:nvSpPr>
-          <p:cNvPr id="66" name="Line 29"/>
+          <p:cNvPr id="64" name="Line 29"/>
           <p:cNvSpPr/>
           <p:nvPr/>
         </p:nvSpPr>
@@ -3193,7 +2977,7 @@
       </p:sp>
       <p:sp>
         <p:nvSpPr>
-          <p:cNvPr id="67" name="Line 30"/>
+          <p:cNvPr id="65" name="Line 30"/>
           <p:cNvSpPr/>
           <p:nvPr/>
         </p:nvSpPr>
@@ -3247,7 +3031,7 @@
       </p:sp>
       <p:sp>
         <p:nvSpPr>
-          <p:cNvPr id="68" name="Line 31"/>
+          <p:cNvPr id="66" name="Line 31"/>
           <p:cNvSpPr/>
           <p:nvPr/>
         </p:nvSpPr>
@@ -3301,7 +3085,7 @@
       </p:sp>
       <p:sp>
         <p:nvSpPr>
-          <p:cNvPr id="69" name="Line 32"/>
+          <p:cNvPr id="67" name="Line 32"/>
           <p:cNvSpPr/>
           <p:nvPr/>
         </p:nvSpPr>
@@ -3355,7 +3139,7 @@
       </p:sp>
       <p:sp>
         <p:nvSpPr>
-          <p:cNvPr id="70" name="Line 33"/>
+          <p:cNvPr id="68" name="Line 33"/>
           <p:cNvSpPr/>
           <p:nvPr/>
         </p:nvSpPr>
@@ -3409,7 +3193,7 @@
       </p:sp>
       <p:sp>
         <p:nvSpPr>
-          <p:cNvPr id="71" name="Line 34"/>
+          <p:cNvPr id="69" name="Line 34"/>
           <p:cNvSpPr/>
           <p:nvPr/>
         </p:nvSpPr>
@@ -3463,7 +3247,7 @@
       </p:sp>
       <p:sp>
         <p:nvSpPr>
-          <p:cNvPr id="72" name="Line 35"/>
+          <p:cNvPr id="70" name="Line 35"/>
           <p:cNvSpPr/>
           <p:nvPr/>
         </p:nvSpPr>
@@ -3517,7 +3301,7 @@
       </p:sp>
       <p:sp>
         <p:nvSpPr>
-          <p:cNvPr id="73" name="Line 36"/>
+          <p:cNvPr id="71" name="Line 36"/>
           <p:cNvSpPr/>
           <p:nvPr/>
         </p:nvSpPr>
@@ -3571,7 +3355,7 @@
       </p:sp>
       <p:sp>
         <p:nvSpPr>
-          <p:cNvPr id="74" name="Line 37"/>
+          <p:cNvPr id="72" name="Line 37"/>
           <p:cNvSpPr/>
           <p:nvPr/>
         </p:nvSpPr>
@@ -3625,7 +3409,7 @@
       </p:sp>
       <p:sp>
         <p:nvSpPr>
-          <p:cNvPr id="75" name="Line 38"/>
+          <p:cNvPr id="73" name="Line 38"/>
           <p:cNvSpPr/>
           <p:nvPr/>
         </p:nvSpPr>
@@ -3679,7 +3463,7 @@
       </p:sp>
       <p:sp>
         <p:nvSpPr>
-          <p:cNvPr id="76" name="Line 39"/>
+          <p:cNvPr id="74" name="Line 39"/>
           <p:cNvSpPr/>
           <p:nvPr/>
         </p:nvSpPr>
@@ -3733,7 +3517,7 @@
       </p:sp>
       <p:sp>
         <p:nvSpPr>
-          <p:cNvPr id="77" name="Line 40"/>
+          <p:cNvPr id="75" name="Line 40"/>
           <p:cNvSpPr/>
           <p:nvPr/>
         </p:nvSpPr>
@@ -3787,14 +3571,14 @@
       </p:sp>
       <p:sp>
         <p:nvSpPr>
-          <p:cNvPr id="78" name="CustomShape 41"/>
+          <p:cNvPr id="76" name="CustomShape 41"/>
           <p:cNvSpPr/>
           <p:nvPr/>
         </p:nvSpPr>
         <p:spPr>
           <a:xfrm>
             <a:off x="1518840" y="324360"/>
-            <a:ext cx="1434600" cy="426600"/>
+            <a:ext cx="1434240" cy="426240"/>
           </a:xfrm>
           <a:prstGeom prst="rect">
             <a:avLst/>
@@ -3862,7 +3646,7 @@
       </p:sp>
       <p:sp>
         <p:nvSpPr>
-          <p:cNvPr id="79" name="Line 42"/>
+          <p:cNvPr id="77" name="Line 42"/>
           <p:cNvSpPr/>
           <p:nvPr/>
         </p:nvSpPr>
@@ -3891,7 +3675,7 @@
       </p:sp>
       <p:sp>
         <p:nvSpPr>
-          <p:cNvPr id="80" name="Line 43"/>
+          <p:cNvPr id="78" name="Line 43"/>
           <p:cNvSpPr/>
           <p:nvPr/>
         </p:nvSpPr>
@@ -3919,7 +3703,7 @@
       </p:sp>
       <p:sp>
         <p:nvSpPr>
-          <p:cNvPr id="81" name="Line 44"/>
+          <p:cNvPr id="79" name="Line 44"/>
           <p:cNvSpPr/>
           <p:nvPr/>
         </p:nvSpPr>
@@ -3948,14 +3732,14 @@
       </p:sp>
       <p:sp>
         <p:nvSpPr>
-          <p:cNvPr id="82" name="CustomShape 45"/>
+          <p:cNvPr id="80" name="CustomShape 45"/>
           <p:cNvSpPr/>
           <p:nvPr/>
         </p:nvSpPr>
         <p:spPr>
           <a:xfrm>
             <a:off x="4566960" y="324000"/>
-            <a:ext cx="526320" cy="302760"/>
+            <a:ext cx="525960" cy="302760"/>
           </a:xfrm>
           <a:prstGeom prst="rect">
             <a:avLst/>
@@ -4019,14 +3803,14 @@
       </p:sp>
       <p:sp>
         <p:nvSpPr>
-          <p:cNvPr id="83" name="CustomShape 46"/>
+          <p:cNvPr id="81" name="CustomShape 46"/>
           <p:cNvSpPr/>
           <p:nvPr/>
         </p:nvSpPr>
         <p:spPr>
           <a:xfrm>
             <a:off x="9670680" y="324360"/>
-            <a:ext cx="694800" cy="302760"/>
+            <a:ext cx="694440" cy="302760"/>
           </a:xfrm>
           <a:prstGeom prst="rect">
             <a:avLst/>
@@ -4090,14 +3874,14 @@
       </p:sp>
       <p:sp>
         <p:nvSpPr>
-          <p:cNvPr id="84" name="CustomShape 47"/>
+          <p:cNvPr id="82" name="CustomShape 47"/>
           <p:cNvSpPr/>
           <p:nvPr/>
         </p:nvSpPr>
         <p:spPr>
           <a:xfrm>
             <a:off x="448560" y="4356360"/>
-            <a:ext cx="1151640" cy="318600"/>
+            <a:ext cx="1151280" cy="318240"/>
           </a:xfrm>
           <a:prstGeom prst="rect">
             <a:avLst/>
@@ -4141,14 +3925,14 @@
       </p:sp>
       <p:sp>
         <p:nvSpPr>
-          <p:cNvPr id="85" name="CustomShape 48"/>
+          <p:cNvPr id="83" name="CustomShape 48"/>
           <p:cNvSpPr/>
           <p:nvPr/>
         </p:nvSpPr>
         <p:spPr>
           <a:xfrm>
             <a:off x="8656560" y="3348000"/>
-            <a:ext cx="930600" cy="317880"/>
+            <a:ext cx="930240" cy="317880"/>
           </a:xfrm>
           <a:prstGeom prst="rect">
             <a:avLst/>
@@ -4192,14 +3976,14 @@
       </p:sp>
       <p:sp>
         <p:nvSpPr>
-          <p:cNvPr id="86" name="CustomShape 49"/>
+          <p:cNvPr id="84" name="CustomShape 49"/>
           <p:cNvSpPr/>
           <p:nvPr/>
         </p:nvSpPr>
         <p:spPr>
           <a:xfrm>
             <a:off x="1464480" y="1116360"/>
-            <a:ext cx="397080" cy="241560"/>
+            <a:ext cx="396720" cy="241560"/>
           </a:xfrm>
           <a:prstGeom prst="rect">
             <a:avLst/>
@@ -4263,14 +4047,14 @@
       </p:sp>
       <p:sp>
         <p:nvSpPr>
-          <p:cNvPr id="87" name="CustomShape 50"/>
+          <p:cNvPr id="85" name="CustomShape 50"/>
           <p:cNvSpPr/>
           <p:nvPr/>
         </p:nvSpPr>
         <p:spPr>
           <a:xfrm>
             <a:off x="6641280" y="885960"/>
-            <a:ext cx="1046520" cy="469440"/>
+            <a:ext cx="1046160" cy="469440"/>
           </a:xfrm>
           <a:prstGeom prst="rect">
             <a:avLst/>
@@ -4394,14 +4178,14 @@
       </p:sp>
       <p:sp>
         <p:nvSpPr>
-          <p:cNvPr id="88" name="CustomShape 51"/>
+          <p:cNvPr id="86" name="CustomShape 51"/>
           <p:cNvSpPr/>
           <p:nvPr/>
         </p:nvSpPr>
         <p:spPr>
           <a:xfrm>
             <a:off x="1450080" y="6408360"/>
-            <a:ext cx="303480" cy="165600"/>
+            <a:ext cx="303120" cy="241560"/>
           </a:xfrm>
           <a:prstGeom prst="rect">
             <a:avLst/>
@@ -4445,14 +4229,14 @@
       </p:sp>
       <p:sp>
         <p:nvSpPr>
-          <p:cNvPr id="89" name="CustomShape 52"/>
+          <p:cNvPr id="87" name="CustomShape 52"/>
           <p:cNvSpPr/>
           <p:nvPr/>
         </p:nvSpPr>
         <p:spPr>
           <a:xfrm>
             <a:off x="1450080" y="5760360"/>
-            <a:ext cx="303480" cy="165600"/>
+            <a:ext cx="303120" cy="241560"/>
           </a:xfrm>
           <a:prstGeom prst="rect">
             <a:avLst/>
@@ -4496,14 +4280,14 @@
       </p:sp>
       <p:sp>
         <p:nvSpPr>
-          <p:cNvPr id="90" name="CustomShape 53"/>
+          <p:cNvPr id="88" name="CustomShape 53"/>
           <p:cNvSpPr/>
           <p:nvPr/>
         </p:nvSpPr>
         <p:spPr>
           <a:xfrm>
             <a:off x="1450080" y="5112360"/>
-            <a:ext cx="303480" cy="165600"/>
+            <a:ext cx="303120" cy="241560"/>
           </a:xfrm>
           <a:prstGeom prst="rect">
             <a:avLst/>
@@ -4547,14 +4331,14 @@
       </p:sp>
       <p:sp>
         <p:nvSpPr>
-          <p:cNvPr id="91" name="CustomShape 54"/>
+          <p:cNvPr id="89" name="CustomShape 54"/>
           <p:cNvSpPr/>
           <p:nvPr/>
         </p:nvSpPr>
         <p:spPr>
           <a:xfrm>
             <a:off x="434880" y="3794760"/>
-            <a:ext cx="397440" cy="241560"/>
+            <a:ext cx="397080" cy="241560"/>
           </a:xfrm>
           <a:prstGeom prst="rect">
             <a:avLst/>
@@ -4618,14 +4402,14 @@
       </p:sp>
       <p:sp>
         <p:nvSpPr>
-          <p:cNvPr id="92" name="CustomShape 55"/>
+          <p:cNvPr id="90" name="CustomShape 55"/>
           <p:cNvSpPr/>
           <p:nvPr/>
         </p:nvSpPr>
         <p:spPr>
           <a:xfrm>
             <a:off x="1457280" y="1836360"/>
-            <a:ext cx="303480" cy="165600"/>
+            <a:ext cx="303120" cy="241560"/>
           </a:xfrm>
           <a:prstGeom prst="rect">
             <a:avLst/>
@@ -4669,14 +4453,14 @@
       </p:sp>
       <p:sp>
         <p:nvSpPr>
-          <p:cNvPr id="93" name="CustomShape 56"/>
+          <p:cNvPr id="91" name="CustomShape 56"/>
           <p:cNvSpPr/>
           <p:nvPr/>
         </p:nvSpPr>
         <p:spPr>
           <a:xfrm>
             <a:off x="1457280" y="2844360"/>
-            <a:ext cx="303480" cy="165600"/>
+            <a:ext cx="303120" cy="241560"/>
           </a:xfrm>
           <a:prstGeom prst="rect">
             <a:avLst/>
@@ -4720,14 +4504,14 @@
       </p:sp>
       <p:sp>
         <p:nvSpPr>
-          <p:cNvPr id="94" name="CustomShape 57"/>
+          <p:cNvPr id="92" name="CustomShape 57"/>
           <p:cNvSpPr/>
           <p:nvPr/>
         </p:nvSpPr>
         <p:spPr>
           <a:xfrm>
             <a:off x="1456920" y="4349520"/>
-            <a:ext cx="421920" cy="242280"/>
+            <a:ext cx="421560" cy="241920"/>
           </a:xfrm>
           <a:prstGeom prst="rect">
             <a:avLst/>
@@ -4791,14 +4575,14 @@
       </p:sp>
       <p:sp>
         <p:nvSpPr>
-          <p:cNvPr id="95" name="CustomShape 58"/>
+          <p:cNvPr id="93" name="CustomShape 58"/>
           <p:cNvSpPr/>
           <p:nvPr/>
         </p:nvSpPr>
         <p:spPr>
           <a:xfrm>
             <a:off x="6641280" y="1757160"/>
-            <a:ext cx="1118520" cy="393480"/>
+            <a:ext cx="1118160" cy="393480"/>
           </a:xfrm>
           <a:prstGeom prst="rect">
             <a:avLst/>
@@ -4902,14 +4686,14 @@
       </p:sp>
       <p:sp>
         <p:nvSpPr>
-          <p:cNvPr id="96" name="CustomShape 59"/>
+          <p:cNvPr id="94" name="CustomShape 59"/>
           <p:cNvSpPr/>
           <p:nvPr/>
         </p:nvSpPr>
         <p:spPr>
           <a:xfrm>
             <a:off x="6655680" y="3402360"/>
-            <a:ext cx="303480" cy="165600"/>
+            <a:ext cx="303120" cy="241560"/>
           </a:xfrm>
           <a:prstGeom prst="rect">
             <a:avLst/>
@@ -4953,14 +4737,14 @@
       </p:sp>
       <p:sp>
         <p:nvSpPr>
-          <p:cNvPr id="97" name="CustomShape 60"/>
+          <p:cNvPr id="95" name="CustomShape 60"/>
           <p:cNvSpPr/>
           <p:nvPr/>
         </p:nvSpPr>
         <p:spPr>
           <a:xfrm>
             <a:off x="1450080" y="3780360"/>
-            <a:ext cx="447480" cy="241560"/>
+            <a:ext cx="447120" cy="241560"/>
           </a:xfrm>
           <a:prstGeom prst="rect">
             <a:avLst/>
@@ -5024,7 +4808,7 @@
       </p:sp>
       <p:sp>
         <p:nvSpPr>
-          <p:cNvPr id="98" name="Line 61"/>
+          <p:cNvPr id="96" name="Line 61"/>
           <p:cNvSpPr/>
           <p:nvPr/>
         </p:nvSpPr>
@@ -5052,14 +4836,14 @@
       </p:sp>
       <p:sp>
         <p:nvSpPr>
-          <p:cNvPr id="99" name="CustomShape 62"/>
+          <p:cNvPr id="97" name="CustomShape 62"/>
           <p:cNvSpPr/>
           <p:nvPr/>
         </p:nvSpPr>
         <p:spPr>
           <a:xfrm>
             <a:off x="6702840" y="5428080"/>
-            <a:ext cx="1434600" cy="570600"/>
+            <a:ext cx="1434240" cy="570240"/>
           </a:xfrm>
           <a:prstGeom prst="rect">
             <a:avLst/>
@@ -5137,7 +4921,7 @@
       </p:sp>
       <p:sp>
         <p:nvSpPr>
-          <p:cNvPr id="100" name="Line 63"/>
+          <p:cNvPr id="98" name="Line 63"/>
           <p:cNvSpPr/>
           <p:nvPr/>
         </p:nvSpPr>
@@ -5191,7 +4975,7 @@
       </p:sp>
       <p:sp>
         <p:nvSpPr>
-          <p:cNvPr id="101" name="Line 64"/>
+          <p:cNvPr id="99" name="Line 64"/>
           <p:cNvSpPr/>
           <p:nvPr/>
         </p:nvSpPr>
@@ -5245,14 +5029,14 @@
       </p:sp>
       <p:sp>
         <p:nvSpPr>
-          <p:cNvPr id="102" name="CustomShape 65"/>
+          <p:cNvPr id="100" name="CustomShape 65"/>
           <p:cNvSpPr/>
           <p:nvPr/>
         </p:nvSpPr>
         <p:spPr>
           <a:xfrm>
             <a:off x="1454760" y="460440"/>
-            <a:ext cx="448560" cy="317520"/>
+            <a:ext cx="448200" cy="317520"/>
           </a:xfrm>
           <a:prstGeom prst="rect">
             <a:avLst/>
@@ -5336,7 +5120,7 @@
       </p:sp>
       <p:sp>
         <p:nvSpPr>
-          <p:cNvPr id="103" name="Line 66"/>
+          <p:cNvPr id="101" name="Line 66"/>
           <p:cNvSpPr/>
           <p:nvPr/>
         </p:nvSpPr>
@@ -5364,14 +5148,14 @@
       </p:sp>
       <p:sp>
         <p:nvSpPr>
-          <p:cNvPr id="104" name="CustomShape 67"/>
+          <p:cNvPr id="102" name="CustomShape 67"/>
           <p:cNvSpPr/>
           <p:nvPr/>
         </p:nvSpPr>
         <p:spPr>
           <a:xfrm>
             <a:off x="2798640" y="887040"/>
-            <a:ext cx="303480" cy="165600"/>
+            <a:ext cx="303120" cy="165600"/>
           </a:xfrm>
           <a:prstGeom prst="rect">
             <a:avLst/>
@@ -5415,14 +5199,14 @@
       </p:sp>
       <p:sp>
         <p:nvSpPr>
-          <p:cNvPr id="105" name="CustomShape 68"/>
+          <p:cNvPr id="103" name="CustomShape 68"/>
           <p:cNvSpPr/>
           <p:nvPr/>
         </p:nvSpPr>
         <p:spPr>
           <a:xfrm>
             <a:off x="2798640" y="1526400"/>
-            <a:ext cx="303480" cy="165600"/>
+            <a:ext cx="303120" cy="165600"/>
           </a:xfrm>
           <a:prstGeom prst="rect">
             <a:avLst/>
@@ -5466,14 +5250,14 @@
       </p:sp>
       <p:sp>
         <p:nvSpPr>
-          <p:cNvPr id="106" name="CustomShape 69"/>
+          <p:cNvPr id="104" name="CustomShape 69"/>
           <p:cNvSpPr/>
           <p:nvPr/>
         </p:nvSpPr>
         <p:spPr>
           <a:xfrm>
             <a:off x="2798640" y="2534400"/>
-            <a:ext cx="303480" cy="165600"/>
+            <a:ext cx="303120" cy="165600"/>
           </a:xfrm>
           <a:prstGeom prst="rect">
             <a:avLst/>
@@ -5517,14 +5301,14 @@
       </p:sp>
       <p:sp>
         <p:nvSpPr>
-          <p:cNvPr id="107" name="CustomShape 70"/>
+          <p:cNvPr id="105" name="CustomShape 70"/>
           <p:cNvSpPr/>
           <p:nvPr/>
         </p:nvSpPr>
         <p:spPr>
           <a:xfrm>
             <a:off x="2798640" y="4118760"/>
-            <a:ext cx="303480" cy="165600"/>
+            <a:ext cx="303120" cy="165600"/>
           </a:xfrm>
           <a:prstGeom prst="rect">
             <a:avLst/>
@@ -5568,14 +5352,14 @@
       </p:sp>
       <p:sp>
         <p:nvSpPr>
-          <p:cNvPr id="108" name="CustomShape 71"/>
+          <p:cNvPr id="106" name="CustomShape 71"/>
           <p:cNvSpPr/>
           <p:nvPr/>
         </p:nvSpPr>
         <p:spPr>
           <a:xfrm>
             <a:off x="2798640" y="4802760"/>
-            <a:ext cx="303480" cy="165600"/>
+            <a:ext cx="303120" cy="165600"/>
           </a:xfrm>
           <a:prstGeom prst="rect">
             <a:avLst/>
@@ -5619,14 +5403,14 @@
       </p:sp>
       <p:sp>
         <p:nvSpPr>
-          <p:cNvPr id="109" name="CustomShape 72"/>
+          <p:cNvPr id="107" name="CustomShape 72"/>
           <p:cNvSpPr/>
           <p:nvPr/>
         </p:nvSpPr>
         <p:spPr>
           <a:xfrm>
             <a:off x="2798640" y="5457240"/>
-            <a:ext cx="303480" cy="165600"/>
+            <a:ext cx="303120" cy="165600"/>
           </a:xfrm>
           <a:prstGeom prst="rect">
             <a:avLst/>
@@ -5670,14 +5454,14 @@
       </p:sp>
       <p:sp>
         <p:nvSpPr>
-          <p:cNvPr id="110" name="CustomShape 73"/>
+          <p:cNvPr id="108" name="CustomShape 73"/>
           <p:cNvSpPr/>
           <p:nvPr/>
         </p:nvSpPr>
         <p:spPr>
           <a:xfrm>
             <a:off x="2798640" y="6093360"/>
-            <a:ext cx="303480" cy="165600"/>
+            <a:ext cx="303120" cy="165600"/>
           </a:xfrm>
           <a:prstGeom prst="rect">
             <a:avLst/>
@@ -5721,14 +5505,14 @@
       </p:sp>
       <p:sp>
         <p:nvSpPr>
-          <p:cNvPr id="111" name="CustomShape 74"/>
+          <p:cNvPr id="109" name="CustomShape 74"/>
           <p:cNvSpPr/>
           <p:nvPr/>
         </p:nvSpPr>
         <p:spPr>
           <a:xfrm>
             <a:off x="3304440" y="3099600"/>
-            <a:ext cx="303480" cy="165600"/>
+            <a:ext cx="303120" cy="165600"/>
           </a:xfrm>
           <a:prstGeom prst="rect">
             <a:avLst/>
@@ -5772,14 +5556,14 @@
       </p:sp>
       <p:sp>
         <p:nvSpPr>
-          <p:cNvPr id="112" name="CustomShape 75"/>
+          <p:cNvPr id="110" name="CustomShape 75"/>
           <p:cNvSpPr/>
           <p:nvPr/>
         </p:nvSpPr>
         <p:spPr>
           <a:xfrm>
             <a:off x="779040" y="3108960"/>
-            <a:ext cx="303480" cy="165600"/>
+            <a:ext cx="303120" cy="165600"/>
           </a:xfrm>
           <a:prstGeom prst="rect">
             <a:avLst/>
@@ -5823,14 +5607,14 @@
       </p:sp>
       <p:sp>
         <p:nvSpPr>
-          <p:cNvPr id="113" name="CustomShape 76"/>
+          <p:cNvPr id="111" name="CustomShape 76"/>
           <p:cNvSpPr/>
           <p:nvPr/>
         </p:nvSpPr>
         <p:spPr>
           <a:xfrm>
             <a:off x="7949160" y="734400"/>
-            <a:ext cx="303480" cy="165600"/>
+            <a:ext cx="303120" cy="165600"/>
           </a:xfrm>
           <a:prstGeom prst="rect">
             <a:avLst/>
@@ -5874,14 +5658,14 @@
       </p:sp>
       <p:sp>
         <p:nvSpPr>
-          <p:cNvPr id="114" name="CustomShape 77"/>
+          <p:cNvPr id="112" name="CustomShape 77"/>
           <p:cNvSpPr/>
           <p:nvPr/>
         </p:nvSpPr>
         <p:spPr>
           <a:xfrm>
             <a:off x="7949160" y="1526400"/>
-            <a:ext cx="303480" cy="165600"/>
+            <a:ext cx="303120" cy="165600"/>
           </a:xfrm>
           <a:prstGeom prst="rect">
             <a:avLst/>
@@ -5925,14 +5709,14 @@
       </p:sp>
       <p:sp>
         <p:nvSpPr>
-          <p:cNvPr id="115" name="CustomShape 78"/>
+          <p:cNvPr id="113" name="CustomShape 78"/>
           <p:cNvSpPr/>
           <p:nvPr/>
         </p:nvSpPr>
         <p:spPr>
           <a:xfrm>
             <a:off x="7955280" y="5400000"/>
-            <a:ext cx="303480" cy="165600"/>
+            <a:ext cx="303120" cy="165600"/>
           </a:xfrm>
           <a:prstGeom prst="rect">
             <a:avLst/>
@@ -5976,14 +5760,14 @@
       </p:sp>
       <p:sp>
         <p:nvSpPr>
-          <p:cNvPr id="116" name="CustomShape 79"/>
+          <p:cNvPr id="114" name="CustomShape 79"/>
           <p:cNvSpPr/>
           <p:nvPr/>
         </p:nvSpPr>
         <p:spPr>
           <a:xfrm>
             <a:off x="6466320" y="2245320"/>
-            <a:ext cx="303480" cy="165600"/>
+            <a:ext cx="303120" cy="165600"/>
           </a:xfrm>
           <a:prstGeom prst="rect">
             <a:avLst/>
@@ -6027,14 +5811,14 @@
       </p:sp>
       <p:sp>
         <p:nvSpPr>
-          <p:cNvPr id="117" name="CustomShape 80"/>
+          <p:cNvPr id="115" name="CustomShape 80"/>
           <p:cNvSpPr/>
           <p:nvPr/>
         </p:nvSpPr>
         <p:spPr>
           <a:xfrm>
             <a:off x="3024000" y="325080"/>
-            <a:ext cx="708840" cy="426600"/>
+            <a:ext cx="708480" cy="426240"/>
           </a:xfrm>
           <a:prstGeom prst="rect">
             <a:avLst/>
@@ -6082,7 +5866,7 @@
       </p:sp>
       <p:sp>
         <p:nvSpPr>
-          <p:cNvPr id="118" name="Line 81"/>
+          <p:cNvPr id="116" name="Line 81"/>
           <p:cNvSpPr/>
           <p:nvPr/>
         </p:nvSpPr>
@@ -6110,14 +5894,14 @@
       </p:sp>
       <p:sp>
         <p:nvSpPr>
-          <p:cNvPr id="119" name="CustomShape 82"/>
+          <p:cNvPr id="117" name="CustomShape 82"/>
           <p:cNvSpPr/>
           <p:nvPr/>
         </p:nvSpPr>
         <p:spPr>
           <a:xfrm>
             <a:off x="2957760" y="612000"/>
-            <a:ext cx="447480" cy="165600"/>
+            <a:ext cx="447120" cy="165600"/>
           </a:xfrm>
           <a:prstGeom prst="rect">
             <a:avLst/>
@@ -6161,7 +5945,7 @@
       </p:sp>
       <p:graphicFrame>
         <p:nvGraphicFramePr>
-          <p:cNvPr id="120" name="Table 83"/>
+          <p:cNvPr id="118" name="Table 83"/>
           <p:cNvGraphicFramePr/>
           <p:nvPr/>
         </p:nvGraphicFramePr>
@@ -6433,14 +6217,14 @@
       </p:graphicFrame>
       <p:sp>
         <p:nvSpPr>
-          <p:cNvPr id="121" name="CustomShape 84"/>
+          <p:cNvPr id="119" name="CustomShape 84"/>
           <p:cNvSpPr/>
           <p:nvPr/>
         </p:nvSpPr>
         <p:spPr>
           <a:xfrm>
             <a:off x="294120" y="6930000"/>
-            <a:ext cx="433080" cy="196200"/>
+            <a:ext cx="432720" cy="196200"/>
           </a:xfrm>
           <a:prstGeom prst="rect">
             <a:avLst/>
@@ -6484,14 +6268,14 @@
       </p:sp>
       <p:sp>
         <p:nvSpPr>
-          <p:cNvPr id="122" name="CustomShape 85"/>
+          <p:cNvPr id="120" name="CustomShape 85"/>
           <p:cNvSpPr/>
           <p:nvPr/>
         </p:nvSpPr>
         <p:spPr>
           <a:xfrm>
             <a:off x="6706080" y="3844080"/>
-            <a:ext cx="1434600" cy="570600"/>
+            <a:ext cx="1434240" cy="570240"/>
           </a:xfrm>
           <a:prstGeom prst="rect">
             <a:avLst/>
@@ -6539,7 +6323,7 @@
       </p:sp>
       <p:sp>
         <p:nvSpPr>
-          <p:cNvPr id="123" name="Line 86"/>
+          <p:cNvPr id="121" name="Line 86"/>
           <p:cNvSpPr/>
           <p:nvPr/>
         </p:nvSpPr>
@@ -6593,7 +6377,7 @@
       </p:sp>
       <p:sp>
         <p:nvSpPr>
-          <p:cNvPr id="124" name="Line 87"/>
+          <p:cNvPr id="122" name="Line 87"/>
           <p:cNvSpPr/>
           <p:nvPr/>
         </p:nvSpPr>
@@ -6647,14 +6431,14 @@
       </p:sp>
       <p:sp>
         <p:nvSpPr>
-          <p:cNvPr id="125" name="CustomShape 88"/>
+          <p:cNvPr id="123" name="CustomShape 88"/>
           <p:cNvSpPr/>
           <p:nvPr/>
         </p:nvSpPr>
         <p:spPr>
           <a:xfrm>
             <a:off x="6658920" y="4197600"/>
-            <a:ext cx="447480" cy="241560"/>
+            <a:ext cx="447120" cy="241560"/>
           </a:xfrm>
           <a:prstGeom prst="rect">
             <a:avLst/>
@@ -6718,14 +6502,14 @@
       </p:sp>
       <p:sp>
         <p:nvSpPr>
-          <p:cNvPr id="126" name="CustomShape 89"/>
+          <p:cNvPr id="124" name="CustomShape 89"/>
           <p:cNvSpPr/>
           <p:nvPr/>
         </p:nvSpPr>
         <p:spPr>
           <a:xfrm>
             <a:off x="7958520" y="3816000"/>
-            <a:ext cx="303480" cy="165600"/>
+            <a:ext cx="303120" cy="165600"/>
           </a:xfrm>
           <a:prstGeom prst="rect">
             <a:avLst/>
@@ -6769,14 +6553,14 @@
       </p:sp>
       <p:sp>
         <p:nvSpPr>
-          <p:cNvPr id="127" name="CustomShape 90"/>
+          <p:cNvPr id="125" name="CustomShape 90"/>
           <p:cNvSpPr/>
           <p:nvPr/>
         </p:nvSpPr>
         <p:spPr>
           <a:xfrm>
             <a:off x="6050160" y="3840840"/>
-            <a:ext cx="570600" cy="261000"/>
+            <a:ext cx="570240" cy="260640"/>
           </a:xfrm>
           <a:prstGeom prst="rect">
             <a:avLst/>
@@ -6824,14 +6608,14 @@
       </p:sp>
       <p:sp>
         <p:nvSpPr>
-          <p:cNvPr id="128" name="CustomShape 91"/>
+          <p:cNvPr id="126" name="CustomShape 91"/>
           <p:cNvSpPr/>
           <p:nvPr/>
         </p:nvSpPr>
         <p:spPr>
           <a:xfrm>
             <a:off x="6050160" y="4154400"/>
-            <a:ext cx="570600" cy="261000"/>
+            <a:ext cx="570240" cy="260640"/>
           </a:xfrm>
           <a:prstGeom prst="rect">
             <a:avLst/>
@@ -6879,7 +6663,7 @@
       </p:sp>
       <p:sp>
         <p:nvSpPr>
-          <p:cNvPr id="129" name="Line 92"/>
+          <p:cNvPr id="127" name="Line 92"/>
           <p:cNvSpPr/>
           <p:nvPr/>
         </p:nvSpPr>
@@ -6907,7 +6691,7 @@
       </p:sp>
       <p:sp>
         <p:nvSpPr>
-          <p:cNvPr id="130" name="Line 93"/>
+          <p:cNvPr id="128" name="Line 93"/>
           <p:cNvSpPr/>
           <p:nvPr/>
         </p:nvSpPr>
@@ -6935,14 +6719,14 @@
       </p:sp>
       <p:sp>
         <p:nvSpPr>
-          <p:cNvPr id="131" name="CustomShape 94"/>
+          <p:cNvPr id="129" name="CustomShape 94"/>
           <p:cNvSpPr/>
           <p:nvPr/>
         </p:nvSpPr>
         <p:spPr>
           <a:xfrm>
             <a:off x="6472800" y="3816000"/>
-            <a:ext cx="303480" cy="165600"/>
+            <a:ext cx="303120" cy="165600"/>
           </a:xfrm>
           <a:prstGeom prst="rect">
             <a:avLst/>
@@ -6986,14 +6770,14 @@
       </p:sp>
       <p:sp>
         <p:nvSpPr>
-          <p:cNvPr id="132" name="CustomShape 95"/>
+          <p:cNvPr id="130" name="CustomShape 95"/>
           <p:cNvSpPr/>
           <p:nvPr/>
         </p:nvSpPr>
         <p:spPr>
           <a:xfrm>
             <a:off x="6472800" y="4125600"/>
-            <a:ext cx="303480" cy="165600"/>
+            <a:ext cx="303120" cy="165600"/>
           </a:xfrm>
           <a:prstGeom prst="rect">
             <a:avLst/>
@@ -7037,14 +6821,14 @@
       </p:sp>
       <p:sp>
         <p:nvSpPr>
-          <p:cNvPr id="133" name="CustomShape 96"/>
+          <p:cNvPr id="131" name="CustomShape 96"/>
           <p:cNvSpPr/>
           <p:nvPr/>
         </p:nvSpPr>
         <p:spPr>
           <a:xfrm>
             <a:off x="6708960" y="4636080"/>
-            <a:ext cx="1434600" cy="570600"/>
+            <a:ext cx="1434240" cy="570240"/>
           </a:xfrm>
           <a:prstGeom prst="rect">
             <a:avLst/>
@@ -7122,7 +6906,7 @@
       </p:sp>
       <p:sp>
         <p:nvSpPr>
-          <p:cNvPr id="134" name="Line 97"/>
+          <p:cNvPr id="132" name="Line 97"/>
           <p:cNvSpPr/>
           <p:nvPr/>
         </p:nvSpPr>
@@ -7176,7 +6960,7 @@
       </p:sp>
       <p:sp>
         <p:nvSpPr>
-          <p:cNvPr id="135" name="Line 98"/>
+          <p:cNvPr id="133" name="Line 98"/>
           <p:cNvSpPr/>
           <p:nvPr/>
         </p:nvSpPr>
@@ -7230,14 +7014,14 @@
       </p:sp>
       <p:sp>
         <p:nvSpPr>
-          <p:cNvPr id="136" name="CustomShape 99"/>
+          <p:cNvPr id="134" name="CustomShape 99"/>
           <p:cNvSpPr/>
           <p:nvPr/>
         </p:nvSpPr>
         <p:spPr>
           <a:xfrm>
             <a:off x="7961400" y="4608000"/>
-            <a:ext cx="303480" cy="165600"/>
+            <a:ext cx="303120" cy="165600"/>
           </a:xfrm>
           <a:prstGeom prst="rect">
             <a:avLst/>
@@ -7281,14 +7065,14 @@
       </p:sp>
       <p:sp>
         <p:nvSpPr>
-          <p:cNvPr id="137" name="CustomShape 100"/>
+          <p:cNvPr id="135" name="CustomShape 100"/>
           <p:cNvSpPr/>
           <p:nvPr/>
         </p:nvSpPr>
         <p:spPr>
           <a:xfrm>
             <a:off x="6708960" y="3844080"/>
-            <a:ext cx="1434600" cy="570600"/>
+            <a:ext cx="1434240" cy="570240"/>
           </a:xfrm>
           <a:prstGeom prst="rect">
             <a:avLst/>
@@ -7336,14 +7120,14 @@
       </p:sp>
       <p:sp>
         <p:nvSpPr>
-          <p:cNvPr id="138" name="CustomShape 101"/>
+          <p:cNvPr id="136" name="CustomShape 101"/>
           <p:cNvSpPr/>
           <p:nvPr/>
         </p:nvSpPr>
         <p:spPr>
           <a:xfrm>
             <a:off x="6647400" y="4125600"/>
-            <a:ext cx="824040" cy="317520"/>
+            <a:ext cx="823680" cy="317520"/>
           </a:xfrm>
           <a:prstGeom prst="rect">
             <a:avLst/>
@@ -7427,14 +7211,14 @@
       </p:sp>
       <p:sp>
         <p:nvSpPr>
-          <p:cNvPr id="139" name="CustomShape 102"/>
+          <p:cNvPr id="137" name="CustomShape 102"/>
           <p:cNvSpPr/>
           <p:nvPr/>
         </p:nvSpPr>
         <p:spPr>
           <a:xfrm>
             <a:off x="7961400" y="3816000"/>
-            <a:ext cx="303480" cy="165600"/>
+            <a:ext cx="303120" cy="165600"/>
           </a:xfrm>
           <a:prstGeom prst="rect">
             <a:avLst/>
@@ -7478,14 +7262,14 @@
       </p:sp>
       <p:sp>
         <p:nvSpPr>
-          <p:cNvPr id="140" name="CustomShape 103"/>
+          <p:cNvPr id="138" name="CustomShape 103"/>
           <p:cNvSpPr/>
           <p:nvPr/>
         </p:nvSpPr>
         <p:spPr>
           <a:xfrm>
             <a:off x="6053040" y="3840840"/>
-            <a:ext cx="570600" cy="261000"/>
+            <a:ext cx="570240" cy="260640"/>
           </a:xfrm>
           <a:prstGeom prst="rect">
             <a:avLst/>
@@ -7533,14 +7317,14 @@
       </p:sp>
       <p:sp>
         <p:nvSpPr>
-          <p:cNvPr id="141" name="CustomShape 104"/>
+          <p:cNvPr id="139" name="CustomShape 104"/>
           <p:cNvSpPr/>
           <p:nvPr/>
         </p:nvSpPr>
         <p:spPr>
           <a:xfrm>
             <a:off x="6053040" y="4154400"/>
-            <a:ext cx="570600" cy="261000"/>
+            <a:ext cx="570240" cy="260640"/>
           </a:xfrm>
           <a:prstGeom prst="rect">
             <a:avLst/>
@@ -7588,7 +7372,7 @@
       </p:sp>
       <p:sp>
         <p:nvSpPr>
-          <p:cNvPr id="142" name="Line 105"/>
+          <p:cNvPr id="140" name="Line 105"/>
           <p:cNvSpPr/>
           <p:nvPr/>
         </p:nvSpPr>
@@ -7616,7 +7400,7 @@
       </p:sp>
       <p:sp>
         <p:nvSpPr>
-          <p:cNvPr id="143" name="Line 106"/>
+          <p:cNvPr id="141" name="Line 106"/>
           <p:cNvSpPr/>
           <p:nvPr/>
         </p:nvSpPr>
@@ -7644,14 +7428,14 @@
       </p:sp>
       <p:sp>
         <p:nvSpPr>
-          <p:cNvPr id="144" name="CustomShape 107"/>
+          <p:cNvPr id="142" name="CustomShape 107"/>
           <p:cNvSpPr/>
           <p:nvPr/>
         </p:nvSpPr>
         <p:spPr>
           <a:xfrm>
             <a:off x="6475680" y="3816000"/>
-            <a:ext cx="303480" cy="165600"/>
+            <a:ext cx="303120" cy="165600"/>
           </a:xfrm>
           <a:prstGeom prst="rect">
             <a:avLst/>
@@ -7695,14 +7479,14 @@
       </p:sp>
       <p:sp>
         <p:nvSpPr>
-          <p:cNvPr id="145" name="CustomShape 108"/>
+          <p:cNvPr id="143" name="CustomShape 108"/>
           <p:cNvSpPr/>
           <p:nvPr/>
         </p:nvSpPr>
         <p:spPr>
           <a:xfrm>
             <a:off x="6475680" y="4125600"/>
-            <a:ext cx="303480" cy="165600"/>
+            <a:ext cx="303120" cy="165600"/>
           </a:xfrm>
           <a:prstGeom prst="rect">
             <a:avLst/>
@@ -7746,7 +7530,7 @@
       </p:sp>
       <p:sp>
         <p:nvSpPr>
-          <p:cNvPr id="146" name="Line 109"/>
+          <p:cNvPr id="144" name="Line 109"/>
           <p:cNvSpPr/>
           <p:nvPr/>
         </p:nvSpPr>
@@ -7800,7 +7584,7 @@
       </p:sp>
       <p:sp>
         <p:nvSpPr>
-          <p:cNvPr id="147" name="Line 110"/>
+          <p:cNvPr id="145" name="Line 110"/>
           <p:cNvSpPr/>
           <p:nvPr/>
         </p:nvSpPr>
@@ -7854,14 +7638,14 @@
       </p:sp>
       <p:sp>
         <p:nvSpPr>
-          <p:cNvPr id="148" name="CustomShape 111"/>
+          <p:cNvPr id="146" name="CustomShape 111"/>
           <p:cNvSpPr/>
           <p:nvPr/>
         </p:nvSpPr>
         <p:spPr>
           <a:xfrm>
             <a:off x="6647400" y="4831920"/>
-            <a:ext cx="824040" cy="393480"/>
+            <a:ext cx="823680" cy="393480"/>
           </a:xfrm>
           <a:prstGeom prst="rect">
             <a:avLst/>
@@ -7965,14 +7749,14 @@
       </p:sp>
       <p:sp>
         <p:nvSpPr>
-          <p:cNvPr id="149" name="CustomShape 112"/>
+          <p:cNvPr id="147" name="CustomShape 112"/>
           <p:cNvSpPr/>
           <p:nvPr/>
         </p:nvSpPr>
         <p:spPr>
           <a:xfrm>
             <a:off x="6640200" y="5479200"/>
-            <a:ext cx="824040" cy="545400"/>
+            <a:ext cx="823680" cy="545400"/>
           </a:xfrm>
           <a:prstGeom prst="rect">
             <a:avLst/>
@@ -8116,7 +7900,7 @@
       </p:sp>
       <p:sp>
         <p:nvSpPr>
-          <p:cNvPr id="150" name="Line 113"/>
+          <p:cNvPr id="148" name="Line 113"/>
           <p:cNvSpPr/>
           <p:nvPr/>
         </p:nvSpPr>
@@ -8170,7 +7954,7 @@
       </p:sp>
       <p:sp>
         <p:nvSpPr>
-          <p:cNvPr id="151" name="Line 114"/>
+          <p:cNvPr id="149" name="Line 114"/>
           <p:cNvSpPr/>
           <p:nvPr/>
         </p:nvSpPr>
@@ -8224,7 +8008,7 @@
       </p:sp>
       <p:sp>
         <p:nvSpPr>
-          <p:cNvPr id="152" name="Line 115"/>
+          <p:cNvPr id="150" name="Line 115"/>
           <p:cNvSpPr/>
           <p:nvPr/>
         </p:nvSpPr>
@@ -8278,7 +8062,7 @@
       </p:sp>
       <p:sp>
         <p:nvSpPr>
-          <p:cNvPr id="153" name="Line 116"/>
+          <p:cNvPr id="151" name="Line 116"/>
           <p:cNvSpPr/>
           <p:nvPr/>
         </p:nvSpPr>
@@ -8332,7 +8116,7 @@
       </p:sp>
       <p:sp>
         <p:nvSpPr>
-          <p:cNvPr id="154" name="Line 117"/>
+          <p:cNvPr id="152" name="Line 117"/>
           <p:cNvSpPr/>
           <p:nvPr/>
         </p:nvSpPr>
@@ -8379,6 +8163,81 @@
               <a:t>DATA_TO_X</a:t>
             </a:r>
             <a:endParaRPr b="0" lang="de-DE" sz="500" spc="-1" strike="noStrike">
+              <a:latin typeface="Arial"/>
+            </a:endParaRPr>
+          </a:p>
+        </p:txBody>
+      </p:sp>
+      <p:sp>
+        <p:nvSpPr>
+          <p:cNvPr id="153" name="CustomShape 118"/>
+          <p:cNvSpPr/>
+          <p:nvPr/>
+        </p:nvSpPr>
+        <p:spPr>
+          <a:xfrm>
+            <a:off x="6729840" y="2292840"/>
+            <a:ext cx="1383480" cy="412200"/>
+          </a:xfrm>
+          <a:prstGeom prst="rect">
+            <a:avLst/>
+          </a:prstGeom>
+          <a:solidFill>
+            <a:srgbClr val="cccccc"/>
+          </a:solidFill>
+          <a:ln>
+            <a:solidFill>
+              <a:srgbClr val="000000"/>
+            </a:solidFill>
+          </a:ln>
+        </p:spPr>
+        <p:style>
+          <a:lnRef idx="0"/>
+          <a:fillRef idx="0"/>
+          <a:effectRef idx="0"/>
+          <a:fontRef idx="minor"/>
+        </p:style>
+        <p:txBody>
+          <a:bodyPr wrap="none" lIns="90000" rIns="90000" tIns="45000" bIns="45000" anchor="ctr">
+            <a:noAutofit/>
+          </a:bodyPr>
+          <a:p>
+            <a:pPr algn="ctr">
+              <a:lnSpc>
+                <a:spcPct val="100000"/>
+              </a:lnSpc>
+            </a:pPr>
+            <a:r>
+              <a:rPr b="0" lang="de-DE" sz="700" spc="-1" strike="noStrike">
+                <a:solidFill>
+                  <a:srgbClr val="000000"/>
+                </a:solidFill>
+                <a:latin typeface="Arial"/>
+                <a:ea typeface="DejaVu Sans"/>
+              </a:rPr>
+              <a:t>2K x 8</a:t>
+            </a:r>
+            <a:endParaRPr b="0" lang="de-DE" sz="700" spc="-1" strike="noStrike">
+              <a:latin typeface="Arial"/>
+            </a:endParaRPr>
+          </a:p>
+          <a:p>
+            <a:pPr algn="ctr">
+              <a:lnSpc>
+                <a:spcPct val="100000"/>
+              </a:lnSpc>
+            </a:pPr>
+            <a:r>
+              <a:rPr b="0" lang="de-DE" sz="700" spc="-1" strike="noStrike">
+                <a:solidFill>
+                  <a:srgbClr val="000000"/>
+                </a:solidFill>
+                <a:latin typeface="Arial"/>
+                <a:ea typeface="DejaVu Sans"/>
+              </a:rPr>
+              <a:t>ROM</a:t>
+            </a:r>
+            <a:endParaRPr b="0" lang="de-DE" sz="700" spc="-1" strike="noStrike">
               <a:latin typeface="Arial"/>
             </a:endParaRPr>
           </a:p>
